--- a/docs/VS model.pptx
+++ b/docs/VS model.pptx
@@ -5,7 +5,7 @@
     <p:sldMasterId id="2147483648" r:id="rId1"/>
   </p:sldMasterIdLst>
   <p:notesMasterIdLst>
-    <p:notesMasterId r:id="rId44"/>
+    <p:notesMasterId r:id="rId46"/>
   </p:notesMasterIdLst>
   <p:sldIdLst>
     <p:sldId id="265" r:id="rId2"/>
@@ -43,13 +43,15 @@
     <p:sldId id="282" r:id="rId34"/>
     <p:sldId id="278" r:id="rId35"/>
     <p:sldId id="283" r:id="rId36"/>
-    <p:sldId id="284" r:id="rId37"/>
-    <p:sldId id="285" r:id="rId38"/>
-    <p:sldId id="286" r:id="rId39"/>
-    <p:sldId id="290" r:id="rId40"/>
-    <p:sldId id="291" r:id="rId41"/>
-    <p:sldId id="289" r:id="rId42"/>
-    <p:sldId id="309" r:id="rId43"/>
+    <p:sldId id="315" r:id="rId37"/>
+    <p:sldId id="316" r:id="rId38"/>
+    <p:sldId id="284" r:id="rId39"/>
+    <p:sldId id="285" r:id="rId40"/>
+    <p:sldId id="286" r:id="rId41"/>
+    <p:sldId id="290" r:id="rId42"/>
+    <p:sldId id="291" r:id="rId43"/>
+    <p:sldId id="289" r:id="rId44"/>
+    <p:sldId id="309" r:id="rId45"/>
   </p:sldIdLst>
   <p:sldSz cx="9144000" cy="6858000" type="screen4x3"/>
   <p:notesSz cx="6858000" cy="9144000"/>
@@ -249,7 +251,7 @@
           <a:p>
             <a:fld id="{2AF2F049-48AD-44DF-A836-28AA8AE07C7D}" type="datetimeFigureOut">
               <a:rPr lang="en-US" smtClean="0"/>
-              <a:t>1/19/2015</a:t>
+              <a:t>1/21/2015</a:t>
             </a:fld>
             <a:endParaRPr lang="en-US"/>
           </a:p>
@@ -750,7 +752,7 @@
           <a:p>
             <a:fld id="{5301135E-B23C-467D-866E-5E27626D91E8}" type="slidenum">
               <a:rPr lang="en-US" smtClean="0"/>
-              <a:t>41</a:t>
+              <a:t>43</a:t>
             </a:fld>
             <a:endParaRPr lang="en-US"/>
           </a:p>
@@ -8553,8 +8555,8 @@
           </a:p>
         </p:txBody>
       </p:sp>
-      <mc:AlternateContent xmlns:mc="http://schemas.openxmlformats.org/markup-compatibility/2006">
-        <mc:Choice xmlns:a14="http://schemas.microsoft.com/office/drawing/2010/main" Requires="a14">
+      <mc:AlternateContent xmlns:mc="http://schemas.openxmlformats.org/markup-compatibility/2006" xmlns:a14="http://schemas.microsoft.com/office/drawing/2010/main">
+        <mc:Choice Requires="a14">
           <p:sp>
             <p:nvSpPr>
               <p:cNvPr id="3" name="Content Placeholder 2"/>
@@ -8612,11 +8614,7 @@
                 <a:pPr lvl="1"/>
                 <a:r>
                   <a:rPr lang="en-US" altLang="en-US" dirty="0" smtClean="0"/>
-                  <a:t>Basis concepts are </a:t>
-                </a:r>
-                <a:r>
-                  <a:rPr lang="en-US" altLang="en-US" dirty="0" smtClean="0"/>
-                  <a:t>clearly not linearly independent!</a:t>
+                  <a:t>Basis concepts are clearly not linearly independent!</a:t>
                 </a:r>
                 <a:endParaRPr lang="en-US" dirty="0" smtClean="0"/>
               </a:p>
@@ -8708,7 +8706,7 @@
             </p:txBody>
           </p:sp>
         </mc:Choice>
-        <mc:Fallback>
+        <mc:Fallback xmlns="">
           <p:sp>
             <p:nvSpPr>
               <p:cNvPr id="3" name="Content Placeholder 2"/>
@@ -23973,11 +23971,7 @@
           <a:p>
             <a:r>
               <a:rPr lang="en-US" altLang="en-US" dirty="0" smtClean="0"/>
-              <a:t>Inverse </a:t>
-            </a:r>
-            <a:r>
-              <a:rPr lang="en-US" altLang="en-US" dirty="0" smtClean="0"/>
-              <a:t>document frequency</a:t>
+              <a:t>Inverse document frequency</a:t>
             </a:r>
             <a:endParaRPr lang="en-US" altLang="en-US" dirty="0"/>
           </a:p>
@@ -27965,6 +27959,3536 @@
       </p:grpSpPr>
       <p:sp>
         <p:nvSpPr>
+          <p:cNvPr id="17410" name="Rectangle 2"/>
+          <p:cNvSpPr>
+            <a:spLocks noGrp="1" noChangeArrowheads="1"/>
+          </p:cNvSpPr>
+          <p:nvPr>
+            <p:ph type="title"/>
+          </p:nvPr>
+        </p:nvSpPr>
+        <p:spPr/>
+        <p:txBody>
+          <a:bodyPr>
+            <a:normAutofit fontScale="90000"/>
+          </a:bodyPr>
+          <a:lstStyle/>
+          <a:p>
+            <a:r>
+              <a:rPr lang="en-US" sz="4000" dirty="0" smtClean="0"/>
+              <a:t>Recap: constructing </a:t>
+            </a:r>
+            <a:r>
+              <a:rPr lang="en-US" sz="4000" dirty="0" smtClean="0"/>
+              <a:t>a VSM representation</a:t>
+            </a:r>
+            <a:endParaRPr lang="en-US" altLang="en-US" sz="4000" dirty="0" smtClean="0">
+              <a:latin typeface="Arial" charset="0"/>
+              <a:cs typeface="Arial" charset="0"/>
+            </a:endParaRPr>
+          </a:p>
+        </p:txBody>
+      </p:sp>
+      <p:sp>
+        <p:nvSpPr>
+          <p:cNvPr id="2" name="Date Placeholder 1"/>
+          <p:cNvSpPr>
+            <a:spLocks noGrp="1"/>
+          </p:cNvSpPr>
+          <p:nvPr>
+            <p:ph type="dt" sz="half" idx="10"/>
+          </p:nvPr>
+        </p:nvSpPr>
+        <p:spPr/>
+        <p:txBody>
+          <a:bodyPr/>
+          <a:lstStyle/>
+          <a:p>
+            <a:r>
+              <a:rPr lang="en-US" smtClean="0"/>
+              <a:t>CS@UVa</a:t>
+            </a:r>
+            <a:endParaRPr lang="en-US"/>
+          </a:p>
+        </p:txBody>
+      </p:sp>
+      <p:sp>
+        <p:nvSpPr>
+          <p:cNvPr id="5" name="Footer Placeholder 4"/>
+          <p:cNvSpPr>
+            <a:spLocks noGrp="1"/>
+          </p:cNvSpPr>
+          <p:nvPr>
+            <p:ph type="ftr" sz="quarter" idx="11"/>
+          </p:nvPr>
+        </p:nvSpPr>
+        <p:spPr/>
+        <p:txBody>
+          <a:bodyPr/>
+          <a:lstStyle/>
+          <a:p>
+            <a:r>
+              <a:rPr lang="en-US" smtClean="0"/>
+              <a:t>CS 6501: Text Mining</a:t>
+            </a:r>
+            <a:endParaRPr lang="en-US"/>
+          </a:p>
+        </p:txBody>
+      </p:sp>
+      <p:sp>
+        <p:nvSpPr>
+          <p:cNvPr id="6" name="Slide Number Placeholder 5"/>
+          <p:cNvSpPr>
+            <a:spLocks noGrp="1"/>
+          </p:cNvSpPr>
+          <p:nvPr>
+            <p:ph type="sldNum" sz="quarter" idx="12"/>
+          </p:nvPr>
+        </p:nvSpPr>
+        <p:spPr/>
+        <p:txBody>
+          <a:bodyPr/>
+          <a:lstStyle/>
+          <a:p>
+            <a:fld id="{8FFD2F68-5222-4E23-9325-DA915C0C80C8}" type="slidenum">
+              <a:rPr lang="en-US" smtClean="0"/>
+              <a:t>36</a:t>
+            </a:fld>
+            <a:endParaRPr lang="en-US"/>
+          </a:p>
+        </p:txBody>
+      </p:sp>
+      <p:sp>
+        <p:nvSpPr>
+          <p:cNvPr id="62" name="TextBox 61"/>
+          <p:cNvSpPr txBox="1"/>
+          <p:nvPr/>
+        </p:nvSpPr>
+        <p:spPr>
+          <a:xfrm>
+            <a:off x="1143000" y="4216909"/>
+            <a:ext cx="5257800" cy="400110"/>
+          </a:xfrm>
+          <a:prstGeom prst="rect">
+            <a:avLst/>
+          </a:prstGeom>
+          <a:noFill/>
+        </p:spPr>
+        <p:txBody>
+          <a:bodyPr wrap="square" rtlCol="0">
+            <a:spAutoFit/>
+          </a:bodyPr>
+          <a:lstStyle/>
+          <a:p>
+            <a:pPr marL="342900" indent="-342900">
+              <a:buFont typeface="+mj-lt"/>
+              <a:buAutoNum type="arabicPeriod" startAt="4"/>
+            </a:pPr>
+            <a:r>
+              <a:rPr lang="en-US" sz="2000" b="1" dirty="0" smtClean="0">
+                <a:solidFill>
+                  <a:srgbClr val="FF0000"/>
+                </a:solidFill>
+              </a:rPr>
+              <a:t>Stopword/controlled vocabulary filtering:</a:t>
+            </a:r>
+            <a:endParaRPr lang="en-US" sz="2000" b="1" dirty="0">
+              <a:solidFill>
+                <a:srgbClr val="FF0000"/>
+              </a:solidFill>
+            </a:endParaRPr>
+          </a:p>
+        </p:txBody>
+      </p:sp>
+      <p:pic>
+        <p:nvPicPr>
+          <p:cNvPr id="2050" name="Picture 2" descr="http://web.eecs.utk.edu/~mberry/sc95/gif/berry_table402.gif"/>
+          <p:cNvPicPr>
+            <a:picLocks noChangeAspect="1" noChangeArrowheads="1"/>
+          </p:cNvPicPr>
+          <p:nvPr/>
+        </p:nvPicPr>
+        <p:blipFill>
+          <a:blip r:embed="rId2">
+            <a:extLst>
+              <a:ext uri="{28A0092B-C50C-407E-A947-70E740481C1C}">
+                <a14:useLocalDpi xmlns:a14="http://schemas.microsoft.com/office/drawing/2010/main" val="0"/>
+              </a:ext>
+            </a:extLst>
+          </a:blip>
+          <a:srcRect/>
+          <a:stretch>
+            <a:fillRect/>
+          </a:stretch>
+        </p:blipFill>
+        <p:spPr bwMode="auto">
+          <a:xfrm>
+            <a:off x="3287487" y="5029200"/>
+            <a:ext cx="2482108" cy="1391836"/>
+          </a:xfrm>
+          <a:prstGeom prst="rect">
+            <a:avLst/>
+          </a:prstGeom>
+          <a:noFill/>
+          <a:extLst>
+            <a:ext uri="{909E8E84-426E-40DD-AFC4-6F175D3DCCD1}">
+              <a14:hiddenFill xmlns:a14="http://schemas.microsoft.com/office/drawing/2010/main">
+                <a:solidFill>
+                  <a:srgbClr val="FFFFFF"/>
+                </a:solidFill>
+              </a14:hiddenFill>
+            </a:ext>
+          </a:extLst>
+        </p:spPr>
+      </p:pic>
+      <p:sp>
+        <p:nvSpPr>
+          <p:cNvPr id="23" name="TextBox 22"/>
+          <p:cNvSpPr txBox="1"/>
+          <p:nvPr/>
+        </p:nvSpPr>
+        <p:spPr>
+          <a:xfrm>
+            <a:off x="5947564" y="5468433"/>
+            <a:ext cx="1748636" cy="646331"/>
+          </a:xfrm>
+          <a:prstGeom prst="rect">
+            <a:avLst/>
+          </a:prstGeom>
+          <a:noFill/>
+        </p:spPr>
+        <p:txBody>
+          <a:bodyPr wrap="square" rtlCol="0">
+            <a:spAutoFit/>
+          </a:bodyPr>
+          <a:lstStyle/>
+          <a:p>
+            <a:r>
+              <a:rPr lang="en-US" b="1" i="1" dirty="0" smtClean="0"/>
+              <a:t>Documents in a vector space!</a:t>
+            </a:r>
+            <a:endParaRPr lang="en-US" b="1" i="1" dirty="0"/>
+          </a:p>
+        </p:txBody>
+      </p:sp>
+      <p:grpSp>
+        <p:nvGrpSpPr>
+          <p:cNvPr id="16" name="Group 15"/>
+          <p:cNvGrpSpPr/>
+          <p:nvPr/>
+        </p:nvGrpSpPr>
+        <p:grpSpPr>
+          <a:xfrm>
+            <a:off x="3287487" y="1199443"/>
+            <a:ext cx="2373326" cy="731520"/>
+            <a:chOff x="3287487" y="1097280"/>
+            <a:chExt cx="2373326" cy="731520"/>
+          </a:xfrm>
+        </p:grpSpPr>
+        <p:grpSp>
+          <p:nvGrpSpPr>
+            <p:cNvPr id="10" name="Group 9"/>
+            <p:cNvGrpSpPr/>
+            <p:nvPr/>
+          </p:nvGrpSpPr>
+          <p:grpSpPr>
+            <a:xfrm>
+              <a:off x="3287487" y="1097280"/>
+              <a:ext cx="1097280" cy="731520"/>
+              <a:chOff x="2392441" y="2980944"/>
+              <a:chExt cx="1097280" cy="731520"/>
+            </a:xfrm>
+          </p:grpSpPr>
+          <p:sp>
+            <p:nvSpPr>
+              <p:cNvPr id="17443" name="AutoShape 5"/>
+              <p:cNvSpPr>
+                <a:spLocks noChangeArrowheads="1"/>
+              </p:cNvSpPr>
+              <p:nvPr/>
+            </p:nvSpPr>
+            <p:spPr bwMode="auto">
+              <a:xfrm>
+                <a:off x="2392441" y="2980944"/>
+                <a:ext cx="274320" cy="390144"/>
+              </a:xfrm>
+              <a:prstGeom prst="foldedCorner">
+                <a:avLst>
+                  <a:gd name="adj" fmla="val 12500"/>
+                </a:avLst>
+              </a:prstGeom>
+              <a:solidFill>
+                <a:schemeClr val="accent1"/>
+              </a:solidFill>
+              <a:ln w="9525">
+                <a:solidFill>
+                  <a:schemeClr val="tx1"/>
+                </a:solidFill>
+                <a:round/>
+                <a:headEnd/>
+                <a:tailEnd/>
+              </a:ln>
+            </p:spPr>
+            <p:txBody>
+              <a:bodyPr wrap="none" anchor="ctr"/>
+              <a:lstStyle>
+                <a:lvl1pPr eaLnBrk="0" hangingPunct="0">
+                  <a:defRPr sz="2400">
+                    <a:solidFill>
+                      <a:schemeClr val="tx1"/>
+                    </a:solidFill>
+                    <a:latin typeface="Gill Sans MT" pitchFamily="34" charset="0"/>
+                  </a:defRPr>
+                </a:lvl1pPr>
+                <a:lvl2pPr marL="742950" indent="-285750" eaLnBrk="0" hangingPunct="0">
+                  <a:defRPr sz="2400">
+                    <a:solidFill>
+                      <a:schemeClr val="tx1"/>
+                    </a:solidFill>
+                    <a:latin typeface="Gill Sans MT" pitchFamily="34" charset="0"/>
+                  </a:defRPr>
+                </a:lvl2pPr>
+                <a:lvl3pPr marL="1143000" indent="-228600" eaLnBrk="0" hangingPunct="0">
+                  <a:defRPr sz="2400">
+                    <a:solidFill>
+                      <a:schemeClr val="tx1"/>
+                    </a:solidFill>
+                    <a:latin typeface="Gill Sans MT" pitchFamily="34" charset="0"/>
+                  </a:defRPr>
+                </a:lvl3pPr>
+                <a:lvl4pPr marL="1600200" indent="-228600" eaLnBrk="0" hangingPunct="0">
+                  <a:defRPr sz="2400">
+                    <a:solidFill>
+                      <a:schemeClr val="tx1"/>
+                    </a:solidFill>
+                    <a:latin typeface="Gill Sans MT" pitchFamily="34" charset="0"/>
+                  </a:defRPr>
+                </a:lvl4pPr>
+                <a:lvl5pPr marL="2057400" indent="-228600" eaLnBrk="0" hangingPunct="0">
+                  <a:defRPr sz="2400">
+                    <a:solidFill>
+                      <a:schemeClr val="tx1"/>
+                    </a:solidFill>
+                    <a:latin typeface="Gill Sans MT" pitchFamily="34" charset="0"/>
+                  </a:defRPr>
+                </a:lvl5pPr>
+                <a:lvl6pPr marL="2514600" indent="-228600" eaLnBrk="0" fontAlgn="base" hangingPunct="0">
+                  <a:spcBef>
+                    <a:spcPct val="0"/>
+                  </a:spcBef>
+                  <a:spcAft>
+                    <a:spcPct val="0"/>
+                  </a:spcAft>
+                  <a:defRPr sz="2400">
+                    <a:solidFill>
+                      <a:schemeClr val="tx1"/>
+                    </a:solidFill>
+                    <a:latin typeface="Gill Sans MT" pitchFamily="34" charset="0"/>
+                  </a:defRPr>
+                </a:lvl6pPr>
+                <a:lvl7pPr marL="2971800" indent="-228600" eaLnBrk="0" fontAlgn="base" hangingPunct="0">
+                  <a:spcBef>
+                    <a:spcPct val="0"/>
+                  </a:spcBef>
+                  <a:spcAft>
+                    <a:spcPct val="0"/>
+                  </a:spcAft>
+                  <a:defRPr sz="2400">
+                    <a:solidFill>
+                      <a:schemeClr val="tx1"/>
+                    </a:solidFill>
+                    <a:latin typeface="Gill Sans MT" pitchFamily="34" charset="0"/>
+                  </a:defRPr>
+                </a:lvl7pPr>
+                <a:lvl8pPr marL="3429000" indent="-228600" eaLnBrk="0" fontAlgn="base" hangingPunct="0">
+                  <a:spcBef>
+                    <a:spcPct val="0"/>
+                  </a:spcBef>
+                  <a:spcAft>
+                    <a:spcPct val="0"/>
+                  </a:spcAft>
+                  <a:defRPr sz="2400">
+                    <a:solidFill>
+                      <a:schemeClr val="tx1"/>
+                    </a:solidFill>
+                    <a:latin typeface="Gill Sans MT" pitchFamily="34" charset="0"/>
+                  </a:defRPr>
+                </a:lvl8pPr>
+                <a:lvl9pPr marL="3886200" indent="-228600" eaLnBrk="0" fontAlgn="base" hangingPunct="0">
+                  <a:spcBef>
+                    <a:spcPct val="0"/>
+                  </a:spcBef>
+                  <a:spcAft>
+                    <a:spcPct val="0"/>
+                  </a:spcAft>
+                  <a:defRPr sz="2400">
+                    <a:solidFill>
+                      <a:schemeClr val="tx1"/>
+                    </a:solidFill>
+                    <a:latin typeface="Gill Sans MT" pitchFamily="34" charset="0"/>
+                  </a:defRPr>
+                </a:lvl9pPr>
+              </a:lstStyle>
+              <a:p>
+                <a:pPr eaLnBrk="1" hangingPunct="1"/>
+                <a:endParaRPr lang="en-US" altLang="en-US">
+                  <a:latin typeface="+mn-lt"/>
+                </a:endParaRPr>
+              </a:p>
+            </p:txBody>
+          </p:sp>
+          <p:sp>
+            <p:nvSpPr>
+              <p:cNvPr id="17444" name="AutoShape 6"/>
+              <p:cNvSpPr>
+                <a:spLocks noChangeArrowheads="1"/>
+              </p:cNvSpPr>
+              <p:nvPr/>
+            </p:nvSpPr>
+            <p:spPr bwMode="auto">
+              <a:xfrm>
+                <a:off x="2483881" y="3078480"/>
+                <a:ext cx="274320" cy="390144"/>
+              </a:xfrm>
+              <a:prstGeom prst="foldedCorner">
+                <a:avLst>
+                  <a:gd name="adj" fmla="val 12500"/>
+                </a:avLst>
+              </a:prstGeom>
+              <a:solidFill>
+                <a:schemeClr val="accent1"/>
+              </a:solidFill>
+              <a:ln w="9525">
+                <a:solidFill>
+                  <a:schemeClr val="tx1"/>
+                </a:solidFill>
+                <a:round/>
+                <a:headEnd/>
+                <a:tailEnd/>
+              </a:ln>
+            </p:spPr>
+            <p:txBody>
+              <a:bodyPr wrap="none" anchor="ctr"/>
+              <a:lstStyle>
+                <a:lvl1pPr eaLnBrk="0" hangingPunct="0">
+                  <a:defRPr sz="2400">
+                    <a:solidFill>
+                      <a:schemeClr val="tx1"/>
+                    </a:solidFill>
+                    <a:latin typeface="Gill Sans MT" pitchFamily="34" charset="0"/>
+                  </a:defRPr>
+                </a:lvl1pPr>
+                <a:lvl2pPr marL="742950" indent="-285750" eaLnBrk="0" hangingPunct="0">
+                  <a:defRPr sz="2400">
+                    <a:solidFill>
+                      <a:schemeClr val="tx1"/>
+                    </a:solidFill>
+                    <a:latin typeface="Gill Sans MT" pitchFamily="34" charset="0"/>
+                  </a:defRPr>
+                </a:lvl2pPr>
+                <a:lvl3pPr marL="1143000" indent="-228600" eaLnBrk="0" hangingPunct="0">
+                  <a:defRPr sz="2400">
+                    <a:solidFill>
+                      <a:schemeClr val="tx1"/>
+                    </a:solidFill>
+                    <a:latin typeface="Gill Sans MT" pitchFamily="34" charset="0"/>
+                  </a:defRPr>
+                </a:lvl3pPr>
+                <a:lvl4pPr marL="1600200" indent="-228600" eaLnBrk="0" hangingPunct="0">
+                  <a:defRPr sz="2400">
+                    <a:solidFill>
+                      <a:schemeClr val="tx1"/>
+                    </a:solidFill>
+                    <a:latin typeface="Gill Sans MT" pitchFamily="34" charset="0"/>
+                  </a:defRPr>
+                </a:lvl4pPr>
+                <a:lvl5pPr marL="2057400" indent="-228600" eaLnBrk="0" hangingPunct="0">
+                  <a:defRPr sz="2400">
+                    <a:solidFill>
+                      <a:schemeClr val="tx1"/>
+                    </a:solidFill>
+                    <a:latin typeface="Gill Sans MT" pitchFamily="34" charset="0"/>
+                  </a:defRPr>
+                </a:lvl5pPr>
+                <a:lvl6pPr marL="2514600" indent="-228600" eaLnBrk="0" fontAlgn="base" hangingPunct="0">
+                  <a:spcBef>
+                    <a:spcPct val="0"/>
+                  </a:spcBef>
+                  <a:spcAft>
+                    <a:spcPct val="0"/>
+                  </a:spcAft>
+                  <a:defRPr sz="2400">
+                    <a:solidFill>
+                      <a:schemeClr val="tx1"/>
+                    </a:solidFill>
+                    <a:latin typeface="Gill Sans MT" pitchFamily="34" charset="0"/>
+                  </a:defRPr>
+                </a:lvl6pPr>
+                <a:lvl7pPr marL="2971800" indent="-228600" eaLnBrk="0" fontAlgn="base" hangingPunct="0">
+                  <a:spcBef>
+                    <a:spcPct val="0"/>
+                  </a:spcBef>
+                  <a:spcAft>
+                    <a:spcPct val="0"/>
+                  </a:spcAft>
+                  <a:defRPr sz="2400">
+                    <a:solidFill>
+                      <a:schemeClr val="tx1"/>
+                    </a:solidFill>
+                    <a:latin typeface="Gill Sans MT" pitchFamily="34" charset="0"/>
+                  </a:defRPr>
+                </a:lvl7pPr>
+                <a:lvl8pPr marL="3429000" indent="-228600" eaLnBrk="0" fontAlgn="base" hangingPunct="0">
+                  <a:spcBef>
+                    <a:spcPct val="0"/>
+                  </a:spcBef>
+                  <a:spcAft>
+                    <a:spcPct val="0"/>
+                  </a:spcAft>
+                  <a:defRPr sz="2400">
+                    <a:solidFill>
+                      <a:schemeClr val="tx1"/>
+                    </a:solidFill>
+                    <a:latin typeface="Gill Sans MT" pitchFamily="34" charset="0"/>
+                  </a:defRPr>
+                </a:lvl8pPr>
+                <a:lvl9pPr marL="3886200" indent="-228600" eaLnBrk="0" fontAlgn="base" hangingPunct="0">
+                  <a:spcBef>
+                    <a:spcPct val="0"/>
+                  </a:spcBef>
+                  <a:spcAft>
+                    <a:spcPct val="0"/>
+                  </a:spcAft>
+                  <a:defRPr sz="2400">
+                    <a:solidFill>
+                      <a:schemeClr val="tx1"/>
+                    </a:solidFill>
+                    <a:latin typeface="Gill Sans MT" pitchFamily="34" charset="0"/>
+                  </a:defRPr>
+                </a:lvl9pPr>
+              </a:lstStyle>
+              <a:p>
+                <a:pPr eaLnBrk="1" hangingPunct="1"/>
+                <a:endParaRPr lang="en-US" altLang="en-US">
+                  <a:latin typeface="+mn-lt"/>
+                </a:endParaRPr>
+              </a:p>
+            </p:txBody>
+          </p:sp>
+          <p:sp>
+            <p:nvSpPr>
+              <p:cNvPr id="17445" name="AutoShape 7"/>
+              <p:cNvSpPr>
+                <a:spLocks noChangeArrowheads="1"/>
+              </p:cNvSpPr>
+              <p:nvPr/>
+            </p:nvSpPr>
+            <p:spPr bwMode="auto">
+              <a:xfrm>
+                <a:off x="2575321" y="3176016"/>
+                <a:ext cx="274320" cy="390144"/>
+              </a:xfrm>
+              <a:prstGeom prst="foldedCorner">
+                <a:avLst>
+                  <a:gd name="adj" fmla="val 12500"/>
+                </a:avLst>
+              </a:prstGeom>
+              <a:solidFill>
+                <a:schemeClr val="accent1"/>
+              </a:solidFill>
+              <a:ln w="9525">
+                <a:solidFill>
+                  <a:schemeClr val="tx1"/>
+                </a:solidFill>
+                <a:round/>
+                <a:headEnd/>
+                <a:tailEnd/>
+              </a:ln>
+            </p:spPr>
+            <p:txBody>
+              <a:bodyPr wrap="none" anchor="ctr"/>
+              <a:lstStyle>
+                <a:lvl1pPr eaLnBrk="0" hangingPunct="0">
+                  <a:defRPr sz="2400">
+                    <a:solidFill>
+                      <a:schemeClr val="tx1"/>
+                    </a:solidFill>
+                    <a:latin typeface="Gill Sans MT" pitchFamily="34" charset="0"/>
+                  </a:defRPr>
+                </a:lvl1pPr>
+                <a:lvl2pPr marL="742950" indent="-285750" eaLnBrk="0" hangingPunct="0">
+                  <a:defRPr sz="2400">
+                    <a:solidFill>
+                      <a:schemeClr val="tx1"/>
+                    </a:solidFill>
+                    <a:latin typeface="Gill Sans MT" pitchFamily="34" charset="0"/>
+                  </a:defRPr>
+                </a:lvl2pPr>
+                <a:lvl3pPr marL="1143000" indent="-228600" eaLnBrk="0" hangingPunct="0">
+                  <a:defRPr sz="2400">
+                    <a:solidFill>
+                      <a:schemeClr val="tx1"/>
+                    </a:solidFill>
+                    <a:latin typeface="Gill Sans MT" pitchFamily="34" charset="0"/>
+                  </a:defRPr>
+                </a:lvl3pPr>
+                <a:lvl4pPr marL="1600200" indent="-228600" eaLnBrk="0" hangingPunct="0">
+                  <a:defRPr sz="2400">
+                    <a:solidFill>
+                      <a:schemeClr val="tx1"/>
+                    </a:solidFill>
+                    <a:latin typeface="Gill Sans MT" pitchFamily="34" charset="0"/>
+                  </a:defRPr>
+                </a:lvl4pPr>
+                <a:lvl5pPr marL="2057400" indent="-228600" eaLnBrk="0" hangingPunct="0">
+                  <a:defRPr sz="2400">
+                    <a:solidFill>
+                      <a:schemeClr val="tx1"/>
+                    </a:solidFill>
+                    <a:latin typeface="Gill Sans MT" pitchFamily="34" charset="0"/>
+                  </a:defRPr>
+                </a:lvl5pPr>
+                <a:lvl6pPr marL="2514600" indent="-228600" eaLnBrk="0" fontAlgn="base" hangingPunct="0">
+                  <a:spcBef>
+                    <a:spcPct val="0"/>
+                  </a:spcBef>
+                  <a:spcAft>
+                    <a:spcPct val="0"/>
+                  </a:spcAft>
+                  <a:defRPr sz="2400">
+                    <a:solidFill>
+                      <a:schemeClr val="tx1"/>
+                    </a:solidFill>
+                    <a:latin typeface="Gill Sans MT" pitchFamily="34" charset="0"/>
+                  </a:defRPr>
+                </a:lvl6pPr>
+                <a:lvl7pPr marL="2971800" indent="-228600" eaLnBrk="0" fontAlgn="base" hangingPunct="0">
+                  <a:spcBef>
+                    <a:spcPct val="0"/>
+                  </a:spcBef>
+                  <a:spcAft>
+                    <a:spcPct val="0"/>
+                  </a:spcAft>
+                  <a:defRPr sz="2400">
+                    <a:solidFill>
+                      <a:schemeClr val="tx1"/>
+                    </a:solidFill>
+                    <a:latin typeface="Gill Sans MT" pitchFamily="34" charset="0"/>
+                  </a:defRPr>
+                </a:lvl7pPr>
+                <a:lvl8pPr marL="3429000" indent="-228600" eaLnBrk="0" fontAlgn="base" hangingPunct="0">
+                  <a:spcBef>
+                    <a:spcPct val="0"/>
+                  </a:spcBef>
+                  <a:spcAft>
+                    <a:spcPct val="0"/>
+                  </a:spcAft>
+                  <a:defRPr sz="2400">
+                    <a:solidFill>
+                      <a:schemeClr val="tx1"/>
+                    </a:solidFill>
+                    <a:latin typeface="Gill Sans MT" pitchFamily="34" charset="0"/>
+                  </a:defRPr>
+                </a:lvl8pPr>
+                <a:lvl9pPr marL="3886200" indent="-228600" eaLnBrk="0" fontAlgn="base" hangingPunct="0">
+                  <a:spcBef>
+                    <a:spcPct val="0"/>
+                  </a:spcBef>
+                  <a:spcAft>
+                    <a:spcPct val="0"/>
+                  </a:spcAft>
+                  <a:defRPr sz="2400">
+                    <a:solidFill>
+                      <a:schemeClr val="tx1"/>
+                    </a:solidFill>
+                    <a:latin typeface="Gill Sans MT" pitchFamily="34" charset="0"/>
+                  </a:defRPr>
+                </a:lvl9pPr>
+              </a:lstStyle>
+              <a:p>
+                <a:pPr eaLnBrk="1" hangingPunct="1"/>
+                <a:endParaRPr lang="en-US" altLang="en-US">
+                  <a:latin typeface="+mn-lt"/>
+                </a:endParaRPr>
+              </a:p>
+            </p:txBody>
+          </p:sp>
+          <p:sp>
+            <p:nvSpPr>
+              <p:cNvPr id="17446" name="AutoShape 8"/>
+              <p:cNvSpPr>
+                <a:spLocks noChangeArrowheads="1"/>
+              </p:cNvSpPr>
+              <p:nvPr/>
+            </p:nvSpPr>
+            <p:spPr bwMode="auto">
+              <a:xfrm>
+                <a:off x="2666761" y="3273552"/>
+                <a:ext cx="274320" cy="390144"/>
+              </a:xfrm>
+              <a:prstGeom prst="foldedCorner">
+                <a:avLst>
+                  <a:gd name="adj" fmla="val 12500"/>
+                </a:avLst>
+              </a:prstGeom>
+              <a:solidFill>
+                <a:schemeClr val="accent1"/>
+              </a:solidFill>
+              <a:ln w="9525">
+                <a:solidFill>
+                  <a:schemeClr val="tx1"/>
+                </a:solidFill>
+                <a:round/>
+                <a:headEnd/>
+                <a:tailEnd/>
+              </a:ln>
+            </p:spPr>
+            <p:txBody>
+              <a:bodyPr wrap="none" anchor="ctr"/>
+              <a:lstStyle>
+                <a:lvl1pPr eaLnBrk="0" hangingPunct="0">
+                  <a:defRPr sz="2400">
+                    <a:solidFill>
+                      <a:schemeClr val="tx1"/>
+                    </a:solidFill>
+                    <a:latin typeface="Gill Sans MT" pitchFamily="34" charset="0"/>
+                  </a:defRPr>
+                </a:lvl1pPr>
+                <a:lvl2pPr marL="742950" indent="-285750" eaLnBrk="0" hangingPunct="0">
+                  <a:defRPr sz="2400">
+                    <a:solidFill>
+                      <a:schemeClr val="tx1"/>
+                    </a:solidFill>
+                    <a:latin typeface="Gill Sans MT" pitchFamily="34" charset="0"/>
+                  </a:defRPr>
+                </a:lvl2pPr>
+                <a:lvl3pPr marL="1143000" indent="-228600" eaLnBrk="0" hangingPunct="0">
+                  <a:defRPr sz="2400">
+                    <a:solidFill>
+                      <a:schemeClr val="tx1"/>
+                    </a:solidFill>
+                    <a:latin typeface="Gill Sans MT" pitchFamily="34" charset="0"/>
+                  </a:defRPr>
+                </a:lvl3pPr>
+                <a:lvl4pPr marL="1600200" indent="-228600" eaLnBrk="0" hangingPunct="0">
+                  <a:defRPr sz="2400">
+                    <a:solidFill>
+                      <a:schemeClr val="tx1"/>
+                    </a:solidFill>
+                    <a:latin typeface="Gill Sans MT" pitchFamily="34" charset="0"/>
+                  </a:defRPr>
+                </a:lvl4pPr>
+                <a:lvl5pPr marL="2057400" indent="-228600" eaLnBrk="0" hangingPunct="0">
+                  <a:defRPr sz="2400">
+                    <a:solidFill>
+                      <a:schemeClr val="tx1"/>
+                    </a:solidFill>
+                    <a:latin typeface="Gill Sans MT" pitchFamily="34" charset="0"/>
+                  </a:defRPr>
+                </a:lvl5pPr>
+                <a:lvl6pPr marL="2514600" indent="-228600" eaLnBrk="0" fontAlgn="base" hangingPunct="0">
+                  <a:spcBef>
+                    <a:spcPct val="0"/>
+                  </a:spcBef>
+                  <a:spcAft>
+                    <a:spcPct val="0"/>
+                  </a:spcAft>
+                  <a:defRPr sz="2400">
+                    <a:solidFill>
+                      <a:schemeClr val="tx1"/>
+                    </a:solidFill>
+                    <a:latin typeface="Gill Sans MT" pitchFamily="34" charset="0"/>
+                  </a:defRPr>
+                </a:lvl6pPr>
+                <a:lvl7pPr marL="2971800" indent="-228600" eaLnBrk="0" fontAlgn="base" hangingPunct="0">
+                  <a:spcBef>
+                    <a:spcPct val="0"/>
+                  </a:spcBef>
+                  <a:spcAft>
+                    <a:spcPct val="0"/>
+                  </a:spcAft>
+                  <a:defRPr sz="2400">
+                    <a:solidFill>
+                      <a:schemeClr val="tx1"/>
+                    </a:solidFill>
+                    <a:latin typeface="Gill Sans MT" pitchFamily="34" charset="0"/>
+                  </a:defRPr>
+                </a:lvl7pPr>
+                <a:lvl8pPr marL="3429000" indent="-228600" eaLnBrk="0" fontAlgn="base" hangingPunct="0">
+                  <a:spcBef>
+                    <a:spcPct val="0"/>
+                  </a:spcBef>
+                  <a:spcAft>
+                    <a:spcPct val="0"/>
+                  </a:spcAft>
+                  <a:defRPr sz="2400">
+                    <a:solidFill>
+                      <a:schemeClr val="tx1"/>
+                    </a:solidFill>
+                    <a:latin typeface="Gill Sans MT" pitchFamily="34" charset="0"/>
+                  </a:defRPr>
+                </a:lvl8pPr>
+                <a:lvl9pPr marL="3886200" indent="-228600" eaLnBrk="0" fontAlgn="base" hangingPunct="0">
+                  <a:spcBef>
+                    <a:spcPct val="0"/>
+                  </a:spcBef>
+                  <a:spcAft>
+                    <a:spcPct val="0"/>
+                  </a:spcAft>
+                  <a:defRPr sz="2400">
+                    <a:solidFill>
+                      <a:schemeClr val="tx1"/>
+                    </a:solidFill>
+                    <a:latin typeface="Gill Sans MT" pitchFamily="34" charset="0"/>
+                  </a:defRPr>
+                </a:lvl9pPr>
+              </a:lstStyle>
+              <a:p>
+                <a:pPr eaLnBrk="1" hangingPunct="1"/>
+                <a:endParaRPr lang="en-US" altLang="en-US">
+                  <a:latin typeface="+mn-lt"/>
+                </a:endParaRPr>
+              </a:p>
+            </p:txBody>
+          </p:sp>
+          <p:sp>
+            <p:nvSpPr>
+              <p:cNvPr id="17447" name="AutoShape 9"/>
+              <p:cNvSpPr>
+                <a:spLocks noChangeArrowheads="1"/>
+              </p:cNvSpPr>
+              <p:nvPr/>
+            </p:nvSpPr>
+            <p:spPr bwMode="auto">
+              <a:xfrm>
+                <a:off x="2986801" y="3029712"/>
+                <a:ext cx="228600" cy="390144"/>
+              </a:xfrm>
+              <a:prstGeom prst="foldedCorner">
+                <a:avLst>
+                  <a:gd name="adj" fmla="val 12500"/>
+                </a:avLst>
+              </a:prstGeom>
+              <a:solidFill>
+                <a:schemeClr val="accent1"/>
+              </a:solidFill>
+              <a:ln w="9525">
+                <a:solidFill>
+                  <a:schemeClr val="tx1"/>
+                </a:solidFill>
+                <a:round/>
+                <a:headEnd/>
+                <a:tailEnd/>
+              </a:ln>
+            </p:spPr>
+            <p:txBody>
+              <a:bodyPr wrap="none" anchor="ctr"/>
+              <a:lstStyle>
+                <a:lvl1pPr eaLnBrk="0" hangingPunct="0">
+                  <a:defRPr sz="2400">
+                    <a:solidFill>
+                      <a:schemeClr val="tx1"/>
+                    </a:solidFill>
+                    <a:latin typeface="Gill Sans MT" pitchFamily="34" charset="0"/>
+                  </a:defRPr>
+                </a:lvl1pPr>
+                <a:lvl2pPr marL="742950" indent="-285750" eaLnBrk="0" hangingPunct="0">
+                  <a:defRPr sz="2400">
+                    <a:solidFill>
+                      <a:schemeClr val="tx1"/>
+                    </a:solidFill>
+                    <a:latin typeface="Gill Sans MT" pitchFamily="34" charset="0"/>
+                  </a:defRPr>
+                </a:lvl2pPr>
+                <a:lvl3pPr marL="1143000" indent="-228600" eaLnBrk="0" hangingPunct="0">
+                  <a:defRPr sz="2400">
+                    <a:solidFill>
+                      <a:schemeClr val="tx1"/>
+                    </a:solidFill>
+                    <a:latin typeface="Gill Sans MT" pitchFamily="34" charset="0"/>
+                  </a:defRPr>
+                </a:lvl3pPr>
+                <a:lvl4pPr marL="1600200" indent="-228600" eaLnBrk="0" hangingPunct="0">
+                  <a:defRPr sz="2400">
+                    <a:solidFill>
+                      <a:schemeClr val="tx1"/>
+                    </a:solidFill>
+                    <a:latin typeface="Gill Sans MT" pitchFamily="34" charset="0"/>
+                  </a:defRPr>
+                </a:lvl4pPr>
+                <a:lvl5pPr marL="2057400" indent="-228600" eaLnBrk="0" hangingPunct="0">
+                  <a:defRPr sz="2400">
+                    <a:solidFill>
+                      <a:schemeClr val="tx1"/>
+                    </a:solidFill>
+                    <a:latin typeface="Gill Sans MT" pitchFamily="34" charset="0"/>
+                  </a:defRPr>
+                </a:lvl5pPr>
+                <a:lvl6pPr marL="2514600" indent="-228600" eaLnBrk="0" fontAlgn="base" hangingPunct="0">
+                  <a:spcBef>
+                    <a:spcPct val="0"/>
+                  </a:spcBef>
+                  <a:spcAft>
+                    <a:spcPct val="0"/>
+                  </a:spcAft>
+                  <a:defRPr sz="2400">
+                    <a:solidFill>
+                      <a:schemeClr val="tx1"/>
+                    </a:solidFill>
+                    <a:latin typeface="Gill Sans MT" pitchFamily="34" charset="0"/>
+                  </a:defRPr>
+                </a:lvl6pPr>
+                <a:lvl7pPr marL="2971800" indent="-228600" eaLnBrk="0" fontAlgn="base" hangingPunct="0">
+                  <a:spcBef>
+                    <a:spcPct val="0"/>
+                  </a:spcBef>
+                  <a:spcAft>
+                    <a:spcPct val="0"/>
+                  </a:spcAft>
+                  <a:defRPr sz="2400">
+                    <a:solidFill>
+                      <a:schemeClr val="tx1"/>
+                    </a:solidFill>
+                    <a:latin typeface="Gill Sans MT" pitchFamily="34" charset="0"/>
+                  </a:defRPr>
+                </a:lvl7pPr>
+                <a:lvl8pPr marL="3429000" indent="-228600" eaLnBrk="0" fontAlgn="base" hangingPunct="0">
+                  <a:spcBef>
+                    <a:spcPct val="0"/>
+                  </a:spcBef>
+                  <a:spcAft>
+                    <a:spcPct val="0"/>
+                  </a:spcAft>
+                  <a:defRPr sz="2400">
+                    <a:solidFill>
+                      <a:schemeClr val="tx1"/>
+                    </a:solidFill>
+                    <a:latin typeface="Gill Sans MT" pitchFamily="34" charset="0"/>
+                  </a:defRPr>
+                </a:lvl8pPr>
+                <a:lvl9pPr marL="3886200" indent="-228600" eaLnBrk="0" fontAlgn="base" hangingPunct="0">
+                  <a:spcBef>
+                    <a:spcPct val="0"/>
+                  </a:spcBef>
+                  <a:spcAft>
+                    <a:spcPct val="0"/>
+                  </a:spcAft>
+                  <a:defRPr sz="2400">
+                    <a:solidFill>
+                      <a:schemeClr val="tx1"/>
+                    </a:solidFill>
+                    <a:latin typeface="Gill Sans MT" pitchFamily="34" charset="0"/>
+                  </a:defRPr>
+                </a:lvl9pPr>
+              </a:lstStyle>
+              <a:p>
+                <a:pPr eaLnBrk="1" hangingPunct="1"/>
+                <a:endParaRPr lang="en-US" altLang="en-US">
+                  <a:latin typeface="+mn-lt"/>
+                </a:endParaRPr>
+              </a:p>
+            </p:txBody>
+          </p:sp>
+          <p:sp>
+            <p:nvSpPr>
+              <p:cNvPr id="17448" name="AutoShape 10"/>
+              <p:cNvSpPr>
+                <a:spLocks noChangeArrowheads="1"/>
+              </p:cNvSpPr>
+              <p:nvPr/>
+            </p:nvSpPr>
+            <p:spPr bwMode="auto">
+              <a:xfrm>
+                <a:off x="3078241" y="3127248"/>
+                <a:ext cx="228600" cy="390144"/>
+              </a:xfrm>
+              <a:prstGeom prst="foldedCorner">
+                <a:avLst>
+                  <a:gd name="adj" fmla="val 12500"/>
+                </a:avLst>
+              </a:prstGeom>
+              <a:solidFill>
+                <a:schemeClr val="accent1"/>
+              </a:solidFill>
+              <a:ln w="9525">
+                <a:solidFill>
+                  <a:schemeClr val="tx1"/>
+                </a:solidFill>
+                <a:round/>
+                <a:headEnd/>
+                <a:tailEnd/>
+              </a:ln>
+            </p:spPr>
+            <p:txBody>
+              <a:bodyPr wrap="none" anchor="ctr"/>
+              <a:lstStyle>
+                <a:lvl1pPr eaLnBrk="0" hangingPunct="0">
+                  <a:defRPr sz="2400">
+                    <a:solidFill>
+                      <a:schemeClr val="tx1"/>
+                    </a:solidFill>
+                    <a:latin typeface="Gill Sans MT" pitchFamily="34" charset="0"/>
+                  </a:defRPr>
+                </a:lvl1pPr>
+                <a:lvl2pPr marL="742950" indent="-285750" eaLnBrk="0" hangingPunct="0">
+                  <a:defRPr sz="2400">
+                    <a:solidFill>
+                      <a:schemeClr val="tx1"/>
+                    </a:solidFill>
+                    <a:latin typeface="Gill Sans MT" pitchFamily="34" charset="0"/>
+                  </a:defRPr>
+                </a:lvl2pPr>
+                <a:lvl3pPr marL="1143000" indent="-228600" eaLnBrk="0" hangingPunct="0">
+                  <a:defRPr sz="2400">
+                    <a:solidFill>
+                      <a:schemeClr val="tx1"/>
+                    </a:solidFill>
+                    <a:latin typeface="Gill Sans MT" pitchFamily="34" charset="0"/>
+                  </a:defRPr>
+                </a:lvl3pPr>
+                <a:lvl4pPr marL="1600200" indent="-228600" eaLnBrk="0" hangingPunct="0">
+                  <a:defRPr sz="2400">
+                    <a:solidFill>
+                      <a:schemeClr val="tx1"/>
+                    </a:solidFill>
+                    <a:latin typeface="Gill Sans MT" pitchFamily="34" charset="0"/>
+                  </a:defRPr>
+                </a:lvl4pPr>
+                <a:lvl5pPr marL="2057400" indent="-228600" eaLnBrk="0" hangingPunct="0">
+                  <a:defRPr sz="2400">
+                    <a:solidFill>
+                      <a:schemeClr val="tx1"/>
+                    </a:solidFill>
+                    <a:latin typeface="Gill Sans MT" pitchFamily="34" charset="0"/>
+                  </a:defRPr>
+                </a:lvl5pPr>
+                <a:lvl6pPr marL="2514600" indent="-228600" eaLnBrk="0" fontAlgn="base" hangingPunct="0">
+                  <a:spcBef>
+                    <a:spcPct val="0"/>
+                  </a:spcBef>
+                  <a:spcAft>
+                    <a:spcPct val="0"/>
+                  </a:spcAft>
+                  <a:defRPr sz="2400">
+                    <a:solidFill>
+                      <a:schemeClr val="tx1"/>
+                    </a:solidFill>
+                    <a:latin typeface="Gill Sans MT" pitchFamily="34" charset="0"/>
+                  </a:defRPr>
+                </a:lvl6pPr>
+                <a:lvl7pPr marL="2971800" indent="-228600" eaLnBrk="0" fontAlgn="base" hangingPunct="0">
+                  <a:spcBef>
+                    <a:spcPct val="0"/>
+                  </a:spcBef>
+                  <a:spcAft>
+                    <a:spcPct val="0"/>
+                  </a:spcAft>
+                  <a:defRPr sz="2400">
+                    <a:solidFill>
+                      <a:schemeClr val="tx1"/>
+                    </a:solidFill>
+                    <a:latin typeface="Gill Sans MT" pitchFamily="34" charset="0"/>
+                  </a:defRPr>
+                </a:lvl7pPr>
+                <a:lvl8pPr marL="3429000" indent="-228600" eaLnBrk="0" fontAlgn="base" hangingPunct="0">
+                  <a:spcBef>
+                    <a:spcPct val="0"/>
+                  </a:spcBef>
+                  <a:spcAft>
+                    <a:spcPct val="0"/>
+                  </a:spcAft>
+                  <a:defRPr sz="2400">
+                    <a:solidFill>
+                      <a:schemeClr val="tx1"/>
+                    </a:solidFill>
+                    <a:latin typeface="Gill Sans MT" pitchFamily="34" charset="0"/>
+                  </a:defRPr>
+                </a:lvl8pPr>
+                <a:lvl9pPr marL="3886200" indent="-228600" eaLnBrk="0" fontAlgn="base" hangingPunct="0">
+                  <a:spcBef>
+                    <a:spcPct val="0"/>
+                  </a:spcBef>
+                  <a:spcAft>
+                    <a:spcPct val="0"/>
+                  </a:spcAft>
+                  <a:defRPr sz="2400">
+                    <a:solidFill>
+                      <a:schemeClr val="tx1"/>
+                    </a:solidFill>
+                    <a:latin typeface="Gill Sans MT" pitchFamily="34" charset="0"/>
+                  </a:defRPr>
+                </a:lvl9pPr>
+              </a:lstStyle>
+              <a:p>
+                <a:pPr eaLnBrk="1" hangingPunct="1"/>
+                <a:endParaRPr lang="en-US" altLang="en-US">
+                  <a:latin typeface="+mn-lt"/>
+                </a:endParaRPr>
+              </a:p>
+            </p:txBody>
+          </p:sp>
+          <p:sp>
+            <p:nvSpPr>
+              <p:cNvPr id="17449" name="AutoShape 11"/>
+              <p:cNvSpPr>
+                <a:spLocks noChangeArrowheads="1"/>
+              </p:cNvSpPr>
+              <p:nvPr/>
+            </p:nvSpPr>
+            <p:spPr bwMode="auto">
+              <a:xfrm>
+                <a:off x="3169681" y="3224784"/>
+                <a:ext cx="228600" cy="390144"/>
+              </a:xfrm>
+              <a:prstGeom prst="foldedCorner">
+                <a:avLst>
+                  <a:gd name="adj" fmla="val 12500"/>
+                </a:avLst>
+              </a:prstGeom>
+              <a:solidFill>
+                <a:schemeClr val="accent1"/>
+              </a:solidFill>
+              <a:ln w="9525">
+                <a:solidFill>
+                  <a:schemeClr val="tx1"/>
+                </a:solidFill>
+                <a:round/>
+                <a:headEnd/>
+                <a:tailEnd/>
+              </a:ln>
+            </p:spPr>
+            <p:txBody>
+              <a:bodyPr wrap="none" anchor="ctr"/>
+              <a:lstStyle>
+                <a:lvl1pPr eaLnBrk="0" hangingPunct="0">
+                  <a:defRPr sz="2400">
+                    <a:solidFill>
+                      <a:schemeClr val="tx1"/>
+                    </a:solidFill>
+                    <a:latin typeface="Gill Sans MT" pitchFamily="34" charset="0"/>
+                  </a:defRPr>
+                </a:lvl1pPr>
+                <a:lvl2pPr marL="742950" indent="-285750" eaLnBrk="0" hangingPunct="0">
+                  <a:defRPr sz="2400">
+                    <a:solidFill>
+                      <a:schemeClr val="tx1"/>
+                    </a:solidFill>
+                    <a:latin typeface="Gill Sans MT" pitchFamily="34" charset="0"/>
+                  </a:defRPr>
+                </a:lvl2pPr>
+                <a:lvl3pPr marL="1143000" indent="-228600" eaLnBrk="0" hangingPunct="0">
+                  <a:defRPr sz="2400">
+                    <a:solidFill>
+                      <a:schemeClr val="tx1"/>
+                    </a:solidFill>
+                    <a:latin typeface="Gill Sans MT" pitchFamily="34" charset="0"/>
+                  </a:defRPr>
+                </a:lvl3pPr>
+                <a:lvl4pPr marL="1600200" indent="-228600" eaLnBrk="0" hangingPunct="0">
+                  <a:defRPr sz="2400">
+                    <a:solidFill>
+                      <a:schemeClr val="tx1"/>
+                    </a:solidFill>
+                    <a:latin typeface="Gill Sans MT" pitchFamily="34" charset="0"/>
+                  </a:defRPr>
+                </a:lvl4pPr>
+                <a:lvl5pPr marL="2057400" indent="-228600" eaLnBrk="0" hangingPunct="0">
+                  <a:defRPr sz="2400">
+                    <a:solidFill>
+                      <a:schemeClr val="tx1"/>
+                    </a:solidFill>
+                    <a:latin typeface="Gill Sans MT" pitchFamily="34" charset="0"/>
+                  </a:defRPr>
+                </a:lvl5pPr>
+                <a:lvl6pPr marL="2514600" indent="-228600" eaLnBrk="0" fontAlgn="base" hangingPunct="0">
+                  <a:spcBef>
+                    <a:spcPct val="0"/>
+                  </a:spcBef>
+                  <a:spcAft>
+                    <a:spcPct val="0"/>
+                  </a:spcAft>
+                  <a:defRPr sz="2400">
+                    <a:solidFill>
+                      <a:schemeClr val="tx1"/>
+                    </a:solidFill>
+                    <a:latin typeface="Gill Sans MT" pitchFamily="34" charset="0"/>
+                  </a:defRPr>
+                </a:lvl6pPr>
+                <a:lvl7pPr marL="2971800" indent="-228600" eaLnBrk="0" fontAlgn="base" hangingPunct="0">
+                  <a:spcBef>
+                    <a:spcPct val="0"/>
+                  </a:spcBef>
+                  <a:spcAft>
+                    <a:spcPct val="0"/>
+                  </a:spcAft>
+                  <a:defRPr sz="2400">
+                    <a:solidFill>
+                      <a:schemeClr val="tx1"/>
+                    </a:solidFill>
+                    <a:latin typeface="Gill Sans MT" pitchFamily="34" charset="0"/>
+                  </a:defRPr>
+                </a:lvl7pPr>
+                <a:lvl8pPr marL="3429000" indent="-228600" eaLnBrk="0" fontAlgn="base" hangingPunct="0">
+                  <a:spcBef>
+                    <a:spcPct val="0"/>
+                  </a:spcBef>
+                  <a:spcAft>
+                    <a:spcPct val="0"/>
+                  </a:spcAft>
+                  <a:defRPr sz="2400">
+                    <a:solidFill>
+                      <a:schemeClr val="tx1"/>
+                    </a:solidFill>
+                    <a:latin typeface="Gill Sans MT" pitchFamily="34" charset="0"/>
+                  </a:defRPr>
+                </a:lvl8pPr>
+                <a:lvl9pPr marL="3886200" indent="-228600" eaLnBrk="0" fontAlgn="base" hangingPunct="0">
+                  <a:spcBef>
+                    <a:spcPct val="0"/>
+                  </a:spcBef>
+                  <a:spcAft>
+                    <a:spcPct val="0"/>
+                  </a:spcAft>
+                  <a:defRPr sz="2400">
+                    <a:solidFill>
+                      <a:schemeClr val="tx1"/>
+                    </a:solidFill>
+                    <a:latin typeface="Gill Sans MT" pitchFamily="34" charset="0"/>
+                  </a:defRPr>
+                </a:lvl9pPr>
+              </a:lstStyle>
+              <a:p>
+                <a:pPr eaLnBrk="1" hangingPunct="1"/>
+                <a:endParaRPr lang="en-US" altLang="en-US">
+                  <a:latin typeface="+mn-lt"/>
+                </a:endParaRPr>
+              </a:p>
+            </p:txBody>
+          </p:sp>
+          <p:sp>
+            <p:nvSpPr>
+              <p:cNvPr id="17450" name="AutoShape 12"/>
+              <p:cNvSpPr>
+                <a:spLocks noChangeArrowheads="1"/>
+              </p:cNvSpPr>
+              <p:nvPr/>
+            </p:nvSpPr>
+            <p:spPr bwMode="auto">
+              <a:xfrm>
+                <a:off x="3261121" y="3322320"/>
+                <a:ext cx="228600" cy="390144"/>
+              </a:xfrm>
+              <a:prstGeom prst="foldedCorner">
+                <a:avLst>
+                  <a:gd name="adj" fmla="val 12500"/>
+                </a:avLst>
+              </a:prstGeom>
+              <a:solidFill>
+                <a:schemeClr val="accent1"/>
+              </a:solidFill>
+              <a:ln w="9525">
+                <a:solidFill>
+                  <a:schemeClr val="tx1"/>
+                </a:solidFill>
+                <a:round/>
+                <a:headEnd/>
+                <a:tailEnd/>
+              </a:ln>
+            </p:spPr>
+            <p:txBody>
+              <a:bodyPr wrap="none" anchor="ctr"/>
+              <a:lstStyle>
+                <a:lvl1pPr eaLnBrk="0" hangingPunct="0">
+                  <a:defRPr sz="2400">
+                    <a:solidFill>
+                      <a:schemeClr val="tx1"/>
+                    </a:solidFill>
+                    <a:latin typeface="Gill Sans MT" pitchFamily="34" charset="0"/>
+                  </a:defRPr>
+                </a:lvl1pPr>
+                <a:lvl2pPr marL="742950" indent="-285750" eaLnBrk="0" hangingPunct="0">
+                  <a:defRPr sz="2400">
+                    <a:solidFill>
+                      <a:schemeClr val="tx1"/>
+                    </a:solidFill>
+                    <a:latin typeface="Gill Sans MT" pitchFamily="34" charset="0"/>
+                  </a:defRPr>
+                </a:lvl2pPr>
+                <a:lvl3pPr marL="1143000" indent="-228600" eaLnBrk="0" hangingPunct="0">
+                  <a:defRPr sz="2400">
+                    <a:solidFill>
+                      <a:schemeClr val="tx1"/>
+                    </a:solidFill>
+                    <a:latin typeface="Gill Sans MT" pitchFamily="34" charset="0"/>
+                  </a:defRPr>
+                </a:lvl3pPr>
+                <a:lvl4pPr marL="1600200" indent="-228600" eaLnBrk="0" hangingPunct="0">
+                  <a:defRPr sz="2400">
+                    <a:solidFill>
+                      <a:schemeClr val="tx1"/>
+                    </a:solidFill>
+                    <a:latin typeface="Gill Sans MT" pitchFamily="34" charset="0"/>
+                  </a:defRPr>
+                </a:lvl4pPr>
+                <a:lvl5pPr marL="2057400" indent="-228600" eaLnBrk="0" hangingPunct="0">
+                  <a:defRPr sz="2400">
+                    <a:solidFill>
+                      <a:schemeClr val="tx1"/>
+                    </a:solidFill>
+                    <a:latin typeface="Gill Sans MT" pitchFamily="34" charset="0"/>
+                  </a:defRPr>
+                </a:lvl5pPr>
+                <a:lvl6pPr marL="2514600" indent="-228600" eaLnBrk="0" fontAlgn="base" hangingPunct="0">
+                  <a:spcBef>
+                    <a:spcPct val="0"/>
+                  </a:spcBef>
+                  <a:spcAft>
+                    <a:spcPct val="0"/>
+                  </a:spcAft>
+                  <a:defRPr sz="2400">
+                    <a:solidFill>
+                      <a:schemeClr val="tx1"/>
+                    </a:solidFill>
+                    <a:latin typeface="Gill Sans MT" pitchFamily="34" charset="0"/>
+                  </a:defRPr>
+                </a:lvl6pPr>
+                <a:lvl7pPr marL="2971800" indent="-228600" eaLnBrk="0" fontAlgn="base" hangingPunct="0">
+                  <a:spcBef>
+                    <a:spcPct val="0"/>
+                  </a:spcBef>
+                  <a:spcAft>
+                    <a:spcPct val="0"/>
+                  </a:spcAft>
+                  <a:defRPr sz="2400">
+                    <a:solidFill>
+                      <a:schemeClr val="tx1"/>
+                    </a:solidFill>
+                    <a:latin typeface="Gill Sans MT" pitchFamily="34" charset="0"/>
+                  </a:defRPr>
+                </a:lvl7pPr>
+                <a:lvl8pPr marL="3429000" indent="-228600" eaLnBrk="0" fontAlgn="base" hangingPunct="0">
+                  <a:spcBef>
+                    <a:spcPct val="0"/>
+                  </a:spcBef>
+                  <a:spcAft>
+                    <a:spcPct val="0"/>
+                  </a:spcAft>
+                  <a:defRPr sz="2400">
+                    <a:solidFill>
+                      <a:schemeClr val="tx1"/>
+                    </a:solidFill>
+                    <a:latin typeface="Gill Sans MT" pitchFamily="34" charset="0"/>
+                  </a:defRPr>
+                </a:lvl8pPr>
+                <a:lvl9pPr marL="3886200" indent="-228600" eaLnBrk="0" fontAlgn="base" hangingPunct="0">
+                  <a:spcBef>
+                    <a:spcPct val="0"/>
+                  </a:spcBef>
+                  <a:spcAft>
+                    <a:spcPct val="0"/>
+                  </a:spcAft>
+                  <a:defRPr sz="2400">
+                    <a:solidFill>
+                      <a:schemeClr val="tx1"/>
+                    </a:solidFill>
+                    <a:latin typeface="Gill Sans MT" pitchFamily="34" charset="0"/>
+                  </a:defRPr>
+                </a:lvl9pPr>
+              </a:lstStyle>
+              <a:p>
+                <a:pPr eaLnBrk="1" hangingPunct="1"/>
+                <a:endParaRPr lang="en-US" altLang="en-US">
+                  <a:latin typeface="+mn-lt"/>
+                </a:endParaRPr>
+              </a:p>
+            </p:txBody>
+          </p:sp>
+        </p:grpSp>
+        <p:grpSp>
+          <p:nvGrpSpPr>
+            <p:cNvPr id="38" name="Group 37"/>
+            <p:cNvGrpSpPr/>
+            <p:nvPr/>
+          </p:nvGrpSpPr>
+          <p:grpSpPr>
+            <a:xfrm>
+              <a:off x="4563533" y="1097280"/>
+              <a:ext cx="1097280" cy="731520"/>
+              <a:chOff x="2392441" y="2980944"/>
+              <a:chExt cx="1097280" cy="731520"/>
+            </a:xfrm>
+          </p:grpSpPr>
+          <p:sp>
+            <p:nvSpPr>
+              <p:cNvPr id="39" name="AutoShape 5"/>
+              <p:cNvSpPr>
+                <a:spLocks noChangeArrowheads="1"/>
+              </p:cNvSpPr>
+              <p:nvPr/>
+            </p:nvSpPr>
+            <p:spPr bwMode="auto">
+              <a:xfrm>
+                <a:off x="2392441" y="2980944"/>
+                <a:ext cx="274320" cy="390144"/>
+              </a:xfrm>
+              <a:prstGeom prst="foldedCorner">
+                <a:avLst>
+                  <a:gd name="adj" fmla="val 12500"/>
+                </a:avLst>
+              </a:prstGeom>
+              <a:solidFill>
+                <a:schemeClr val="accent1"/>
+              </a:solidFill>
+              <a:ln w="9525">
+                <a:solidFill>
+                  <a:schemeClr val="tx1"/>
+                </a:solidFill>
+                <a:round/>
+                <a:headEnd/>
+                <a:tailEnd/>
+              </a:ln>
+            </p:spPr>
+            <p:txBody>
+              <a:bodyPr wrap="none" anchor="ctr"/>
+              <a:lstStyle>
+                <a:lvl1pPr eaLnBrk="0" hangingPunct="0">
+                  <a:defRPr sz="2400">
+                    <a:solidFill>
+                      <a:schemeClr val="tx1"/>
+                    </a:solidFill>
+                    <a:latin typeface="Gill Sans MT" pitchFamily="34" charset="0"/>
+                  </a:defRPr>
+                </a:lvl1pPr>
+                <a:lvl2pPr marL="742950" indent="-285750" eaLnBrk="0" hangingPunct="0">
+                  <a:defRPr sz="2400">
+                    <a:solidFill>
+                      <a:schemeClr val="tx1"/>
+                    </a:solidFill>
+                    <a:latin typeface="Gill Sans MT" pitchFamily="34" charset="0"/>
+                  </a:defRPr>
+                </a:lvl2pPr>
+                <a:lvl3pPr marL="1143000" indent="-228600" eaLnBrk="0" hangingPunct="0">
+                  <a:defRPr sz="2400">
+                    <a:solidFill>
+                      <a:schemeClr val="tx1"/>
+                    </a:solidFill>
+                    <a:latin typeface="Gill Sans MT" pitchFamily="34" charset="0"/>
+                  </a:defRPr>
+                </a:lvl3pPr>
+                <a:lvl4pPr marL="1600200" indent="-228600" eaLnBrk="0" hangingPunct="0">
+                  <a:defRPr sz="2400">
+                    <a:solidFill>
+                      <a:schemeClr val="tx1"/>
+                    </a:solidFill>
+                    <a:latin typeface="Gill Sans MT" pitchFamily="34" charset="0"/>
+                  </a:defRPr>
+                </a:lvl4pPr>
+                <a:lvl5pPr marL="2057400" indent="-228600" eaLnBrk="0" hangingPunct="0">
+                  <a:defRPr sz="2400">
+                    <a:solidFill>
+                      <a:schemeClr val="tx1"/>
+                    </a:solidFill>
+                    <a:latin typeface="Gill Sans MT" pitchFamily="34" charset="0"/>
+                  </a:defRPr>
+                </a:lvl5pPr>
+                <a:lvl6pPr marL="2514600" indent="-228600" eaLnBrk="0" fontAlgn="base" hangingPunct="0">
+                  <a:spcBef>
+                    <a:spcPct val="0"/>
+                  </a:spcBef>
+                  <a:spcAft>
+                    <a:spcPct val="0"/>
+                  </a:spcAft>
+                  <a:defRPr sz="2400">
+                    <a:solidFill>
+                      <a:schemeClr val="tx1"/>
+                    </a:solidFill>
+                    <a:latin typeface="Gill Sans MT" pitchFamily="34" charset="0"/>
+                  </a:defRPr>
+                </a:lvl6pPr>
+                <a:lvl7pPr marL="2971800" indent="-228600" eaLnBrk="0" fontAlgn="base" hangingPunct="0">
+                  <a:spcBef>
+                    <a:spcPct val="0"/>
+                  </a:spcBef>
+                  <a:spcAft>
+                    <a:spcPct val="0"/>
+                  </a:spcAft>
+                  <a:defRPr sz="2400">
+                    <a:solidFill>
+                      <a:schemeClr val="tx1"/>
+                    </a:solidFill>
+                    <a:latin typeface="Gill Sans MT" pitchFamily="34" charset="0"/>
+                  </a:defRPr>
+                </a:lvl7pPr>
+                <a:lvl8pPr marL="3429000" indent="-228600" eaLnBrk="0" fontAlgn="base" hangingPunct="0">
+                  <a:spcBef>
+                    <a:spcPct val="0"/>
+                  </a:spcBef>
+                  <a:spcAft>
+                    <a:spcPct val="0"/>
+                  </a:spcAft>
+                  <a:defRPr sz="2400">
+                    <a:solidFill>
+                      <a:schemeClr val="tx1"/>
+                    </a:solidFill>
+                    <a:latin typeface="Gill Sans MT" pitchFamily="34" charset="0"/>
+                  </a:defRPr>
+                </a:lvl8pPr>
+                <a:lvl9pPr marL="3886200" indent="-228600" eaLnBrk="0" fontAlgn="base" hangingPunct="0">
+                  <a:spcBef>
+                    <a:spcPct val="0"/>
+                  </a:spcBef>
+                  <a:spcAft>
+                    <a:spcPct val="0"/>
+                  </a:spcAft>
+                  <a:defRPr sz="2400">
+                    <a:solidFill>
+                      <a:schemeClr val="tx1"/>
+                    </a:solidFill>
+                    <a:latin typeface="Gill Sans MT" pitchFamily="34" charset="0"/>
+                  </a:defRPr>
+                </a:lvl9pPr>
+              </a:lstStyle>
+              <a:p>
+                <a:pPr eaLnBrk="1" hangingPunct="1"/>
+                <a:endParaRPr lang="en-US" altLang="en-US">
+                  <a:latin typeface="+mn-lt"/>
+                </a:endParaRPr>
+              </a:p>
+            </p:txBody>
+          </p:sp>
+          <p:sp>
+            <p:nvSpPr>
+              <p:cNvPr id="40" name="AutoShape 6"/>
+              <p:cNvSpPr>
+                <a:spLocks noChangeArrowheads="1"/>
+              </p:cNvSpPr>
+              <p:nvPr/>
+            </p:nvSpPr>
+            <p:spPr bwMode="auto">
+              <a:xfrm>
+                <a:off x="2483881" y="3078480"/>
+                <a:ext cx="274320" cy="390144"/>
+              </a:xfrm>
+              <a:prstGeom prst="foldedCorner">
+                <a:avLst>
+                  <a:gd name="adj" fmla="val 12500"/>
+                </a:avLst>
+              </a:prstGeom>
+              <a:solidFill>
+                <a:schemeClr val="accent1"/>
+              </a:solidFill>
+              <a:ln w="9525">
+                <a:solidFill>
+                  <a:schemeClr val="tx1"/>
+                </a:solidFill>
+                <a:round/>
+                <a:headEnd/>
+                <a:tailEnd/>
+              </a:ln>
+            </p:spPr>
+            <p:txBody>
+              <a:bodyPr wrap="none" anchor="ctr"/>
+              <a:lstStyle>
+                <a:lvl1pPr eaLnBrk="0" hangingPunct="0">
+                  <a:defRPr sz="2400">
+                    <a:solidFill>
+                      <a:schemeClr val="tx1"/>
+                    </a:solidFill>
+                    <a:latin typeface="Gill Sans MT" pitchFamily="34" charset="0"/>
+                  </a:defRPr>
+                </a:lvl1pPr>
+                <a:lvl2pPr marL="742950" indent="-285750" eaLnBrk="0" hangingPunct="0">
+                  <a:defRPr sz="2400">
+                    <a:solidFill>
+                      <a:schemeClr val="tx1"/>
+                    </a:solidFill>
+                    <a:latin typeface="Gill Sans MT" pitchFamily="34" charset="0"/>
+                  </a:defRPr>
+                </a:lvl2pPr>
+                <a:lvl3pPr marL="1143000" indent="-228600" eaLnBrk="0" hangingPunct="0">
+                  <a:defRPr sz="2400">
+                    <a:solidFill>
+                      <a:schemeClr val="tx1"/>
+                    </a:solidFill>
+                    <a:latin typeface="Gill Sans MT" pitchFamily="34" charset="0"/>
+                  </a:defRPr>
+                </a:lvl3pPr>
+                <a:lvl4pPr marL="1600200" indent="-228600" eaLnBrk="0" hangingPunct="0">
+                  <a:defRPr sz="2400">
+                    <a:solidFill>
+                      <a:schemeClr val="tx1"/>
+                    </a:solidFill>
+                    <a:latin typeface="Gill Sans MT" pitchFamily="34" charset="0"/>
+                  </a:defRPr>
+                </a:lvl4pPr>
+                <a:lvl5pPr marL="2057400" indent="-228600" eaLnBrk="0" hangingPunct="0">
+                  <a:defRPr sz="2400">
+                    <a:solidFill>
+                      <a:schemeClr val="tx1"/>
+                    </a:solidFill>
+                    <a:latin typeface="Gill Sans MT" pitchFamily="34" charset="0"/>
+                  </a:defRPr>
+                </a:lvl5pPr>
+                <a:lvl6pPr marL="2514600" indent="-228600" eaLnBrk="0" fontAlgn="base" hangingPunct="0">
+                  <a:spcBef>
+                    <a:spcPct val="0"/>
+                  </a:spcBef>
+                  <a:spcAft>
+                    <a:spcPct val="0"/>
+                  </a:spcAft>
+                  <a:defRPr sz="2400">
+                    <a:solidFill>
+                      <a:schemeClr val="tx1"/>
+                    </a:solidFill>
+                    <a:latin typeface="Gill Sans MT" pitchFamily="34" charset="0"/>
+                  </a:defRPr>
+                </a:lvl6pPr>
+                <a:lvl7pPr marL="2971800" indent="-228600" eaLnBrk="0" fontAlgn="base" hangingPunct="0">
+                  <a:spcBef>
+                    <a:spcPct val="0"/>
+                  </a:spcBef>
+                  <a:spcAft>
+                    <a:spcPct val="0"/>
+                  </a:spcAft>
+                  <a:defRPr sz="2400">
+                    <a:solidFill>
+                      <a:schemeClr val="tx1"/>
+                    </a:solidFill>
+                    <a:latin typeface="Gill Sans MT" pitchFamily="34" charset="0"/>
+                  </a:defRPr>
+                </a:lvl7pPr>
+                <a:lvl8pPr marL="3429000" indent="-228600" eaLnBrk="0" fontAlgn="base" hangingPunct="0">
+                  <a:spcBef>
+                    <a:spcPct val="0"/>
+                  </a:spcBef>
+                  <a:spcAft>
+                    <a:spcPct val="0"/>
+                  </a:spcAft>
+                  <a:defRPr sz="2400">
+                    <a:solidFill>
+                      <a:schemeClr val="tx1"/>
+                    </a:solidFill>
+                    <a:latin typeface="Gill Sans MT" pitchFamily="34" charset="0"/>
+                  </a:defRPr>
+                </a:lvl8pPr>
+                <a:lvl9pPr marL="3886200" indent="-228600" eaLnBrk="0" fontAlgn="base" hangingPunct="0">
+                  <a:spcBef>
+                    <a:spcPct val="0"/>
+                  </a:spcBef>
+                  <a:spcAft>
+                    <a:spcPct val="0"/>
+                  </a:spcAft>
+                  <a:defRPr sz="2400">
+                    <a:solidFill>
+                      <a:schemeClr val="tx1"/>
+                    </a:solidFill>
+                    <a:latin typeface="Gill Sans MT" pitchFamily="34" charset="0"/>
+                  </a:defRPr>
+                </a:lvl9pPr>
+              </a:lstStyle>
+              <a:p>
+                <a:pPr eaLnBrk="1" hangingPunct="1"/>
+                <a:endParaRPr lang="en-US" altLang="en-US">
+                  <a:latin typeface="+mn-lt"/>
+                </a:endParaRPr>
+              </a:p>
+            </p:txBody>
+          </p:sp>
+          <p:sp>
+            <p:nvSpPr>
+              <p:cNvPr id="41" name="AutoShape 7"/>
+              <p:cNvSpPr>
+                <a:spLocks noChangeArrowheads="1"/>
+              </p:cNvSpPr>
+              <p:nvPr/>
+            </p:nvSpPr>
+            <p:spPr bwMode="auto">
+              <a:xfrm>
+                <a:off x="2575321" y="3176016"/>
+                <a:ext cx="274320" cy="390144"/>
+              </a:xfrm>
+              <a:prstGeom prst="foldedCorner">
+                <a:avLst>
+                  <a:gd name="adj" fmla="val 12500"/>
+                </a:avLst>
+              </a:prstGeom>
+              <a:solidFill>
+                <a:schemeClr val="accent1"/>
+              </a:solidFill>
+              <a:ln w="9525">
+                <a:solidFill>
+                  <a:schemeClr val="tx1"/>
+                </a:solidFill>
+                <a:round/>
+                <a:headEnd/>
+                <a:tailEnd/>
+              </a:ln>
+            </p:spPr>
+            <p:txBody>
+              <a:bodyPr wrap="none" anchor="ctr"/>
+              <a:lstStyle>
+                <a:lvl1pPr eaLnBrk="0" hangingPunct="0">
+                  <a:defRPr sz="2400">
+                    <a:solidFill>
+                      <a:schemeClr val="tx1"/>
+                    </a:solidFill>
+                    <a:latin typeface="Gill Sans MT" pitchFamily="34" charset="0"/>
+                  </a:defRPr>
+                </a:lvl1pPr>
+                <a:lvl2pPr marL="742950" indent="-285750" eaLnBrk="0" hangingPunct="0">
+                  <a:defRPr sz="2400">
+                    <a:solidFill>
+                      <a:schemeClr val="tx1"/>
+                    </a:solidFill>
+                    <a:latin typeface="Gill Sans MT" pitchFamily="34" charset="0"/>
+                  </a:defRPr>
+                </a:lvl2pPr>
+                <a:lvl3pPr marL="1143000" indent="-228600" eaLnBrk="0" hangingPunct="0">
+                  <a:defRPr sz="2400">
+                    <a:solidFill>
+                      <a:schemeClr val="tx1"/>
+                    </a:solidFill>
+                    <a:latin typeface="Gill Sans MT" pitchFamily="34" charset="0"/>
+                  </a:defRPr>
+                </a:lvl3pPr>
+                <a:lvl4pPr marL="1600200" indent="-228600" eaLnBrk="0" hangingPunct="0">
+                  <a:defRPr sz="2400">
+                    <a:solidFill>
+                      <a:schemeClr val="tx1"/>
+                    </a:solidFill>
+                    <a:latin typeface="Gill Sans MT" pitchFamily="34" charset="0"/>
+                  </a:defRPr>
+                </a:lvl4pPr>
+                <a:lvl5pPr marL="2057400" indent="-228600" eaLnBrk="0" hangingPunct="0">
+                  <a:defRPr sz="2400">
+                    <a:solidFill>
+                      <a:schemeClr val="tx1"/>
+                    </a:solidFill>
+                    <a:latin typeface="Gill Sans MT" pitchFamily="34" charset="0"/>
+                  </a:defRPr>
+                </a:lvl5pPr>
+                <a:lvl6pPr marL="2514600" indent="-228600" eaLnBrk="0" fontAlgn="base" hangingPunct="0">
+                  <a:spcBef>
+                    <a:spcPct val="0"/>
+                  </a:spcBef>
+                  <a:spcAft>
+                    <a:spcPct val="0"/>
+                  </a:spcAft>
+                  <a:defRPr sz="2400">
+                    <a:solidFill>
+                      <a:schemeClr val="tx1"/>
+                    </a:solidFill>
+                    <a:latin typeface="Gill Sans MT" pitchFamily="34" charset="0"/>
+                  </a:defRPr>
+                </a:lvl6pPr>
+                <a:lvl7pPr marL="2971800" indent="-228600" eaLnBrk="0" fontAlgn="base" hangingPunct="0">
+                  <a:spcBef>
+                    <a:spcPct val="0"/>
+                  </a:spcBef>
+                  <a:spcAft>
+                    <a:spcPct val="0"/>
+                  </a:spcAft>
+                  <a:defRPr sz="2400">
+                    <a:solidFill>
+                      <a:schemeClr val="tx1"/>
+                    </a:solidFill>
+                    <a:latin typeface="Gill Sans MT" pitchFamily="34" charset="0"/>
+                  </a:defRPr>
+                </a:lvl7pPr>
+                <a:lvl8pPr marL="3429000" indent="-228600" eaLnBrk="0" fontAlgn="base" hangingPunct="0">
+                  <a:spcBef>
+                    <a:spcPct val="0"/>
+                  </a:spcBef>
+                  <a:spcAft>
+                    <a:spcPct val="0"/>
+                  </a:spcAft>
+                  <a:defRPr sz="2400">
+                    <a:solidFill>
+                      <a:schemeClr val="tx1"/>
+                    </a:solidFill>
+                    <a:latin typeface="Gill Sans MT" pitchFamily="34" charset="0"/>
+                  </a:defRPr>
+                </a:lvl8pPr>
+                <a:lvl9pPr marL="3886200" indent="-228600" eaLnBrk="0" fontAlgn="base" hangingPunct="0">
+                  <a:spcBef>
+                    <a:spcPct val="0"/>
+                  </a:spcBef>
+                  <a:spcAft>
+                    <a:spcPct val="0"/>
+                  </a:spcAft>
+                  <a:defRPr sz="2400">
+                    <a:solidFill>
+                      <a:schemeClr val="tx1"/>
+                    </a:solidFill>
+                    <a:latin typeface="Gill Sans MT" pitchFamily="34" charset="0"/>
+                  </a:defRPr>
+                </a:lvl9pPr>
+              </a:lstStyle>
+              <a:p>
+                <a:pPr eaLnBrk="1" hangingPunct="1"/>
+                <a:endParaRPr lang="en-US" altLang="en-US">
+                  <a:latin typeface="+mn-lt"/>
+                </a:endParaRPr>
+              </a:p>
+            </p:txBody>
+          </p:sp>
+          <p:sp>
+            <p:nvSpPr>
+              <p:cNvPr id="42" name="AutoShape 8"/>
+              <p:cNvSpPr>
+                <a:spLocks noChangeArrowheads="1"/>
+              </p:cNvSpPr>
+              <p:nvPr/>
+            </p:nvSpPr>
+            <p:spPr bwMode="auto">
+              <a:xfrm>
+                <a:off x="2666761" y="3273552"/>
+                <a:ext cx="274320" cy="390144"/>
+              </a:xfrm>
+              <a:prstGeom prst="foldedCorner">
+                <a:avLst>
+                  <a:gd name="adj" fmla="val 12500"/>
+                </a:avLst>
+              </a:prstGeom>
+              <a:solidFill>
+                <a:schemeClr val="accent1"/>
+              </a:solidFill>
+              <a:ln w="9525">
+                <a:solidFill>
+                  <a:schemeClr val="tx1"/>
+                </a:solidFill>
+                <a:round/>
+                <a:headEnd/>
+                <a:tailEnd/>
+              </a:ln>
+            </p:spPr>
+            <p:txBody>
+              <a:bodyPr wrap="none" anchor="ctr"/>
+              <a:lstStyle>
+                <a:lvl1pPr eaLnBrk="0" hangingPunct="0">
+                  <a:defRPr sz="2400">
+                    <a:solidFill>
+                      <a:schemeClr val="tx1"/>
+                    </a:solidFill>
+                    <a:latin typeface="Gill Sans MT" pitchFamily="34" charset="0"/>
+                  </a:defRPr>
+                </a:lvl1pPr>
+                <a:lvl2pPr marL="742950" indent="-285750" eaLnBrk="0" hangingPunct="0">
+                  <a:defRPr sz="2400">
+                    <a:solidFill>
+                      <a:schemeClr val="tx1"/>
+                    </a:solidFill>
+                    <a:latin typeface="Gill Sans MT" pitchFamily="34" charset="0"/>
+                  </a:defRPr>
+                </a:lvl2pPr>
+                <a:lvl3pPr marL="1143000" indent="-228600" eaLnBrk="0" hangingPunct="0">
+                  <a:defRPr sz="2400">
+                    <a:solidFill>
+                      <a:schemeClr val="tx1"/>
+                    </a:solidFill>
+                    <a:latin typeface="Gill Sans MT" pitchFamily="34" charset="0"/>
+                  </a:defRPr>
+                </a:lvl3pPr>
+                <a:lvl4pPr marL="1600200" indent="-228600" eaLnBrk="0" hangingPunct="0">
+                  <a:defRPr sz="2400">
+                    <a:solidFill>
+                      <a:schemeClr val="tx1"/>
+                    </a:solidFill>
+                    <a:latin typeface="Gill Sans MT" pitchFamily="34" charset="0"/>
+                  </a:defRPr>
+                </a:lvl4pPr>
+                <a:lvl5pPr marL="2057400" indent="-228600" eaLnBrk="0" hangingPunct="0">
+                  <a:defRPr sz="2400">
+                    <a:solidFill>
+                      <a:schemeClr val="tx1"/>
+                    </a:solidFill>
+                    <a:latin typeface="Gill Sans MT" pitchFamily="34" charset="0"/>
+                  </a:defRPr>
+                </a:lvl5pPr>
+                <a:lvl6pPr marL="2514600" indent="-228600" eaLnBrk="0" fontAlgn="base" hangingPunct="0">
+                  <a:spcBef>
+                    <a:spcPct val="0"/>
+                  </a:spcBef>
+                  <a:spcAft>
+                    <a:spcPct val="0"/>
+                  </a:spcAft>
+                  <a:defRPr sz="2400">
+                    <a:solidFill>
+                      <a:schemeClr val="tx1"/>
+                    </a:solidFill>
+                    <a:latin typeface="Gill Sans MT" pitchFamily="34" charset="0"/>
+                  </a:defRPr>
+                </a:lvl6pPr>
+                <a:lvl7pPr marL="2971800" indent="-228600" eaLnBrk="0" fontAlgn="base" hangingPunct="0">
+                  <a:spcBef>
+                    <a:spcPct val="0"/>
+                  </a:spcBef>
+                  <a:spcAft>
+                    <a:spcPct val="0"/>
+                  </a:spcAft>
+                  <a:defRPr sz="2400">
+                    <a:solidFill>
+                      <a:schemeClr val="tx1"/>
+                    </a:solidFill>
+                    <a:latin typeface="Gill Sans MT" pitchFamily="34" charset="0"/>
+                  </a:defRPr>
+                </a:lvl7pPr>
+                <a:lvl8pPr marL="3429000" indent="-228600" eaLnBrk="0" fontAlgn="base" hangingPunct="0">
+                  <a:spcBef>
+                    <a:spcPct val="0"/>
+                  </a:spcBef>
+                  <a:spcAft>
+                    <a:spcPct val="0"/>
+                  </a:spcAft>
+                  <a:defRPr sz="2400">
+                    <a:solidFill>
+                      <a:schemeClr val="tx1"/>
+                    </a:solidFill>
+                    <a:latin typeface="Gill Sans MT" pitchFamily="34" charset="0"/>
+                  </a:defRPr>
+                </a:lvl8pPr>
+                <a:lvl9pPr marL="3886200" indent="-228600" eaLnBrk="0" fontAlgn="base" hangingPunct="0">
+                  <a:spcBef>
+                    <a:spcPct val="0"/>
+                  </a:spcBef>
+                  <a:spcAft>
+                    <a:spcPct val="0"/>
+                  </a:spcAft>
+                  <a:defRPr sz="2400">
+                    <a:solidFill>
+                      <a:schemeClr val="tx1"/>
+                    </a:solidFill>
+                    <a:latin typeface="Gill Sans MT" pitchFamily="34" charset="0"/>
+                  </a:defRPr>
+                </a:lvl9pPr>
+              </a:lstStyle>
+              <a:p>
+                <a:pPr eaLnBrk="1" hangingPunct="1"/>
+                <a:endParaRPr lang="en-US" altLang="en-US">
+                  <a:latin typeface="+mn-lt"/>
+                </a:endParaRPr>
+              </a:p>
+            </p:txBody>
+          </p:sp>
+          <p:sp>
+            <p:nvSpPr>
+              <p:cNvPr id="46" name="AutoShape 9"/>
+              <p:cNvSpPr>
+                <a:spLocks noChangeArrowheads="1"/>
+              </p:cNvSpPr>
+              <p:nvPr/>
+            </p:nvSpPr>
+            <p:spPr bwMode="auto">
+              <a:xfrm>
+                <a:off x="2986801" y="3029712"/>
+                <a:ext cx="228600" cy="390144"/>
+              </a:xfrm>
+              <a:prstGeom prst="foldedCorner">
+                <a:avLst>
+                  <a:gd name="adj" fmla="val 12500"/>
+                </a:avLst>
+              </a:prstGeom>
+              <a:solidFill>
+                <a:schemeClr val="accent1"/>
+              </a:solidFill>
+              <a:ln w="9525">
+                <a:solidFill>
+                  <a:schemeClr val="tx1"/>
+                </a:solidFill>
+                <a:round/>
+                <a:headEnd/>
+                <a:tailEnd/>
+              </a:ln>
+            </p:spPr>
+            <p:txBody>
+              <a:bodyPr wrap="none" anchor="ctr"/>
+              <a:lstStyle>
+                <a:lvl1pPr eaLnBrk="0" hangingPunct="0">
+                  <a:defRPr sz="2400">
+                    <a:solidFill>
+                      <a:schemeClr val="tx1"/>
+                    </a:solidFill>
+                    <a:latin typeface="Gill Sans MT" pitchFamily="34" charset="0"/>
+                  </a:defRPr>
+                </a:lvl1pPr>
+                <a:lvl2pPr marL="742950" indent="-285750" eaLnBrk="0" hangingPunct="0">
+                  <a:defRPr sz="2400">
+                    <a:solidFill>
+                      <a:schemeClr val="tx1"/>
+                    </a:solidFill>
+                    <a:latin typeface="Gill Sans MT" pitchFamily="34" charset="0"/>
+                  </a:defRPr>
+                </a:lvl2pPr>
+                <a:lvl3pPr marL="1143000" indent="-228600" eaLnBrk="0" hangingPunct="0">
+                  <a:defRPr sz="2400">
+                    <a:solidFill>
+                      <a:schemeClr val="tx1"/>
+                    </a:solidFill>
+                    <a:latin typeface="Gill Sans MT" pitchFamily="34" charset="0"/>
+                  </a:defRPr>
+                </a:lvl3pPr>
+                <a:lvl4pPr marL="1600200" indent="-228600" eaLnBrk="0" hangingPunct="0">
+                  <a:defRPr sz="2400">
+                    <a:solidFill>
+                      <a:schemeClr val="tx1"/>
+                    </a:solidFill>
+                    <a:latin typeface="Gill Sans MT" pitchFamily="34" charset="0"/>
+                  </a:defRPr>
+                </a:lvl4pPr>
+                <a:lvl5pPr marL="2057400" indent="-228600" eaLnBrk="0" hangingPunct="0">
+                  <a:defRPr sz="2400">
+                    <a:solidFill>
+                      <a:schemeClr val="tx1"/>
+                    </a:solidFill>
+                    <a:latin typeface="Gill Sans MT" pitchFamily="34" charset="0"/>
+                  </a:defRPr>
+                </a:lvl5pPr>
+                <a:lvl6pPr marL="2514600" indent="-228600" eaLnBrk="0" fontAlgn="base" hangingPunct="0">
+                  <a:spcBef>
+                    <a:spcPct val="0"/>
+                  </a:spcBef>
+                  <a:spcAft>
+                    <a:spcPct val="0"/>
+                  </a:spcAft>
+                  <a:defRPr sz="2400">
+                    <a:solidFill>
+                      <a:schemeClr val="tx1"/>
+                    </a:solidFill>
+                    <a:latin typeface="Gill Sans MT" pitchFamily="34" charset="0"/>
+                  </a:defRPr>
+                </a:lvl6pPr>
+                <a:lvl7pPr marL="2971800" indent="-228600" eaLnBrk="0" fontAlgn="base" hangingPunct="0">
+                  <a:spcBef>
+                    <a:spcPct val="0"/>
+                  </a:spcBef>
+                  <a:spcAft>
+                    <a:spcPct val="0"/>
+                  </a:spcAft>
+                  <a:defRPr sz="2400">
+                    <a:solidFill>
+                      <a:schemeClr val="tx1"/>
+                    </a:solidFill>
+                    <a:latin typeface="Gill Sans MT" pitchFamily="34" charset="0"/>
+                  </a:defRPr>
+                </a:lvl7pPr>
+                <a:lvl8pPr marL="3429000" indent="-228600" eaLnBrk="0" fontAlgn="base" hangingPunct="0">
+                  <a:spcBef>
+                    <a:spcPct val="0"/>
+                  </a:spcBef>
+                  <a:spcAft>
+                    <a:spcPct val="0"/>
+                  </a:spcAft>
+                  <a:defRPr sz="2400">
+                    <a:solidFill>
+                      <a:schemeClr val="tx1"/>
+                    </a:solidFill>
+                    <a:latin typeface="Gill Sans MT" pitchFamily="34" charset="0"/>
+                  </a:defRPr>
+                </a:lvl8pPr>
+                <a:lvl9pPr marL="3886200" indent="-228600" eaLnBrk="0" fontAlgn="base" hangingPunct="0">
+                  <a:spcBef>
+                    <a:spcPct val="0"/>
+                  </a:spcBef>
+                  <a:spcAft>
+                    <a:spcPct val="0"/>
+                  </a:spcAft>
+                  <a:defRPr sz="2400">
+                    <a:solidFill>
+                      <a:schemeClr val="tx1"/>
+                    </a:solidFill>
+                    <a:latin typeface="Gill Sans MT" pitchFamily="34" charset="0"/>
+                  </a:defRPr>
+                </a:lvl9pPr>
+              </a:lstStyle>
+              <a:p>
+                <a:pPr eaLnBrk="1" hangingPunct="1"/>
+                <a:endParaRPr lang="en-US" altLang="en-US">
+                  <a:latin typeface="+mn-lt"/>
+                </a:endParaRPr>
+              </a:p>
+            </p:txBody>
+          </p:sp>
+          <p:sp>
+            <p:nvSpPr>
+              <p:cNvPr id="47" name="AutoShape 10"/>
+              <p:cNvSpPr>
+                <a:spLocks noChangeArrowheads="1"/>
+              </p:cNvSpPr>
+              <p:nvPr/>
+            </p:nvSpPr>
+            <p:spPr bwMode="auto">
+              <a:xfrm>
+                <a:off x="3078241" y="3127248"/>
+                <a:ext cx="228600" cy="390144"/>
+              </a:xfrm>
+              <a:prstGeom prst="foldedCorner">
+                <a:avLst>
+                  <a:gd name="adj" fmla="val 12500"/>
+                </a:avLst>
+              </a:prstGeom>
+              <a:solidFill>
+                <a:schemeClr val="accent1"/>
+              </a:solidFill>
+              <a:ln w="9525">
+                <a:solidFill>
+                  <a:schemeClr val="tx1"/>
+                </a:solidFill>
+                <a:round/>
+                <a:headEnd/>
+                <a:tailEnd/>
+              </a:ln>
+            </p:spPr>
+            <p:txBody>
+              <a:bodyPr wrap="none" anchor="ctr"/>
+              <a:lstStyle>
+                <a:lvl1pPr eaLnBrk="0" hangingPunct="0">
+                  <a:defRPr sz="2400">
+                    <a:solidFill>
+                      <a:schemeClr val="tx1"/>
+                    </a:solidFill>
+                    <a:latin typeface="Gill Sans MT" pitchFamily="34" charset="0"/>
+                  </a:defRPr>
+                </a:lvl1pPr>
+                <a:lvl2pPr marL="742950" indent="-285750" eaLnBrk="0" hangingPunct="0">
+                  <a:defRPr sz="2400">
+                    <a:solidFill>
+                      <a:schemeClr val="tx1"/>
+                    </a:solidFill>
+                    <a:latin typeface="Gill Sans MT" pitchFamily="34" charset="0"/>
+                  </a:defRPr>
+                </a:lvl2pPr>
+                <a:lvl3pPr marL="1143000" indent="-228600" eaLnBrk="0" hangingPunct="0">
+                  <a:defRPr sz="2400">
+                    <a:solidFill>
+                      <a:schemeClr val="tx1"/>
+                    </a:solidFill>
+                    <a:latin typeface="Gill Sans MT" pitchFamily="34" charset="0"/>
+                  </a:defRPr>
+                </a:lvl3pPr>
+                <a:lvl4pPr marL="1600200" indent="-228600" eaLnBrk="0" hangingPunct="0">
+                  <a:defRPr sz="2400">
+                    <a:solidFill>
+                      <a:schemeClr val="tx1"/>
+                    </a:solidFill>
+                    <a:latin typeface="Gill Sans MT" pitchFamily="34" charset="0"/>
+                  </a:defRPr>
+                </a:lvl4pPr>
+                <a:lvl5pPr marL="2057400" indent="-228600" eaLnBrk="0" hangingPunct="0">
+                  <a:defRPr sz="2400">
+                    <a:solidFill>
+                      <a:schemeClr val="tx1"/>
+                    </a:solidFill>
+                    <a:latin typeface="Gill Sans MT" pitchFamily="34" charset="0"/>
+                  </a:defRPr>
+                </a:lvl5pPr>
+                <a:lvl6pPr marL="2514600" indent="-228600" eaLnBrk="0" fontAlgn="base" hangingPunct="0">
+                  <a:spcBef>
+                    <a:spcPct val="0"/>
+                  </a:spcBef>
+                  <a:spcAft>
+                    <a:spcPct val="0"/>
+                  </a:spcAft>
+                  <a:defRPr sz="2400">
+                    <a:solidFill>
+                      <a:schemeClr val="tx1"/>
+                    </a:solidFill>
+                    <a:latin typeface="Gill Sans MT" pitchFamily="34" charset="0"/>
+                  </a:defRPr>
+                </a:lvl6pPr>
+                <a:lvl7pPr marL="2971800" indent="-228600" eaLnBrk="0" fontAlgn="base" hangingPunct="0">
+                  <a:spcBef>
+                    <a:spcPct val="0"/>
+                  </a:spcBef>
+                  <a:spcAft>
+                    <a:spcPct val="0"/>
+                  </a:spcAft>
+                  <a:defRPr sz="2400">
+                    <a:solidFill>
+                      <a:schemeClr val="tx1"/>
+                    </a:solidFill>
+                    <a:latin typeface="Gill Sans MT" pitchFamily="34" charset="0"/>
+                  </a:defRPr>
+                </a:lvl7pPr>
+                <a:lvl8pPr marL="3429000" indent="-228600" eaLnBrk="0" fontAlgn="base" hangingPunct="0">
+                  <a:spcBef>
+                    <a:spcPct val="0"/>
+                  </a:spcBef>
+                  <a:spcAft>
+                    <a:spcPct val="0"/>
+                  </a:spcAft>
+                  <a:defRPr sz="2400">
+                    <a:solidFill>
+                      <a:schemeClr val="tx1"/>
+                    </a:solidFill>
+                    <a:latin typeface="Gill Sans MT" pitchFamily="34" charset="0"/>
+                  </a:defRPr>
+                </a:lvl8pPr>
+                <a:lvl9pPr marL="3886200" indent="-228600" eaLnBrk="0" fontAlgn="base" hangingPunct="0">
+                  <a:spcBef>
+                    <a:spcPct val="0"/>
+                  </a:spcBef>
+                  <a:spcAft>
+                    <a:spcPct val="0"/>
+                  </a:spcAft>
+                  <a:defRPr sz="2400">
+                    <a:solidFill>
+                      <a:schemeClr val="tx1"/>
+                    </a:solidFill>
+                    <a:latin typeface="Gill Sans MT" pitchFamily="34" charset="0"/>
+                  </a:defRPr>
+                </a:lvl9pPr>
+              </a:lstStyle>
+              <a:p>
+                <a:pPr eaLnBrk="1" hangingPunct="1"/>
+                <a:endParaRPr lang="en-US" altLang="en-US">
+                  <a:latin typeface="+mn-lt"/>
+                </a:endParaRPr>
+              </a:p>
+            </p:txBody>
+          </p:sp>
+          <p:sp>
+            <p:nvSpPr>
+              <p:cNvPr id="48" name="AutoShape 11"/>
+              <p:cNvSpPr>
+                <a:spLocks noChangeArrowheads="1"/>
+              </p:cNvSpPr>
+              <p:nvPr/>
+            </p:nvSpPr>
+            <p:spPr bwMode="auto">
+              <a:xfrm>
+                <a:off x="3169681" y="3224784"/>
+                <a:ext cx="228600" cy="390144"/>
+              </a:xfrm>
+              <a:prstGeom prst="foldedCorner">
+                <a:avLst>
+                  <a:gd name="adj" fmla="val 12500"/>
+                </a:avLst>
+              </a:prstGeom>
+              <a:solidFill>
+                <a:schemeClr val="accent1"/>
+              </a:solidFill>
+              <a:ln w="9525">
+                <a:solidFill>
+                  <a:schemeClr val="tx1"/>
+                </a:solidFill>
+                <a:round/>
+                <a:headEnd/>
+                <a:tailEnd/>
+              </a:ln>
+            </p:spPr>
+            <p:txBody>
+              <a:bodyPr wrap="none" anchor="ctr"/>
+              <a:lstStyle>
+                <a:lvl1pPr eaLnBrk="0" hangingPunct="0">
+                  <a:defRPr sz="2400">
+                    <a:solidFill>
+                      <a:schemeClr val="tx1"/>
+                    </a:solidFill>
+                    <a:latin typeface="Gill Sans MT" pitchFamily="34" charset="0"/>
+                  </a:defRPr>
+                </a:lvl1pPr>
+                <a:lvl2pPr marL="742950" indent="-285750" eaLnBrk="0" hangingPunct="0">
+                  <a:defRPr sz="2400">
+                    <a:solidFill>
+                      <a:schemeClr val="tx1"/>
+                    </a:solidFill>
+                    <a:latin typeface="Gill Sans MT" pitchFamily="34" charset="0"/>
+                  </a:defRPr>
+                </a:lvl2pPr>
+                <a:lvl3pPr marL="1143000" indent="-228600" eaLnBrk="0" hangingPunct="0">
+                  <a:defRPr sz="2400">
+                    <a:solidFill>
+                      <a:schemeClr val="tx1"/>
+                    </a:solidFill>
+                    <a:latin typeface="Gill Sans MT" pitchFamily="34" charset="0"/>
+                  </a:defRPr>
+                </a:lvl3pPr>
+                <a:lvl4pPr marL="1600200" indent="-228600" eaLnBrk="0" hangingPunct="0">
+                  <a:defRPr sz="2400">
+                    <a:solidFill>
+                      <a:schemeClr val="tx1"/>
+                    </a:solidFill>
+                    <a:latin typeface="Gill Sans MT" pitchFamily="34" charset="0"/>
+                  </a:defRPr>
+                </a:lvl4pPr>
+                <a:lvl5pPr marL="2057400" indent="-228600" eaLnBrk="0" hangingPunct="0">
+                  <a:defRPr sz="2400">
+                    <a:solidFill>
+                      <a:schemeClr val="tx1"/>
+                    </a:solidFill>
+                    <a:latin typeface="Gill Sans MT" pitchFamily="34" charset="0"/>
+                  </a:defRPr>
+                </a:lvl5pPr>
+                <a:lvl6pPr marL="2514600" indent="-228600" eaLnBrk="0" fontAlgn="base" hangingPunct="0">
+                  <a:spcBef>
+                    <a:spcPct val="0"/>
+                  </a:spcBef>
+                  <a:spcAft>
+                    <a:spcPct val="0"/>
+                  </a:spcAft>
+                  <a:defRPr sz="2400">
+                    <a:solidFill>
+                      <a:schemeClr val="tx1"/>
+                    </a:solidFill>
+                    <a:latin typeface="Gill Sans MT" pitchFamily="34" charset="0"/>
+                  </a:defRPr>
+                </a:lvl6pPr>
+                <a:lvl7pPr marL="2971800" indent="-228600" eaLnBrk="0" fontAlgn="base" hangingPunct="0">
+                  <a:spcBef>
+                    <a:spcPct val="0"/>
+                  </a:spcBef>
+                  <a:spcAft>
+                    <a:spcPct val="0"/>
+                  </a:spcAft>
+                  <a:defRPr sz="2400">
+                    <a:solidFill>
+                      <a:schemeClr val="tx1"/>
+                    </a:solidFill>
+                    <a:latin typeface="Gill Sans MT" pitchFamily="34" charset="0"/>
+                  </a:defRPr>
+                </a:lvl7pPr>
+                <a:lvl8pPr marL="3429000" indent="-228600" eaLnBrk="0" fontAlgn="base" hangingPunct="0">
+                  <a:spcBef>
+                    <a:spcPct val="0"/>
+                  </a:spcBef>
+                  <a:spcAft>
+                    <a:spcPct val="0"/>
+                  </a:spcAft>
+                  <a:defRPr sz="2400">
+                    <a:solidFill>
+                      <a:schemeClr val="tx1"/>
+                    </a:solidFill>
+                    <a:latin typeface="Gill Sans MT" pitchFamily="34" charset="0"/>
+                  </a:defRPr>
+                </a:lvl8pPr>
+                <a:lvl9pPr marL="3886200" indent="-228600" eaLnBrk="0" fontAlgn="base" hangingPunct="0">
+                  <a:spcBef>
+                    <a:spcPct val="0"/>
+                  </a:spcBef>
+                  <a:spcAft>
+                    <a:spcPct val="0"/>
+                  </a:spcAft>
+                  <a:defRPr sz="2400">
+                    <a:solidFill>
+                      <a:schemeClr val="tx1"/>
+                    </a:solidFill>
+                    <a:latin typeface="Gill Sans MT" pitchFamily="34" charset="0"/>
+                  </a:defRPr>
+                </a:lvl9pPr>
+              </a:lstStyle>
+              <a:p>
+                <a:pPr eaLnBrk="1" hangingPunct="1"/>
+                <a:endParaRPr lang="en-US" altLang="en-US">
+                  <a:latin typeface="+mn-lt"/>
+                </a:endParaRPr>
+              </a:p>
+            </p:txBody>
+          </p:sp>
+          <p:sp>
+            <p:nvSpPr>
+              <p:cNvPr id="49" name="AutoShape 12"/>
+              <p:cNvSpPr>
+                <a:spLocks noChangeArrowheads="1"/>
+              </p:cNvSpPr>
+              <p:nvPr/>
+            </p:nvSpPr>
+            <p:spPr bwMode="auto">
+              <a:xfrm>
+                <a:off x="3261121" y="3322320"/>
+                <a:ext cx="228600" cy="390144"/>
+              </a:xfrm>
+              <a:prstGeom prst="foldedCorner">
+                <a:avLst>
+                  <a:gd name="adj" fmla="val 12500"/>
+                </a:avLst>
+              </a:prstGeom>
+              <a:solidFill>
+                <a:schemeClr val="accent1"/>
+              </a:solidFill>
+              <a:ln w="9525">
+                <a:solidFill>
+                  <a:schemeClr val="tx1"/>
+                </a:solidFill>
+                <a:round/>
+                <a:headEnd/>
+                <a:tailEnd/>
+              </a:ln>
+            </p:spPr>
+            <p:txBody>
+              <a:bodyPr wrap="none" anchor="ctr"/>
+              <a:lstStyle>
+                <a:lvl1pPr eaLnBrk="0" hangingPunct="0">
+                  <a:defRPr sz="2400">
+                    <a:solidFill>
+                      <a:schemeClr val="tx1"/>
+                    </a:solidFill>
+                    <a:latin typeface="Gill Sans MT" pitchFamily="34" charset="0"/>
+                  </a:defRPr>
+                </a:lvl1pPr>
+                <a:lvl2pPr marL="742950" indent="-285750" eaLnBrk="0" hangingPunct="0">
+                  <a:defRPr sz="2400">
+                    <a:solidFill>
+                      <a:schemeClr val="tx1"/>
+                    </a:solidFill>
+                    <a:latin typeface="Gill Sans MT" pitchFamily="34" charset="0"/>
+                  </a:defRPr>
+                </a:lvl2pPr>
+                <a:lvl3pPr marL="1143000" indent="-228600" eaLnBrk="0" hangingPunct="0">
+                  <a:defRPr sz="2400">
+                    <a:solidFill>
+                      <a:schemeClr val="tx1"/>
+                    </a:solidFill>
+                    <a:latin typeface="Gill Sans MT" pitchFamily="34" charset="0"/>
+                  </a:defRPr>
+                </a:lvl3pPr>
+                <a:lvl4pPr marL="1600200" indent="-228600" eaLnBrk="0" hangingPunct="0">
+                  <a:defRPr sz="2400">
+                    <a:solidFill>
+                      <a:schemeClr val="tx1"/>
+                    </a:solidFill>
+                    <a:latin typeface="Gill Sans MT" pitchFamily="34" charset="0"/>
+                  </a:defRPr>
+                </a:lvl4pPr>
+                <a:lvl5pPr marL="2057400" indent="-228600" eaLnBrk="0" hangingPunct="0">
+                  <a:defRPr sz="2400">
+                    <a:solidFill>
+                      <a:schemeClr val="tx1"/>
+                    </a:solidFill>
+                    <a:latin typeface="Gill Sans MT" pitchFamily="34" charset="0"/>
+                  </a:defRPr>
+                </a:lvl5pPr>
+                <a:lvl6pPr marL="2514600" indent="-228600" eaLnBrk="0" fontAlgn="base" hangingPunct="0">
+                  <a:spcBef>
+                    <a:spcPct val="0"/>
+                  </a:spcBef>
+                  <a:spcAft>
+                    <a:spcPct val="0"/>
+                  </a:spcAft>
+                  <a:defRPr sz="2400">
+                    <a:solidFill>
+                      <a:schemeClr val="tx1"/>
+                    </a:solidFill>
+                    <a:latin typeface="Gill Sans MT" pitchFamily="34" charset="0"/>
+                  </a:defRPr>
+                </a:lvl6pPr>
+                <a:lvl7pPr marL="2971800" indent="-228600" eaLnBrk="0" fontAlgn="base" hangingPunct="0">
+                  <a:spcBef>
+                    <a:spcPct val="0"/>
+                  </a:spcBef>
+                  <a:spcAft>
+                    <a:spcPct val="0"/>
+                  </a:spcAft>
+                  <a:defRPr sz="2400">
+                    <a:solidFill>
+                      <a:schemeClr val="tx1"/>
+                    </a:solidFill>
+                    <a:latin typeface="Gill Sans MT" pitchFamily="34" charset="0"/>
+                  </a:defRPr>
+                </a:lvl7pPr>
+                <a:lvl8pPr marL="3429000" indent="-228600" eaLnBrk="0" fontAlgn="base" hangingPunct="0">
+                  <a:spcBef>
+                    <a:spcPct val="0"/>
+                  </a:spcBef>
+                  <a:spcAft>
+                    <a:spcPct val="0"/>
+                  </a:spcAft>
+                  <a:defRPr sz="2400">
+                    <a:solidFill>
+                      <a:schemeClr val="tx1"/>
+                    </a:solidFill>
+                    <a:latin typeface="Gill Sans MT" pitchFamily="34" charset="0"/>
+                  </a:defRPr>
+                </a:lvl8pPr>
+                <a:lvl9pPr marL="3886200" indent="-228600" eaLnBrk="0" fontAlgn="base" hangingPunct="0">
+                  <a:spcBef>
+                    <a:spcPct val="0"/>
+                  </a:spcBef>
+                  <a:spcAft>
+                    <a:spcPct val="0"/>
+                  </a:spcAft>
+                  <a:defRPr sz="2400">
+                    <a:solidFill>
+                      <a:schemeClr val="tx1"/>
+                    </a:solidFill>
+                    <a:latin typeface="Gill Sans MT" pitchFamily="34" charset="0"/>
+                  </a:defRPr>
+                </a:lvl9pPr>
+              </a:lstStyle>
+              <a:p>
+                <a:pPr eaLnBrk="1" hangingPunct="1"/>
+                <a:endParaRPr lang="en-US" altLang="en-US">
+                  <a:latin typeface="+mn-lt"/>
+                </a:endParaRPr>
+              </a:p>
+            </p:txBody>
+          </p:sp>
+        </p:grpSp>
+      </p:grpSp>
+      <p:sp>
+        <p:nvSpPr>
+          <p:cNvPr id="12" name="Rectangle 11"/>
+          <p:cNvSpPr/>
+          <p:nvPr/>
+        </p:nvSpPr>
+        <p:spPr>
+          <a:xfrm>
+            <a:off x="2247033" y="2038543"/>
+            <a:ext cx="4757264" cy="369332"/>
+          </a:xfrm>
+          <a:prstGeom prst="rect">
+            <a:avLst/>
+          </a:prstGeom>
+        </p:spPr>
+        <p:txBody>
+          <a:bodyPr wrap="none">
+            <a:spAutoFit/>
+          </a:bodyPr>
+          <a:lstStyle/>
+          <a:p>
+            <a:r>
+              <a:rPr lang="en-US" dirty="0" smtClean="0"/>
+              <a:t>D1: ‘</a:t>
+            </a:r>
+            <a:r>
+              <a:rPr lang="en-US" i="1" dirty="0" smtClean="0"/>
+              <a:t>Text </a:t>
+            </a:r>
+            <a:r>
+              <a:rPr lang="en-US" i="1" dirty="0"/>
+              <a:t>mining is to identify useful </a:t>
+            </a:r>
+            <a:r>
+              <a:rPr lang="en-US" i="1" dirty="0" smtClean="0"/>
+              <a:t>information.’</a:t>
+            </a:r>
+            <a:endParaRPr lang="en-US" i="1" dirty="0"/>
+          </a:p>
+        </p:txBody>
+      </p:sp>
+      <p:sp>
+        <p:nvSpPr>
+          <p:cNvPr id="50" name="Rectangle 49"/>
+          <p:cNvSpPr/>
+          <p:nvPr/>
+        </p:nvSpPr>
+        <p:spPr>
+          <a:xfrm>
+            <a:off x="1372937" y="2673925"/>
+            <a:ext cx="5840060" cy="369332"/>
+          </a:xfrm>
+          <a:prstGeom prst="rect">
+            <a:avLst/>
+          </a:prstGeom>
+        </p:spPr>
+        <p:txBody>
+          <a:bodyPr wrap="none">
+            <a:spAutoFit/>
+          </a:bodyPr>
+          <a:lstStyle/>
+          <a:p>
+            <a:r>
+              <a:rPr lang="en-US" dirty="0" smtClean="0"/>
+              <a:t>D1: </a:t>
+            </a:r>
+            <a:r>
+              <a:rPr lang="en-US" i="1" dirty="0" smtClean="0"/>
+              <a:t>‘Text’, ‘mining’, ‘is’, ‘to’, ‘identify’, ‘useful’, ‘information’, ‘.’</a:t>
+            </a:r>
+            <a:endParaRPr lang="en-US" i="1" dirty="0"/>
+          </a:p>
+        </p:txBody>
+      </p:sp>
+      <p:sp>
+        <p:nvSpPr>
+          <p:cNvPr id="51" name="Rectangle 50"/>
+          <p:cNvSpPr/>
+          <p:nvPr/>
+        </p:nvSpPr>
+        <p:spPr>
+          <a:xfrm>
+            <a:off x="1372937" y="3266228"/>
+            <a:ext cx="4904612" cy="369332"/>
+          </a:xfrm>
+          <a:prstGeom prst="rect">
+            <a:avLst/>
+          </a:prstGeom>
+        </p:spPr>
+        <p:txBody>
+          <a:bodyPr wrap="none">
+            <a:spAutoFit/>
+          </a:bodyPr>
+          <a:lstStyle/>
+          <a:p>
+            <a:r>
+              <a:rPr lang="en-US" dirty="0" smtClean="0"/>
+              <a:t>D1</a:t>
+            </a:r>
+            <a:r>
+              <a:rPr lang="en-US" dirty="0"/>
+              <a:t>: </a:t>
+            </a:r>
+            <a:r>
+              <a:rPr lang="en-US" i="1" dirty="0" smtClean="0"/>
+              <a:t>‘text’, ‘mine’, ‘is’, ‘to’, ‘identify’, ‘use’, ‘inform’, ‘.’</a:t>
+            </a:r>
+            <a:endParaRPr lang="en-US" i="1" dirty="0"/>
+          </a:p>
+        </p:txBody>
+      </p:sp>
+      <p:sp>
+        <p:nvSpPr>
+          <p:cNvPr id="52" name="Rectangle 51"/>
+          <p:cNvSpPr/>
+          <p:nvPr/>
+        </p:nvSpPr>
+        <p:spPr>
+          <a:xfrm>
+            <a:off x="1372937" y="3896842"/>
+            <a:ext cx="7694863" cy="369332"/>
+          </a:xfrm>
+          <a:prstGeom prst="rect">
+            <a:avLst/>
+          </a:prstGeom>
+        </p:spPr>
+        <p:txBody>
+          <a:bodyPr wrap="none">
+            <a:spAutoFit/>
+          </a:bodyPr>
+          <a:lstStyle/>
+          <a:p>
+            <a:r>
+              <a:rPr lang="en-US" dirty="0" smtClean="0"/>
+              <a:t>D1</a:t>
+            </a:r>
+            <a:r>
+              <a:rPr lang="en-US" dirty="0"/>
+              <a:t>: </a:t>
+            </a:r>
+            <a:r>
+              <a:rPr lang="en-US" i="1" dirty="0" smtClean="0"/>
+              <a:t>‘text-mine’, ‘mine-is’, ‘is-to’, ‘to-identify’, ‘identify-use’, ‘use-inform’, ‘inform-.’</a:t>
+            </a:r>
+            <a:endParaRPr lang="en-US" i="1" dirty="0"/>
+          </a:p>
+        </p:txBody>
+      </p:sp>
+      <p:sp>
+        <p:nvSpPr>
+          <p:cNvPr id="53" name="Rectangle 52"/>
+          <p:cNvSpPr/>
+          <p:nvPr/>
+        </p:nvSpPr>
+        <p:spPr>
+          <a:xfrm>
+            <a:off x="1372937" y="4531988"/>
+            <a:ext cx="5241756" cy="369332"/>
+          </a:xfrm>
+          <a:prstGeom prst="rect">
+            <a:avLst/>
+          </a:prstGeom>
+        </p:spPr>
+        <p:txBody>
+          <a:bodyPr wrap="none">
+            <a:spAutoFit/>
+          </a:bodyPr>
+          <a:lstStyle/>
+          <a:p>
+            <a:r>
+              <a:rPr lang="en-US" dirty="0" smtClean="0"/>
+              <a:t>D1</a:t>
+            </a:r>
+            <a:r>
+              <a:rPr lang="en-US" dirty="0"/>
+              <a:t>: </a:t>
+            </a:r>
+            <a:r>
+              <a:rPr lang="en-US" i="1" dirty="0" smtClean="0"/>
+              <a:t>‘text-mine’, ‘to-identify’, ‘identify-use’, ‘use-inform’</a:t>
+            </a:r>
+            <a:endParaRPr lang="en-US" i="1" dirty="0"/>
+          </a:p>
+        </p:txBody>
+      </p:sp>
+      <p:sp>
+        <p:nvSpPr>
+          <p:cNvPr id="13" name="Rectangle 12"/>
+          <p:cNvSpPr/>
+          <p:nvPr/>
+        </p:nvSpPr>
+        <p:spPr>
+          <a:xfrm>
+            <a:off x="1143000" y="2380166"/>
+            <a:ext cx="1998111" cy="400110"/>
+          </a:xfrm>
+          <a:prstGeom prst="rect">
+            <a:avLst/>
+          </a:prstGeom>
+        </p:spPr>
+        <p:txBody>
+          <a:bodyPr wrap="none">
+            <a:spAutoFit/>
+          </a:bodyPr>
+          <a:lstStyle/>
+          <a:p>
+            <a:pPr marL="342900" indent="-342900">
+              <a:buAutoNum type="arabicPeriod"/>
+            </a:pPr>
+            <a:r>
+              <a:rPr lang="en-US" sz="2000" b="1" dirty="0">
+                <a:solidFill>
+                  <a:srgbClr val="FF0000"/>
+                </a:solidFill>
+              </a:rPr>
+              <a:t>Tokenization: </a:t>
+            </a:r>
+          </a:p>
+        </p:txBody>
+      </p:sp>
+      <p:sp>
+        <p:nvSpPr>
+          <p:cNvPr id="15" name="Rectangle 14"/>
+          <p:cNvSpPr/>
+          <p:nvPr/>
+        </p:nvSpPr>
+        <p:spPr>
+          <a:xfrm>
+            <a:off x="1143000" y="2946973"/>
+            <a:ext cx="3272371" cy="400110"/>
+          </a:xfrm>
+          <a:prstGeom prst="rect">
+            <a:avLst/>
+          </a:prstGeom>
+        </p:spPr>
+        <p:txBody>
+          <a:bodyPr wrap="none">
+            <a:spAutoFit/>
+          </a:bodyPr>
+          <a:lstStyle/>
+          <a:p>
+            <a:pPr marL="342900" indent="-342900">
+              <a:buFont typeface="+mj-lt"/>
+              <a:buAutoNum type="arabicPeriod" startAt="2"/>
+            </a:pPr>
+            <a:r>
+              <a:rPr lang="en-US" sz="2000" b="1" dirty="0">
+                <a:solidFill>
+                  <a:srgbClr val="FF0000"/>
+                </a:solidFill>
+              </a:rPr>
+              <a:t>Stemming/normalization:</a:t>
+            </a:r>
+          </a:p>
+        </p:txBody>
+      </p:sp>
+      <p:sp>
+        <p:nvSpPr>
+          <p:cNvPr id="17" name="Rectangle 16"/>
+          <p:cNvSpPr/>
+          <p:nvPr/>
+        </p:nvSpPr>
+        <p:spPr>
+          <a:xfrm>
+            <a:off x="1143000" y="3552375"/>
+            <a:ext cx="2781339" cy="400110"/>
+          </a:xfrm>
+          <a:prstGeom prst="rect">
+            <a:avLst/>
+          </a:prstGeom>
+        </p:spPr>
+        <p:txBody>
+          <a:bodyPr wrap="none">
+            <a:spAutoFit/>
+          </a:bodyPr>
+          <a:lstStyle/>
+          <a:p>
+            <a:pPr marL="342900" indent="-342900">
+              <a:buFont typeface="+mj-lt"/>
+              <a:buAutoNum type="arabicPeriod" startAt="3"/>
+            </a:pPr>
+            <a:r>
+              <a:rPr lang="en-US" sz="2000" b="1" dirty="0">
+                <a:solidFill>
+                  <a:srgbClr val="FF0000"/>
+                </a:solidFill>
+              </a:rPr>
+              <a:t>N-gram construction:</a:t>
+            </a:r>
+          </a:p>
+        </p:txBody>
+      </p:sp>
+      <p:sp>
+        <p:nvSpPr>
+          <p:cNvPr id="18" name="Rectangle 17"/>
+          <p:cNvSpPr/>
+          <p:nvPr/>
+        </p:nvSpPr>
+        <p:spPr>
+          <a:xfrm>
+            <a:off x="1143000" y="2038543"/>
+            <a:ext cx="7772400" cy="2862777"/>
+          </a:xfrm>
+          <a:prstGeom prst="rect">
+            <a:avLst/>
+          </a:prstGeom>
+          <a:noFill/>
+          <a:ln w="28575">
+            <a:solidFill>
+              <a:srgbClr val="7030A0"/>
+            </a:solidFill>
+            <a:prstDash val="dash"/>
+          </a:ln>
+        </p:spPr>
+        <p:style>
+          <a:lnRef idx="2">
+            <a:schemeClr val="accent1">
+              <a:shade val="50000"/>
+            </a:schemeClr>
+          </a:lnRef>
+          <a:fillRef idx="1">
+            <a:schemeClr val="accent1"/>
+          </a:fillRef>
+          <a:effectRef idx="0">
+            <a:schemeClr val="accent1"/>
+          </a:effectRef>
+          <a:fontRef idx="minor">
+            <a:schemeClr val="lt1"/>
+          </a:fontRef>
+        </p:style>
+        <p:txBody>
+          <a:bodyPr rtlCol="0" anchor="ctr"/>
+          <a:lstStyle/>
+          <a:p>
+            <a:pPr algn="ctr"/>
+            <a:endParaRPr lang="en-US"/>
+          </a:p>
+        </p:txBody>
+      </p:sp>
+      <p:sp>
+        <p:nvSpPr>
+          <p:cNvPr id="58" name="TextBox 57"/>
+          <p:cNvSpPr txBox="1"/>
+          <p:nvPr/>
+        </p:nvSpPr>
+        <p:spPr>
+          <a:xfrm>
+            <a:off x="5887370" y="1267030"/>
+            <a:ext cx="2651253" cy="646331"/>
+          </a:xfrm>
+          <a:prstGeom prst="rect">
+            <a:avLst/>
+          </a:prstGeom>
+          <a:noFill/>
+        </p:spPr>
+        <p:txBody>
+          <a:bodyPr wrap="square" rtlCol="0">
+            <a:spAutoFit/>
+          </a:bodyPr>
+          <a:lstStyle/>
+          <a:p>
+            <a:r>
+              <a:rPr lang="en-US" b="1" i="1" dirty="0" smtClean="0">
+                <a:solidFill>
+                  <a:srgbClr val="7030A0"/>
+                </a:solidFill>
+              </a:rPr>
+              <a:t>Naturally fit into </a:t>
+            </a:r>
+            <a:r>
+              <a:rPr lang="en-US" b="1" i="1" dirty="0" err="1" smtClean="0">
+                <a:solidFill>
+                  <a:srgbClr val="7030A0"/>
+                </a:solidFill>
+              </a:rPr>
+              <a:t>MapReduce</a:t>
+            </a:r>
+            <a:r>
+              <a:rPr lang="en-US" b="1" i="1" dirty="0" smtClean="0">
+                <a:solidFill>
+                  <a:srgbClr val="7030A0"/>
+                </a:solidFill>
+              </a:rPr>
+              <a:t> paradigm!</a:t>
+            </a:r>
+            <a:endParaRPr lang="en-US" b="1" i="1" dirty="0">
+              <a:solidFill>
+                <a:srgbClr val="7030A0"/>
+              </a:solidFill>
+            </a:endParaRPr>
+          </a:p>
+        </p:txBody>
+      </p:sp>
+      <p:grpSp>
+        <p:nvGrpSpPr>
+          <p:cNvPr id="21" name="Group 20"/>
+          <p:cNvGrpSpPr/>
+          <p:nvPr/>
+        </p:nvGrpSpPr>
+        <p:grpSpPr>
+          <a:xfrm>
+            <a:off x="1015395" y="1376959"/>
+            <a:ext cx="1956044" cy="640080"/>
+            <a:chOff x="990600" y="1391357"/>
+            <a:chExt cx="1956044" cy="640080"/>
+          </a:xfrm>
+        </p:grpSpPr>
+        <p:sp>
+          <p:nvSpPr>
+            <p:cNvPr id="19" name="Curved Right Arrow 18"/>
+            <p:cNvSpPr/>
+            <p:nvPr/>
+          </p:nvSpPr>
+          <p:spPr>
+            <a:xfrm>
+              <a:off x="2489444" y="1391357"/>
+              <a:ext cx="457200" cy="640080"/>
+            </a:xfrm>
+            <a:prstGeom prst="curvedRightArrow">
+              <a:avLst/>
+            </a:prstGeom>
+            <a:solidFill>
+              <a:srgbClr val="00B050"/>
+            </a:solidFill>
+            <a:ln>
+              <a:solidFill>
+                <a:schemeClr val="accent3">
+                  <a:lumMod val="50000"/>
+                </a:schemeClr>
+              </a:solidFill>
+            </a:ln>
+          </p:spPr>
+          <p:style>
+            <a:lnRef idx="2">
+              <a:schemeClr val="accent1">
+                <a:shade val="50000"/>
+              </a:schemeClr>
+            </a:lnRef>
+            <a:fillRef idx="1">
+              <a:schemeClr val="accent1"/>
+            </a:fillRef>
+            <a:effectRef idx="0">
+              <a:schemeClr val="accent1"/>
+            </a:effectRef>
+            <a:fontRef idx="minor">
+              <a:schemeClr val="lt1"/>
+            </a:fontRef>
+          </p:style>
+          <p:txBody>
+            <a:bodyPr rtlCol="0" anchor="ctr"/>
+            <a:lstStyle/>
+            <a:p>
+              <a:pPr algn="ctr"/>
+              <a:endParaRPr lang="en-US">
+                <a:solidFill>
+                  <a:schemeClr val="tx1"/>
+                </a:solidFill>
+              </a:endParaRPr>
+            </a:p>
+          </p:txBody>
+        </p:sp>
+        <p:sp>
+          <p:nvSpPr>
+            <p:cNvPr id="20" name="TextBox 19"/>
+            <p:cNvSpPr txBox="1"/>
+            <p:nvPr/>
+          </p:nvSpPr>
+          <p:spPr>
+            <a:xfrm>
+              <a:off x="990600" y="1487424"/>
+              <a:ext cx="1256433" cy="369332"/>
+            </a:xfrm>
+            <a:prstGeom prst="rect">
+              <a:avLst/>
+            </a:prstGeom>
+            <a:noFill/>
+          </p:spPr>
+          <p:txBody>
+            <a:bodyPr wrap="square" rtlCol="0">
+              <a:spAutoFit/>
+            </a:bodyPr>
+            <a:lstStyle/>
+            <a:p>
+              <a:pPr algn="r"/>
+              <a:r>
+                <a:rPr lang="en-US" b="1" i="1" dirty="0" smtClean="0">
+                  <a:solidFill>
+                    <a:srgbClr val="7030A0"/>
+                  </a:solidFill>
+                </a:rPr>
+                <a:t>Mapper</a:t>
+              </a:r>
+              <a:endParaRPr lang="en-US" b="1" i="1" dirty="0">
+                <a:solidFill>
+                  <a:srgbClr val="7030A0"/>
+                </a:solidFill>
+              </a:endParaRPr>
+            </a:p>
+          </p:txBody>
+        </p:sp>
+      </p:grpSp>
+      <p:grpSp>
+        <p:nvGrpSpPr>
+          <p:cNvPr id="22" name="Group 21"/>
+          <p:cNvGrpSpPr/>
+          <p:nvPr/>
+        </p:nvGrpSpPr>
+        <p:grpSpPr>
+          <a:xfrm>
+            <a:off x="1047542" y="4994275"/>
+            <a:ext cx="1891602" cy="640080"/>
+            <a:chOff x="1047542" y="4994275"/>
+            <a:chExt cx="1891602" cy="640080"/>
+          </a:xfrm>
+        </p:grpSpPr>
+        <p:sp>
+          <p:nvSpPr>
+            <p:cNvPr id="57" name="Curved Right Arrow 56"/>
+            <p:cNvSpPr/>
+            <p:nvPr/>
+          </p:nvSpPr>
+          <p:spPr>
+            <a:xfrm>
+              <a:off x="2481944" y="4994275"/>
+              <a:ext cx="457200" cy="640080"/>
+            </a:xfrm>
+            <a:prstGeom prst="curvedRightArrow">
+              <a:avLst/>
+            </a:prstGeom>
+            <a:solidFill>
+              <a:srgbClr val="00B050"/>
+            </a:solidFill>
+            <a:ln>
+              <a:solidFill>
+                <a:schemeClr val="accent3">
+                  <a:lumMod val="50000"/>
+                </a:schemeClr>
+              </a:solidFill>
+            </a:ln>
+          </p:spPr>
+          <p:style>
+            <a:lnRef idx="2">
+              <a:schemeClr val="accent1">
+                <a:shade val="50000"/>
+              </a:schemeClr>
+            </a:lnRef>
+            <a:fillRef idx="1">
+              <a:schemeClr val="accent1"/>
+            </a:fillRef>
+            <a:effectRef idx="0">
+              <a:schemeClr val="accent1"/>
+            </a:effectRef>
+            <a:fontRef idx="minor">
+              <a:schemeClr val="lt1"/>
+            </a:fontRef>
+          </p:style>
+          <p:txBody>
+            <a:bodyPr rtlCol="0" anchor="ctr"/>
+            <a:lstStyle/>
+            <a:p>
+              <a:pPr algn="ctr"/>
+              <a:endParaRPr lang="en-US">
+                <a:solidFill>
+                  <a:schemeClr val="tx1"/>
+                </a:solidFill>
+              </a:endParaRPr>
+            </a:p>
+          </p:txBody>
+        </p:sp>
+        <p:sp>
+          <p:nvSpPr>
+            <p:cNvPr id="60" name="TextBox 59"/>
+            <p:cNvSpPr txBox="1"/>
+            <p:nvPr/>
+          </p:nvSpPr>
+          <p:spPr>
+            <a:xfrm>
+              <a:off x="1047542" y="5124527"/>
+              <a:ext cx="1256433" cy="369332"/>
+            </a:xfrm>
+            <a:prstGeom prst="rect">
+              <a:avLst/>
+            </a:prstGeom>
+            <a:noFill/>
+          </p:spPr>
+          <p:txBody>
+            <a:bodyPr wrap="square" rtlCol="0">
+              <a:spAutoFit/>
+            </a:bodyPr>
+            <a:lstStyle/>
+            <a:p>
+              <a:pPr algn="r"/>
+              <a:r>
+                <a:rPr lang="en-US" b="1" i="1" dirty="0" smtClean="0">
+                  <a:solidFill>
+                    <a:srgbClr val="7030A0"/>
+                  </a:solidFill>
+                </a:rPr>
+                <a:t>Reducer</a:t>
+              </a:r>
+              <a:endParaRPr lang="en-US" b="1" i="1" dirty="0">
+                <a:solidFill>
+                  <a:srgbClr val="7030A0"/>
+                </a:solidFill>
+              </a:endParaRPr>
+            </a:p>
+          </p:txBody>
+        </p:sp>
+      </p:grpSp>
+    </p:spTree>
+    <p:extLst>
+      <p:ext uri="{BB962C8B-B14F-4D97-AF65-F5344CB8AC3E}">
+        <p14:creationId xmlns:p14="http://schemas.microsoft.com/office/powerpoint/2010/main" val="2777851173"/>
+      </p:ext>
+    </p:extLst>
+  </p:cSld>
+  <p:clrMapOvr>
+    <a:masterClrMapping/>
+  </p:clrMapOvr>
+  <p:timing>
+    <p:tnLst>
+      <p:par>
+        <p:cTn id="1" dur="indefinite" restart="never" nodeType="tmRoot"/>
+      </p:par>
+    </p:tnLst>
+  </p:timing>
+</p:sld>
+</file>
+
+<file path=ppt/slides/slide37.xml><?xml version="1.0" encoding="utf-8"?>
+<p:sld xmlns:a="http://schemas.openxmlformats.org/drawingml/2006/main" xmlns:r="http://schemas.openxmlformats.org/officeDocument/2006/relationships" xmlns:p="http://schemas.openxmlformats.org/presentationml/2006/main">
+  <p:cSld>
+    <p:spTree>
+      <p:nvGrpSpPr>
+        <p:cNvPr id="1" name=""/>
+        <p:cNvGrpSpPr/>
+        <p:nvPr/>
+      </p:nvGrpSpPr>
+      <p:grpSpPr>
+        <a:xfrm>
+          <a:off x="0" y="0"/>
+          <a:ext cx="0" cy="0"/>
+          <a:chOff x="0" y="0"/>
+          <a:chExt cx="0" cy="0"/>
+        </a:xfrm>
+      </p:grpSpPr>
+      <p:sp>
+        <p:nvSpPr>
+          <p:cNvPr id="326658" name="Rectangle 2"/>
+          <p:cNvSpPr>
+            <a:spLocks noGrp="1" noChangeArrowheads="1"/>
+          </p:cNvSpPr>
+          <p:nvPr>
+            <p:ph type="title"/>
+          </p:nvPr>
+        </p:nvSpPr>
+        <p:spPr/>
+        <p:txBody>
+          <a:bodyPr/>
+          <a:lstStyle/>
+          <a:p>
+            <a:r>
+              <a:rPr lang="en-US" altLang="en-US" dirty="0" smtClean="0"/>
+              <a:t>Recap: TF-IDF </a:t>
+            </a:r>
+            <a:r>
+              <a:rPr lang="en-US" altLang="en-US" dirty="0" smtClean="0"/>
+              <a:t>weighting </a:t>
+            </a:r>
+            <a:endParaRPr lang="en-US" altLang="en-US" dirty="0"/>
+          </a:p>
+        </p:txBody>
+      </p:sp>
+      <mc:AlternateContent xmlns:mc="http://schemas.openxmlformats.org/markup-compatibility/2006">
+        <mc:Choice xmlns:a14="http://schemas.microsoft.com/office/drawing/2010/main" Requires="a14">
+          <p:sp>
+            <p:nvSpPr>
+              <p:cNvPr id="326659" name="Rectangle 3"/>
+              <p:cNvSpPr>
+                <a:spLocks noGrp="1" noChangeArrowheads="1"/>
+              </p:cNvSpPr>
+              <p:nvPr>
+                <p:ph idx="1"/>
+              </p:nvPr>
+            </p:nvSpPr>
+            <p:spPr/>
+            <p:txBody>
+              <a:bodyPr/>
+              <a:lstStyle/>
+              <a:p>
+                <a:r>
+                  <a:rPr lang="en-US" altLang="ja-JP" dirty="0" smtClean="0">
+                    <a:ea typeface="ＭＳ Ｐゴシック" charset="-128"/>
+                  </a:rPr>
+                  <a:t>Combining TF and IDF </a:t>
+                </a:r>
+                <a:endParaRPr lang="en-US" altLang="ja-JP" b="0" dirty="0">
+                  <a:ea typeface="ＭＳ Ｐゴシック" charset="-128"/>
+                </a:endParaRPr>
+              </a:p>
+              <a:p>
+                <a:pPr lvl="1"/>
+                <a:r>
+                  <a:rPr lang="en-US" altLang="ja-JP" dirty="0">
+                    <a:ea typeface="ＭＳ Ｐゴシック" charset="-128"/>
+                  </a:rPr>
+                  <a:t>Common in doc </a:t>
+                </a:r>
+                <a:r>
+                  <a:rPr lang="en-US" altLang="ja-JP" dirty="0">
+                    <a:ea typeface="ＭＳ Ｐゴシック" charset="-128"/>
+                    <a:sym typeface="Wingdings" pitchFamily="2" charset="2"/>
+                  </a:rPr>
+                  <a:t></a:t>
+                </a:r>
+                <a:r>
+                  <a:rPr lang="en-US" altLang="ja-JP" dirty="0">
+                    <a:ea typeface="ＭＳ Ｐゴシック" charset="-128"/>
+                  </a:rPr>
+                  <a:t> high </a:t>
+                </a:r>
+                <a:r>
+                  <a:rPr lang="en-US" altLang="ja-JP" dirty="0" err="1">
+                    <a:ea typeface="ＭＳ Ｐゴシック" charset="-128"/>
+                  </a:rPr>
+                  <a:t>tf</a:t>
+                </a:r>
+                <a:r>
+                  <a:rPr lang="en-US" altLang="ja-JP" dirty="0">
+                    <a:ea typeface="ＭＳ Ｐゴシック" charset="-128"/>
+                  </a:rPr>
+                  <a:t> </a:t>
+                </a:r>
+                <a:r>
+                  <a:rPr lang="en-US" altLang="ja-JP" dirty="0">
+                    <a:ea typeface="ＭＳ Ｐゴシック" charset="-128"/>
+                    <a:sym typeface="Wingdings" pitchFamily="2" charset="2"/>
+                  </a:rPr>
+                  <a:t> high weight</a:t>
+                </a:r>
+              </a:p>
+              <a:p>
+                <a:pPr lvl="1"/>
+                <a:r>
+                  <a:rPr lang="en-US" altLang="ja-JP" dirty="0">
+                    <a:ea typeface="ＭＳ Ｐゴシック" charset="-128"/>
+                  </a:rPr>
+                  <a:t>Rare in collection</a:t>
+                </a:r>
+                <a:r>
+                  <a:rPr lang="en-US" altLang="ja-JP" dirty="0">
+                    <a:ea typeface="ＭＳ Ｐゴシック" charset="-128"/>
+                    <a:sym typeface="Wingdings" pitchFamily="2" charset="2"/>
+                  </a:rPr>
+                  <a:t></a:t>
+                </a:r>
+                <a:r>
+                  <a:rPr lang="en-US" altLang="ja-JP" dirty="0">
+                    <a:ea typeface="ＭＳ Ｐゴシック" charset="-128"/>
+                  </a:rPr>
+                  <a:t> high </a:t>
+                </a:r>
+                <a:r>
+                  <a:rPr lang="en-US" altLang="ja-JP" dirty="0" err="1">
+                    <a:ea typeface="ＭＳ Ｐゴシック" charset="-128"/>
+                  </a:rPr>
+                  <a:t>idf</a:t>
+                </a:r>
+                <a:r>
+                  <a:rPr lang="en-US" altLang="ja-JP" dirty="0">
+                    <a:ea typeface="ＭＳ Ｐゴシック" charset="-128"/>
+                    <a:sym typeface="Wingdings" pitchFamily="2" charset="2"/>
+                  </a:rPr>
+                  <a:t> high </a:t>
+                </a:r>
+                <a:r>
+                  <a:rPr lang="en-US" altLang="ja-JP" dirty="0" smtClean="0">
+                    <a:ea typeface="ＭＳ Ｐゴシック" charset="-128"/>
+                    <a:sym typeface="Wingdings" pitchFamily="2" charset="2"/>
+                  </a:rPr>
+                  <a:t>weight</a:t>
+                </a:r>
+              </a:p>
+              <a:p>
+                <a:pPr lvl="1"/>
+                <a14:m>
+                  <m:oMath xmlns:m="http://schemas.openxmlformats.org/officeDocument/2006/math">
+                    <m:r>
+                      <a:rPr lang="en-US" altLang="ja-JP" i="1" dirty="0" smtClean="0">
+                        <a:latin typeface="Cambria Math" panose="02040503050406030204" pitchFamily="18" charset="0"/>
+                        <a:ea typeface="ＭＳ Ｐゴシック" charset="-128"/>
+                      </a:rPr>
+                      <m:t>𝑤</m:t>
+                    </m:r>
+                    <m:d>
+                      <m:dPr>
+                        <m:ctrlPr>
+                          <a:rPr lang="en-US" altLang="ja-JP" i="1" dirty="0" smtClean="0">
+                            <a:latin typeface="Cambria Math" panose="02040503050406030204" pitchFamily="18" charset="0"/>
+                            <a:ea typeface="ＭＳ Ｐゴシック" charset="-128"/>
+                          </a:rPr>
+                        </m:ctrlPr>
+                      </m:dPr>
+                      <m:e>
+                        <m:r>
+                          <a:rPr lang="en-US" altLang="ja-JP" i="1" dirty="0" err="1" smtClean="0">
+                            <a:latin typeface="Cambria Math" panose="02040503050406030204" pitchFamily="18" charset="0"/>
+                            <a:ea typeface="ＭＳ Ｐゴシック" charset="-128"/>
+                          </a:rPr>
+                          <m:t>𝑡</m:t>
+                        </m:r>
+                        <m:r>
+                          <a:rPr lang="en-US" altLang="ja-JP" i="1" dirty="0" err="1" smtClean="0">
+                            <a:latin typeface="Cambria Math" panose="02040503050406030204" pitchFamily="18" charset="0"/>
+                            <a:ea typeface="ＭＳ Ｐゴシック" charset="-128"/>
+                          </a:rPr>
+                          <m:t>,</m:t>
+                        </m:r>
+                        <m:r>
+                          <a:rPr lang="en-US" altLang="ja-JP" i="1" dirty="0" err="1" smtClean="0">
+                            <a:latin typeface="Cambria Math" panose="02040503050406030204" pitchFamily="18" charset="0"/>
+                            <a:ea typeface="ＭＳ Ｐゴシック" charset="-128"/>
+                          </a:rPr>
+                          <m:t>𝑑</m:t>
+                        </m:r>
+                      </m:e>
+                    </m:d>
+                    <m:r>
+                      <a:rPr lang="en-US" altLang="ja-JP" i="1" dirty="0">
+                        <a:latin typeface="Cambria Math" panose="02040503050406030204" pitchFamily="18" charset="0"/>
+                        <a:ea typeface="ＭＳ Ｐゴシック" charset="-128"/>
+                      </a:rPr>
+                      <m:t>=</m:t>
+                    </m:r>
+                    <m:r>
+                      <a:rPr lang="en-US" altLang="ja-JP" i="1" dirty="0">
+                        <a:latin typeface="Cambria Math" panose="02040503050406030204" pitchFamily="18" charset="0"/>
+                        <a:ea typeface="ＭＳ Ｐゴシック" charset="-128"/>
+                      </a:rPr>
+                      <m:t>𝑇𝐹</m:t>
+                    </m:r>
+                    <m:d>
+                      <m:dPr>
+                        <m:ctrlPr>
+                          <a:rPr lang="en-US" altLang="ja-JP" i="1" dirty="0">
+                            <a:latin typeface="Cambria Math" panose="02040503050406030204" pitchFamily="18" charset="0"/>
+                            <a:ea typeface="ＭＳ Ｐゴシック" charset="-128"/>
+                          </a:rPr>
+                        </m:ctrlPr>
+                      </m:dPr>
+                      <m:e>
+                        <m:r>
+                          <a:rPr lang="en-US" altLang="ja-JP" i="1" dirty="0" err="1">
+                            <a:latin typeface="Cambria Math" panose="02040503050406030204" pitchFamily="18" charset="0"/>
+                            <a:ea typeface="ＭＳ Ｐゴシック" charset="-128"/>
+                          </a:rPr>
+                          <m:t>𝑡</m:t>
+                        </m:r>
+                        <m:r>
+                          <a:rPr lang="en-US" altLang="ja-JP" i="1" dirty="0" err="1">
+                            <a:latin typeface="Cambria Math" panose="02040503050406030204" pitchFamily="18" charset="0"/>
+                            <a:ea typeface="ＭＳ Ｐゴシック" charset="-128"/>
+                          </a:rPr>
+                          <m:t>,</m:t>
+                        </m:r>
+                        <m:r>
+                          <a:rPr lang="en-US" altLang="ja-JP" i="1" dirty="0" err="1">
+                            <a:latin typeface="Cambria Math" panose="02040503050406030204" pitchFamily="18" charset="0"/>
+                            <a:ea typeface="ＭＳ Ｐゴシック" charset="-128"/>
+                          </a:rPr>
+                          <m:t>𝑑</m:t>
+                        </m:r>
+                      </m:e>
+                    </m:d>
+                    <m:r>
+                      <a:rPr lang="en-US" altLang="ja-JP" b="0" i="1" dirty="0" smtClean="0">
+                        <a:latin typeface="Cambria Math" panose="02040503050406030204" pitchFamily="18" charset="0"/>
+                        <a:ea typeface="ＭＳ Ｐゴシック" charset="-128"/>
+                      </a:rPr>
+                      <m:t>×</m:t>
+                    </m:r>
+                    <m:r>
+                      <a:rPr lang="en-US" altLang="ja-JP" i="1" dirty="0">
+                        <a:latin typeface="Cambria Math" panose="02040503050406030204" pitchFamily="18" charset="0"/>
+                        <a:ea typeface="ＭＳ Ｐゴシック" charset="-128"/>
+                      </a:rPr>
+                      <m:t>𝐼𝐷𝐹</m:t>
+                    </m:r>
+                    <m:r>
+                      <a:rPr lang="en-US" altLang="ja-JP" i="1" dirty="0">
+                        <a:latin typeface="Cambria Math" panose="02040503050406030204" pitchFamily="18" charset="0"/>
+                        <a:ea typeface="ＭＳ Ｐゴシック" charset="-128"/>
+                      </a:rPr>
+                      <m:t>(</m:t>
+                    </m:r>
+                    <m:r>
+                      <a:rPr lang="en-US" altLang="ja-JP" i="1" dirty="0">
+                        <a:latin typeface="Cambria Math" panose="02040503050406030204" pitchFamily="18" charset="0"/>
+                        <a:ea typeface="ＭＳ Ｐゴシック" charset="-128"/>
+                      </a:rPr>
+                      <m:t>𝑡</m:t>
+                    </m:r>
+                    <m:r>
+                      <a:rPr lang="en-US" altLang="ja-JP" i="1" dirty="0">
+                        <a:latin typeface="Cambria Math" panose="02040503050406030204" pitchFamily="18" charset="0"/>
+                        <a:ea typeface="ＭＳ Ｐゴシック" charset="-128"/>
+                      </a:rPr>
+                      <m:t>)</m:t>
+                    </m:r>
+                  </m:oMath>
+                </a14:m>
+                <a:endParaRPr lang="en-US" altLang="ja-JP" dirty="0">
+                  <a:ea typeface="ＭＳ Ｐゴシック" charset="-128"/>
+                </a:endParaRPr>
+              </a:p>
+              <a:p>
+                <a:endParaRPr lang="en-US" altLang="ja-JP" dirty="0">
+                  <a:ea typeface="ＭＳ Ｐゴシック" charset="-128"/>
+                </a:endParaRPr>
+              </a:p>
+            </p:txBody>
+          </p:sp>
+        </mc:Choice>
+        <mc:Fallback>
+          <p:sp>
+            <p:nvSpPr>
+              <p:cNvPr id="326659" name="Rectangle 3"/>
+              <p:cNvSpPr>
+                <a:spLocks noGrp="1" noRot="1" noChangeAspect="1" noMove="1" noResize="1" noEditPoints="1" noAdjustHandles="1" noChangeArrowheads="1" noChangeShapeType="1" noTextEdit="1"/>
+              </p:cNvSpPr>
+              <p:nvPr>
+                <p:ph idx="1"/>
+              </p:nvPr>
+            </p:nvSpPr>
+            <p:spPr>
+              <a:blipFill rotWithShape="0">
+                <a:blip r:embed="rId2"/>
+                <a:stretch>
+                  <a:fillRect l="-1704" t="-1752"/>
+                </a:stretch>
+              </a:blipFill>
+            </p:spPr>
+            <p:txBody>
+              <a:bodyPr/>
+              <a:lstStyle/>
+              <a:p>
+                <a:r>
+                  <a:rPr lang="en-US">
+                    <a:noFill/>
+                  </a:rPr>
+                  <a:t> </a:t>
+                </a:r>
+              </a:p>
+            </p:txBody>
+          </p:sp>
+        </mc:Fallback>
+      </mc:AlternateContent>
+      <p:sp>
+        <p:nvSpPr>
+          <p:cNvPr id="2" name="Date Placeholder 1"/>
+          <p:cNvSpPr>
+            <a:spLocks noGrp="1"/>
+          </p:cNvSpPr>
+          <p:nvPr>
+            <p:ph type="dt" sz="half" idx="10"/>
+          </p:nvPr>
+        </p:nvSpPr>
+        <p:spPr/>
+        <p:txBody>
+          <a:bodyPr/>
+          <a:lstStyle/>
+          <a:p>
+            <a:r>
+              <a:rPr lang="en-US" smtClean="0"/>
+              <a:t>CS@UVa</a:t>
+            </a:r>
+            <a:endParaRPr lang="en-US"/>
+          </a:p>
+        </p:txBody>
+      </p:sp>
+      <p:sp>
+        <p:nvSpPr>
+          <p:cNvPr id="3" name="Footer Placeholder 2"/>
+          <p:cNvSpPr>
+            <a:spLocks noGrp="1"/>
+          </p:cNvSpPr>
+          <p:nvPr>
+            <p:ph type="ftr" sz="quarter" idx="11"/>
+          </p:nvPr>
+        </p:nvSpPr>
+        <p:spPr/>
+        <p:txBody>
+          <a:bodyPr/>
+          <a:lstStyle/>
+          <a:p>
+            <a:r>
+              <a:rPr lang="en-US" smtClean="0"/>
+              <a:t>CS 6501: Text Mining</a:t>
+            </a:r>
+            <a:endParaRPr lang="en-US"/>
+          </a:p>
+        </p:txBody>
+      </p:sp>
+      <p:sp>
+        <p:nvSpPr>
+          <p:cNvPr id="6" name="Slide Number Placeholder 5"/>
+          <p:cNvSpPr>
+            <a:spLocks noGrp="1"/>
+          </p:cNvSpPr>
+          <p:nvPr>
+            <p:ph type="sldNum" sz="quarter" idx="12"/>
+          </p:nvPr>
+        </p:nvSpPr>
+        <p:spPr/>
+        <p:txBody>
+          <a:bodyPr/>
+          <a:lstStyle/>
+          <a:p>
+            <a:fld id="{2A9F8BE9-47C8-4C45-B88F-68A848B0515F}" type="slidenum">
+              <a:rPr lang="en-US" smtClean="0"/>
+              <a:t>37</a:t>
+            </a:fld>
+            <a:endParaRPr lang="en-US"/>
+          </a:p>
+        </p:txBody>
+      </p:sp>
+    </p:spTree>
+    <p:extLst>
+      <p:ext uri="{BB962C8B-B14F-4D97-AF65-F5344CB8AC3E}">
+        <p14:creationId xmlns:p14="http://schemas.microsoft.com/office/powerpoint/2010/main" val="521283356"/>
+      </p:ext>
+    </p:extLst>
+  </p:cSld>
+  <p:clrMapOvr>
+    <a:masterClrMapping/>
+  </p:clrMapOvr>
+  <p:timing>
+    <p:tnLst>
+      <p:par>
+        <p:cTn id="1" dur="indefinite" restart="never" nodeType="tmRoot"/>
+      </p:par>
+    </p:tnLst>
+  </p:timing>
+</p:sld>
+</file>
+
+<file path=ppt/slides/slide38.xml><?xml version="1.0" encoding="utf-8"?>
+<p:sld xmlns:a="http://schemas.openxmlformats.org/drawingml/2006/main" xmlns:r="http://schemas.openxmlformats.org/officeDocument/2006/relationships" xmlns:p="http://schemas.openxmlformats.org/presentationml/2006/main">
+  <p:cSld>
+    <p:spTree>
+      <p:nvGrpSpPr>
+        <p:cNvPr id="1" name=""/>
+        <p:cNvGrpSpPr/>
+        <p:nvPr/>
+      </p:nvGrpSpPr>
+      <p:grpSpPr>
+        <a:xfrm>
+          <a:off x="0" y="0"/>
+          <a:ext cx="0" cy="0"/>
+          <a:chOff x="0" y="0"/>
+          <a:chExt cx="0" cy="0"/>
+        </a:xfrm>
+      </p:grpSpPr>
+      <p:sp>
+        <p:nvSpPr>
           <p:cNvPr id="2" name="Title 1"/>
           <p:cNvSpPr>
             <a:spLocks noGrp="1"/>
@@ -28450,7 +31974,7 @@
           <a:p>
             <a:fld id="{2A9F8BE9-47C8-4C45-B88F-68A848B0515F}" type="slidenum">
               <a:rPr lang="en-US" smtClean="0"/>
-              <a:t>36</a:t>
+              <a:t>38</a:t>
             </a:fld>
             <a:endParaRPr lang="en-US"/>
           </a:p>
@@ -28597,7 +32121,7 @@
 </p:sld>
 </file>
 
-<file path=ppt/slides/slide37.xml><?xml version="1.0" encoding="utf-8"?>
+<file path=ppt/slides/slide39.xml><?xml version="1.0" encoding="utf-8"?>
 <p:sld xmlns:a="http://schemas.openxmlformats.org/drawingml/2006/main" xmlns:r="http://schemas.openxmlformats.org/officeDocument/2006/relationships" xmlns:p="http://schemas.openxmlformats.org/presentationml/2006/main">
   <p:cSld>
     <p:spTree>
@@ -29539,7 +33063,7 @@
           <a:p>
             <a:fld id="{2A9F8BE9-47C8-4C45-B88F-68A848B0515F}" type="slidenum">
               <a:rPr lang="en-US" smtClean="0"/>
-              <a:t>37</a:t>
+              <a:t>39</a:t>
             </a:fld>
             <a:endParaRPr lang="en-US"/>
           </a:p>
@@ -29837,7 +33361,187 @@
 </p:sld>
 </file>
 
-<file path=ppt/slides/slide38.xml><?xml version="1.0" encoding="utf-8"?>
+<file path=ppt/slides/slide4.xml><?xml version="1.0" encoding="utf-8"?>
+<p:sld xmlns:a="http://schemas.openxmlformats.org/drawingml/2006/main" xmlns:r="http://schemas.openxmlformats.org/officeDocument/2006/relationships" xmlns:p="http://schemas.openxmlformats.org/presentationml/2006/main">
+  <p:cSld>
+    <p:spTree>
+      <p:nvGrpSpPr>
+        <p:cNvPr id="1" name=""/>
+        <p:cNvGrpSpPr/>
+        <p:nvPr/>
+      </p:nvGrpSpPr>
+      <p:grpSpPr>
+        <a:xfrm>
+          <a:off x="0" y="0"/>
+          <a:ext cx="0" cy="0"/>
+          <a:chOff x="0" y="0"/>
+          <a:chExt cx="0" cy="0"/>
+        </a:xfrm>
+      </p:grpSpPr>
+      <p:sp>
+        <p:nvSpPr>
+          <p:cNvPr id="6" name="Title 5"/>
+          <p:cNvSpPr>
+            <a:spLocks noGrp="1"/>
+          </p:cNvSpPr>
+          <p:nvPr>
+            <p:ph type="title"/>
+          </p:nvPr>
+        </p:nvSpPr>
+        <p:spPr/>
+        <p:txBody>
+          <a:bodyPr/>
+          <a:lstStyle/>
+          <a:p>
+            <a:r>
+              <a:rPr lang="en-US" dirty="0" smtClean="0"/>
+              <a:t>Today’s lecture</a:t>
+            </a:r>
+            <a:endParaRPr lang="en-US" dirty="0"/>
+          </a:p>
+        </p:txBody>
+      </p:sp>
+      <p:sp>
+        <p:nvSpPr>
+          <p:cNvPr id="7" name="Content Placeholder 6"/>
+          <p:cNvSpPr>
+            <a:spLocks noGrp="1"/>
+          </p:cNvSpPr>
+          <p:nvPr>
+            <p:ph idx="1"/>
+          </p:nvPr>
+        </p:nvSpPr>
+        <p:spPr/>
+        <p:txBody>
+          <a:bodyPr/>
+          <a:lstStyle/>
+          <a:p>
+            <a:pPr marL="514350" indent="-514350">
+              <a:buFont typeface="+mj-lt"/>
+              <a:buAutoNum type="arabicPeriod"/>
+            </a:pPr>
+            <a:r>
+              <a:rPr lang="en-US" dirty="0" smtClean="0"/>
+              <a:t>How to represent a document?</a:t>
+            </a:r>
+          </a:p>
+          <a:p>
+            <a:pPr lvl="1"/>
+            <a:r>
+              <a:rPr lang="en-US" dirty="0" smtClean="0"/>
+              <a:t>Make it computable</a:t>
+            </a:r>
+          </a:p>
+          <a:p>
+            <a:pPr marL="514350" indent="-514350">
+              <a:buFont typeface="+mj-lt"/>
+              <a:buAutoNum type="arabicPeriod"/>
+            </a:pPr>
+            <a:r>
+              <a:rPr lang="en-US" dirty="0" smtClean="0"/>
+              <a:t>How to infer the relationship among documents or identify the structure within a document?</a:t>
+            </a:r>
+          </a:p>
+          <a:p>
+            <a:pPr marL="744538" lvl="1" indent="-344488"/>
+            <a:r>
+              <a:rPr lang="en-US" dirty="0" smtClean="0"/>
+              <a:t>Knowledge discovery</a:t>
+            </a:r>
+            <a:endParaRPr lang="en-US" dirty="0"/>
+          </a:p>
+        </p:txBody>
+      </p:sp>
+      <p:sp>
+        <p:nvSpPr>
+          <p:cNvPr id="3" name="Date Placeholder 2"/>
+          <p:cNvSpPr>
+            <a:spLocks noGrp="1"/>
+          </p:cNvSpPr>
+          <p:nvPr>
+            <p:ph type="dt" sz="half" idx="10"/>
+          </p:nvPr>
+        </p:nvSpPr>
+        <p:spPr/>
+        <p:txBody>
+          <a:bodyPr/>
+          <a:lstStyle/>
+          <a:p>
+            <a:r>
+              <a:rPr lang="en-US" smtClean="0"/>
+              <a:t>CS@UVa</a:t>
+            </a:r>
+            <a:endParaRPr lang="en-US"/>
+          </a:p>
+        </p:txBody>
+      </p:sp>
+      <p:sp>
+        <p:nvSpPr>
+          <p:cNvPr id="4" name="Footer Placeholder 3"/>
+          <p:cNvSpPr>
+            <a:spLocks noGrp="1"/>
+          </p:cNvSpPr>
+          <p:nvPr>
+            <p:ph type="ftr" sz="quarter" idx="11"/>
+          </p:nvPr>
+        </p:nvSpPr>
+        <p:spPr/>
+        <p:txBody>
+          <a:bodyPr/>
+          <a:lstStyle/>
+          <a:p>
+            <a:r>
+              <a:rPr lang="en-US" smtClean="0"/>
+              <a:t>CS 6501: Text Mining</a:t>
+            </a:r>
+            <a:endParaRPr lang="en-US"/>
+          </a:p>
+        </p:txBody>
+      </p:sp>
+      <p:sp>
+        <p:nvSpPr>
+          <p:cNvPr id="5" name="Slide Number Placeholder 4"/>
+          <p:cNvSpPr>
+            <a:spLocks noGrp="1"/>
+          </p:cNvSpPr>
+          <p:nvPr>
+            <p:ph type="sldNum" sz="quarter" idx="12"/>
+          </p:nvPr>
+        </p:nvSpPr>
+        <p:spPr/>
+        <p:txBody>
+          <a:bodyPr/>
+          <a:lstStyle/>
+          <a:p>
+            <a:fld id="{2A9F8BE9-47C8-4C45-B88F-68A848B0515F}" type="slidenum">
+              <a:rPr lang="en-US" smtClean="0"/>
+              <a:t>4</a:t>
+            </a:fld>
+            <a:endParaRPr lang="en-US"/>
+          </a:p>
+        </p:txBody>
+      </p:sp>
+    </p:spTree>
+    <p:extLst>
+      <p:ext uri="{BB962C8B-B14F-4D97-AF65-F5344CB8AC3E}">
+        <p14:creationId xmlns:p14="http://schemas.microsoft.com/office/powerpoint/2010/main" val="1258650177"/>
+      </p:ext>
+    </p:extLst>
+  </p:cSld>
+  <p:clrMapOvr>
+    <a:masterClrMapping/>
+  </p:clrMapOvr>
+  <p:timing>
+    <p:tnLst>
+      <p:par>
+        <p:cTn id="1" dur="indefinite" restart="never" nodeType="tmRoot"/>
+      </p:par>
+    </p:tnLst>
+  </p:timing>
+</p:sld>
+</file>
+
+<file path=ppt/slides/slide40.xml><?xml version="1.0" encoding="utf-8"?>
 <p:sld xmlns:a="http://schemas.openxmlformats.org/drawingml/2006/main" xmlns:r="http://schemas.openxmlformats.org/officeDocument/2006/relationships" xmlns:p="http://schemas.openxmlformats.org/presentationml/2006/main">
   <p:cSld>
     <p:spTree>
@@ -31523,7 +35227,7 @@
           <a:p>
             <a:fld id="{2A9F8BE9-47C8-4C45-B88F-68A848B0515F}" type="slidenum">
               <a:rPr lang="en-US" smtClean="0"/>
-              <a:t>38</a:t>
+              <a:t>40</a:t>
             </a:fld>
             <a:endParaRPr lang="en-US"/>
           </a:p>
@@ -31922,7 +35626,7 @@
 </p:sld>
 </file>
 
-<file path=ppt/slides/slide39.xml><?xml version="1.0" encoding="utf-8"?>
+<file path=ppt/slides/slide41.xml><?xml version="1.0" encoding="utf-8"?>
 <p:sld xmlns:a="http://schemas.openxmlformats.org/drawingml/2006/main" xmlns:r="http://schemas.openxmlformats.org/officeDocument/2006/relationships" xmlns:p="http://schemas.openxmlformats.org/presentationml/2006/main">
   <p:cSld>
     <p:spTree>
@@ -32113,7 +35817,7 @@
           <a:p>
             <a:fld id="{2A9F8BE9-47C8-4C45-B88F-68A848B0515F}" type="slidenum">
               <a:rPr lang="en-US" smtClean="0"/>
-              <a:t>39</a:t>
+              <a:t>41</a:t>
             </a:fld>
             <a:endParaRPr lang="en-US"/>
           </a:p>
@@ -32211,187 +35915,7 @@
 </p:sld>
 </file>
 
-<file path=ppt/slides/slide4.xml><?xml version="1.0" encoding="utf-8"?>
-<p:sld xmlns:a="http://schemas.openxmlformats.org/drawingml/2006/main" xmlns:r="http://schemas.openxmlformats.org/officeDocument/2006/relationships" xmlns:p="http://schemas.openxmlformats.org/presentationml/2006/main">
-  <p:cSld>
-    <p:spTree>
-      <p:nvGrpSpPr>
-        <p:cNvPr id="1" name=""/>
-        <p:cNvGrpSpPr/>
-        <p:nvPr/>
-      </p:nvGrpSpPr>
-      <p:grpSpPr>
-        <a:xfrm>
-          <a:off x="0" y="0"/>
-          <a:ext cx="0" cy="0"/>
-          <a:chOff x="0" y="0"/>
-          <a:chExt cx="0" cy="0"/>
-        </a:xfrm>
-      </p:grpSpPr>
-      <p:sp>
-        <p:nvSpPr>
-          <p:cNvPr id="6" name="Title 5"/>
-          <p:cNvSpPr>
-            <a:spLocks noGrp="1"/>
-          </p:cNvSpPr>
-          <p:nvPr>
-            <p:ph type="title"/>
-          </p:nvPr>
-        </p:nvSpPr>
-        <p:spPr/>
-        <p:txBody>
-          <a:bodyPr/>
-          <a:lstStyle/>
-          <a:p>
-            <a:r>
-              <a:rPr lang="en-US" dirty="0" smtClean="0"/>
-              <a:t>Today’s lecture</a:t>
-            </a:r>
-            <a:endParaRPr lang="en-US" dirty="0"/>
-          </a:p>
-        </p:txBody>
-      </p:sp>
-      <p:sp>
-        <p:nvSpPr>
-          <p:cNvPr id="7" name="Content Placeholder 6"/>
-          <p:cNvSpPr>
-            <a:spLocks noGrp="1"/>
-          </p:cNvSpPr>
-          <p:nvPr>
-            <p:ph idx="1"/>
-          </p:nvPr>
-        </p:nvSpPr>
-        <p:spPr/>
-        <p:txBody>
-          <a:bodyPr/>
-          <a:lstStyle/>
-          <a:p>
-            <a:pPr marL="514350" indent="-514350">
-              <a:buFont typeface="+mj-lt"/>
-              <a:buAutoNum type="arabicPeriod"/>
-            </a:pPr>
-            <a:r>
-              <a:rPr lang="en-US" dirty="0" smtClean="0"/>
-              <a:t>How to represent a document?</a:t>
-            </a:r>
-          </a:p>
-          <a:p>
-            <a:pPr lvl="1"/>
-            <a:r>
-              <a:rPr lang="en-US" dirty="0" smtClean="0"/>
-              <a:t>Make it computable</a:t>
-            </a:r>
-          </a:p>
-          <a:p>
-            <a:pPr marL="514350" indent="-514350">
-              <a:buFont typeface="+mj-lt"/>
-              <a:buAutoNum type="arabicPeriod"/>
-            </a:pPr>
-            <a:r>
-              <a:rPr lang="en-US" dirty="0" smtClean="0"/>
-              <a:t>How to infer the relationship among documents or identify the structure within a document?</a:t>
-            </a:r>
-          </a:p>
-          <a:p>
-            <a:pPr marL="744538" lvl="1" indent="-344488"/>
-            <a:r>
-              <a:rPr lang="en-US" dirty="0" smtClean="0"/>
-              <a:t>Knowledge discovery</a:t>
-            </a:r>
-            <a:endParaRPr lang="en-US" dirty="0"/>
-          </a:p>
-        </p:txBody>
-      </p:sp>
-      <p:sp>
-        <p:nvSpPr>
-          <p:cNvPr id="3" name="Date Placeholder 2"/>
-          <p:cNvSpPr>
-            <a:spLocks noGrp="1"/>
-          </p:cNvSpPr>
-          <p:nvPr>
-            <p:ph type="dt" sz="half" idx="10"/>
-          </p:nvPr>
-        </p:nvSpPr>
-        <p:spPr/>
-        <p:txBody>
-          <a:bodyPr/>
-          <a:lstStyle/>
-          <a:p>
-            <a:r>
-              <a:rPr lang="en-US" smtClean="0"/>
-              <a:t>CS@UVa</a:t>
-            </a:r>
-            <a:endParaRPr lang="en-US"/>
-          </a:p>
-        </p:txBody>
-      </p:sp>
-      <p:sp>
-        <p:nvSpPr>
-          <p:cNvPr id="4" name="Footer Placeholder 3"/>
-          <p:cNvSpPr>
-            <a:spLocks noGrp="1"/>
-          </p:cNvSpPr>
-          <p:nvPr>
-            <p:ph type="ftr" sz="quarter" idx="11"/>
-          </p:nvPr>
-        </p:nvSpPr>
-        <p:spPr/>
-        <p:txBody>
-          <a:bodyPr/>
-          <a:lstStyle/>
-          <a:p>
-            <a:r>
-              <a:rPr lang="en-US" smtClean="0"/>
-              <a:t>CS 6501: Text Mining</a:t>
-            </a:r>
-            <a:endParaRPr lang="en-US"/>
-          </a:p>
-        </p:txBody>
-      </p:sp>
-      <p:sp>
-        <p:nvSpPr>
-          <p:cNvPr id="5" name="Slide Number Placeholder 4"/>
-          <p:cNvSpPr>
-            <a:spLocks noGrp="1"/>
-          </p:cNvSpPr>
-          <p:nvPr>
-            <p:ph type="sldNum" sz="quarter" idx="12"/>
-          </p:nvPr>
-        </p:nvSpPr>
-        <p:spPr/>
-        <p:txBody>
-          <a:bodyPr/>
-          <a:lstStyle/>
-          <a:p>
-            <a:fld id="{2A9F8BE9-47C8-4C45-B88F-68A848B0515F}" type="slidenum">
-              <a:rPr lang="en-US" smtClean="0"/>
-              <a:t>4</a:t>
-            </a:fld>
-            <a:endParaRPr lang="en-US"/>
-          </a:p>
-        </p:txBody>
-      </p:sp>
-    </p:spTree>
-    <p:extLst>
-      <p:ext uri="{BB962C8B-B14F-4D97-AF65-F5344CB8AC3E}">
-        <p14:creationId xmlns:p14="http://schemas.microsoft.com/office/powerpoint/2010/main" val="1258650177"/>
-      </p:ext>
-    </p:extLst>
-  </p:cSld>
-  <p:clrMapOvr>
-    <a:masterClrMapping/>
-  </p:clrMapOvr>
-  <p:timing>
-    <p:tnLst>
-      <p:par>
-        <p:cTn id="1" dur="indefinite" restart="never" nodeType="tmRoot"/>
-      </p:par>
-    </p:tnLst>
-  </p:timing>
-</p:sld>
-</file>
-
-<file path=ppt/slides/slide40.xml><?xml version="1.0" encoding="utf-8"?>
+<file path=ppt/slides/slide42.xml><?xml version="1.0" encoding="utf-8"?>
 <p:sld xmlns:a="http://schemas.openxmlformats.org/drawingml/2006/main" xmlns:r="http://schemas.openxmlformats.org/officeDocument/2006/relationships" xmlns:p="http://schemas.openxmlformats.org/presentationml/2006/main">
   <p:cSld>
     <p:spTree>
@@ -32553,7 +36077,7 @@
           <a:p>
             <a:fld id="{2A9F8BE9-47C8-4C45-B88F-68A848B0515F}" type="slidenum">
               <a:rPr lang="en-US" smtClean="0"/>
-              <a:t>40</a:t>
+              <a:t>42</a:t>
             </a:fld>
             <a:endParaRPr lang="en-US"/>
           </a:p>
@@ -32579,7 +36103,7 @@
 </p:sld>
 </file>
 
-<file path=ppt/slides/slide41.xml><?xml version="1.0" encoding="utf-8"?>
+<file path=ppt/slides/slide43.xml><?xml version="1.0" encoding="utf-8"?>
 <p:sld xmlns:a="http://schemas.openxmlformats.org/drawingml/2006/main" xmlns:r="http://schemas.openxmlformats.org/officeDocument/2006/relationships" xmlns:p="http://schemas.openxmlformats.org/presentationml/2006/main">
   <p:cSld>
     <p:spTree>
@@ -32636,7 +36160,15 @@
           <a:p>
             <a:r>
               <a:rPr lang="en-US" dirty="0" smtClean="0"/>
-              <a:t>Basic idea of </a:t>
+              <a:t>Basic </a:t>
+            </a:r>
+            <a:r>
+              <a:rPr lang="en-US" dirty="0" smtClean="0"/>
+              <a:t>ideas </a:t>
+            </a:r>
+            <a:r>
+              <a:rPr lang="en-US" dirty="0" smtClean="0"/>
+              <a:t>of </a:t>
             </a:r>
             <a:r>
               <a:rPr lang="en-US" dirty="0"/>
@@ -32656,8 +36188,13 @@
           <a:p>
             <a:r>
               <a:rPr lang="en-US" dirty="0" smtClean="0"/>
-              <a:t>Two important heuristics in VS model</a:t>
-            </a:r>
+              <a:t>Two important heuristics in </a:t>
+            </a:r>
+            <a:r>
+              <a:rPr lang="en-US" dirty="0" smtClean="0"/>
+              <a:t>bag-of-words representation</a:t>
+            </a:r>
+            <a:endParaRPr lang="en-US" dirty="0" smtClean="0"/>
           </a:p>
           <a:p>
             <a:pPr lvl="1"/>
@@ -32747,7 +36284,7 @@
           <a:p>
             <a:fld id="{2A9F8BE9-47C8-4C45-B88F-68A848B0515F}" type="slidenum">
               <a:rPr lang="en-US" smtClean="0"/>
-              <a:t>41</a:t>
+              <a:t>43</a:t>
             </a:fld>
             <a:endParaRPr lang="en-US"/>
           </a:p>
@@ -32773,7 +36310,7 @@
 </p:sld>
 </file>
 
-<file path=ppt/slides/slide42.xml><?xml version="1.0" encoding="utf-8"?>
+<file path=ppt/slides/slide44.xml><?xml version="1.0" encoding="utf-8"?>
 <p:sld xmlns:a="http://schemas.openxmlformats.org/drawingml/2006/main" xmlns:r="http://schemas.openxmlformats.org/officeDocument/2006/relationships" xmlns:p="http://schemas.openxmlformats.org/presentationml/2006/main">
   <p:cSld>
     <p:spTree>
@@ -32977,7 +36514,7 @@
           <a:p>
             <a:fld id="{2A9F8BE9-47C8-4C45-B88F-68A848B0515F}" type="slidenum">
               <a:rPr lang="en-US" smtClean="0"/>
-              <a:t>42</a:t>
+              <a:t>44</a:t>
             </a:fld>
             <a:endParaRPr lang="en-US"/>
           </a:p>

--- a/docs/VS model.pptx
+++ b/docs/VS model.pptx
@@ -5,48 +5,49 @@
     <p:sldMasterId id="2147483648" r:id="rId1"/>
   </p:sldMasterIdLst>
   <p:notesMasterIdLst>
-    <p:notesMasterId r:id="rId41"/>
+    <p:notesMasterId r:id="rId42"/>
   </p:notesMasterIdLst>
   <p:sldIdLst>
     <p:sldId id="265" r:id="rId2"/>
     <p:sldId id="307" r:id="rId3"/>
     <p:sldId id="308" r:id="rId4"/>
-    <p:sldId id="310" r:id="rId5"/>
-    <p:sldId id="293" r:id="rId6"/>
-    <p:sldId id="269" r:id="rId7"/>
-    <p:sldId id="270" r:id="rId8"/>
-    <p:sldId id="271" r:id="rId9"/>
-    <p:sldId id="272" r:id="rId10"/>
-    <p:sldId id="294" r:id="rId11"/>
-    <p:sldId id="305" r:id="rId12"/>
-    <p:sldId id="306" r:id="rId13"/>
-    <p:sldId id="295" r:id="rId14"/>
-    <p:sldId id="296" r:id="rId15"/>
-    <p:sldId id="297" r:id="rId16"/>
-    <p:sldId id="298" r:id="rId17"/>
-    <p:sldId id="299" r:id="rId18"/>
-    <p:sldId id="300" r:id="rId19"/>
-    <p:sldId id="301" r:id="rId20"/>
-    <p:sldId id="302" r:id="rId21"/>
-    <p:sldId id="303" r:id="rId22"/>
-    <p:sldId id="304" r:id="rId23"/>
-    <p:sldId id="273" r:id="rId24"/>
-    <p:sldId id="274" r:id="rId25"/>
-    <p:sldId id="275" r:id="rId26"/>
-    <p:sldId id="276" r:id="rId27"/>
-    <p:sldId id="280" r:id="rId28"/>
-    <p:sldId id="277" r:id="rId29"/>
-    <p:sldId id="281" r:id="rId30"/>
-    <p:sldId id="282" r:id="rId31"/>
-    <p:sldId id="278" r:id="rId32"/>
-    <p:sldId id="283" r:id="rId33"/>
-    <p:sldId id="284" r:id="rId34"/>
-    <p:sldId id="285" r:id="rId35"/>
-    <p:sldId id="286" r:id="rId36"/>
-    <p:sldId id="290" r:id="rId37"/>
-    <p:sldId id="291" r:id="rId38"/>
-    <p:sldId id="289" r:id="rId39"/>
-    <p:sldId id="309" r:id="rId40"/>
+    <p:sldId id="311" r:id="rId5"/>
+    <p:sldId id="310" r:id="rId6"/>
+    <p:sldId id="293" r:id="rId7"/>
+    <p:sldId id="269" r:id="rId8"/>
+    <p:sldId id="270" r:id="rId9"/>
+    <p:sldId id="271" r:id="rId10"/>
+    <p:sldId id="272" r:id="rId11"/>
+    <p:sldId id="294" r:id="rId12"/>
+    <p:sldId id="305" r:id="rId13"/>
+    <p:sldId id="306" r:id="rId14"/>
+    <p:sldId id="295" r:id="rId15"/>
+    <p:sldId id="296" r:id="rId16"/>
+    <p:sldId id="297" r:id="rId17"/>
+    <p:sldId id="298" r:id="rId18"/>
+    <p:sldId id="299" r:id="rId19"/>
+    <p:sldId id="300" r:id="rId20"/>
+    <p:sldId id="301" r:id="rId21"/>
+    <p:sldId id="302" r:id="rId22"/>
+    <p:sldId id="303" r:id="rId23"/>
+    <p:sldId id="304" r:id="rId24"/>
+    <p:sldId id="273" r:id="rId25"/>
+    <p:sldId id="274" r:id="rId26"/>
+    <p:sldId id="275" r:id="rId27"/>
+    <p:sldId id="276" r:id="rId28"/>
+    <p:sldId id="280" r:id="rId29"/>
+    <p:sldId id="277" r:id="rId30"/>
+    <p:sldId id="281" r:id="rId31"/>
+    <p:sldId id="282" r:id="rId32"/>
+    <p:sldId id="278" r:id="rId33"/>
+    <p:sldId id="283" r:id="rId34"/>
+    <p:sldId id="284" r:id="rId35"/>
+    <p:sldId id="285" r:id="rId36"/>
+    <p:sldId id="286" r:id="rId37"/>
+    <p:sldId id="290" r:id="rId38"/>
+    <p:sldId id="291" r:id="rId39"/>
+    <p:sldId id="289" r:id="rId40"/>
+    <p:sldId id="309" r:id="rId41"/>
   </p:sldIdLst>
   <p:sldSz cx="9144000" cy="6858000" type="screen4x3"/>
   <p:notesSz cx="6858000" cy="9144000"/>
@@ -246,7 +247,7 @@
           <a:p>
             <a:fld id="{2AF2F049-48AD-44DF-A836-28AA8AE07C7D}" type="datetimeFigureOut">
               <a:rPr lang="en-US" smtClean="0"/>
-              <a:t>1/24/2016</a:t>
+              <a:t>1/27/2016</a:t>
             </a:fld>
             <a:endParaRPr lang="en-US"/>
           </a:p>
@@ -747,7 +748,7 @@
           <a:p>
             <a:fld id="{5301135E-B23C-467D-866E-5E27626D91E8}" type="slidenum">
               <a:rPr lang="en-US" smtClean="0"/>
-              <a:t>38</a:t>
+              <a:t>39</a:t>
             </a:fld>
             <a:endParaRPr lang="en-US"/>
           </a:p>
@@ -3880,6 +3881,537 @@
 </file>
 
 <file path=ppt/slides/slide10.xml><?xml version="1.0" encoding="utf-8"?>
+<p:sld xmlns:a="http://schemas.openxmlformats.org/drawingml/2006/main" xmlns:r="http://schemas.openxmlformats.org/officeDocument/2006/relationships" xmlns:p="http://schemas.openxmlformats.org/presentationml/2006/main">
+  <p:cSld>
+    <p:spTree>
+      <p:nvGrpSpPr>
+        <p:cNvPr id="1" name=""/>
+        <p:cNvGrpSpPr/>
+        <p:nvPr/>
+      </p:nvGrpSpPr>
+      <p:grpSpPr>
+        <a:xfrm>
+          <a:off x="0" y="0"/>
+          <a:ext cx="0" cy="0"/>
+          <a:chOff x="0" y="0"/>
+          <a:chExt cx="0" cy="0"/>
+        </a:xfrm>
+      </p:grpSpPr>
+      <p:sp>
+        <p:nvSpPr>
+          <p:cNvPr id="320514" name="Rectangle 1026"/>
+          <p:cNvSpPr>
+            <a:spLocks noGrp="1" noChangeArrowheads="1"/>
+          </p:cNvSpPr>
+          <p:nvPr>
+            <p:ph type="title"/>
+          </p:nvPr>
+        </p:nvSpPr>
+        <p:spPr/>
+        <p:txBody>
+          <a:bodyPr/>
+          <a:lstStyle/>
+          <a:p>
+            <a:r>
+              <a:rPr lang="en-US" altLang="en-US" dirty="0" smtClean="0"/>
+              <a:t>What is a good “Basic Concept</a:t>
+            </a:r>
+            <a:r>
+              <a:rPr lang="en-US" altLang="en-US" dirty="0"/>
+              <a:t>”?</a:t>
+            </a:r>
+          </a:p>
+        </p:txBody>
+      </p:sp>
+      <p:sp>
+        <p:nvSpPr>
+          <p:cNvPr id="320515" name="Rectangle 1027"/>
+          <p:cNvSpPr>
+            <a:spLocks noGrp="1" noChangeArrowheads="1"/>
+          </p:cNvSpPr>
+          <p:nvPr>
+            <p:ph idx="1"/>
+          </p:nvPr>
+        </p:nvSpPr>
+        <p:spPr>
+          <a:xfrm>
+            <a:off x="457200" y="1600200"/>
+            <a:ext cx="8229600" cy="4724400"/>
+          </a:xfrm>
+        </p:spPr>
+        <p:txBody>
+          <a:bodyPr>
+            <a:normAutofit/>
+          </a:bodyPr>
+          <a:lstStyle/>
+          <a:p>
+            <a:r>
+              <a:rPr lang="en-US" altLang="en-US" dirty="0"/>
+              <a:t>Orthogonal</a:t>
+            </a:r>
+          </a:p>
+          <a:p>
+            <a:pPr lvl="1"/>
+            <a:r>
+              <a:rPr lang="en-US" altLang="en-US" dirty="0"/>
+              <a:t>Linearly independent basis vectors</a:t>
+            </a:r>
+          </a:p>
+          <a:p>
+            <a:pPr lvl="2"/>
+            <a:r>
+              <a:rPr lang="en-US" altLang="en-US" dirty="0"/>
+              <a:t>“Non-overlapping” in meaning</a:t>
+            </a:r>
+          </a:p>
+          <a:p>
+            <a:pPr lvl="1"/>
+            <a:r>
+              <a:rPr lang="en-US" altLang="en-US" dirty="0"/>
+              <a:t>No ambiguity</a:t>
+            </a:r>
+          </a:p>
+          <a:p>
+            <a:r>
+              <a:rPr lang="en-US" altLang="en-US" dirty="0"/>
+              <a:t>Weights can be assigned automatically and </a:t>
+            </a:r>
+            <a:r>
+              <a:rPr lang="en-US" altLang="en-US" dirty="0" smtClean="0"/>
+              <a:t>accurately</a:t>
+            </a:r>
+            <a:endParaRPr lang="en-US" altLang="en-US" dirty="0"/>
+          </a:p>
+          <a:p>
+            <a:r>
+              <a:rPr lang="en-US" altLang="en-US" dirty="0" smtClean="0"/>
+              <a:t>Existing solutions</a:t>
+            </a:r>
+          </a:p>
+          <a:p>
+            <a:pPr lvl="1"/>
+            <a:r>
+              <a:rPr lang="en-US" altLang="en-US" dirty="0" smtClean="0"/>
+              <a:t>Terms or N-grams, a.k.a., Bag-of-Words</a:t>
+            </a:r>
+          </a:p>
+          <a:p>
+            <a:pPr lvl="1"/>
+            <a:r>
+              <a:rPr lang="en-US" altLang="en-US" dirty="0" smtClean="0"/>
+              <a:t>Topics</a:t>
+            </a:r>
+            <a:endParaRPr lang="en-US" altLang="en-US" dirty="0"/>
+          </a:p>
+        </p:txBody>
+      </p:sp>
+      <p:grpSp>
+        <p:nvGrpSpPr>
+          <p:cNvPr id="7" name="Group 6"/>
+          <p:cNvGrpSpPr/>
+          <p:nvPr/>
+        </p:nvGrpSpPr>
+        <p:grpSpPr>
+          <a:xfrm>
+            <a:off x="2362200" y="5867400"/>
+            <a:ext cx="3962400" cy="369332"/>
+            <a:chOff x="4800600" y="5786477"/>
+            <a:chExt cx="3962400" cy="369332"/>
+          </a:xfrm>
+        </p:grpSpPr>
+        <p:sp>
+          <p:nvSpPr>
+            <p:cNvPr id="2" name="TextBox 1"/>
+            <p:cNvSpPr txBox="1"/>
+            <p:nvPr/>
+          </p:nvSpPr>
+          <p:spPr>
+            <a:xfrm>
+              <a:off x="5486400" y="5786477"/>
+              <a:ext cx="3276600" cy="369332"/>
+            </a:xfrm>
+            <a:prstGeom prst="rect">
+              <a:avLst/>
+            </a:prstGeom>
+            <a:noFill/>
+          </p:spPr>
+          <p:txBody>
+            <a:bodyPr wrap="square" rtlCol="0">
+              <a:spAutoFit/>
+            </a:bodyPr>
+            <a:lstStyle/>
+            <a:p>
+              <a:r>
+                <a:rPr lang="en-US" dirty="0" smtClean="0">
+                  <a:solidFill>
+                    <a:srgbClr val="FF0000"/>
+                  </a:solidFill>
+                </a:rPr>
+                <a:t>We will come back to this later</a:t>
+              </a:r>
+              <a:endParaRPr lang="en-US" dirty="0">
+                <a:solidFill>
+                  <a:srgbClr val="FF0000"/>
+                </a:solidFill>
+              </a:endParaRPr>
+            </a:p>
+          </p:txBody>
+        </p:sp>
+        <p:cxnSp>
+          <p:nvCxnSpPr>
+            <p:cNvPr id="4" name="Straight Arrow Connector 3"/>
+            <p:cNvCxnSpPr/>
+            <p:nvPr/>
+          </p:nvCxnSpPr>
+          <p:spPr>
+            <a:xfrm flipH="1">
+              <a:off x="4800600" y="5971143"/>
+              <a:ext cx="609600" cy="0"/>
+            </a:xfrm>
+            <a:prstGeom prst="straightConnector1">
+              <a:avLst/>
+            </a:prstGeom>
+            <a:ln w="28575">
+              <a:solidFill>
+                <a:srgbClr val="FF0000"/>
+              </a:solidFill>
+              <a:tailEnd type="triangle"/>
+            </a:ln>
+          </p:spPr>
+          <p:style>
+            <a:lnRef idx="1">
+              <a:schemeClr val="accent1"/>
+            </a:lnRef>
+            <a:fillRef idx="0">
+              <a:schemeClr val="accent1"/>
+            </a:fillRef>
+            <a:effectRef idx="0">
+              <a:schemeClr val="accent1"/>
+            </a:effectRef>
+            <a:fontRef idx="minor">
+              <a:schemeClr val="tx1"/>
+            </a:fontRef>
+          </p:style>
+        </p:cxnSp>
+      </p:grpSp>
+      <p:sp>
+        <p:nvSpPr>
+          <p:cNvPr id="3" name="Date Placeholder 2"/>
+          <p:cNvSpPr>
+            <a:spLocks noGrp="1"/>
+          </p:cNvSpPr>
+          <p:nvPr>
+            <p:ph type="dt" sz="half" idx="10"/>
+          </p:nvPr>
+        </p:nvSpPr>
+        <p:spPr/>
+        <p:txBody>
+          <a:bodyPr/>
+          <a:lstStyle/>
+          <a:p>
+            <a:r>
+              <a:rPr lang="en-US" smtClean="0"/>
+              <a:t>CS@UVa</a:t>
+            </a:r>
+            <a:endParaRPr lang="en-US"/>
+          </a:p>
+        </p:txBody>
+      </p:sp>
+      <p:sp>
+        <p:nvSpPr>
+          <p:cNvPr id="5" name="Footer Placeholder 4"/>
+          <p:cNvSpPr>
+            <a:spLocks noGrp="1"/>
+          </p:cNvSpPr>
+          <p:nvPr>
+            <p:ph type="ftr" sz="quarter" idx="11"/>
+          </p:nvPr>
+        </p:nvSpPr>
+        <p:spPr/>
+        <p:txBody>
+          <a:bodyPr/>
+          <a:lstStyle/>
+          <a:p>
+            <a:r>
+              <a:rPr lang="en-US" smtClean="0"/>
+              <a:t>CS 6501: Text Mining</a:t>
+            </a:r>
+            <a:endParaRPr lang="en-US"/>
+          </a:p>
+        </p:txBody>
+      </p:sp>
+      <p:sp>
+        <p:nvSpPr>
+          <p:cNvPr id="6" name="Slide Number Placeholder 5"/>
+          <p:cNvSpPr>
+            <a:spLocks noGrp="1"/>
+          </p:cNvSpPr>
+          <p:nvPr>
+            <p:ph type="sldNum" sz="quarter" idx="12"/>
+          </p:nvPr>
+        </p:nvSpPr>
+        <p:spPr/>
+        <p:txBody>
+          <a:bodyPr/>
+          <a:lstStyle/>
+          <a:p>
+            <a:fld id="{2A9F8BE9-47C8-4C45-B88F-68A848B0515F}" type="slidenum">
+              <a:rPr lang="en-US" smtClean="0"/>
+              <a:t>10</a:t>
+            </a:fld>
+            <a:endParaRPr lang="en-US"/>
+          </a:p>
+        </p:txBody>
+      </p:sp>
+    </p:spTree>
+    <p:extLst>
+      <p:ext uri="{BB962C8B-B14F-4D97-AF65-F5344CB8AC3E}">
+        <p14:creationId xmlns:p14="http://schemas.microsoft.com/office/powerpoint/2010/main" val="689864782"/>
+      </p:ext>
+    </p:extLst>
+  </p:cSld>
+  <p:clrMapOvr>
+    <a:masterClrMapping/>
+  </p:clrMapOvr>
+  <p:timing>
+    <p:tnLst>
+      <p:par>
+        <p:cTn id="1" dur="indefinite" restart="never" nodeType="tmRoot">
+          <p:childTnLst>
+            <p:seq concurrent="1" nextAc="seek">
+              <p:cTn id="2" dur="indefinite" nodeType="mainSeq">
+                <p:childTnLst>
+                  <p:par>
+                    <p:cTn id="3" fill="hold">
+                      <p:stCondLst>
+                        <p:cond delay="indefinite"/>
+                      </p:stCondLst>
+                      <p:childTnLst>
+                        <p:par>
+                          <p:cTn id="4" fill="hold">
+                            <p:stCondLst>
+                              <p:cond delay="0"/>
+                            </p:stCondLst>
+                            <p:childTnLst>
+                              <p:par>
+                                <p:cTn id="5" presetID="1" presetClass="entr" presetSubtype="0" fill="hold" nodeType="clickEffect">
+                                  <p:stCondLst>
+                                    <p:cond delay="0"/>
+                                  </p:stCondLst>
+                                  <p:childTnLst>
+                                    <p:set>
+                                      <p:cBhvr>
+                                        <p:cTn id="6" dur="1" fill="hold">
+                                          <p:stCondLst>
+                                            <p:cond delay="0"/>
+                                          </p:stCondLst>
+                                        </p:cTn>
+                                        <p:tgtEl>
+                                          <p:spTgt spid="320515">
+                                            <p:txEl>
+                                              <p:pRg st="4" end="4"/>
+                                            </p:txEl>
+                                          </p:spTgt>
+                                        </p:tgtEl>
+                                        <p:attrNameLst>
+                                          <p:attrName>style.visibility</p:attrName>
+                                        </p:attrNameLst>
+                                      </p:cBhvr>
+                                      <p:to>
+                                        <p:strVal val="visible"/>
+                                      </p:to>
+                                    </p:set>
+                                  </p:childTnLst>
+                                </p:cTn>
+                              </p:par>
+                            </p:childTnLst>
+                          </p:cTn>
+                        </p:par>
+                      </p:childTnLst>
+                    </p:cTn>
+                  </p:par>
+                  <p:par>
+                    <p:cTn id="7" fill="hold">
+                      <p:stCondLst>
+                        <p:cond delay="indefinite"/>
+                      </p:stCondLst>
+                      <p:childTnLst>
+                        <p:par>
+                          <p:cTn id="8" fill="hold">
+                            <p:stCondLst>
+                              <p:cond delay="0"/>
+                            </p:stCondLst>
+                            <p:childTnLst>
+                              <p:par>
+                                <p:cTn id="9" presetID="1" presetClass="entr" presetSubtype="0" fill="hold" nodeType="clickEffect">
+                                  <p:stCondLst>
+                                    <p:cond delay="0"/>
+                                  </p:stCondLst>
+                                  <p:childTnLst>
+                                    <p:set>
+                                      <p:cBhvr>
+                                        <p:cTn id="10" dur="1" fill="hold">
+                                          <p:stCondLst>
+                                            <p:cond delay="0"/>
+                                          </p:stCondLst>
+                                        </p:cTn>
+                                        <p:tgtEl>
+                                          <p:spTgt spid="320515">
+                                            <p:txEl>
+                                              <p:pRg st="5" end="5"/>
+                                            </p:txEl>
+                                          </p:spTgt>
+                                        </p:tgtEl>
+                                        <p:attrNameLst>
+                                          <p:attrName>style.visibility</p:attrName>
+                                        </p:attrNameLst>
+                                      </p:cBhvr>
+                                      <p:to>
+                                        <p:strVal val="visible"/>
+                                      </p:to>
+                                    </p:set>
+                                  </p:childTnLst>
+                                </p:cTn>
+                              </p:par>
+                              <p:par>
+                                <p:cTn id="11" presetID="1" presetClass="entr" presetSubtype="0" fill="hold" nodeType="withEffect">
+                                  <p:stCondLst>
+                                    <p:cond delay="0"/>
+                                  </p:stCondLst>
+                                  <p:childTnLst>
+                                    <p:set>
+                                      <p:cBhvr>
+                                        <p:cTn id="12" dur="1" fill="hold">
+                                          <p:stCondLst>
+                                            <p:cond delay="0"/>
+                                          </p:stCondLst>
+                                        </p:cTn>
+                                        <p:tgtEl>
+                                          <p:spTgt spid="320515">
+                                            <p:txEl>
+                                              <p:pRg st="6" end="6"/>
+                                            </p:txEl>
+                                          </p:spTgt>
+                                        </p:tgtEl>
+                                        <p:attrNameLst>
+                                          <p:attrName>style.visibility</p:attrName>
+                                        </p:attrNameLst>
+                                      </p:cBhvr>
+                                      <p:to>
+                                        <p:strVal val="visible"/>
+                                      </p:to>
+                                    </p:set>
+                                  </p:childTnLst>
+                                </p:cTn>
+                              </p:par>
+                              <p:par>
+                                <p:cTn id="13" presetID="1" presetClass="entr" presetSubtype="0" fill="hold" nodeType="withEffect">
+                                  <p:stCondLst>
+                                    <p:cond delay="0"/>
+                                  </p:stCondLst>
+                                  <p:childTnLst>
+                                    <p:set>
+                                      <p:cBhvr>
+                                        <p:cTn id="14" dur="1" fill="hold">
+                                          <p:stCondLst>
+                                            <p:cond delay="0"/>
+                                          </p:stCondLst>
+                                        </p:cTn>
+                                        <p:tgtEl>
+                                          <p:spTgt spid="320515">
+                                            <p:txEl>
+                                              <p:pRg st="7" end="7"/>
+                                            </p:txEl>
+                                          </p:spTgt>
+                                        </p:tgtEl>
+                                        <p:attrNameLst>
+                                          <p:attrName>style.visibility</p:attrName>
+                                        </p:attrNameLst>
+                                      </p:cBhvr>
+                                      <p:to>
+                                        <p:strVal val="visible"/>
+                                      </p:to>
+                                    </p:set>
+                                  </p:childTnLst>
+                                </p:cTn>
+                              </p:par>
+                            </p:childTnLst>
+                          </p:cTn>
+                        </p:par>
+                      </p:childTnLst>
+                    </p:cTn>
+                  </p:par>
+                  <p:par>
+                    <p:cTn id="15" fill="hold">
+                      <p:stCondLst>
+                        <p:cond delay="indefinite"/>
+                      </p:stCondLst>
+                      <p:childTnLst>
+                        <p:par>
+                          <p:cTn id="16" fill="hold">
+                            <p:stCondLst>
+                              <p:cond delay="0"/>
+                            </p:stCondLst>
+                            <p:childTnLst>
+                              <p:par>
+                                <p:cTn id="17" presetID="1" presetClass="entr" presetSubtype="0" fill="hold" nodeType="clickEffect">
+                                  <p:stCondLst>
+                                    <p:cond delay="0"/>
+                                  </p:stCondLst>
+                                  <p:childTnLst>
+                                    <p:set>
+                                      <p:cBhvr>
+                                        <p:cTn id="18" dur="1" fill="hold">
+                                          <p:stCondLst>
+                                            <p:cond delay="0"/>
+                                          </p:stCondLst>
+                                        </p:cTn>
+                                        <p:tgtEl>
+                                          <p:spTgt spid="7"/>
+                                        </p:tgtEl>
+                                        <p:attrNameLst>
+                                          <p:attrName>style.visibility</p:attrName>
+                                        </p:attrNameLst>
+                                      </p:cBhvr>
+                                      <p:to>
+                                        <p:strVal val="visible"/>
+                                      </p:to>
+                                    </p:set>
+                                  </p:childTnLst>
+                                </p:cTn>
+                              </p:par>
+                            </p:childTnLst>
+                          </p:cTn>
+                        </p:par>
+                      </p:childTnLst>
+                    </p:cTn>
+                  </p:par>
+                </p:childTnLst>
+              </p:cTn>
+              <p:prevCondLst>
+                <p:cond evt="onPrev" delay="0">
+                  <p:tgtEl>
+                    <p:sldTgt/>
+                  </p:tgtEl>
+                </p:cond>
+              </p:prevCondLst>
+              <p:nextCondLst>
+                <p:cond evt="onNext" delay="0">
+                  <p:tgtEl>
+                    <p:sldTgt/>
+                  </p:tgtEl>
+                </p:cond>
+              </p:nextCondLst>
+            </p:seq>
+          </p:childTnLst>
+        </p:cTn>
+      </p:par>
+    </p:tnLst>
+  </p:timing>
+</p:sld>
+</file>
+
+<file path=ppt/slides/slide11.xml><?xml version="1.0" encoding="utf-8"?>
 <p:sld xmlns:a="http://schemas.openxmlformats.org/drawingml/2006/main" xmlns:r="http://schemas.openxmlformats.org/officeDocument/2006/relationships" xmlns:p="http://schemas.openxmlformats.org/presentationml/2006/main">
   <p:cSld>
     <p:spTree>
@@ -4792,7 +5324,7 @@
           <a:p>
             <a:fld id="{93582EC2-63CB-4149-BC8B-E4DB3A07B74B}" type="slidenum">
               <a:rPr lang="en-US" smtClean="0"/>
-              <a:t>10</a:t>
+              <a:t>11</a:t>
             </a:fld>
             <a:endParaRPr lang="en-US"/>
           </a:p>
@@ -4886,275 +5418,6 @@
 </p:sld>
 </file>
 
-<file path=ppt/slides/slide11.xml><?xml version="1.0" encoding="utf-8"?>
-<p:sld xmlns:a="http://schemas.openxmlformats.org/drawingml/2006/main" xmlns:r="http://schemas.openxmlformats.org/officeDocument/2006/relationships" xmlns:p="http://schemas.openxmlformats.org/presentationml/2006/main">
-  <p:cSld>
-    <p:spTree>
-      <p:nvGrpSpPr>
-        <p:cNvPr id="1" name=""/>
-        <p:cNvGrpSpPr/>
-        <p:nvPr/>
-      </p:nvGrpSpPr>
-      <p:grpSpPr>
-        <a:xfrm>
-          <a:off x="0" y="0"/>
-          <a:ext cx="0" cy="0"/>
-          <a:chOff x="0" y="0"/>
-          <a:chExt cx="0" cy="0"/>
-        </a:xfrm>
-      </p:grpSpPr>
-      <p:sp>
-        <p:nvSpPr>
-          <p:cNvPr id="2" name="Title 1"/>
-          <p:cNvSpPr>
-            <a:spLocks noGrp="1"/>
-          </p:cNvSpPr>
-          <p:nvPr>
-            <p:ph type="title"/>
-          </p:nvPr>
-        </p:nvSpPr>
-        <p:spPr/>
-        <p:txBody>
-          <a:bodyPr/>
-          <a:lstStyle/>
-          <a:p>
-            <a:r>
-              <a:rPr lang="en-US" dirty="0" smtClean="0"/>
-              <a:t>Tokenization</a:t>
-            </a:r>
-            <a:endParaRPr lang="en-US" dirty="0"/>
-          </a:p>
-        </p:txBody>
-      </p:sp>
-      <p:sp>
-        <p:nvSpPr>
-          <p:cNvPr id="3" name="Content Placeholder 2"/>
-          <p:cNvSpPr>
-            <a:spLocks noGrp="1"/>
-          </p:cNvSpPr>
-          <p:nvPr>
-            <p:ph idx="1"/>
-          </p:nvPr>
-        </p:nvSpPr>
-        <p:spPr/>
-        <p:txBody>
-          <a:bodyPr/>
-          <a:lstStyle/>
-          <a:p>
-            <a:r>
-              <a:rPr lang="en-US" dirty="0" smtClean="0"/>
-              <a:t>Break </a:t>
-            </a:r>
-            <a:r>
-              <a:rPr lang="en-US" dirty="0"/>
-              <a:t>a stream of text </a:t>
-            </a:r>
-            <a:r>
-              <a:rPr lang="en-US" dirty="0" smtClean="0"/>
-              <a:t>into meaningful units</a:t>
-            </a:r>
-          </a:p>
-          <a:p>
-            <a:pPr lvl="1"/>
-            <a:r>
-              <a:rPr lang="en-US" dirty="0" smtClean="0"/>
-              <a:t>Tokens: </a:t>
-            </a:r>
-            <a:r>
-              <a:rPr lang="en-US" dirty="0"/>
-              <a:t>words, phrases, </a:t>
-            </a:r>
-            <a:r>
-              <a:rPr lang="en-US" dirty="0" smtClean="0"/>
-              <a:t>symbols</a:t>
-            </a:r>
-          </a:p>
-          <a:p>
-            <a:pPr lvl="1"/>
-            <a:endParaRPr lang="en-US" sz="3200" dirty="0"/>
-          </a:p>
-          <a:p>
-            <a:pPr lvl="1"/>
-            <a:endParaRPr lang="en-US" sz="3200" dirty="0"/>
-          </a:p>
-          <a:p>
-            <a:pPr lvl="1"/>
-            <a:endParaRPr lang="en-US" dirty="0" smtClean="0"/>
-          </a:p>
-          <a:p>
-            <a:pPr lvl="1"/>
-            <a:r>
-              <a:rPr lang="en-US" dirty="0" smtClean="0"/>
-              <a:t>Definition depends on language, corpus, or even context</a:t>
-            </a:r>
-            <a:endParaRPr lang="en-US" dirty="0"/>
-          </a:p>
-        </p:txBody>
-      </p:sp>
-      <p:sp>
-        <p:nvSpPr>
-          <p:cNvPr id="4" name="TextBox 3"/>
-          <p:cNvSpPr txBox="1"/>
-          <p:nvPr/>
-        </p:nvSpPr>
-        <p:spPr>
-          <a:xfrm>
-            <a:off x="1447800" y="2667000"/>
-            <a:ext cx="5562600" cy="1754326"/>
-          </a:xfrm>
-          <a:prstGeom prst="rect">
-            <a:avLst/>
-          </a:prstGeom>
-          <a:noFill/>
-        </p:spPr>
-        <p:txBody>
-          <a:bodyPr wrap="square" rtlCol="0">
-            <a:spAutoFit/>
-          </a:bodyPr>
-          <a:lstStyle/>
-          <a:p>
-            <a:pPr marL="285750" indent="-285750">
-              <a:buFont typeface="Arial" panose="020B0604020202020204" pitchFamily="34" charset="0"/>
-              <a:buChar char="•"/>
-            </a:pPr>
-            <a:r>
-              <a:rPr lang="en-US" b="1" dirty="0" smtClean="0"/>
-              <a:t>Input:</a:t>
-            </a:r>
-            <a:r>
-              <a:rPr lang="en-US" dirty="0" smtClean="0"/>
-              <a:t> It’s not straight-forward to perform so-called “tokenization.”  </a:t>
-            </a:r>
-          </a:p>
-          <a:p>
-            <a:pPr marL="285750" indent="-285750">
-              <a:buFont typeface="Arial" panose="020B0604020202020204" pitchFamily="34" charset="0"/>
-              <a:buChar char="•"/>
-            </a:pPr>
-            <a:r>
-              <a:rPr lang="en-US" b="1" dirty="0" smtClean="0"/>
-              <a:t>Output(1):</a:t>
-            </a:r>
-            <a:r>
-              <a:rPr lang="en-US" dirty="0"/>
-              <a:t> 'It’s', 'not', 'straight-forward', 'to', 'perform', 'so-called', '“tokenization.”' </a:t>
-            </a:r>
-            <a:endParaRPr lang="en-US" dirty="0" smtClean="0"/>
-          </a:p>
-          <a:p>
-            <a:pPr marL="285750" indent="-285750">
-              <a:buFont typeface="Arial" panose="020B0604020202020204" pitchFamily="34" charset="0"/>
-              <a:buChar char="•"/>
-            </a:pPr>
-            <a:r>
-              <a:rPr lang="en-US" b="1" dirty="0" smtClean="0"/>
-              <a:t>Output(2):</a:t>
-            </a:r>
-            <a:r>
-              <a:rPr lang="en-US" dirty="0" smtClean="0"/>
-              <a:t> </a:t>
-            </a:r>
-            <a:r>
-              <a:rPr lang="en-US" dirty="0"/>
-              <a:t>'It', '’', 's', 'not', 'straight', '-', 'forward, 'to', 'perform', 'so', '-', 'called', ‘“', 'tokenization', '.', </a:t>
-            </a:r>
-            <a:r>
-              <a:rPr lang="en-US" dirty="0" smtClean="0"/>
-              <a:t>'”‘</a:t>
-            </a:r>
-            <a:endParaRPr lang="en-US" b="1" dirty="0"/>
-          </a:p>
-        </p:txBody>
-      </p:sp>
-      <p:sp>
-        <p:nvSpPr>
-          <p:cNvPr id="5" name="Date Placeholder 4"/>
-          <p:cNvSpPr>
-            <a:spLocks noGrp="1"/>
-          </p:cNvSpPr>
-          <p:nvPr>
-            <p:ph type="dt" sz="half" idx="10"/>
-          </p:nvPr>
-        </p:nvSpPr>
-        <p:spPr/>
-        <p:txBody>
-          <a:bodyPr/>
-          <a:lstStyle/>
-          <a:p>
-            <a:r>
-              <a:rPr lang="en-US" smtClean="0"/>
-              <a:t>CS@UVa</a:t>
-            </a:r>
-            <a:endParaRPr lang="en-US"/>
-          </a:p>
-        </p:txBody>
-      </p:sp>
-      <p:sp>
-        <p:nvSpPr>
-          <p:cNvPr id="6" name="Footer Placeholder 5"/>
-          <p:cNvSpPr>
-            <a:spLocks noGrp="1"/>
-          </p:cNvSpPr>
-          <p:nvPr>
-            <p:ph type="ftr" sz="quarter" idx="11"/>
-          </p:nvPr>
-        </p:nvSpPr>
-        <p:spPr/>
-        <p:txBody>
-          <a:bodyPr/>
-          <a:lstStyle/>
-          <a:p>
-            <a:r>
-              <a:rPr lang="en-US" smtClean="0"/>
-              <a:t>CS6501: Information Retrieval</a:t>
-            </a:r>
-            <a:endParaRPr lang="en-US"/>
-          </a:p>
-        </p:txBody>
-      </p:sp>
-      <p:sp>
-        <p:nvSpPr>
-          <p:cNvPr id="7" name="Slide Number Placeholder 6"/>
-          <p:cNvSpPr>
-            <a:spLocks noGrp="1"/>
-          </p:cNvSpPr>
-          <p:nvPr>
-            <p:ph type="sldNum" sz="quarter" idx="12"/>
-          </p:nvPr>
-        </p:nvSpPr>
-        <p:spPr/>
-        <p:txBody>
-          <a:bodyPr/>
-          <a:lstStyle/>
-          <a:p>
-            <a:fld id="{93582EC2-63CB-4149-BC8B-E4DB3A07B74B}" type="slidenum">
-              <a:rPr lang="en-US" smtClean="0"/>
-              <a:t>11</a:t>
-            </a:fld>
-            <a:endParaRPr lang="en-US"/>
-          </a:p>
-        </p:txBody>
-      </p:sp>
-    </p:spTree>
-    <p:extLst>
-      <p:ext uri="{BB962C8B-B14F-4D97-AF65-F5344CB8AC3E}">
-        <p14:creationId xmlns:p14="http://schemas.microsoft.com/office/powerpoint/2010/main" val="2631820418"/>
-      </p:ext>
-    </p:extLst>
-  </p:cSld>
-  <p:clrMapOvr>
-    <a:masterClrMapping/>
-  </p:clrMapOvr>
-  <p:timing>
-    <p:tnLst>
-      <p:par>
-        <p:cTn id="1" dur="indefinite" restart="never" nodeType="tmRoot"/>
-      </p:par>
-    </p:tnLst>
-  </p:timing>
-</p:sld>
-</file>
-
 <file path=ppt/slides/slide12.xml><?xml version="1.0" encoding="utf-8"?>
 <p:sld xmlns:a="http://schemas.openxmlformats.org/drawingml/2006/main" xmlns:r="http://schemas.openxmlformats.org/officeDocument/2006/relationships" xmlns:p="http://schemas.openxmlformats.org/presentationml/2006/main">
   <p:cSld>
@@ -5188,6 +5451,347 @@
           <a:lstStyle/>
           <a:p>
             <a:r>
+              <a:rPr lang="en-US" dirty="0" smtClean="0"/>
+              <a:t>Tokenization</a:t>
+            </a:r>
+            <a:endParaRPr lang="en-US" dirty="0"/>
+          </a:p>
+        </p:txBody>
+      </p:sp>
+      <p:sp>
+        <p:nvSpPr>
+          <p:cNvPr id="3" name="Content Placeholder 2"/>
+          <p:cNvSpPr>
+            <a:spLocks noGrp="1"/>
+          </p:cNvSpPr>
+          <p:nvPr>
+            <p:ph idx="1"/>
+          </p:nvPr>
+        </p:nvSpPr>
+        <p:spPr/>
+        <p:txBody>
+          <a:bodyPr/>
+          <a:lstStyle/>
+          <a:p>
+            <a:r>
+              <a:rPr lang="en-US" dirty="0" smtClean="0"/>
+              <a:t>Break </a:t>
+            </a:r>
+            <a:r>
+              <a:rPr lang="en-US" dirty="0"/>
+              <a:t>a stream of text </a:t>
+            </a:r>
+            <a:r>
+              <a:rPr lang="en-US" dirty="0" smtClean="0"/>
+              <a:t>into meaningful units</a:t>
+            </a:r>
+          </a:p>
+          <a:p>
+            <a:pPr lvl="1"/>
+            <a:r>
+              <a:rPr lang="en-US" dirty="0" smtClean="0"/>
+              <a:t>Tokens: </a:t>
+            </a:r>
+            <a:r>
+              <a:rPr lang="en-US" dirty="0"/>
+              <a:t>words, phrases, </a:t>
+            </a:r>
+            <a:r>
+              <a:rPr lang="en-US" dirty="0" smtClean="0"/>
+              <a:t>symbols</a:t>
+            </a:r>
+          </a:p>
+          <a:p>
+            <a:pPr lvl="1"/>
+            <a:endParaRPr lang="en-US" sz="3200" dirty="0"/>
+          </a:p>
+          <a:p>
+            <a:pPr lvl="1"/>
+            <a:endParaRPr lang="en-US" sz="3200" dirty="0"/>
+          </a:p>
+          <a:p>
+            <a:pPr lvl="1"/>
+            <a:endParaRPr lang="en-US" dirty="0" smtClean="0"/>
+          </a:p>
+          <a:p>
+            <a:pPr lvl="1"/>
+            <a:r>
+              <a:rPr lang="en-US" dirty="0" smtClean="0"/>
+              <a:t>Definition depends on language, corpus, or even context</a:t>
+            </a:r>
+            <a:endParaRPr lang="en-US" dirty="0"/>
+          </a:p>
+        </p:txBody>
+      </p:sp>
+      <p:sp>
+        <p:nvSpPr>
+          <p:cNvPr id="4" name="TextBox 3"/>
+          <p:cNvSpPr txBox="1"/>
+          <p:nvPr/>
+        </p:nvSpPr>
+        <p:spPr>
+          <a:xfrm>
+            <a:off x="1447800" y="2667000"/>
+            <a:ext cx="5562600" cy="1754326"/>
+          </a:xfrm>
+          <a:prstGeom prst="rect">
+            <a:avLst/>
+          </a:prstGeom>
+          <a:noFill/>
+        </p:spPr>
+        <p:txBody>
+          <a:bodyPr wrap="square" rtlCol="0">
+            <a:spAutoFit/>
+          </a:bodyPr>
+          <a:lstStyle/>
+          <a:p>
+            <a:pPr marL="285750" indent="-285750">
+              <a:buFont typeface="Arial" panose="020B0604020202020204" pitchFamily="34" charset="0"/>
+              <a:buChar char="•"/>
+            </a:pPr>
+            <a:r>
+              <a:rPr lang="en-US" b="1" dirty="0" smtClean="0"/>
+              <a:t>Input:</a:t>
+            </a:r>
+            <a:r>
+              <a:rPr lang="en-US" dirty="0" smtClean="0"/>
+              <a:t> It’s not straight-forward to perform so-called “tokenization.”  </a:t>
+            </a:r>
+          </a:p>
+          <a:p>
+            <a:pPr marL="285750" indent="-285750">
+              <a:buFont typeface="Arial" panose="020B0604020202020204" pitchFamily="34" charset="0"/>
+              <a:buChar char="•"/>
+            </a:pPr>
+            <a:r>
+              <a:rPr lang="en-US" b="1" dirty="0" smtClean="0"/>
+              <a:t>Output(1):</a:t>
+            </a:r>
+            <a:r>
+              <a:rPr lang="en-US" dirty="0"/>
+              <a:t> 'It’s', 'not', 'straight-forward', 'to', 'perform', 'so-called', '“tokenization.”' </a:t>
+            </a:r>
+            <a:endParaRPr lang="en-US" dirty="0" smtClean="0"/>
+          </a:p>
+          <a:p>
+            <a:pPr marL="285750" indent="-285750">
+              <a:buFont typeface="Arial" panose="020B0604020202020204" pitchFamily="34" charset="0"/>
+              <a:buChar char="•"/>
+            </a:pPr>
+            <a:r>
+              <a:rPr lang="en-US" b="1" dirty="0" smtClean="0"/>
+              <a:t>Output(2):</a:t>
+            </a:r>
+            <a:r>
+              <a:rPr lang="en-US" dirty="0" smtClean="0"/>
+              <a:t> </a:t>
+            </a:r>
+            <a:r>
+              <a:rPr lang="en-US" dirty="0"/>
+              <a:t>'It', '’', 's', 'not', 'straight', '-', 'forward, 'to', 'perform', 'so', '-', 'called', ‘“', 'tokenization', '.', </a:t>
+            </a:r>
+            <a:r>
+              <a:rPr lang="en-US" dirty="0" smtClean="0"/>
+              <a:t>'”‘</a:t>
+            </a:r>
+            <a:endParaRPr lang="en-US" b="1" dirty="0"/>
+          </a:p>
+        </p:txBody>
+      </p:sp>
+      <p:sp>
+        <p:nvSpPr>
+          <p:cNvPr id="5" name="Date Placeholder 4"/>
+          <p:cNvSpPr>
+            <a:spLocks noGrp="1"/>
+          </p:cNvSpPr>
+          <p:nvPr>
+            <p:ph type="dt" sz="half" idx="10"/>
+          </p:nvPr>
+        </p:nvSpPr>
+        <p:spPr/>
+        <p:txBody>
+          <a:bodyPr/>
+          <a:lstStyle/>
+          <a:p>
+            <a:r>
+              <a:rPr lang="en-US" smtClean="0"/>
+              <a:t>CS@UVa</a:t>
+            </a:r>
+            <a:endParaRPr lang="en-US"/>
+          </a:p>
+        </p:txBody>
+      </p:sp>
+      <p:sp>
+        <p:nvSpPr>
+          <p:cNvPr id="6" name="Footer Placeholder 5"/>
+          <p:cNvSpPr>
+            <a:spLocks noGrp="1"/>
+          </p:cNvSpPr>
+          <p:nvPr>
+            <p:ph type="ftr" sz="quarter" idx="11"/>
+          </p:nvPr>
+        </p:nvSpPr>
+        <p:spPr/>
+        <p:txBody>
+          <a:bodyPr/>
+          <a:lstStyle/>
+          <a:p>
+            <a:r>
+              <a:rPr lang="en-US" smtClean="0"/>
+              <a:t>CS6501: Information Retrieval</a:t>
+            </a:r>
+            <a:endParaRPr lang="en-US"/>
+          </a:p>
+        </p:txBody>
+      </p:sp>
+      <p:sp>
+        <p:nvSpPr>
+          <p:cNvPr id="7" name="Slide Number Placeholder 6"/>
+          <p:cNvSpPr>
+            <a:spLocks noGrp="1"/>
+          </p:cNvSpPr>
+          <p:nvPr>
+            <p:ph type="sldNum" sz="quarter" idx="12"/>
+          </p:nvPr>
+        </p:nvSpPr>
+        <p:spPr/>
+        <p:txBody>
+          <a:bodyPr/>
+          <a:lstStyle/>
+          <a:p>
+            <a:fld id="{93582EC2-63CB-4149-BC8B-E4DB3A07B74B}" type="slidenum">
+              <a:rPr lang="en-US" smtClean="0"/>
+              <a:t>12</a:t>
+            </a:fld>
+            <a:endParaRPr lang="en-US"/>
+          </a:p>
+        </p:txBody>
+      </p:sp>
+    </p:spTree>
+    <p:extLst>
+      <p:ext uri="{BB962C8B-B14F-4D97-AF65-F5344CB8AC3E}">
+        <p14:creationId xmlns:p14="http://schemas.microsoft.com/office/powerpoint/2010/main" val="2631820418"/>
+      </p:ext>
+    </p:extLst>
+  </p:cSld>
+  <p:clrMapOvr>
+    <a:masterClrMapping/>
+  </p:clrMapOvr>
+  <p:timing>
+    <p:tnLst>
+      <p:par>
+        <p:cTn id="1" dur="indefinite" restart="never" nodeType="tmRoot">
+          <p:childTnLst>
+            <p:seq concurrent="1" nextAc="seek">
+              <p:cTn id="2" dur="indefinite" nodeType="mainSeq">
+                <p:childTnLst>
+                  <p:par>
+                    <p:cTn id="3" fill="hold">
+                      <p:stCondLst>
+                        <p:cond delay="indefinite"/>
+                      </p:stCondLst>
+                      <p:childTnLst>
+                        <p:par>
+                          <p:cTn id="4" fill="hold">
+                            <p:stCondLst>
+                              <p:cond delay="0"/>
+                            </p:stCondLst>
+                            <p:childTnLst>
+                              <p:par>
+                                <p:cTn id="5" presetID="1" presetClass="entr" presetSubtype="0" fill="hold" nodeType="clickEffect">
+                                  <p:stCondLst>
+                                    <p:cond delay="0"/>
+                                  </p:stCondLst>
+                                  <p:childTnLst>
+                                    <p:set>
+                                      <p:cBhvr>
+                                        <p:cTn id="6" dur="1" fill="hold">
+                                          <p:stCondLst>
+                                            <p:cond delay="0"/>
+                                          </p:stCondLst>
+                                        </p:cTn>
+                                        <p:tgtEl>
+                                          <p:spTgt spid="3">
+                                            <p:txEl>
+                                              <p:pRg st="5" end="5"/>
+                                            </p:txEl>
+                                          </p:spTgt>
+                                        </p:tgtEl>
+                                        <p:attrNameLst>
+                                          <p:attrName>style.visibility</p:attrName>
+                                        </p:attrNameLst>
+                                      </p:cBhvr>
+                                      <p:to>
+                                        <p:strVal val="visible"/>
+                                      </p:to>
+                                    </p:set>
+                                  </p:childTnLst>
+                                </p:cTn>
+                              </p:par>
+                            </p:childTnLst>
+                          </p:cTn>
+                        </p:par>
+                      </p:childTnLst>
+                    </p:cTn>
+                  </p:par>
+                </p:childTnLst>
+              </p:cTn>
+              <p:prevCondLst>
+                <p:cond evt="onPrev" delay="0">
+                  <p:tgtEl>
+                    <p:sldTgt/>
+                  </p:tgtEl>
+                </p:cond>
+              </p:prevCondLst>
+              <p:nextCondLst>
+                <p:cond evt="onNext" delay="0">
+                  <p:tgtEl>
+                    <p:sldTgt/>
+                  </p:tgtEl>
+                </p:cond>
+              </p:nextCondLst>
+            </p:seq>
+          </p:childTnLst>
+        </p:cTn>
+      </p:par>
+    </p:tnLst>
+  </p:timing>
+</p:sld>
+</file>
+
+<file path=ppt/slides/slide13.xml><?xml version="1.0" encoding="utf-8"?>
+<p:sld xmlns:a="http://schemas.openxmlformats.org/drawingml/2006/main" xmlns:r="http://schemas.openxmlformats.org/officeDocument/2006/relationships" xmlns:p="http://schemas.openxmlformats.org/presentationml/2006/main">
+  <p:cSld>
+    <p:spTree>
+      <p:nvGrpSpPr>
+        <p:cNvPr id="1" name=""/>
+        <p:cNvGrpSpPr/>
+        <p:nvPr/>
+      </p:nvGrpSpPr>
+      <p:grpSpPr>
+        <a:xfrm>
+          <a:off x="0" y="0"/>
+          <a:ext cx="0" cy="0"/>
+          <a:chOff x="0" y="0"/>
+          <a:chExt cx="0" cy="0"/>
+        </a:xfrm>
+      </p:grpSpPr>
+      <p:sp>
+        <p:nvSpPr>
+          <p:cNvPr id="2" name="Title 1"/>
+          <p:cNvSpPr>
+            <a:spLocks noGrp="1"/>
+          </p:cNvSpPr>
+          <p:nvPr>
+            <p:ph type="title"/>
+          </p:nvPr>
+        </p:nvSpPr>
+        <p:spPr/>
+        <p:txBody>
+          <a:bodyPr/>
+          <a:lstStyle/>
+          <a:p>
+            <a:r>
               <a:rPr lang="en-US" dirty="0"/>
               <a:t>Tokenization</a:t>
             </a:r>
@@ -5418,7 +6022,7 @@
           <a:p>
             <a:fld id="{93582EC2-63CB-4149-BC8B-E4DB3A07B74B}" type="slidenum">
               <a:rPr lang="en-US" smtClean="0"/>
-              <a:t>12</a:t>
+              <a:t>13</a:t>
             </a:fld>
             <a:endParaRPr lang="en-US"/>
           </a:p>
@@ -5836,7 +6440,7 @@
 </p:sld>
 </file>
 
-<file path=ppt/slides/slide13.xml><?xml version="1.0" encoding="utf-8"?>
+<file path=ppt/slides/slide14.xml><?xml version="1.0" encoding="utf-8"?>
 <p:sld xmlns:a="http://schemas.openxmlformats.org/drawingml/2006/main" xmlns:r="http://schemas.openxmlformats.org/officeDocument/2006/relationships" xmlns:p="http://schemas.openxmlformats.org/presentationml/2006/main">
   <p:cSld>
     <p:spTree>
@@ -6038,7 +6642,7 @@
           <a:p>
             <a:fld id="{93582EC2-63CB-4149-BC8B-E4DB3A07B74B}" type="slidenum">
               <a:rPr lang="en-US" smtClean="0"/>
-              <a:t>13</a:t>
+              <a:t>14</a:t>
             </a:fld>
             <a:endParaRPr lang="en-US"/>
           </a:p>
@@ -6969,15 +7573,33 @@
                                   </p:childTnLst>
                                 </p:cTn>
                               </p:par>
+                            </p:childTnLst>
+                          </p:cTn>
+                        </p:par>
+                      </p:childTnLst>
+                    </p:cTn>
+                  </p:par>
+                  <p:par>
+                    <p:cTn id="15" fill="hold">
+                      <p:stCondLst>
+                        <p:cond delay="indefinite"/>
+                      </p:stCondLst>
+                      <p:childTnLst>
+                        <p:par>
+                          <p:cTn id="16" fill="hold">
+                            <p:stCondLst>
+                              <p:cond delay="0"/>
+                            </p:stCondLst>
+                            <p:childTnLst>
                               <p:par>
-                                <p:cTn id="15" presetID="1" presetClass="entr" presetSubtype="0" fill="hold" nodeType="withEffect">
+                                <p:cTn id="17" presetID="1" presetClass="entr" presetSubtype="0" fill="hold" nodeType="clickEffect">
                                   <p:stCondLst>
                                     <p:cond delay="0"/>
                                   </p:stCondLst>
                                   <p:childTnLst>
                                     <p:set>
                                       <p:cBhvr>
-                                        <p:cTn id="16" dur="1" fill="hold">
+                                        <p:cTn id="18" dur="1" fill="hold">
                                           <p:stCondLst>
                                             <p:cond delay="0"/>
                                           </p:stCondLst>
@@ -7000,70 +7622,26 @@
                                   </p:childTnLst>
                                 </p:cTn>
                               </p:par>
+                            </p:childTnLst>
+                          </p:cTn>
+                        </p:par>
+                      </p:childTnLst>
+                    </p:cTn>
+                  </p:par>
+                  <p:par>
+                    <p:cTn id="19" fill="hold">
+                      <p:stCondLst>
+                        <p:cond delay="indefinite"/>
+                      </p:stCondLst>
+                      <p:childTnLst>
+                        <p:par>
+                          <p:cTn id="20" fill="hold">
+                            <p:stCondLst>
+                              <p:cond delay="0"/>
+                            </p:stCondLst>
+                            <p:childTnLst>
                               <p:par>
-                                <p:cTn id="17" presetID="1" presetClass="entr" presetSubtype="0" fill="hold" nodeType="withEffect">
-                                  <p:stCondLst>
-                                    <p:cond delay="0"/>
-                                  </p:stCondLst>
-                                  <p:childTnLst>
-                                    <p:set>
-                                      <p:cBhvr>
-                                        <p:cTn id="18" dur="1" fill="hold">
-                                          <p:stCondLst>
-                                            <p:cond delay="0"/>
-                                          </p:stCondLst>
-                                        </p:cTn>
-                                        <p:tgtEl>
-                                          <p:spTgt spid="3">
-                                            <p:txEl>
-                                              <p:pRg st="4" end="4"/>
-                                            </p:txEl>
-                                          </p:spTgt>
-                                        </p:tgtEl>
-                                        <p:attrNameLst>
-                                          <p:attrName>style.visibility</p:attrName>
-                                        </p:attrNameLst>
-                                      </p:cBhvr>
-                                      <p:to>
-                                        <p:strVal val="visible"/>
-                                      </p:to>
-                                    </p:set>
-                                  </p:childTnLst>
-                                </p:cTn>
-                              </p:par>
-                              <p:par>
-                                <p:cTn id="19" presetID="1" presetClass="entr" presetSubtype="0" fill="hold" nodeType="withEffect">
-                                  <p:stCondLst>
-                                    <p:cond delay="0"/>
-                                  </p:stCondLst>
-                                  <p:childTnLst>
-                                    <p:set>
-                                      <p:cBhvr>
-                                        <p:cTn id="20" dur="1" fill="hold">
-                                          <p:stCondLst>
-                                            <p:cond delay="0"/>
-                                          </p:stCondLst>
-                                        </p:cTn>
-                                        <p:tgtEl>
-                                          <p:spTgt spid="3">
-                                            <p:txEl>
-                                              <p:pRg st="5" end="5"/>
-                                            </p:txEl>
-                                          </p:spTgt>
-                                        </p:tgtEl>
-                                        <p:attrNameLst>
-                                          <p:attrName>style.visibility</p:attrName>
-                                        </p:attrNameLst>
-                                      </p:cBhvr>
-                                      <p:to>
-                                        <p:strVal val="visible"/>
-                                      </p:to>
-                                    </p:set>
-                                  </p:childTnLst>
-                                </p:cTn>
-                              </p:par>
-                              <p:par>
-                                <p:cTn id="21" presetID="1" presetClass="entr" presetSubtype="0" fill="hold" nodeType="withEffect">
+                                <p:cTn id="21" presetID="1" presetClass="entr" presetSubtype="0" fill="hold" nodeType="clickEffect">
                                   <p:stCondLst>
                                     <p:cond delay="0"/>
                                   </p:stCondLst>
@@ -7078,7 +7656,7 @@
                                         <p:tgtEl>
                                           <p:spTgt spid="3">
                                             <p:txEl>
-                                              <p:pRg st="6" end="6"/>
+                                              <p:pRg st="4" end="4"/>
                                             </p:txEl>
                                           </p:spTgt>
                                         </p:tgtEl>
@@ -7127,6 +7705,104 @@
                                         <p:tgtEl>
                                           <p:spTgt spid="3">
                                             <p:txEl>
+                                              <p:pRg st="5" end="5"/>
+                                            </p:txEl>
+                                          </p:spTgt>
+                                        </p:tgtEl>
+                                        <p:attrNameLst>
+                                          <p:attrName>style.visibility</p:attrName>
+                                        </p:attrNameLst>
+                                      </p:cBhvr>
+                                      <p:to>
+                                        <p:strVal val="visible"/>
+                                      </p:to>
+                                    </p:set>
+                                  </p:childTnLst>
+                                </p:cTn>
+                              </p:par>
+                            </p:childTnLst>
+                          </p:cTn>
+                        </p:par>
+                      </p:childTnLst>
+                    </p:cTn>
+                  </p:par>
+                  <p:par>
+                    <p:cTn id="27" fill="hold">
+                      <p:stCondLst>
+                        <p:cond delay="indefinite"/>
+                      </p:stCondLst>
+                      <p:childTnLst>
+                        <p:par>
+                          <p:cTn id="28" fill="hold">
+                            <p:stCondLst>
+                              <p:cond delay="0"/>
+                            </p:stCondLst>
+                            <p:childTnLst>
+                              <p:par>
+                                <p:cTn id="29" presetID="1" presetClass="entr" presetSubtype="0" fill="hold" nodeType="clickEffect">
+                                  <p:stCondLst>
+                                    <p:cond delay="0"/>
+                                  </p:stCondLst>
+                                  <p:childTnLst>
+                                    <p:set>
+                                      <p:cBhvr>
+                                        <p:cTn id="30" dur="1" fill="hold">
+                                          <p:stCondLst>
+                                            <p:cond delay="0"/>
+                                          </p:stCondLst>
+                                        </p:cTn>
+                                        <p:tgtEl>
+                                          <p:spTgt spid="3">
+                                            <p:txEl>
+                                              <p:pRg st="6" end="6"/>
+                                            </p:txEl>
+                                          </p:spTgt>
+                                        </p:tgtEl>
+                                        <p:attrNameLst>
+                                          <p:attrName>style.visibility</p:attrName>
+                                        </p:attrNameLst>
+                                      </p:cBhvr>
+                                      <p:to>
+                                        <p:strVal val="visible"/>
+                                      </p:to>
+                                    </p:set>
+                                  </p:childTnLst>
+                                </p:cTn>
+                              </p:par>
+                            </p:childTnLst>
+                          </p:cTn>
+                        </p:par>
+                      </p:childTnLst>
+                    </p:cTn>
+                  </p:par>
+                  <p:par>
+                    <p:cTn id="31" fill="hold">
+                      <p:stCondLst>
+                        <p:cond delay="indefinite"/>
+                      </p:stCondLst>
+                      <p:childTnLst>
+                        <p:par>
+                          <p:cTn id="32" fill="hold">
+                            <p:stCondLst>
+                              <p:cond delay="0"/>
+                            </p:stCondLst>
+                            <p:childTnLst>
+                              <p:par>
+                                <p:cTn id="33" presetID="1" presetClass="entr" presetSubtype="0" fill="hold" nodeType="clickEffect">
+                                  <p:stCondLst>
+                                    <p:cond delay="0"/>
+                                  </p:stCondLst>
+                                  <p:childTnLst>
+                                    <p:set>
+                                      <p:cBhvr>
+                                        <p:cTn id="34" dur="1" fill="hold">
+                                          <p:stCondLst>
+                                            <p:cond delay="0"/>
+                                          </p:stCondLst>
+                                        </p:cTn>
+                                        <p:tgtEl>
+                                          <p:spTgt spid="3">
+                                            <p:txEl>
                                               <p:pRg st="7" end="7"/>
                                             </p:txEl>
                                           </p:spTgt>
@@ -7143,14 +7819,14 @@
                                 </p:cTn>
                               </p:par>
                               <p:par>
-                                <p:cTn id="27" presetID="1" presetClass="entr" presetSubtype="0" fill="hold" nodeType="withEffect">
+                                <p:cTn id="35" presetID="1" presetClass="entr" presetSubtype="0" fill="hold" nodeType="withEffect">
                                   <p:stCondLst>
                                     <p:cond delay="0"/>
                                   </p:stCondLst>
                                   <p:childTnLst>
                                     <p:set>
                                       <p:cBhvr>
-                                        <p:cTn id="28" dur="1" fill="hold">
+                                        <p:cTn id="36" dur="1" fill="hold">
                                           <p:stCondLst>
                                             <p:cond delay="0"/>
                                           </p:stCondLst>
@@ -7204,7 +7880,7 @@
 </p:sld>
 </file>
 
-<file path=ppt/slides/slide14.xml><?xml version="1.0" encoding="utf-8"?>
+<file path=ppt/slides/slide15.xml><?xml version="1.0" encoding="utf-8"?>
 <p:sld xmlns:a="http://schemas.openxmlformats.org/drawingml/2006/main" xmlns:r="http://schemas.openxmlformats.org/officeDocument/2006/relationships" xmlns:p="http://schemas.openxmlformats.org/presentationml/2006/main">
   <p:cSld>
     <p:spTree>
@@ -7269,11 +7945,11 @@
                 </a:r>
                 <a:r>
                   <a:rPr lang="en-US" dirty="0"/>
-                  <a:t>: a contiguous sequence of n </a:t>
+                  <a:t>: a contiguous sequence of </a:t>
                 </a:r>
                 <a:r>
                   <a:rPr lang="en-US" dirty="0" smtClean="0"/>
-                  <a:t>tokens from </a:t>
+                  <a:t>N tokens from </a:t>
                 </a:r>
                 <a:r>
                   <a:rPr lang="en-US" dirty="0"/>
@@ -7530,7 +8206,7 @@
           <a:p>
             <a:fld id="{93582EC2-63CB-4149-BC8B-E4DB3A07B74B}" type="slidenum">
               <a:rPr lang="en-US" smtClean="0"/>
-              <a:t>14</a:t>
+              <a:t>15</a:t>
             </a:fld>
             <a:endParaRPr lang="en-US"/>
           </a:p>
@@ -7659,7 +8335,7 @@
 </p:sld>
 </file>
 
-<file path=ppt/slides/slide15.xml><?xml version="1.0" encoding="utf-8"?>
+<file path=ppt/slides/slide16.xml><?xml version="1.0" encoding="utf-8"?>
 <p:sld xmlns:a="http://schemas.openxmlformats.org/drawingml/2006/main" xmlns:r="http://schemas.openxmlformats.org/officeDocument/2006/relationships" xmlns:p="http://schemas.openxmlformats.org/presentationml/2006/main">
   <p:cSld>
     <p:spTree>
@@ -7946,7 +8622,7 @@
           <a:p>
             <a:fld id="{93582EC2-63CB-4149-BC8B-E4DB3A07B74B}" type="slidenum">
               <a:rPr lang="en-US" smtClean="0"/>
-              <a:t>15</a:t>
+              <a:t>16</a:t>
             </a:fld>
             <a:endParaRPr lang="en-US"/>
           </a:p>
@@ -8075,7 +8751,7 @@
 </p:sld>
 </file>
 
-<file path=ppt/slides/slide16.xml><?xml version="1.0" encoding="utf-8"?>
+<file path=ppt/slides/slide17.xml><?xml version="1.0" encoding="utf-8"?>
 <p:sld xmlns:a="http://schemas.openxmlformats.org/drawingml/2006/main" xmlns:r="http://schemas.openxmlformats.org/officeDocument/2006/relationships" xmlns:p="http://schemas.openxmlformats.org/presentationml/2006/main">
   <p:cSld>
     <p:spTree>
@@ -8729,7 +9405,7 @@
           <a:p>
             <a:fld id="{93582EC2-63CB-4149-BC8B-E4DB3A07B74B}" type="slidenum">
               <a:rPr lang="en-US" smtClean="0"/>
-              <a:t>16</a:t>
+              <a:t>17</a:t>
             </a:fld>
             <a:endParaRPr lang="en-US"/>
           </a:p>
@@ -9269,7 +9945,7 @@
 </p:sld>
 </file>
 
-<file path=ppt/slides/slide17.xml><?xml version="1.0" encoding="utf-8"?>
+<file path=ppt/slides/slide18.xml><?xml version="1.0" encoding="utf-8"?>
 <p:sld xmlns:a="http://schemas.openxmlformats.org/drawingml/2006/main" xmlns:r="http://schemas.openxmlformats.org/officeDocument/2006/relationships" xmlns:p="http://schemas.openxmlformats.org/presentationml/2006/main">
   <p:cSld>
     <p:spTree>
@@ -9448,7 +10124,7 @@
           <a:p>
             <a:fld id="{93582EC2-63CB-4149-BC8B-E4DB3A07B74B}" type="slidenum">
               <a:rPr lang="en-US" smtClean="0"/>
-              <a:t>17</a:t>
+              <a:t>18</a:t>
             </a:fld>
             <a:endParaRPr lang="en-US"/>
           </a:p>
@@ -9737,7 +10413,7 @@
 </p:sld>
 </file>
 
-<file path=ppt/slides/slide18.xml><?xml version="1.0" encoding="utf-8"?>
+<file path=ppt/slides/slide19.xml><?xml version="1.0" encoding="utf-8"?>
 <p:sld xmlns:a="http://schemas.openxmlformats.org/drawingml/2006/main" xmlns:r="http://schemas.openxmlformats.org/officeDocument/2006/relationships" xmlns:p="http://schemas.openxmlformats.org/presentationml/2006/main">
   <p:cSld>
     <p:spTree>
@@ -10077,7 +10753,7 @@
           <a:p>
             <a:fld id="{93582EC2-63CB-4149-BC8B-E4DB3A07B74B}" type="slidenum">
               <a:rPr lang="en-US" smtClean="0"/>
-              <a:t>18</a:t>
+              <a:t>19</a:t>
             </a:fld>
             <a:endParaRPr lang="en-US"/>
           </a:p>
@@ -10216,7 +10892,7 @@
 </p:sld>
 </file>
 
-<file path=ppt/slides/slide19.xml><?xml version="1.0" encoding="utf-8"?>
+<file path=ppt/slides/slide2.xml><?xml version="1.0" encoding="utf-8"?>
 <p:sld xmlns:a="http://schemas.openxmlformats.org/drawingml/2006/main" xmlns:r="http://schemas.openxmlformats.org/officeDocument/2006/relationships" xmlns:p="http://schemas.openxmlformats.org/presentationml/2006/main">
   <p:cSld>
     <p:spTree>
@@ -10250,6 +10926,226 @@
           <a:p>
             <a:r>
               <a:rPr lang="en-US" dirty="0" smtClean="0"/>
+              <a:t>Recap: what is text mining</a:t>
+            </a:r>
+            <a:endParaRPr lang="en-US" dirty="0"/>
+          </a:p>
+        </p:txBody>
+      </p:sp>
+      <p:sp>
+        <p:nvSpPr>
+          <p:cNvPr id="4" name="Date Placeholder 3"/>
+          <p:cNvSpPr>
+            <a:spLocks noGrp="1"/>
+          </p:cNvSpPr>
+          <p:nvPr>
+            <p:ph type="dt" sz="half" idx="10"/>
+          </p:nvPr>
+        </p:nvSpPr>
+        <p:spPr/>
+        <p:txBody>
+          <a:bodyPr/>
+          <a:lstStyle/>
+          <a:p>
+            <a:r>
+              <a:rPr lang="en-US" smtClean="0"/>
+              <a:t>CS@UVa</a:t>
+            </a:r>
+            <a:endParaRPr lang="en-US"/>
+          </a:p>
+        </p:txBody>
+      </p:sp>
+      <p:sp>
+        <p:nvSpPr>
+          <p:cNvPr id="5" name="Footer Placeholder 4"/>
+          <p:cNvSpPr>
+            <a:spLocks noGrp="1"/>
+          </p:cNvSpPr>
+          <p:nvPr>
+            <p:ph type="ftr" sz="quarter" idx="11"/>
+          </p:nvPr>
+        </p:nvSpPr>
+        <p:spPr/>
+        <p:txBody>
+          <a:bodyPr/>
+          <a:lstStyle/>
+          <a:p>
+            <a:r>
+              <a:rPr lang="en-US" smtClean="0"/>
+              <a:t>CS 6501: Text Mining</a:t>
+            </a:r>
+            <a:endParaRPr lang="en-US"/>
+          </a:p>
+        </p:txBody>
+      </p:sp>
+      <p:sp>
+        <p:nvSpPr>
+          <p:cNvPr id="6" name="Slide Number Placeholder 5"/>
+          <p:cNvSpPr>
+            <a:spLocks noGrp="1"/>
+          </p:cNvSpPr>
+          <p:nvPr>
+            <p:ph type="sldNum" sz="quarter" idx="12"/>
+          </p:nvPr>
+        </p:nvSpPr>
+        <p:spPr/>
+        <p:txBody>
+          <a:bodyPr/>
+          <a:lstStyle/>
+          <a:p>
+            <a:fld id="{2A9F8BE9-47C8-4C45-B88F-68A848B0515F}" type="slidenum">
+              <a:rPr lang="en-US" smtClean="0"/>
+              <a:t>2</a:t>
+            </a:fld>
+            <a:endParaRPr lang="en-US"/>
+          </a:p>
+        </p:txBody>
+      </p:sp>
+      <p:sp>
+        <p:nvSpPr>
+          <p:cNvPr id="7" name="Content Placeholder 5"/>
+          <p:cNvSpPr>
+            <a:spLocks noGrp="1"/>
+          </p:cNvSpPr>
+          <p:nvPr>
+            <p:ph idx="1"/>
+          </p:nvPr>
+        </p:nvSpPr>
+        <p:spPr/>
+        <p:txBody>
+          <a:bodyPr>
+            <a:normAutofit lnSpcReduction="10000"/>
+          </a:bodyPr>
+          <a:lstStyle/>
+          <a:p>
+            <a:r>
+              <a:rPr lang="en-US" dirty="0"/>
+              <a:t>“</a:t>
+            </a:r>
+            <a:r>
+              <a:rPr lang="en-US" i="1" dirty="0"/>
+              <a:t>Text mining, also referred to as </a:t>
+            </a:r>
+            <a:r>
+              <a:rPr lang="en-US" b="1" i="1" dirty="0"/>
+              <a:t>text data mining</a:t>
+            </a:r>
+            <a:r>
+              <a:rPr lang="en-US" i="1" dirty="0"/>
+              <a:t>, roughly equivalent to text analytics, refers to the process of deriving high-quality information from text.</a:t>
+            </a:r>
+            <a:r>
+              <a:rPr lang="en-US" dirty="0"/>
+              <a:t>”  - </a:t>
+            </a:r>
+            <a:r>
+              <a:rPr lang="en-US" dirty="0" err="1"/>
+              <a:t>wikipedia</a:t>
+            </a:r>
+            <a:endParaRPr lang="en-US" dirty="0"/>
+          </a:p>
+          <a:p>
+            <a:r>
+              <a:rPr lang="en-US" i="1" dirty="0" smtClean="0"/>
+              <a:t>“Another </a:t>
+            </a:r>
+            <a:r>
+              <a:rPr lang="en-US" i="1" dirty="0"/>
+              <a:t>way to view text data mining is as a process of </a:t>
+            </a:r>
+            <a:r>
+              <a:rPr lang="en-US" b="1" i="1" dirty="0"/>
+              <a:t>exploratory</a:t>
+            </a:r>
+            <a:r>
+              <a:rPr lang="en-US" i="1" dirty="0"/>
+              <a:t> data analysis that leads to </a:t>
+            </a:r>
+            <a:r>
+              <a:rPr lang="en-US" b="1" i="1" dirty="0"/>
+              <a:t>heretofore unknown </a:t>
+            </a:r>
+            <a:r>
+              <a:rPr lang="en-US" i="1" dirty="0"/>
+              <a:t>information, or to answers for questions for which the answer is not currently known</a:t>
+            </a:r>
+            <a:r>
+              <a:rPr lang="en-US" i="1" dirty="0" smtClean="0"/>
+              <a:t>.” </a:t>
+            </a:r>
+            <a:r>
+              <a:rPr lang="en-US" dirty="0" smtClean="0"/>
+              <a:t>- Hearst</a:t>
+            </a:r>
+            <a:r>
+              <a:rPr lang="en-US" dirty="0"/>
+              <a:t>, </a:t>
+            </a:r>
+            <a:r>
+              <a:rPr lang="en-US" dirty="0" smtClean="0"/>
+              <a:t>1999</a:t>
+            </a:r>
+            <a:endParaRPr lang="en-US" dirty="0"/>
+          </a:p>
+          <a:p>
+            <a:endParaRPr lang="en-US" dirty="0"/>
+          </a:p>
+        </p:txBody>
+      </p:sp>
+    </p:spTree>
+    <p:extLst>
+      <p:ext uri="{BB962C8B-B14F-4D97-AF65-F5344CB8AC3E}">
+        <p14:creationId xmlns:p14="http://schemas.microsoft.com/office/powerpoint/2010/main" val="2276200237"/>
+      </p:ext>
+    </p:extLst>
+  </p:cSld>
+  <p:clrMapOvr>
+    <a:masterClrMapping/>
+  </p:clrMapOvr>
+  <p:timing>
+    <p:tnLst>
+      <p:par>
+        <p:cTn id="1" dur="indefinite" restart="never" nodeType="tmRoot"/>
+      </p:par>
+    </p:tnLst>
+  </p:timing>
+</p:sld>
+</file>
+
+<file path=ppt/slides/slide20.xml><?xml version="1.0" encoding="utf-8"?>
+<p:sld xmlns:a="http://schemas.openxmlformats.org/drawingml/2006/main" xmlns:r="http://schemas.openxmlformats.org/officeDocument/2006/relationships" xmlns:p="http://schemas.openxmlformats.org/presentationml/2006/main">
+  <p:cSld>
+    <p:spTree>
+      <p:nvGrpSpPr>
+        <p:cNvPr id="1" name=""/>
+        <p:cNvGrpSpPr/>
+        <p:nvPr/>
+      </p:nvGrpSpPr>
+      <p:grpSpPr>
+        <a:xfrm>
+          <a:off x="0" y="0"/>
+          <a:ext cx="0" cy="0"/>
+          <a:chOff x="0" y="0"/>
+          <a:chExt cx="0" cy="0"/>
+        </a:xfrm>
+      </p:grpSpPr>
+      <p:sp>
+        <p:nvSpPr>
+          <p:cNvPr id="2" name="Title 1"/>
+          <p:cNvSpPr>
+            <a:spLocks noGrp="1"/>
+          </p:cNvSpPr>
+          <p:nvPr>
+            <p:ph type="title"/>
+          </p:nvPr>
+        </p:nvSpPr>
+        <p:spPr/>
+        <p:txBody>
+          <a:bodyPr/>
+          <a:lstStyle/>
+          <a:p>
+            <a:r>
+              <a:rPr lang="en-US" dirty="0" smtClean="0"/>
               <a:t>Normalization</a:t>
             </a:r>
             <a:endParaRPr lang="en-US" dirty="0"/>
@@ -10406,7 +11302,7 @@
           <a:p>
             <a:fld id="{93582EC2-63CB-4149-BC8B-E4DB3A07B74B}" type="slidenum">
               <a:rPr lang="en-US" smtClean="0"/>
-              <a:t>19</a:t>
+              <a:t>20</a:t>
             </a:fld>
             <a:endParaRPr lang="en-US"/>
           </a:p>
@@ -10855,7 +11751,7 @@
 </p:sld>
 </file>
 
-<file path=ppt/slides/slide2.xml><?xml version="1.0" encoding="utf-8"?>
+<file path=ppt/slides/slide21.xml><?xml version="1.0" encoding="utf-8"?>
 <p:sld xmlns:a="http://schemas.openxmlformats.org/drawingml/2006/main" xmlns:r="http://schemas.openxmlformats.org/officeDocument/2006/relationships" xmlns:p="http://schemas.openxmlformats.org/presentationml/2006/main">
   <p:cSld>
     <p:spTree>
@@ -10889,226 +11785,6 @@
           <a:p>
             <a:r>
               <a:rPr lang="en-US" dirty="0" smtClean="0"/>
-              <a:t>Recap: what is text mining</a:t>
-            </a:r>
-            <a:endParaRPr lang="en-US" dirty="0"/>
-          </a:p>
-        </p:txBody>
-      </p:sp>
-      <p:sp>
-        <p:nvSpPr>
-          <p:cNvPr id="4" name="Date Placeholder 3"/>
-          <p:cNvSpPr>
-            <a:spLocks noGrp="1"/>
-          </p:cNvSpPr>
-          <p:nvPr>
-            <p:ph type="dt" sz="half" idx="10"/>
-          </p:nvPr>
-        </p:nvSpPr>
-        <p:spPr/>
-        <p:txBody>
-          <a:bodyPr/>
-          <a:lstStyle/>
-          <a:p>
-            <a:r>
-              <a:rPr lang="en-US" smtClean="0"/>
-              <a:t>CS@UVa</a:t>
-            </a:r>
-            <a:endParaRPr lang="en-US"/>
-          </a:p>
-        </p:txBody>
-      </p:sp>
-      <p:sp>
-        <p:nvSpPr>
-          <p:cNvPr id="5" name="Footer Placeholder 4"/>
-          <p:cNvSpPr>
-            <a:spLocks noGrp="1"/>
-          </p:cNvSpPr>
-          <p:nvPr>
-            <p:ph type="ftr" sz="quarter" idx="11"/>
-          </p:nvPr>
-        </p:nvSpPr>
-        <p:spPr/>
-        <p:txBody>
-          <a:bodyPr/>
-          <a:lstStyle/>
-          <a:p>
-            <a:r>
-              <a:rPr lang="en-US" smtClean="0"/>
-              <a:t>CS 6501: Text Mining</a:t>
-            </a:r>
-            <a:endParaRPr lang="en-US"/>
-          </a:p>
-        </p:txBody>
-      </p:sp>
-      <p:sp>
-        <p:nvSpPr>
-          <p:cNvPr id="6" name="Slide Number Placeholder 5"/>
-          <p:cNvSpPr>
-            <a:spLocks noGrp="1"/>
-          </p:cNvSpPr>
-          <p:nvPr>
-            <p:ph type="sldNum" sz="quarter" idx="12"/>
-          </p:nvPr>
-        </p:nvSpPr>
-        <p:spPr/>
-        <p:txBody>
-          <a:bodyPr/>
-          <a:lstStyle/>
-          <a:p>
-            <a:fld id="{2A9F8BE9-47C8-4C45-B88F-68A848B0515F}" type="slidenum">
-              <a:rPr lang="en-US" smtClean="0"/>
-              <a:t>2</a:t>
-            </a:fld>
-            <a:endParaRPr lang="en-US"/>
-          </a:p>
-        </p:txBody>
-      </p:sp>
-      <p:sp>
-        <p:nvSpPr>
-          <p:cNvPr id="7" name="Content Placeholder 5"/>
-          <p:cNvSpPr>
-            <a:spLocks noGrp="1"/>
-          </p:cNvSpPr>
-          <p:nvPr>
-            <p:ph idx="1"/>
-          </p:nvPr>
-        </p:nvSpPr>
-        <p:spPr/>
-        <p:txBody>
-          <a:bodyPr>
-            <a:normAutofit lnSpcReduction="10000"/>
-          </a:bodyPr>
-          <a:lstStyle/>
-          <a:p>
-            <a:r>
-              <a:rPr lang="en-US" dirty="0"/>
-              <a:t>“</a:t>
-            </a:r>
-            <a:r>
-              <a:rPr lang="en-US" i="1" dirty="0"/>
-              <a:t>Text mining, also referred to as </a:t>
-            </a:r>
-            <a:r>
-              <a:rPr lang="en-US" b="1" i="1" dirty="0"/>
-              <a:t>text data mining</a:t>
-            </a:r>
-            <a:r>
-              <a:rPr lang="en-US" i="1" dirty="0"/>
-              <a:t>, roughly equivalent to text analytics, refers to the process of deriving high-quality information from text.</a:t>
-            </a:r>
-            <a:r>
-              <a:rPr lang="en-US" dirty="0"/>
-              <a:t>”  - </a:t>
-            </a:r>
-            <a:r>
-              <a:rPr lang="en-US" dirty="0" err="1"/>
-              <a:t>wikipedia</a:t>
-            </a:r>
-            <a:endParaRPr lang="en-US" dirty="0"/>
-          </a:p>
-          <a:p>
-            <a:r>
-              <a:rPr lang="en-US" i="1" dirty="0" smtClean="0"/>
-              <a:t>“Another </a:t>
-            </a:r>
-            <a:r>
-              <a:rPr lang="en-US" i="1" dirty="0"/>
-              <a:t>way to view text data mining is as a process of </a:t>
-            </a:r>
-            <a:r>
-              <a:rPr lang="en-US" b="1" i="1" dirty="0"/>
-              <a:t>exploratory</a:t>
-            </a:r>
-            <a:r>
-              <a:rPr lang="en-US" i="1" dirty="0"/>
-              <a:t> data analysis that leads to </a:t>
-            </a:r>
-            <a:r>
-              <a:rPr lang="en-US" b="1" i="1" dirty="0"/>
-              <a:t>heretofore unknown </a:t>
-            </a:r>
-            <a:r>
-              <a:rPr lang="en-US" i="1" dirty="0"/>
-              <a:t>information, or to answers for questions for which the answer is not currently known</a:t>
-            </a:r>
-            <a:r>
-              <a:rPr lang="en-US" i="1" dirty="0" smtClean="0"/>
-              <a:t>.” </a:t>
-            </a:r>
-            <a:r>
-              <a:rPr lang="en-US" dirty="0" smtClean="0"/>
-              <a:t>- Hearst</a:t>
-            </a:r>
-            <a:r>
-              <a:rPr lang="en-US" dirty="0"/>
-              <a:t>, </a:t>
-            </a:r>
-            <a:r>
-              <a:rPr lang="en-US" dirty="0" smtClean="0"/>
-              <a:t>1999</a:t>
-            </a:r>
-            <a:endParaRPr lang="en-US" dirty="0"/>
-          </a:p>
-          <a:p>
-            <a:endParaRPr lang="en-US" dirty="0"/>
-          </a:p>
-        </p:txBody>
-      </p:sp>
-    </p:spTree>
-    <p:extLst>
-      <p:ext uri="{BB962C8B-B14F-4D97-AF65-F5344CB8AC3E}">
-        <p14:creationId xmlns:p14="http://schemas.microsoft.com/office/powerpoint/2010/main" val="2276200237"/>
-      </p:ext>
-    </p:extLst>
-  </p:cSld>
-  <p:clrMapOvr>
-    <a:masterClrMapping/>
-  </p:clrMapOvr>
-  <p:timing>
-    <p:tnLst>
-      <p:par>
-        <p:cTn id="1" dur="indefinite" restart="never" nodeType="tmRoot"/>
-      </p:par>
-    </p:tnLst>
-  </p:timing>
-</p:sld>
-</file>
-
-<file path=ppt/slides/slide20.xml><?xml version="1.0" encoding="utf-8"?>
-<p:sld xmlns:a="http://schemas.openxmlformats.org/drawingml/2006/main" xmlns:r="http://schemas.openxmlformats.org/officeDocument/2006/relationships" xmlns:p="http://schemas.openxmlformats.org/presentationml/2006/main">
-  <p:cSld>
-    <p:spTree>
-      <p:nvGrpSpPr>
-        <p:cNvPr id="1" name=""/>
-        <p:cNvGrpSpPr/>
-        <p:nvPr/>
-      </p:nvGrpSpPr>
-      <p:grpSpPr>
-        <a:xfrm>
-          <a:off x="0" y="0"/>
-          <a:ext cx="0" cy="0"/>
-          <a:chOff x="0" y="0"/>
-          <a:chExt cx="0" cy="0"/>
-        </a:xfrm>
-      </p:grpSpPr>
-      <p:sp>
-        <p:nvSpPr>
-          <p:cNvPr id="2" name="Title 1"/>
-          <p:cNvSpPr>
-            <a:spLocks noGrp="1"/>
-          </p:cNvSpPr>
-          <p:nvPr>
-            <p:ph type="title"/>
-          </p:nvPr>
-        </p:nvSpPr>
-        <p:spPr/>
-        <p:txBody>
-          <a:bodyPr/>
-          <a:lstStyle/>
-          <a:p>
-            <a:r>
-              <a:rPr lang="en-US" dirty="0" smtClean="0"/>
               <a:t>Stemming</a:t>
             </a:r>
             <a:endParaRPr lang="en-US" dirty="0"/>
@@ -11308,7 +11984,7 @@
           <a:p>
             <a:fld id="{93582EC2-63CB-4149-BC8B-E4DB3A07B74B}" type="slidenum">
               <a:rPr lang="en-US" smtClean="0"/>
-              <a:t>20</a:t>
+              <a:t>21</a:t>
             </a:fld>
             <a:endParaRPr lang="en-US"/>
           </a:p>
@@ -11548,7 +12224,7 @@
 </p:sld>
 </file>
 
-<file path=ppt/slides/slide21.xml><?xml version="1.0" encoding="utf-8"?>
+<file path=ppt/slides/slide22.xml><?xml version="1.0" encoding="utf-8"?>
 <p:sld xmlns:a="http://schemas.openxmlformats.org/drawingml/2006/main" xmlns:r="http://schemas.openxmlformats.org/officeDocument/2006/relationships" xmlns:p="http://schemas.openxmlformats.org/presentationml/2006/main">
   <p:cSld>
     <p:spTree>
@@ -11820,7 +12496,7 @@
           <a:p>
             <a:fld id="{93582EC2-63CB-4149-BC8B-E4DB3A07B74B}" type="slidenum">
               <a:rPr lang="en-US" smtClean="0"/>
-              <a:t>21</a:t>
+              <a:t>22</a:t>
             </a:fld>
             <a:endParaRPr lang="en-US"/>
           </a:p>
@@ -12150,7 +12826,7 @@
 </p:sld>
 </file>
 
-<file path=ppt/slides/slide22.xml><?xml version="1.0" encoding="utf-8"?>
+<file path=ppt/slides/slide23.xml><?xml version="1.0" encoding="utf-8"?>
 <p:sld xmlns:a="http://schemas.openxmlformats.org/drawingml/2006/main" xmlns:r="http://schemas.openxmlformats.org/officeDocument/2006/relationships" xmlns:p="http://schemas.openxmlformats.org/presentationml/2006/main">
   <p:cSld>
     <p:spTree>
@@ -12258,7 +12934,7 @@
           <a:p>
             <a:fld id="{8FFD2F68-5222-4E23-9325-DA915C0C80C8}" type="slidenum">
               <a:rPr lang="en-US" smtClean="0"/>
-              <a:t>22</a:t>
+              <a:t>23</a:t>
             </a:fld>
             <a:endParaRPr lang="en-US"/>
           </a:p>
@@ -16374,7 +17050,7 @@
 </p:sld>
 </file>
 
-<file path=ppt/slides/slide23.xml><?xml version="1.0" encoding="utf-8"?>
+<file path=ppt/slides/slide24.xml><?xml version="1.0" encoding="utf-8"?>
 <p:sld xmlns:a="http://schemas.openxmlformats.org/drawingml/2006/main" xmlns:r="http://schemas.openxmlformats.org/officeDocument/2006/relationships" xmlns:p="http://schemas.openxmlformats.org/presentationml/2006/main">
   <p:cSld>
     <p:spTree>
@@ -16627,7 +17303,7 @@
           <a:p>
             <a:fld id="{2A9F8BE9-47C8-4C45-B88F-68A848B0515F}" type="slidenum">
               <a:rPr lang="en-US" smtClean="0"/>
-              <a:t>23</a:t>
+              <a:t>24</a:t>
             </a:fld>
             <a:endParaRPr lang="en-US"/>
           </a:p>
@@ -16818,7 +17494,7 @@
 </p:sld>
 </file>
 
-<file path=ppt/slides/slide24.xml><?xml version="1.0" encoding="utf-8"?>
+<file path=ppt/slides/slide25.xml><?xml version="1.0" encoding="utf-8"?>
 <p:sld xmlns:a="http://schemas.openxmlformats.org/drawingml/2006/main" xmlns:r="http://schemas.openxmlformats.org/officeDocument/2006/relationships" xmlns:p="http://schemas.openxmlformats.org/presentationml/2006/main">
   <p:cSld>
     <p:spTree>
@@ -17220,7 +17896,7 @@
           <a:p>
             <a:fld id="{2A9F8BE9-47C8-4C45-B88F-68A848B0515F}" type="slidenum">
               <a:rPr lang="en-US" smtClean="0"/>
-              <a:t>24</a:t>
+              <a:t>25</a:t>
             </a:fld>
             <a:endParaRPr lang="en-US"/>
           </a:p>
@@ -17246,7 +17922,7 @@
 </p:sld>
 </file>
 
-<file path=ppt/slides/slide25.xml><?xml version="1.0" encoding="utf-8"?>
+<file path=ppt/slides/slide26.xml><?xml version="1.0" encoding="utf-8"?>
 <p:sld xmlns:a="http://schemas.openxmlformats.org/drawingml/2006/main" xmlns:r="http://schemas.openxmlformats.org/officeDocument/2006/relationships" xmlns:p="http://schemas.openxmlformats.org/presentationml/2006/main">
   <p:cSld>
     <p:spTree>
@@ -17484,7 +18160,7 @@
           <a:p>
             <a:fld id="{2A9F8BE9-47C8-4C45-B88F-68A848B0515F}" type="slidenum">
               <a:rPr lang="en-US" smtClean="0"/>
-              <a:t>25</a:t>
+              <a:t>26</a:t>
             </a:fld>
             <a:endParaRPr lang="en-US"/>
           </a:p>
@@ -17773,7 +18449,7 @@
 </p:sld>
 </file>
 
-<file path=ppt/slides/slide26.xml><?xml version="1.0" encoding="utf-8"?>
+<file path=ppt/slides/slide27.xml><?xml version="1.0" encoding="utf-8"?>
 <p:sld xmlns:a="http://schemas.openxmlformats.org/drawingml/2006/main" xmlns:r="http://schemas.openxmlformats.org/officeDocument/2006/relationships" xmlns:p="http://schemas.openxmlformats.org/presentationml/2006/main">
   <p:cSld>
     <p:spTree>
@@ -18510,7 +19186,7 @@
           <a:p>
             <a:fld id="{2A9F8BE9-47C8-4C45-B88F-68A848B0515F}" type="slidenum">
               <a:rPr lang="en-US" smtClean="0"/>
-              <a:t>26</a:t>
+              <a:t>27</a:t>
             </a:fld>
             <a:endParaRPr lang="en-US"/>
           </a:p>
@@ -18536,7 +19212,7 @@
 </p:sld>
 </file>
 
-<file path=ppt/slides/slide27.xml><?xml version="1.0" encoding="utf-8"?>
+<file path=ppt/slides/slide28.xml><?xml version="1.0" encoding="utf-8"?>
 <p:sld xmlns:a="http://schemas.openxmlformats.org/drawingml/2006/main" xmlns:r="http://schemas.openxmlformats.org/officeDocument/2006/relationships" xmlns:p="http://schemas.openxmlformats.org/presentationml/2006/main">
   <p:cSld>
     <p:spTree>
@@ -19306,7 +19982,7 @@
           <a:p>
             <a:fld id="{2A9F8BE9-47C8-4C45-B88F-68A848B0515F}" type="slidenum">
               <a:rPr lang="en-US" smtClean="0"/>
-              <a:t>27</a:t>
+              <a:t>28</a:t>
             </a:fld>
             <a:endParaRPr lang="en-US"/>
           </a:p>
@@ -19332,7 +20008,7 @@
 </p:sld>
 </file>
 
-<file path=ppt/slides/slide28.xml><?xml version="1.0" encoding="utf-8"?>
+<file path=ppt/slides/slide29.xml><?xml version="1.0" encoding="utf-8"?>
 <p:sld xmlns:a="http://schemas.openxmlformats.org/drawingml/2006/main" xmlns:r="http://schemas.openxmlformats.org/officeDocument/2006/relationships" xmlns:p="http://schemas.openxmlformats.org/presentationml/2006/main">
   <p:cSld>
     <p:spTree>
@@ -19528,7 +20204,7 @@
           <a:p>
             <a:fld id="{2A9F8BE9-47C8-4C45-B88F-68A848B0515F}" type="slidenum">
               <a:rPr lang="en-US" smtClean="0"/>
-              <a:t>28</a:t>
+              <a:t>29</a:t>
             </a:fld>
             <a:endParaRPr lang="en-US"/>
           </a:p>
@@ -19554,7 +20230,2332 @@
 </p:sld>
 </file>
 
-<file path=ppt/slides/slide29.xml><?xml version="1.0" encoding="utf-8"?>
+<file path=ppt/slides/slide3.xml><?xml version="1.0" encoding="utf-8"?>
+<p:sld xmlns:a="http://schemas.openxmlformats.org/drawingml/2006/main" xmlns:r="http://schemas.openxmlformats.org/officeDocument/2006/relationships" xmlns:p="http://schemas.openxmlformats.org/presentationml/2006/main">
+  <p:cSld>
+    <p:spTree>
+      <p:nvGrpSpPr>
+        <p:cNvPr id="1" name=""/>
+        <p:cNvGrpSpPr/>
+        <p:nvPr/>
+      </p:nvGrpSpPr>
+      <p:grpSpPr>
+        <a:xfrm>
+          <a:off x="0" y="0"/>
+          <a:ext cx="0" cy="0"/>
+          <a:chOff x="0" y="0"/>
+          <a:chExt cx="0" cy="0"/>
+        </a:xfrm>
+      </p:grpSpPr>
+      <p:sp>
+        <p:nvSpPr>
+          <p:cNvPr id="838658" name="Rectangle 2"/>
+          <p:cNvSpPr>
+            <a:spLocks noGrp="1" noChangeArrowheads="1"/>
+          </p:cNvSpPr>
+          <p:nvPr>
+            <p:ph type="title"/>
+          </p:nvPr>
+        </p:nvSpPr>
+        <p:spPr/>
+        <p:txBody>
+          <a:bodyPr/>
+          <a:lstStyle/>
+          <a:p>
+            <a:r>
+              <a:rPr lang="en-US" altLang="en-US" dirty="0" smtClean="0"/>
+              <a:t>Recap: text mining in general</a:t>
+            </a:r>
+            <a:endParaRPr lang="en-US" altLang="en-US" dirty="0"/>
+          </a:p>
+        </p:txBody>
+      </p:sp>
+      <p:sp>
+        <p:nvSpPr>
+          <p:cNvPr id="6" name="Date Placeholder 5"/>
+          <p:cNvSpPr>
+            <a:spLocks noGrp="1"/>
+          </p:cNvSpPr>
+          <p:nvPr>
+            <p:ph type="dt" sz="half" idx="10"/>
+          </p:nvPr>
+        </p:nvSpPr>
+        <p:spPr/>
+        <p:txBody>
+          <a:bodyPr/>
+          <a:lstStyle/>
+          <a:p>
+            <a:r>
+              <a:rPr lang="en-US" smtClean="0"/>
+              <a:t>CS@UVa</a:t>
+            </a:r>
+            <a:endParaRPr lang="en-US"/>
+          </a:p>
+        </p:txBody>
+      </p:sp>
+      <p:sp>
+        <p:nvSpPr>
+          <p:cNvPr id="7" name="Footer Placeholder 6"/>
+          <p:cNvSpPr>
+            <a:spLocks noGrp="1"/>
+          </p:cNvSpPr>
+          <p:nvPr>
+            <p:ph type="ftr" sz="quarter" idx="11"/>
+          </p:nvPr>
+        </p:nvSpPr>
+        <p:spPr/>
+        <p:txBody>
+          <a:bodyPr/>
+          <a:lstStyle/>
+          <a:p>
+            <a:r>
+              <a:rPr lang="en-US" smtClean="0"/>
+              <a:t>CS6501: Text Mining</a:t>
+            </a:r>
+            <a:endParaRPr lang="en-US"/>
+          </a:p>
+        </p:txBody>
+      </p:sp>
+      <p:sp>
+        <p:nvSpPr>
+          <p:cNvPr id="41" name="Slide Number Placeholder 2"/>
+          <p:cNvSpPr>
+            <a:spLocks noGrp="1"/>
+          </p:cNvSpPr>
+          <p:nvPr>
+            <p:ph type="sldNum" sz="quarter" idx="12"/>
+          </p:nvPr>
+        </p:nvSpPr>
+        <p:spPr/>
+        <p:txBody>
+          <a:bodyPr/>
+          <a:lstStyle/>
+          <a:p>
+            <a:fld id="{9AF9FCE4-0043-42FF-8FEB-0F3EB0D0C0FD}" type="slidenum">
+              <a:rPr lang="en-US" altLang="en-US"/>
+              <a:pPr/>
+              <a:t>3</a:t>
+            </a:fld>
+            <a:endParaRPr lang="en-US" altLang="en-US"/>
+          </a:p>
+        </p:txBody>
+      </p:sp>
+      <p:sp>
+        <p:nvSpPr>
+          <p:cNvPr id="838659" name="AutoShape 3"/>
+          <p:cNvSpPr>
+            <a:spLocks noChangeArrowheads="1"/>
+          </p:cNvSpPr>
+          <p:nvPr/>
+        </p:nvSpPr>
+        <p:spPr bwMode="auto">
+          <a:xfrm>
+            <a:off x="1981200" y="2819400"/>
+            <a:ext cx="4876800" cy="2212975"/>
+          </a:xfrm>
+          <a:prstGeom prst="can">
+            <a:avLst>
+              <a:gd name="adj" fmla="val 25000"/>
+            </a:avLst>
+          </a:prstGeom>
+          <a:noFill/>
+          <a:ln w="25400">
+            <a:solidFill>
+              <a:schemeClr val="tx1"/>
+            </a:solidFill>
+            <a:round/>
+            <a:headEnd/>
+            <a:tailEnd/>
+          </a:ln>
+          <a:effectLst/>
+          <a:extLst>
+            <a:ext uri="{909E8E84-426E-40DD-AFC4-6F175D3DCCD1}">
+              <a14:hiddenFill xmlns:a14="http://schemas.microsoft.com/office/drawing/2010/main">
+                <a:solidFill>
+                  <a:schemeClr val="accent1"/>
+                </a:solidFill>
+              </a14:hiddenFill>
+            </a:ext>
+            <a:ext uri="{AF507438-7753-43E0-B8FC-AC1667EBCBE1}">
+              <a14:hiddenEffects xmlns:a14="http://schemas.microsoft.com/office/drawing/2010/main">
+                <a:effectLst>
+                  <a:outerShdw dist="35921" dir="2700000" algn="ctr" rotWithShape="0">
+                    <a:schemeClr val="bg2"/>
+                  </a:outerShdw>
+                </a:effectLst>
+              </a14:hiddenEffects>
+            </a:ext>
+          </a:extLst>
+        </p:spPr>
+        <p:txBody>
+          <a:bodyPr wrap="none" anchor="ctr"/>
+          <a:lstStyle/>
+          <a:p>
+            <a:endParaRPr lang="en-US"/>
+          </a:p>
+        </p:txBody>
+      </p:sp>
+      <p:sp>
+        <p:nvSpPr>
+          <p:cNvPr id="838660" name="AutoShape 4"/>
+          <p:cNvSpPr>
+            <a:spLocks noChangeArrowheads="1"/>
+          </p:cNvSpPr>
+          <p:nvPr/>
+        </p:nvSpPr>
+        <p:spPr bwMode="auto">
+          <a:xfrm>
+            <a:off x="2335213" y="3373438"/>
+            <a:ext cx="282575" cy="369887"/>
+          </a:xfrm>
+          <a:prstGeom prst="foldedCorner">
+            <a:avLst>
+              <a:gd name="adj" fmla="val 12500"/>
+            </a:avLst>
+          </a:prstGeom>
+          <a:solidFill>
+            <a:schemeClr val="accent1"/>
+          </a:solidFill>
+          <a:ln w="9525">
+            <a:solidFill>
+              <a:schemeClr val="tx1"/>
+            </a:solidFill>
+            <a:round/>
+            <a:headEnd/>
+            <a:tailEnd/>
+          </a:ln>
+          <a:effectLst/>
+          <a:extLst>
+            <a:ext uri="{AF507438-7753-43E0-B8FC-AC1667EBCBE1}">
+              <a14:hiddenEffects xmlns:a14="http://schemas.microsoft.com/office/drawing/2010/main">
+                <a:effectLst>
+                  <a:outerShdw dist="35921" dir="2700000" algn="ctr" rotWithShape="0">
+                    <a:schemeClr val="bg2"/>
+                  </a:outerShdw>
+                </a:effectLst>
+              </a14:hiddenEffects>
+            </a:ext>
+          </a:extLst>
+        </p:spPr>
+        <p:txBody>
+          <a:bodyPr wrap="none" anchor="ctr"/>
+          <a:lstStyle/>
+          <a:p>
+            <a:endParaRPr lang="en-US"/>
+          </a:p>
+        </p:txBody>
+      </p:sp>
+      <p:sp>
+        <p:nvSpPr>
+          <p:cNvPr id="838661" name="AutoShape 5"/>
+          <p:cNvSpPr>
+            <a:spLocks noChangeArrowheads="1"/>
+          </p:cNvSpPr>
+          <p:nvPr/>
+        </p:nvSpPr>
+        <p:spPr bwMode="auto">
+          <a:xfrm>
+            <a:off x="2476500" y="3497263"/>
+            <a:ext cx="282575" cy="369887"/>
+          </a:xfrm>
+          <a:prstGeom prst="foldedCorner">
+            <a:avLst>
+              <a:gd name="adj" fmla="val 12500"/>
+            </a:avLst>
+          </a:prstGeom>
+          <a:solidFill>
+            <a:schemeClr val="accent1"/>
+          </a:solidFill>
+          <a:ln w="9525">
+            <a:solidFill>
+              <a:schemeClr val="tx1"/>
+            </a:solidFill>
+            <a:round/>
+            <a:headEnd/>
+            <a:tailEnd/>
+          </a:ln>
+          <a:effectLst/>
+          <a:extLst>
+            <a:ext uri="{AF507438-7753-43E0-B8FC-AC1667EBCBE1}">
+              <a14:hiddenEffects xmlns:a14="http://schemas.microsoft.com/office/drawing/2010/main">
+                <a:effectLst>
+                  <a:outerShdw dist="35921" dir="2700000" algn="ctr" rotWithShape="0">
+                    <a:schemeClr val="bg2"/>
+                  </a:outerShdw>
+                </a:effectLst>
+              </a14:hiddenEffects>
+            </a:ext>
+          </a:extLst>
+        </p:spPr>
+        <p:txBody>
+          <a:bodyPr wrap="none" anchor="ctr"/>
+          <a:lstStyle/>
+          <a:p>
+            <a:endParaRPr lang="en-US"/>
+          </a:p>
+        </p:txBody>
+      </p:sp>
+      <p:sp>
+        <p:nvSpPr>
+          <p:cNvPr id="838662" name="AutoShape 6"/>
+          <p:cNvSpPr>
+            <a:spLocks noChangeArrowheads="1"/>
+          </p:cNvSpPr>
+          <p:nvPr/>
+        </p:nvSpPr>
+        <p:spPr bwMode="auto">
+          <a:xfrm>
+            <a:off x="2900363" y="3805238"/>
+            <a:ext cx="282575" cy="368300"/>
+          </a:xfrm>
+          <a:prstGeom prst="foldedCorner">
+            <a:avLst>
+              <a:gd name="adj" fmla="val 12500"/>
+            </a:avLst>
+          </a:prstGeom>
+          <a:solidFill>
+            <a:schemeClr val="accent1"/>
+          </a:solidFill>
+          <a:ln w="9525">
+            <a:solidFill>
+              <a:schemeClr val="tx1"/>
+            </a:solidFill>
+            <a:round/>
+            <a:headEnd/>
+            <a:tailEnd/>
+          </a:ln>
+          <a:effectLst/>
+          <a:extLst>
+            <a:ext uri="{AF507438-7753-43E0-B8FC-AC1667EBCBE1}">
+              <a14:hiddenEffects xmlns:a14="http://schemas.microsoft.com/office/drawing/2010/main">
+                <a:effectLst>
+                  <a:outerShdw dist="35921" dir="2700000" algn="ctr" rotWithShape="0">
+                    <a:schemeClr val="bg2"/>
+                  </a:outerShdw>
+                </a:effectLst>
+              </a14:hiddenEffects>
+            </a:ext>
+          </a:extLst>
+        </p:spPr>
+        <p:txBody>
+          <a:bodyPr wrap="none" anchor="ctr"/>
+          <a:lstStyle/>
+          <a:p>
+            <a:endParaRPr lang="en-US"/>
+          </a:p>
+        </p:txBody>
+      </p:sp>
+      <p:sp>
+        <p:nvSpPr>
+          <p:cNvPr id="838663" name="AutoShape 7"/>
+          <p:cNvSpPr>
+            <a:spLocks noChangeArrowheads="1"/>
+          </p:cNvSpPr>
+          <p:nvPr/>
+        </p:nvSpPr>
+        <p:spPr bwMode="auto">
+          <a:xfrm>
+            <a:off x="2828925" y="4173538"/>
+            <a:ext cx="282575" cy="369887"/>
+          </a:xfrm>
+          <a:prstGeom prst="foldedCorner">
+            <a:avLst>
+              <a:gd name="adj" fmla="val 12500"/>
+            </a:avLst>
+          </a:prstGeom>
+          <a:solidFill>
+            <a:schemeClr val="accent1"/>
+          </a:solidFill>
+          <a:ln w="9525">
+            <a:solidFill>
+              <a:schemeClr val="tx1"/>
+            </a:solidFill>
+            <a:round/>
+            <a:headEnd/>
+            <a:tailEnd/>
+          </a:ln>
+          <a:effectLst/>
+          <a:extLst>
+            <a:ext uri="{AF507438-7753-43E0-B8FC-AC1667EBCBE1}">
+              <a14:hiddenEffects xmlns:a14="http://schemas.microsoft.com/office/drawing/2010/main">
+                <a:effectLst>
+                  <a:outerShdw dist="35921" dir="2700000" algn="ctr" rotWithShape="0">
+                    <a:schemeClr val="bg2"/>
+                  </a:outerShdw>
+                </a:effectLst>
+              </a14:hiddenEffects>
+            </a:ext>
+          </a:extLst>
+        </p:spPr>
+        <p:txBody>
+          <a:bodyPr wrap="none" anchor="ctr"/>
+          <a:lstStyle/>
+          <a:p>
+            <a:endParaRPr lang="en-US"/>
+          </a:p>
+        </p:txBody>
+      </p:sp>
+      <p:sp>
+        <p:nvSpPr>
+          <p:cNvPr id="838664" name="AutoShape 8"/>
+          <p:cNvSpPr>
+            <a:spLocks noChangeArrowheads="1"/>
+          </p:cNvSpPr>
+          <p:nvPr/>
+        </p:nvSpPr>
+        <p:spPr bwMode="auto">
+          <a:xfrm>
+            <a:off x="3465513" y="3805238"/>
+            <a:ext cx="282575" cy="368300"/>
+          </a:xfrm>
+          <a:prstGeom prst="foldedCorner">
+            <a:avLst>
+              <a:gd name="adj" fmla="val 12500"/>
+            </a:avLst>
+          </a:prstGeom>
+          <a:solidFill>
+            <a:schemeClr val="accent1"/>
+          </a:solidFill>
+          <a:ln w="9525">
+            <a:solidFill>
+              <a:schemeClr val="tx1"/>
+            </a:solidFill>
+            <a:round/>
+            <a:headEnd/>
+            <a:tailEnd/>
+          </a:ln>
+          <a:effectLst/>
+          <a:extLst>
+            <a:ext uri="{AF507438-7753-43E0-B8FC-AC1667EBCBE1}">
+              <a14:hiddenEffects xmlns:a14="http://schemas.microsoft.com/office/drawing/2010/main">
+                <a:effectLst>
+                  <a:outerShdw dist="35921" dir="2700000" algn="ctr" rotWithShape="0">
+                    <a:schemeClr val="bg2"/>
+                  </a:outerShdw>
+                </a:effectLst>
+              </a14:hiddenEffects>
+            </a:ext>
+          </a:extLst>
+        </p:spPr>
+        <p:txBody>
+          <a:bodyPr wrap="none" anchor="ctr"/>
+          <a:lstStyle/>
+          <a:p>
+            <a:endParaRPr lang="en-US"/>
+          </a:p>
+        </p:txBody>
+      </p:sp>
+      <p:sp>
+        <p:nvSpPr>
+          <p:cNvPr id="838665" name="AutoShape 9"/>
+          <p:cNvSpPr>
+            <a:spLocks noChangeArrowheads="1"/>
+          </p:cNvSpPr>
+          <p:nvPr/>
+        </p:nvSpPr>
+        <p:spPr bwMode="auto">
+          <a:xfrm>
+            <a:off x="4525963" y="3681413"/>
+            <a:ext cx="282575" cy="369887"/>
+          </a:xfrm>
+          <a:prstGeom prst="foldedCorner">
+            <a:avLst>
+              <a:gd name="adj" fmla="val 12500"/>
+            </a:avLst>
+          </a:prstGeom>
+          <a:solidFill>
+            <a:schemeClr val="accent1"/>
+          </a:solidFill>
+          <a:ln w="9525">
+            <a:solidFill>
+              <a:schemeClr val="tx1"/>
+            </a:solidFill>
+            <a:round/>
+            <a:headEnd/>
+            <a:tailEnd/>
+          </a:ln>
+          <a:effectLst/>
+          <a:extLst>
+            <a:ext uri="{AF507438-7753-43E0-B8FC-AC1667EBCBE1}">
+              <a14:hiddenEffects xmlns:a14="http://schemas.microsoft.com/office/drawing/2010/main">
+                <a:effectLst>
+                  <a:outerShdw dist="35921" dir="2700000" algn="ctr" rotWithShape="0">
+                    <a:schemeClr val="bg2"/>
+                  </a:outerShdw>
+                </a:effectLst>
+              </a14:hiddenEffects>
+            </a:ext>
+          </a:extLst>
+        </p:spPr>
+        <p:txBody>
+          <a:bodyPr wrap="none" anchor="ctr"/>
+          <a:lstStyle/>
+          <a:p>
+            <a:endParaRPr lang="en-US"/>
+          </a:p>
+        </p:txBody>
+      </p:sp>
+      <p:sp>
+        <p:nvSpPr>
+          <p:cNvPr id="838666" name="AutoShape 10"/>
+          <p:cNvSpPr>
+            <a:spLocks noChangeArrowheads="1"/>
+          </p:cNvSpPr>
+          <p:nvPr/>
+        </p:nvSpPr>
+        <p:spPr bwMode="auto">
+          <a:xfrm>
+            <a:off x="5160963" y="3681413"/>
+            <a:ext cx="495300" cy="492125"/>
+          </a:xfrm>
+          <a:prstGeom prst="foldedCorner">
+            <a:avLst>
+              <a:gd name="adj" fmla="val 12500"/>
+            </a:avLst>
+          </a:prstGeom>
+          <a:solidFill>
+            <a:schemeClr val="accent1"/>
+          </a:solidFill>
+          <a:ln w="9525">
+            <a:solidFill>
+              <a:schemeClr val="tx1"/>
+            </a:solidFill>
+            <a:round/>
+            <a:headEnd/>
+            <a:tailEnd/>
+          </a:ln>
+          <a:effectLst/>
+          <a:extLst>
+            <a:ext uri="{AF507438-7753-43E0-B8FC-AC1667EBCBE1}">
+              <a14:hiddenEffects xmlns:a14="http://schemas.microsoft.com/office/drawing/2010/main">
+                <a:effectLst>
+                  <a:outerShdw dist="35921" dir="2700000" algn="ctr" rotWithShape="0">
+                    <a:schemeClr val="bg2"/>
+                  </a:outerShdw>
+                </a:effectLst>
+              </a14:hiddenEffects>
+            </a:ext>
+          </a:extLst>
+        </p:spPr>
+        <p:txBody>
+          <a:bodyPr wrap="none" anchor="ctr"/>
+          <a:lstStyle/>
+          <a:p>
+            <a:endParaRPr lang="en-US"/>
+          </a:p>
+        </p:txBody>
+      </p:sp>
+      <p:sp>
+        <p:nvSpPr>
+          <p:cNvPr id="838667" name="AutoShape 11"/>
+          <p:cNvSpPr>
+            <a:spLocks noChangeArrowheads="1"/>
+          </p:cNvSpPr>
+          <p:nvPr/>
+        </p:nvSpPr>
+        <p:spPr bwMode="auto">
+          <a:xfrm>
+            <a:off x="3535363" y="4421188"/>
+            <a:ext cx="495300" cy="492125"/>
+          </a:xfrm>
+          <a:prstGeom prst="foldedCorner">
+            <a:avLst>
+              <a:gd name="adj" fmla="val 12500"/>
+            </a:avLst>
+          </a:prstGeom>
+          <a:solidFill>
+            <a:schemeClr val="accent1"/>
+          </a:solidFill>
+          <a:ln w="9525">
+            <a:solidFill>
+              <a:schemeClr val="tx1"/>
+            </a:solidFill>
+            <a:round/>
+            <a:headEnd/>
+            <a:tailEnd/>
+          </a:ln>
+          <a:effectLst/>
+          <a:extLst>
+            <a:ext uri="{AF507438-7753-43E0-B8FC-AC1667EBCBE1}">
+              <a14:hiddenEffects xmlns:a14="http://schemas.microsoft.com/office/drawing/2010/main">
+                <a:effectLst>
+                  <a:outerShdw dist="35921" dir="2700000" algn="ctr" rotWithShape="0">
+                    <a:schemeClr val="bg2"/>
+                  </a:outerShdw>
+                </a:effectLst>
+              </a14:hiddenEffects>
+            </a:ext>
+          </a:extLst>
+        </p:spPr>
+        <p:txBody>
+          <a:bodyPr wrap="none" anchor="ctr"/>
+          <a:lstStyle/>
+          <a:p>
+            <a:endParaRPr lang="en-US"/>
+          </a:p>
+        </p:txBody>
+      </p:sp>
+      <p:sp>
+        <p:nvSpPr>
+          <p:cNvPr id="838668" name="AutoShape 12"/>
+          <p:cNvSpPr>
+            <a:spLocks noChangeArrowheads="1"/>
+          </p:cNvSpPr>
+          <p:nvPr/>
+        </p:nvSpPr>
+        <p:spPr bwMode="auto">
+          <a:xfrm>
+            <a:off x="4243388" y="3805238"/>
+            <a:ext cx="493712" cy="492125"/>
+          </a:xfrm>
+          <a:prstGeom prst="foldedCorner">
+            <a:avLst>
+              <a:gd name="adj" fmla="val 12500"/>
+            </a:avLst>
+          </a:prstGeom>
+          <a:solidFill>
+            <a:schemeClr val="accent1"/>
+          </a:solidFill>
+          <a:ln w="9525">
+            <a:solidFill>
+              <a:schemeClr val="tx1"/>
+            </a:solidFill>
+            <a:round/>
+            <a:headEnd/>
+            <a:tailEnd/>
+          </a:ln>
+          <a:effectLst/>
+          <a:extLst>
+            <a:ext uri="{AF507438-7753-43E0-B8FC-AC1667EBCBE1}">
+              <a14:hiddenEffects xmlns:a14="http://schemas.microsoft.com/office/drawing/2010/main">
+                <a:effectLst>
+                  <a:outerShdw dist="35921" dir="2700000" algn="ctr" rotWithShape="0">
+                    <a:schemeClr val="bg2"/>
+                  </a:outerShdw>
+                </a:effectLst>
+              </a14:hiddenEffects>
+            </a:ext>
+          </a:extLst>
+        </p:spPr>
+        <p:txBody>
+          <a:bodyPr wrap="none" anchor="ctr"/>
+          <a:lstStyle/>
+          <a:p>
+            <a:endParaRPr lang="en-US"/>
+          </a:p>
+        </p:txBody>
+      </p:sp>
+      <p:sp>
+        <p:nvSpPr>
+          <p:cNvPr id="838669" name="AutoShape 13"/>
+          <p:cNvSpPr>
+            <a:spLocks noChangeArrowheads="1"/>
+          </p:cNvSpPr>
+          <p:nvPr/>
+        </p:nvSpPr>
+        <p:spPr bwMode="auto">
+          <a:xfrm>
+            <a:off x="2193925" y="4173538"/>
+            <a:ext cx="493713" cy="493712"/>
+          </a:xfrm>
+          <a:prstGeom prst="foldedCorner">
+            <a:avLst>
+              <a:gd name="adj" fmla="val 12500"/>
+            </a:avLst>
+          </a:prstGeom>
+          <a:solidFill>
+            <a:schemeClr val="accent1"/>
+          </a:solidFill>
+          <a:ln w="9525">
+            <a:solidFill>
+              <a:schemeClr val="tx1"/>
+            </a:solidFill>
+            <a:round/>
+            <a:headEnd/>
+            <a:tailEnd/>
+          </a:ln>
+          <a:effectLst/>
+          <a:extLst>
+            <a:ext uri="{AF507438-7753-43E0-B8FC-AC1667EBCBE1}">
+              <a14:hiddenEffects xmlns:a14="http://schemas.microsoft.com/office/drawing/2010/main">
+                <a:effectLst>
+                  <a:outerShdw dist="35921" dir="2700000" algn="ctr" rotWithShape="0">
+                    <a:schemeClr val="bg2"/>
+                  </a:outerShdw>
+                </a:effectLst>
+              </a14:hiddenEffects>
+            </a:ext>
+          </a:extLst>
+        </p:spPr>
+        <p:txBody>
+          <a:bodyPr wrap="none" anchor="ctr"/>
+          <a:lstStyle/>
+          <a:p>
+            <a:endParaRPr lang="en-US"/>
+          </a:p>
+        </p:txBody>
+      </p:sp>
+      <p:sp>
+        <p:nvSpPr>
+          <p:cNvPr id="838670" name="AutoShape 14"/>
+          <p:cNvSpPr>
+            <a:spLocks noChangeArrowheads="1"/>
+          </p:cNvSpPr>
+          <p:nvPr/>
+        </p:nvSpPr>
+        <p:spPr bwMode="auto">
+          <a:xfrm>
+            <a:off x="4667250" y="4235450"/>
+            <a:ext cx="493713" cy="493713"/>
+          </a:xfrm>
+          <a:prstGeom prst="foldedCorner">
+            <a:avLst>
+              <a:gd name="adj" fmla="val 12500"/>
+            </a:avLst>
+          </a:prstGeom>
+          <a:solidFill>
+            <a:schemeClr val="accent1"/>
+          </a:solidFill>
+          <a:ln w="9525">
+            <a:solidFill>
+              <a:schemeClr val="tx1"/>
+            </a:solidFill>
+            <a:round/>
+            <a:headEnd/>
+            <a:tailEnd/>
+          </a:ln>
+          <a:effectLst/>
+          <a:extLst>
+            <a:ext uri="{AF507438-7753-43E0-B8FC-AC1667EBCBE1}">
+              <a14:hiddenEffects xmlns:a14="http://schemas.microsoft.com/office/drawing/2010/main">
+                <a:effectLst>
+                  <a:outerShdw dist="35921" dir="2700000" algn="ctr" rotWithShape="0">
+                    <a:schemeClr val="bg2"/>
+                  </a:outerShdw>
+                </a:effectLst>
+              </a14:hiddenEffects>
+            </a:ext>
+          </a:extLst>
+        </p:spPr>
+        <p:txBody>
+          <a:bodyPr wrap="none" anchor="ctr"/>
+          <a:lstStyle/>
+          <a:p>
+            <a:endParaRPr lang="en-US"/>
+          </a:p>
+        </p:txBody>
+      </p:sp>
+      <p:sp>
+        <p:nvSpPr>
+          <p:cNvPr id="838671" name="AutoShape 15"/>
+          <p:cNvSpPr>
+            <a:spLocks noChangeArrowheads="1"/>
+          </p:cNvSpPr>
+          <p:nvPr/>
+        </p:nvSpPr>
+        <p:spPr bwMode="auto">
+          <a:xfrm>
+            <a:off x="4030663" y="3559175"/>
+            <a:ext cx="212725" cy="368300"/>
+          </a:xfrm>
+          <a:prstGeom prst="foldedCorner">
+            <a:avLst>
+              <a:gd name="adj" fmla="val 12500"/>
+            </a:avLst>
+          </a:prstGeom>
+          <a:solidFill>
+            <a:schemeClr val="accent1"/>
+          </a:solidFill>
+          <a:ln w="9525">
+            <a:solidFill>
+              <a:schemeClr val="tx1"/>
+            </a:solidFill>
+            <a:round/>
+            <a:headEnd/>
+            <a:tailEnd/>
+          </a:ln>
+          <a:effectLst/>
+          <a:extLst>
+            <a:ext uri="{AF507438-7753-43E0-B8FC-AC1667EBCBE1}">
+              <a14:hiddenEffects xmlns:a14="http://schemas.microsoft.com/office/drawing/2010/main">
+                <a:effectLst>
+                  <a:outerShdw dist="35921" dir="2700000" algn="ctr" rotWithShape="0">
+                    <a:schemeClr val="bg2"/>
+                  </a:outerShdw>
+                </a:effectLst>
+              </a14:hiddenEffects>
+            </a:ext>
+          </a:extLst>
+        </p:spPr>
+        <p:txBody>
+          <a:bodyPr wrap="none" anchor="ctr"/>
+          <a:lstStyle/>
+          <a:p>
+            <a:endParaRPr lang="en-US"/>
+          </a:p>
+        </p:txBody>
+      </p:sp>
+      <p:sp>
+        <p:nvSpPr>
+          <p:cNvPr id="838672" name="AutoShape 16"/>
+          <p:cNvSpPr>
+            <a:spLocks noChangeArrowheads="1"/>
+          </p:cNvSpPr>
+          <p:nvPr/>
+        </p:nvSpPr>
+        <p:spPr bwMode="auto">
+          <a:xfrm>
+            <a:off x="4808538" y="3619500"/>
+            <a:ext cx="211137" cy="369888"/>
+          </a:xfrm>
+          <a:prstGeom prst="foldedCorner">
+            <a:avLst>
+              <a:gd name="adj" fmla="val 12500"/>
+            </a:avLst>
+          </a:prstGeom>
+          <a:solidFill>
+            <a:schemeClr val="accent1"/>
+          </a:solidFill>
+          <a:ln w="9525">
+            <a:solidFill>
+              <a:schemeClr val="tx1"/>
+            </a:solidFill>
+            <a:round/>
+            <a:headEnd/>
+            <a:tailEnd/>
+          </a:ln>
+          <a:effectLst/>
+          <a:extLst>
+            <a:ext uri="{AF507438-7753-43E0-B8FC-AC1667EBCBE1}">
+              <a14:hiddenEffects xmlns:a14="http://schemas.microsoft.com/office/drawing/2010/main">
+                <a:effectLst>
+                  <a:outerShdw dist="35921" dir="2700000" algn="ctr" rotWithShape="0">
+                    <a:schemeClr val="bg2"/>
+                  </a:outerShdw>
+                </a:effectLst>
+              </a14:hiddenEffects>
+            </a:ext>
+          </a:extLst>
+        </p:spPr>
+        <p:txBody>
+          <a:bodyPr wrap="none" anchor="ctr"/>
+          <a:lstStyle/>
+          <a:p>
+            <a:endParaRPr lang="en-US"/>
+          </a:p>
+        </p:txBody>
+      </p:sp>
+      <p:sp>
+        <p:nvSpPr>
+          <p:cNvPr id="838673" name="AutoShape 17"/>
+          <p:cNvSpPr>
+            <a:spLocks noChangeArrowheads="1"/>
+          </p:cNvSpPr>
+          <p:nvPr/>
+        </p:nvSpPr>
+        <p:spPr bwMode="auto">
+          <a:xfrm>
+            <a:off x="3465513" y="3435350"/>
+            <a:ext cx="212725" cy="369888"/>
+          </a:xfrm>
+          <a:prstGeom prst="foldedCorner">
+            <a:avLst>
+              <a:gd name="adj" fmla="val 12500"/>
+            </a:avLst>
+          </a:prstGeom>
+          <a:solidFill>
+            <a:schemeClr val="accent1"/>
+          </a:solidFill>
+          <a:ln w="9525">
+            <a:solidFill>
+              <a:schemeClr val="tx1"/>
+            </a:solidFill>
+            <a:round/>
+            <a:headEnd/>
+            <a:tailEnd/>
+          </a:ln>
+          <a:effectLst/>
+          <a:extLst>
+            <a:ext uri="{AF507438-7753-43E0-B8FC-AC1667EBCBE1}">
+              <a14:hiddenEffects xmlns:a14="http://schemas.microsoft.com/office/drawing/2010/main">
+                <a:effectLst>
+                  <a:outerShdw dist="35921" dir="2700000" algn="ctr" rotWithShape="0">
+                    <a:schemeClr val="bg2"/>
+                  </a:outerShdw>
+                </a:effectLst>
+              </a14:hiddenEffects>
+            </a:ext>
+          </a:extLst>
+        </p:spPr>
+        <p:txBody>
+          <a:bodyPr wrap="none" anchor="ctr"/>
+          <a:lstStyle/>
+          <a:p>
+            <a:endParaRPr lang="en-US"/>
+          </a:p>
+        </p:txBody>
+      </p:sp>
+      <p:sp>
+        <p:nvSpPr>
+          <p:cNvPr id="838674" name="AutoShape 18"/>
+          <p:cNvSpPr>
+            <a:spLocks noChangeArrowheads="1"/>
+          </p:cNvSpPr>
+          <p:nvPr/>
+        </p:nvSpPr>
+        <p:spPr bwMode="auto">
+          <a:xfrm>
+            <a:off x="2828925" y="3373438"/>
+            <a:ext cx="212725" cy="369887"/>
+          </a:xfrm>
+          <a:prstGeom prst="foldedCorner">
+            <a:avLst>
+              <a:gd name="adj" fmla="val 12500"/>
+            </a:avLst>
+          </a:prstGeom>
+          <a:solidFill>
+            <a:schemeClr val="accent1"/>
+          </a:solidFill>
+          <a:ln w="9525">
+            <a:solidFill>
+              <a:schemeClr val="tx1"/>
+            </a:solidFill>
+            <a:round/>
+            <a:headEnd/>
+            <a:tailEnd/>
+          </a:ln>
+          <a:effectLst/>
+          <a:extLst>
+            <a:ext uri="{AF507438-7753-43E0-B8FC-AC1667EBCBE1}">
+              <a14:hiddenEffects xmlns:a14="http://schemas.microsoft.com/office/drawing/2010/main">
+                <a:effectLst>
+                  <a:outerShdw dist="35921" dir="2700000" algn="ctr" rotWithShape="0">
+                    <a:schemeClr val="bg2"/>
+                  </a:outerShdw>
+                </a:effectLst>
+              </a14:hiddenEffects>
+            </a:ext>
+          </a:extLst>
+        </p:spPr>
+        <p:txBody>
+          <a:bodyPr wrap="none" anchor="ctr"/>
+          <a:lstStyle/>
+          <a:p>
+            <a:endParaRPr lang="en-US"/>
+          </a:p>
+        </p:txBody>
+      </p:sp>
+      <p:sp>
+        <p:nvSpPr>
+          <p:cNvPr id="838675" name="AutoShape 19"/>
+          <p:cNvSpPr>
+            <a:spLocks noChangeArrowheads="1"/>
+          </p:cNvSpPr>
+          <p:nvPr/>
+        </p:nvSpPr>
+        <p:spPr bwMode="auto">
+          <a:xfrm>
+            <a:off x="5303838" y="4481513"/>
+            <a:ext cx="211137" cy="369887"/>
+          </a:xfrm>
+          <a:prstGeom prst="foldedCorner">
+            <a:avLst>
+              <a:gd name="adj" fmla="val 12500"/>
+            </a:avLst>
+          </a:prstGeom>
+          <a:solidFill>
+            <a:schemeClr val="accent1"/>
+          </a:solidFill>
+          <a:ln w="9525">
+            <a:solidFill>
+              <a:schemeClr val="tx1"/>
+            </a:solidFill>
+            <a:round/>
+            <a:headEnd/>
+            <a:tailEnd/>
+          </a:ln>
+          <a:effectLst/>
+          <a:extLst>
+            <a:ext uri="{AF507438-7753-43E0-B8FC-AC1667EBCBE1}">
+              <a14:hiddenEffects xmlns:a14="http://schemas.microsoft.com/office/drawing/2010/main">
+                <a:effectLst>
+                  <a:outerShdw dist="35921" dir="2700000" algn="ctr" rotWithShape="0">
+                    <a:schemeClr val="bg2"/>
+                  </a:outerShdw>
+                </a:effectLst>
+              </a14:hiddenEffects>
+            </a:ext>
+          </a:extLst>
+        </p:spPr>
+        <p:txBody>
+          <a:bodyPr wrap="none" anchor="ctr"/>
+          <a:lstStyle/>
+          <a:p>
+            <a:endParaRPr lang="en-US"/>
+          </a:p>
+        </p:txBody>
+      </p:sp>
+      <p:sp>
+        <p:nvSpPr>
+          <p:cNvPr id="838676" name="AutoShape 20"/>
+          <p:cNvSpPr>
+            <a:spLocks noChangeArrowheads="1"/>
+          </p:cNvSpPr>
+          <p:nvPr/>
+        </p:nvSpPr>
+        <p:spPr bwMode="auto">
+          <a:xfrm>
+            <a:off x="4171950" y="4359275"/>
+            <a:ext cx="212725" cy="369888"/>
+          </a:xfrm>
+          <a:prstGeom prst="foldedCorner">
+            <a:avLst>
+              <a:gd name="adj" fmla="val 12500"/>
+            </a:avLst>
+          </a:prstGeom>
+          <a:solidFill>
+            <a:schemeClr val="accent1"/>
+          </a:solidFill>
+          <a:ln w="9525">
+            <a:solidFill>
+              <a:schemeClr val="tx1"/>
+            </a:solidFill>
+            <a:round/>
+            <a:headEnd/>
+            <a:tailEnd/>
+          </a:ln>
+          <a:effectLst/>
+          <a:extLst>
+            <a:ext uri="{AF507438-7753-43E0-B8FC-AC1667EBCBE1}">
+              <a14:hiddenEffects xmlns:a14="http://schemas.microsoft.com/office/drawing/2010/main">
+                <a:effectLst>
+                  <a:outerShdw dist="35921" dir="2700000" algn="ctr" rotWithShape="0">
+                    <a:schemeClr val="bg2"/>
+                  </a:outerShdw>
+                </a:effectLst>
+              </a14:hiddenEffects>
+            </a:ext>
+          </a:extLst>
+        </p:spPr>
+        <p:txBody>
+          <a:bodyPr wrap="none" anchor="ctr"/>
+          <a:lstStyle/>
+          <a:p>
+            <a:endParaRPr lang="en-US"/>
+          </a:p>
+        </p:txBody>
+      </p:sp>
+      <p:sp>
+        <p:nvSpPr>
+          <p:cNvPr id="838677" name="AutoShape 21"/>
+          <p:cNvSpPr>
+            <a:spLocks noChangeArrowheads="1"/>
+          </p:cNvSpPr>
+          <p:nvPr/>
+        </p:nvSpPr>
+        <p:spPr bwMode="auto">
+          <a:xfrm>
+            <a:off x="5514975" y="3867150"/>
+            <a:ext cx="212725" cy="368300"/>
+          </a:xfrm>
+          <a:prstGeom prst="foldedCorner">
+            <a:avLst>
+              <a:gd name="adj" fmla="val 12500"/>
+            </a:avLst>
+          </a:prstGeom>
+          <a:solidFill>
+            <a:schemeClr val="accent1"/>
+          </a:solidFill>
+          <a:ln w="9525">
+            <a:solidFill>
+              <a:schemeClr val="tx1"/>
+            </a:solidFill>
+            <a:round/>
+            <a:headEnd/>
+            <a:tailEnd/>
+          </a:ln>
+          <a:effectLst/>
+          <a:extLst>
+            <a:ext uri="{AF507438-7753-43E0-B8FC-AC1667EBCBE1}">
+              <a14:hiddenEffects xmlns:a14="http://schemas.microsoft.com/office/drawing/2010/main">
+                <a:effectLst>
+                  <a:outerShdw dist="35921" dir="2700000" algn="ctr" rotWithShape="0">
+                    <a:schemeClr val="bg2"/>
+                  </a:outerShdw>
+                </a:effectLst>
+              </a14:hiddenEffects>
+            </a:ext>
+          </a:extLst>
+        </p:spPr>
+        <p:txBody>
+          <a:bodyPr wrap="none" anchor="ctr"/>
+          <a:lstStyle/>
+          <a:p>
+            <a:endParaRPr lang="en-US"/>
+          </a:p>
+        </p:txBody>
+      </p:sp>
+      <p:sp>
+        <p:nvSpPr>
+          <p:cNvPr id="838678" name="AutoShape 22"/>
+          <p:cNvSpPr>
+            <a:spLocks noChangeArrowheads="1"/>
+          </p:cNvSpPr>
+          <p:nvPr/>
+        </p:nvSpPr>
+        <p:spPr bwMode="auto">
+          <a:xfrm>
+            <a:off x="5656263" y="3989388"/>
+            <a:ext cx="212725" cy="369887"/>
+          </a:xfrm>
+          <a:prstGeom prst="foldedCorner">
+            <a:avLst>
+              <a:gd name="adj" fmla="val 12500"/>
+            </a:avLst>
+          </a:prstGeom>
+          <a:solidFill>
+            <a:schemeClr val="accent1"/>
+          </a:solidFill>
+          <a:ln w="9525">
+            <a:solidFill>
+              <a:schemeClr val="tx1"/>
+            </a:solidFill>
+            <a:round/>
+            <a:headEnd/>
+            <a:tailEnd/>
+          </a:ln>
+          <a:effectLst/>
+          <a:extLst>
+            <a:ext uri="{AF507438-7753-43E0-B8FC-AC1667EBCBE1}">
+              <a14:hiddenEffects xmlns:a14="http://schemas.microsoft.com/office/drawing/2010/main">
+                <a:effectLst>
+                  <a:outerShdw dist="35921" dir="2700000" algn="ctr" rotWithShape="0">
+                    <a:schemeClr val="bg2"/>
+                  </a:outerShdw>
+                </a:effectLst>
+              </a14:hiddenEffects>
+            </a:ext>
+          </a:extLst>
+        </p:spPr>
+        <p:txBody>
+          <a:bodyPr wrap="none" anchor="ctr"/>
+          <a:lstStyle/>
+          <a:p>
+            <a:endParaRPr lang="en-US"/>
+          </a:p>
+        </p:txBody>
+      </p:sp>
+      <p:sp>
+        <p:nvSpPr>
+          <p:cNvPr id="838679" name="AutoShape 23"/>
+          <p:cNvSpPr>
+            <a:spLocks noChangeArrowheads="1"/>
+          </p:cNvSpPr>
+          <p:nvPr/>
+        </p:nvSpPr>
+        <p:spPr bwMode="auto">
+          <a:xfrm>
+            <a:off x="5797550" y="4113213"/>
+            <a:ext cx="212725" cy="368300"/>
+          </a:xfrm>
+          <a:prstGeom prst="foldedCorner">
+            <a:avLst>
+              <a:gd name="adj" fmla="val 12500"/>
+            </a:avLst>
+          </a:prstGeom>
+          <a:solidFill>
+            <a:schemeClr val="accent1"/>
+          </a:solidFill>
+          <a:ln w="9525">
+            <a:solidFill>
+              <a:schemeClr val="tx1"/>
+            </a:solidFill>
+            <a:round/>
+            <a:headEnd/>
+            <a:tailEnd/>
+          </a:ln>
+          <a:effectLst/>
+          <a:extLst>
+            <a:ext uri="{AF507438-7753-43E0-B8FC-AC1667EBCBE1}">
+              <a14:hiddenEffects xmlns:a14="http://schemas.microsoft.com/office/drawing/2010/main">
+                <a:effectLst>
+                  <a:outerShdw dist="35921" dir="2700000" algn="ctr" rotWithShape="0">
+                    <a:schemeClr val="bg2"/>
+                  </a:outerShdw>
+                </a:effectLst>
+              </a14:hiddenEffects>
+            </a:ext>
+          </a:extLst>
+        </p:spPr>
+        <p:txBody>
+          <a:bodyPr wrap="none" anchor="ctr"/>
+          <a:lstStyle/>
+          <a:p>
+            <a:endParaRPr lang="en-US"/>
+          </a:p>
+        </p:txBody>
+      </p:sp>
+      <p:sp>
+        <p:nvSpPr>
+          <p:cNvPr id="838680" name="AutoShape 24"/>
+          <p:cNvSpPr>
+            <a:spLocks noChangeArrowheads="1"/>
+          </p:cNvSpPr>
+          <p:nvPr/>
+        </p:nvSpPr>
+        <p:spPr bwMode="auto">
+          <a:xfrm>
+            <a:off x="3252788" y="4359275"/>
+            <a:ext cx="212725" cy="369888"/>
+          </a:xfrm>
+          <a:prstGeom prst="foldedCorner">
+            <a:avLst>
+              <a:gd name="adj" fmla="val 12500"/>
+            </a:avLst>
+          </a:prstGeom>
+          <a:solidFill>
+            <a:schemeClr val="accent1"/>
+          </a:solidFill>
+          <a:ln w="9525">
+            <a:solidFill>
+              <a:schemeClr val="tx1"/>
+            </a:solidFill>
+            <a:round/>
+            <a:headEnd/>
+            <a:tailEnd/>
+          </a:ln>
+          <a:effectLst/>
+          <a:extLst>
+            <a:ext uri="{AF507438-7753-43E0-B8FC-AC1667EBCBE1}">
+              <a14:hiddenEffects xmlns:a14="http://schemas.microsoft.com/office/drawing/2010/main">
+                <a:effectLst>
+                  <a:outerShdw dist="35921" dir="2700000" algn="ctr" rotWithShape="0">
+                    <a:schemeClr val="bg2"/>
+                  </a:outerShdw>
+                </a:effectLst>
+              </a14:hiddenEffects>
+            </a:ext>
+          </a:extLst>
+        </p:spPr>
+        <p:txBody>
+          <a:bodyPr wrap="none" anchor="ctr"/>
+          <a:lstStyle/>
+          <a:p>
+            <a:endParaRPr lang="en-US"/>
+          </a:p>
+        </p:txBody>
+      </p:sp>
+      <p:sp>
+        <p:nvSpPr>
+          <p:cNvPr id="838681" name="AutoShape 25"/>
+          <p:cNvSpPr>
+            <a:spLocks noChangeArrowheads="1"/>
+          </p:cNvSpPr>
+          <p:nvPr/>
+        </p:nvSpPr>
+        <p:spPr bwMode="auto">
+          <a:xfrm>
+            <a:off x="5868988" y="3559175"/>
+            <a:ext cx="282575" cy="368300"/>
+          </a:xfrm>
+          <a:prstGeom prst="foldedCorner">
+            <a:avLst>
+              <a:gd name="adj" fmla="val 12500"/>
+            </a:avLst>
+          </a:prstGeom>
+          <a:solidFill>
+            <a:schemeClr val="accent1"/>
+          </a:solidFill>
+          <a:ln w="9525">
+            <a:solidFill>
+              <a:schemeClr val="tx1"/>
+            </a:solidFill>
+            <a:round/>
+            <a:headEnd/>
+            <a:tailEnd/>
+          </a:ln>
+          <a:effectLst/>
+          <a:extLst>
+            <a:ext uri="{AF507438-7753-43E0-B8FC-AC1667EBCBE1}">
+              <a14:hiddenEffects xmlns:a14="http://schemas.microsoft.com/office/drawing/2010/main">
+                <a:effectLst>
+                  <a:outerShdw dist="35921" dir="2700000" algn="ctr" rotWithShape="0">
+                    <a:schemeClr val="bg2"/>
+                  </a:outerShdw>
+                </a:effectLst>
+              </a14:hiddenEffects>
+            </a:ext>
+          </a:extLst>
+        </p:spPr>
+        <p:txBody>
+          <a:bodyPr wrap="none" anchor="ctr"/>
+          <a:lstStyle/>
+          <a:p>
+            <a:endParaRPr lang="en-US"/>
+          </a:p>
+        </p:txBody>
+      </p:sp>
+      <p:sp>
+        <p:nvSpPr>
+          <p:cNvPr id="838682" name="AutoShape 26"/>
+          <p:cNvSpPr>
+            <a:spLocks noChangeArrowheads="1"/>
+          </p:cNvSpPr>
+          <p:nvPr/>
+        </p:nvSpPr>
+        <p:spPr bwMode="auto">
+          <a:xfrm>
+            <a:off x="5160963" y="3559175"/>
+            <a:ext cx="284162" cy="368300"/>
+          </a:xfrm>
+          <a:prstGeom prst="foldedCorner">
+            <a:avLst>
+              <a:gd name="adj" fmla="val 12500"/>
+            </a:avLst>
+          </a:prstGeom>
+          <a:solidFill>
+            <a:schemeClr val="accent1"/>
+          </a:solidFill>
+          <a:ln w="9525">
+            <a:solidFill>
+              <a:schemeClr val="tx1"/>
+            </a:solidFill>
+            <a:round/>
+            <a:headEnd/>
+            <a:tailEnd/>
+          </a:ln>
+          <a:effectLst/>
+          <a:extLst>
+            <a:ext uri="{AF507438-7753-43E0-B8FC-AC1667EBCBE1}">
+              <a14:hiddenEffects xmlns:a14="http://schemas.microsoft.com/office/drawing/2010/main">
+                <a:effectLst>
+                  <a:outerShdw dist="35921" dir="2700000" algn="ctr" rotWithShape="0">
+                    <a:schemeClr val="bg2"/>
+                  </a:outerShdw>
+                </a:effectLst>
+              </a14:hiddenEffects>
+            </a:ext>
+          </a:extLst>
+        </p:spPr>
+        <p:txBody>
+          <a:bodyPr wrap="none" anchor="ctr"/>
+          <a:lstStyle/>
+          <a:p>
+            <a:endParaRPr lang="en-US"/>
+          </a:p>
+        </p:txBody>
+      </p:sp>
+      <p:sp>
+        <p:nvSpPr>
+          <p:cNvPr id="838683" name="AutoShape 27"/>
+          <p:cNvSpPr>
+            <a:spLocks noChangeArrowheads="1"/>
+          </p:cNvSpPr>
+          <p:nvPr/>
+        </p:nvSpPr>
+        <p:spPr bwMode="auto">
+          <a:xfrm>
+            <a:off x="6221413" y="3497263"/>
+            <a:ext cx="282575" cy="369887"/>
+          </a:xfrm>
+          <a:prstGeom prst="foldedCorner">
+            <a:avLst>
+              <a:gd name="adj" fmla="val 12500"/>
+            </a:avLst>
+          </a:prstGeom>
+          <a:solidFill>
+            <a:schemeClr val="accent1"/>
+          </a:solidFill>
+          <a:ln w="9525">
+            <a:solidFill>
+              <a:schemeClr val="tx1"/>
+            </a:solidFill>
+            <a:round/>
+            <a:headEnd/>
+            <a:tailEnd/>
+          </a:ln>
+          <a:effectLst/>
+          <a:extLst>
+            <a:ext uri="{AF507438-7753-43E0-B8FC-AC1667EBCBE1}">
+              <a14:hiddenEffects xmlns:a14="http://schemas.microsoft.com/office/drawing/2010/main">
+                <a:effectLst>
+                  <a:outerShdw dist="35921" dir="2700000" algn="ctr" rotWithShape="0">
+                    <a:schemeClr val="bg2"/>
+                  </a:outerShdw>
+                </a:effectLst>
+              </a14:hiddenEffects>
+            </a:ext>
+          </a:extLst>
+        </p:spPr>
+        <p:txBody>
+          <a:bodyPr wrap="none" anchor="ctr"/>
+          <a:lstStyle/>
+          <a:p>
+            <a:endParaRPr lang="en-US"/>
+          </a:p>
+        </p:txBody>
+      </p:sp>
+      <p:sp>
+        <p:nvSpPr>
+          <p:cNvPr id="838684" name="AutoShape 28"/>
+          <p:cNvSpPr>
+            <a:spLocks noChangeArrowheads="1"/>
+          </p:cNvSpPr>
+          <p:nvPr/>
+        </p:nvSpPr>
+        <p:spPr bwMode="auto">
+          <a:xfrm>
+            <a:off x="6362700" y="3619500"/>
+            <a:ext cx="282575" cy="369888"/>
+          </a:xfrm>
+          <a:prstGeom prst="foldedCorner">
+            <a:avLst>
+              <a:gd name="adj" fmla="val 12500"/>
+            </a:avLst>
+          </a:prstGeom>
+          <a:solidFill>
+            <a:schemeClr val="accent1"/>
+          </a:solidFill>
+          <a:ln w="9525">
+            <a:solidFill>
+              <a:schemeClr val="tx1"/>
+            </a:solidFill>
+            <a:round/>
+            <a:headEnd/>
+            <a:tailEnd/>
+          </a:ln>
+          <a:effectLst/>
+          <a:extLst>
+            <a:ext uri="{AF507438-7753-43E0-B8FC-AC1667EBCBE1}">
+              <a14:hiddenEffects xmlns:a14="http://schemas.microsoft.com/office/drawing/2010/main">
+                <a:effectLst>
+                  <a:outerShdw dist="35921" dir="2700000" algn="ctr" rotWithShape="0">
+                    <a:schemeClr val="bg2"/>
+                  </a:outerShdw>
+                </a:effectLst>
+              </a14:hiddenEffects>
+            </a:ext>
+          </a:extLst>
+        </p:spPr>
+        <p:txBody>
+          <a:bodyPr wrap="none" anchor="ctr"/>
+          <a:lstStyle/>
+          <a:p>
+            <a:endParaRPr lang="en-US"/>
+          </a:p>
+        </p:txBody>
+      </p:sp>
+      <p:sp>
+        <p:nvSpPr>
+          <p:cNvPr id="838685" name="AutoShape 29"/>
+          <p:cNvSpPr>
+            <a:spLocks noChangeArrowheads="1"/>
+          </p:cNvSpPr>
+          <p:nvPr/>
+        </p:nvSpPr>
+        <p:spPr bwMode="auto">
+          <a:xfrm>
+            <a:off x="5797550" y="3743325"/>
+            <a:ext cx="282575" cy="369888"/>
+          </a:xfrm>
+          <a:prstGeom prst="foldedCorner">
+            <a:avLst>
+              <a:gd name="adj" fmla="val 12500"/>
+            </a:avLst>
+          </a:prstGeom>
+          <a:solidFill>
+            <a:schemeClr val="accent1"/>
+          </a:solidFill>
+          <a:ln w="9525">
+            <a:solidFill>
+              <a:schemeClr val="tx1"/>
+            </a:solidFill>
+            <a:round/>
+            <a:headEnd/>
+            <a:tailEnd/>
+          </a:ln>
+          <a:effectLst/>
+          <a:extLst>
+            <a:ext uri="{AF507438-7753-43E0-B8FC-AC1667EBCBE1}">
+              <a14:hiddenEffects xmlns:a14="http://schemas.microsoft.com/office/drawing/2010/main">
+                <a:effectLst>
+                  <a:outerShdw dist="35921" dir="2700000" algn="ctr" rotWithShape="0">
+                    <a:schemeClr val="bg2"/>
+                  </a:outerShdw>
+                </a:effectLst>
+              </a14:hiddenEffects>
+            </a:ext>
+          </a:extLst>
+        </p:spPr>
+        <p:txBody>
+          <a:bodyPr wrap="none" anchor="ctr"/>
+          <a:lstStyle/>
+          <a:p>
+            <a:endParaRPr lang="en-US"/>
+          </a:p>
+        </p:txBody>
+      </p:sp>
+      <p:sp>
+        <p:nvSpPr>
+          <p:cNvPr id="838686" name="Freeform 30"/>
+          <p:cNvSpPr>
+            <a:spLocks/>
+          </p:cNvSpPr>
+          <p:nvPr/>
+        </p:nvSpPr>
+        <p:spPr bwMode="auto">
+          <a:xfrm>
+            <a:off x="6159500" y="4394200"/>
+            <a:ext cx="266700" cy="355600"/>
+          </a:xfrm>
+          <a:custGeom>
+            <a:avLst/>
+            <a:gdLst>
+              <a:gd name="T0" fmla="*/ 8 w 168"/>
+              <a:gd name="T1" fmla="*/ 112 h 224"/>
+              <a:gd name="T2" fmla="*/ 104 w 168"/>
+              <a:gd name="T3" fmla="*/ 16 h 224"/>
+              <a:gd name="T4" fmla="*/ 152 w 168"/>
+              <a:gd name="T5" fmla="*/ 208 h 224"/>
+              <a:gd name="T6" fmla="*/ 8 w 168"/>
+              <a:gd name="T7" fmla="*/ 112 h 224"/>
+            </a:gdLst>
+            <a:ahLst/>
+            <a:cxnLst>
+              <a:cxn ang="0">
+                <a:pos x="T0" y="T1"/>
+              </a:cxn>
+              <a:cxn ang="0">
+                <a:pos x="T2" y="T3"/>
+              </a:cxn>
+              <a:cxn ang="0">
+                <a:pos x="T4" y="T5"/>
+              </a:cxn>
+              <a:cxn ang="0">
+                <a:pos x="T6" y="T7"/>
+              </a:cxn>
+            </a:cxnLst>
+            <a:rect l="0" t="0" r="r" b="b"/>
+            <a:pathLst>
+              <a:path w="168" h="224">
+                <a:moveTo>
+                  <a:pt x="8" y="112"/>
+                </a:moveTo>
+                <a:cubicBezTo>
+                  <a:pt x="0" y="80"/>
+                  <a:pt x="80" y="0"/>
+                  <a:pt x="104" y="16"/>
+                </a:cubicBezTo>
+                <a:cubicBezTo>
+                  <a:pt x="128" y="32"/>
+                  <a:pt x="168" y="192"/>
+                  <a:pt x="152" y="208"/>
+                </a:cubicBezTo>
+                <a:cubicBezTo>
+                  <a:pt x="136" y="224"/>
+                  <a:pt x="16" y="144"/>
+                  <a:pt x="8" y="112"/>
+                </a:cubicBezTo>
+                <a:close/>
+              </a:path>
+            </a:pathLst>
+          </a:custGeom>
+          <a:noFill/>
+          <a:ln w="25400">
+            <a:solidFill>
+              <a:srgbClr val="3333FF"/>
+            </a:solidFill>
+            <a:round/>
+            <a:headEnd/>
+            <a:tailEnd/>
+          </a:ln>
+          <a:effectLst/>
+          <a:extLst>
+            <a:ext uri="{909E8E84-426E-40DD-AFC4-6F175D3DCCD1}">
+              <a14:hiddenFill xmlns:a14="http://schemas.microsoft.com/office/drawing/2010/main">
+                <a:solidFill>
+                  <a:schemeClr val="accent1"/>
+                </a:solidFill>
+              </a14:hiddenFill>
+            </a:ext>
+            <a:ext uri="{AF507438-7753-43E0-B8FC-AC1667EBCBE1}">
+              <a14:hiddenEffects xmlns:a14="http://schemas.microsoft.com/office/drawing/2010/main">
+                <a:effectLst>
+                  <a:outerShdw dist="35921" dir="2700000" algn="ctr" rotWithShape="0">
+                    <a:schemeClr val="bg2"/>
+                  </a:outerShdw>
+                </a:effectLst>
+              </a14:hiddenEffects>
+            </a:ext>
+          </a:extLst>
+        </p:spPr>
+        <p:txBody>
+          <a:bodyPr wrap="none" anchor="ctr"/>
+          <a:lstStyle/>
+          <a:p>
+            <a:endParaRPr lang="en-US"/>
+          </a:p>
+        </p:txBody>
+      </p:sp>
+      <p:sp>
+        <p:nvSpPr>
+          <p:cNvPr id="838687" name="AutoShape 31"/>
+          <p:cNvSpPr>
+            <a:spLocks noChangeArrowheads="1"/>
+          </p:cNvSpPr>
+          <p:nvPr/>
+        </p:nvSpPr>
+        <p:spPr bwMode="auto">
+          <a:xfrm>
+            <a:off x="6010275" y="4297363"/>
+            <a:ext cx="493713" cy="492125"/>
+          </a:xfrm>
+          <a:prstGeom prst="foldedCorner">
+            <a:avLst>
+              <a:gd name="adj" fmla="val 12500"/>
+            </a:avLst>
+          </a:prstGeom>
+          <a:solidFill>
+            <a:schemeClr val="accent1"/>
+          </a:solidFill>
+          <a:ln w="9525">
+            <a:solidFill>
+              <a:schemeClr val="tx1"/>
+            </a:solidFill>
+            <a:round/>
+            <a:headEnd/>
+            <a:tailEnd/>
+          </a:ln>
+          <a:effectLst/>
+          <a:extLst>
+            <a:ext uri="{AF507438-7753-43E0-B8FC-AC1667EBCBE1}">
+              <a14:hiddenEffects xmlns:a14="http://schemas.microsoft.com/office/drawing/2010/main">
+                <a:effectLst>
+                  <a:outerShdw dist="35921" dir="2700000" algn="ctr" rotWithShape="0">
+                    <a:schemeClr val="bg2"/>
+                  </a:outerShdw>
+                </a:effectLst>
+              </a14:hiddenEffects>
+            </a:ext>
+          </a:extLst>
+        </p:spPr>
+        <p:txBody>
+          <a:bodyPr wrap="none" anchor="ctr"/>
+          <a:lstStyle/>
+          <a:p>
+            <a:endParaRPr lang="en-US"/>
+          </a:p>
+        </p:txBody>
+      </p:sp>
+      <p:grpSp>
+        <p:nvGrpSpPr>
+          <p:cNvPr id="4" name="Group 3"/>
+          <p:cNvGrpSpPr/>
+          <p:nvPr/>
+        </p:nvGrpSpPr>
+        <p:grpSpPr>
+          <a:xfrm>
+            <a:off x="990600" y="1676400"/>
+            <a:ext cx="2119313" cy="1247775"/>
+            <a:chOff x="990600" y="1676400"/>
+            <a:chExt cx="2119313" cy="1247775"/>
+          </a:xfrm>
+        </p:grpSpPr>
+        <p:sp>
+          <p:nvSpPr>
+            <p:cNvPr id="838688" name="Text Box 32"/>
+            <p:cNvSpPr txBox="1">
+              <a:spLocks noChangeArrowheads="1"/>
+            </p:cNvSpPr>
+            <p:nvPr/>
+          </p:nvSpPr>
+          <p:spPr bwMode="auto">
+            <a:xfrm>
+              <a:off x="990600" y="1676400"/>
+              <a:ext cx="1443038" cy="528638"/>
+            </a:xfrm>
+            <a:prstGeom prst="rect">
+              <a:avLst/>
+            </a:prstGeom>
+            <a:solidFill>
+              <a:srgbClr val="FFFF00"/>
+            </a:solidFill>
+            <a:ln w="9525">
+              <a:solidFill>
+                <a:schemeClr val="tx1"/>
+              </a:solidFill>
+              <a:miter lim="800000"/>
+              <a:headEnd/>
+              <a:tailEnd/>
+            </a:ln>
+            <a:effectLst/>
+            <a:extLst>
+              <a:ext uri="{AF507438-7753-43E0-B8FC-AC1667EBCBE1}">
+                <a14:hiddenEffects xmlns:a14="http://schemas.microsoft.com/office/drawing/2010/main">
+                  <a:effectLst>
+                    <a:outerShdw dist="35921" dir="2700000" algn="ctr" rotWithShape="0">
+                      <a:schemeClr val="bg2"/>
+                    </a:outerShdw>
+                  </a:effectLst>
+                </a14:hiddenEffects>
+              </a:ext>
+            </a:extLst>
+          </p:spPr>
+          <p:txBody>
+            <a:bodyPr wrap="none">
+              <a:spAutoFit/>
+            </a:bodyPr>
+            <a:lstStyle/>
+            <a:p>
+              <a:r>
+                <a:rPr lang="en-US" altLang="en-US" sz="2800" i="0" dirty="0">
+                  <a:latin typeface="Gill Sans MT" pitchFamily="34" charset="0"/>
+                </a:rPr>
+                <a:t>Access</a:t>
+              </a:r>
+            </a:p>
+          </p:txBody>
+        </p:sp>
+        <p:sp>
+          <p:nvSpPr>
+            <p:cNvPr id="838689" name="AutoShape 33"/>
+            <p:cNvSpPr>
+              <a:spLocks noChangeArrowheads="1"/>
+            </p:cNvSpPr>
+            <p:nvPr/>
+          </p:nvSpPr>
+          <p:spPr bwMode="auto">
+            <a:xfrm rot="2563427">
+              <a:off x="2133600" y="2438400"/>
+              <a:ext cx="976313" cy="485775"/>
+            </a:xfrm>
+            <a:prstGeom prst="leftArrow">
+              <a:avLst>
+                <a:gd name="adj1" fmla="val 50000"/>
+                <a:gd name="adj2" fmla="val 50245"/>
+              </a:avLst>
+            </a:prstGeom>
+            <a:solidFill>
+              <a:srgbClr val="0000CC"/>
+            </a:solidFill>
+            <a:ln w="9525">
+              <a:solidFill>
+                <a:schemeClr val="tx1"/>
+              </a:solidFill>
+              <a:miter lim="800000"/>
+              <a:headEnd/>
+              <a:tailEnd/>
+            </a:ln>
+            <a:effectLst/>
+            <a:extLst>
+              <a:ext uri="{AF507438-7753-43E0-B8FC-AC1667EBCBE1}">
+                <a14:hiddenEffects xmlns:a14="http://schemas.microsoft.com/office/drawing/2010/main">
+                  <a:effectLst>
+                    <a:outerShdw dist="35921" dir="2700000" algn="ctr" rotWithShape="0">
+                      <a:schemeClr val="bg2"/>
+                    </a:outerShdw>
+                  </a:effectLst>
+                </a14:hiddenEffects>
+              </a:ext>
+            </a:extLst>
+          </p:spPr>
+          <p:txBody>
+            <a:bodyPr wrap="none" anchor="ctr"/>
+            <a:lstStyle/>
+            <a:p>
+              <a:endParaRPr lang="en-US"/>
+            </a:p>
+          </p:txBody>
+        </p:sp>
+      </p:grpSp>
+      <p:grpSp>
+        <p:nvGrpSpPr>
+          <p:cNvPr id="5" name="Group 4"/>
+          <p:cNvGrpSpPr/>
+          <p:nvPr/>
+        </p:nvGrpSpPr>
+        <p:grpSpPr>
+          <a:xfrm>
+            <a:off x="5410200" y="1600200"/>
+            <a:ext cx="2178050" cy="1323975"/>
+            <a:chOff x="5410200" y="1600200"/>
+            <a:chExt cx="2178050" cy="1323975"/>
+          </a:xfrm>
+        </p:grpSpPr>
+        <p:sp>
+          <p:nvSpPr>
+            <p:cNvPr id="838690" name="Text Box 34"/>
+            <p:cNvSpPr txBox="1">
+              <a:spLocks noChangeArrowheads="1"/>
+            </p:cNvSpPr>
+            <p:nvPr/>
+          </p:nvSpPr>
+          <p:spPr bwMode="auto">
+            <a:xfrm>
+              <a:off x="6248400" y="1600200"/>
+              <a:ext cx="1339850" cy="528638"/>
+            </a:xfrm>
+            <a:prstGeom prst="rect">
+              <a:avLst/>
+            </a:prstGeom>
+            <a:solidFill>
+              <a:srgbClr val="FFFF00"/>
+            </a:solidFill>
+            <a:ln w="9525">
+              <a:solidFill>
+                <a:schemeClr val="tx1"/>
+              </a:solidFill>
+              <a:miter lim="800000"/>
+              <a:headEnd/>
+              <a:tailEnd/>
+            </a:ln>
+            <a:effectLst/>
+            <a:extLst>
+              <a:ext uri="{AF507438-7753-43E0-B8FC-AC1667EBCBE1}">
+                <a14:hiddenEffects xmlns:a14="http://schemas.microsoft.com/office/drawing/2010/main">
+                  <a:effectLst>
+                    <a:outerShdw dist="35921" dir="2700000" algn="ctr" rotWithShape="0">
+                      <a:schemeClr val="bg2"/>
+                    </a:outerShdw>
+                  </a:effectLst>
+                </a14:hiddenEffects>
+              </a:ext>
+            </a:extLst>
+          </p:spPr>
+          <p:txBody>
+            <a:bodyPr wrap="none">
+              <a:spAutoFit/>
+            </a:bodyPr>
+            <a:lstStyle/>
+            <a:p>
+              <a:r>
+                <a:rPr lang="en-US" altLang="en-US" sz="2800" i="0">
+                  <a:latin typeface="Gill Sans MT" pitchFamily="34" charset="0"/>
+                </a:rPr>
+                <a:t>Mining</a:t>
+              </a:r>
+            </a:p>
+          </p:txBody>
+        </p:sp>
+        <p:sp>
+          <p:nvSpPr>
+            <p:cNvPr id="838691" name="AutoShape 35"/>
+            <p:cNvSpPr>
+              <a:spLocks noChangeArrowheads="1"/>
+            </p:cNvSpPr>
+            <p:nvPr/>
+          </p:nvSpPr>
+          <p:spPr bwMode="auto">
+            <a:xfrm rot="19036573" flipH="1">
+              <a:off x="5410200" y="2438400"/>
+              <a:ext cx="976313" cy="485775"/>
+            </a:xfrm>
+            <a:prstGeom prst="leftArrow">
+              <a:avLst>
+                <a:gd name="adj1" fmla="val 50000"/>
+                <a:gd name="adj2" fmla="val 50245"/>
+              </a:avLst>
+            </a:prstGeom>
+            <a:solidFill>
+              <a:srgbClr val="0000CC"/>
+            </a:solidFill>
+            <a:ln w="9525">
+              <a:solidFill>
+                <a:schemeClr val="tx1"/>
+              </a:solidFill>
+              <a:miter lim="800000"/>
+              <a:headEnd/>
+              <a:tailEnd/>
+            </a:ln>
+            <a:effectLst/>
+            <a:extLst>
+              <a:ext uri="{AF507438-7753-43E0-B8FC-AC1667EBCBE1}">
+                <a14:hiddenEffects xmlns:a14="http://schemas.microsoft.com/office/drawing/2010/main">
+                  <a:effectLst>
+                    <a:outerShdw dist="35921" dir="2700000" algn="ctr" rotWithShape="0">
+                      <a:schemeClr val="bg2"/>
+                    </a:outerShdw>
+                  </a:effectLst>
+                </a14:hiddenEffects>
+              </a:ext>
+            </a:extLst>
+          </p:spPr>
+          <p:txBody>
+            <a:bodyPr wrap="none" anchor="ctr"/>
+            <a:lstStyle/>
+            <a:p>
+              <a:endParaRPr lang="en-US"/>
+            </a:p>
+          </p:txBody>
+        </p:sp>
+      </p:grpSp>
+      <p:grpSp>
+        <p:nvGrpSpPr>
+          <p:cNvPr id="3" name="Group 2"/>
+          <p:cNvGrpSpPr/>
+          <p:nvPr/>
+        </p:nvGrpSpPr>
+        <p:grpSpPr>
+          <a:xfrm>
+            <a:off x="3146425" y="4876800"/>
+            <a:ext cx="2368550" cy="1366838"/>
+            <a:chOff x="3146425" y="4876800"/>
+            <a:chExt cx="2368550" cy="1366838"/>
+          </a:xfrm>
+        </p:grpSpPr>
+        <p:sp>
+          <p:nvSpPr>
+            <p:cNvPr id="838692" name="Text Box 36"/>
+            <p:cNvSpPr txBox="1">
+              <a:spLocks noChangeArrowheads="1"/>
+            </p:cNvSpPr>
+            <p:nvPr/>
+          </p:nvSpPr>
+          <p:spPr bwMode="auto">
+            <a:xfrm>
+              <a:off x="3146425" y="5715000"/>
+              <a:ext cx="2368550" cy="528638"/>
+            </a:xfrm>
+            <a:prstGeom prst="rect">
+              <a:avLst/>
+            </a:prstGeom>
+            <a:solidFill>
+              <a:srgbClr val="FFFF00"/>
+            </a:solidFill>
+            <a:ln w="9525">
+              <a:solidFill>
+                <a:schemeClr val="tx1"/>
+              </a:solidFill>
+              <a:miter lim="800000"/>
+              <a:headEnd/>
+              <a:tailEnd/>
+            </a:ln>
+            <a:effectLst/>
+            <a:extLst>
+              <a:ext uri="{AF507438-7753-43E0-B8FC-AC1667EBCBE1}">
+                <a14:hiddenEffects xmlns:a14="http://schemas.microsoft.com/office/drawing/2010/main">
+                  <a:effectLst>
+                    <a:outerShdw dist="35921" dir="2700000" algn="ctr" rotWithShape="0">
+                      <a:schemeClr val="bg2"/>
+                    </a:outerShdw>
+                  </a:effectLst>
+                </a14:hiddenEffects>
+              </a:ext>
+            </a:extLst>
+          </p:spPr>
+          <p:txBody>
+            <a:bodyPr wrap="none">
+              <a:spAutoFit/>
+            </a:bodyPr>
+            <a:lstStyle/>
+            <a:p>
+              <a:r>
+                <a:rPr lang="en-US" altLang="en-US" sz="2800" i="0">
+                  <a:latin typeface="Gill Sans MT" pitchFamily="34" charset="0"/>
+                </a:rPr>
+                <a:t>Organization</a:t>
+              </a:r>
+            </a:p>
+          </p:txBody>
+        </p:sp>
+        <p:sp>
+          <p:nvSpPr>
+            <p:cNvPr id="838693" name="AutoShape 37"/>
+            <p:cNvSpPr>
+              <a:spLocks noChangeArrowheads="1"/>
+            </p:cNvSpPr>
+            <p:nvPr/>
+          </p:nvSpPr>
+          <p:spPr bwMode="auto">
+            <a:xfrm rot="16200000" flipH="1">
+              <a:off x="3969543" y="4945857"/>
+              <a:ext cx="747713" cy="609600"/>
+            </a:xfrm>
+            <a:prstGeom prst="leftArrow">
+              <a:avLst>
+                <a:gd name="adj1" fmla="val 50000"/>
+                <a:gd name="adj2" fmla="val 30664"/>
+              </a:avLst>
+            </a:prstGeom>
+            <a:solidFill>
+              <a:srgbClr val="0000CC"/>
+            </a:solidFill>
+            <a:ln w="9525">
+              <a:solidFill>
+                <a:schemeClr val="tx1"/>
+              </a:solidFill>
+              <a:miter lim="800000"/>
+              <a:headEnd/>
+              <a:tailEnd/>
+            </a:ln>
+            <a:effectLst/>
+            <a:extLst>
+              <a:ext uri="{AF507438-7753-43E0-B8FC-AC1667EBCBE1}">
+                <a14:hiddenEffects xmlns:a14="http://schemas.microsoft.com/office/drawing/2010/main">
+                  <a:effectLst>
+                    <a:outerShdw dist="35921" dir="2700000" algn="ctr" rotWithShape="0">
+                      <a:schemeClr val="bg2"/>
+                    </a:outerShdw>
+                  </a:effectLst>
+                </a14:hiddenEffects>
+              </a:ext>
+            </a:extLst>
+          </p:spPr>
+          <p:txBody>
+            <a:bodyPr wrap="none" anchor="ctr"/>
+            <a:lstStyle/>
+            <a:p>
+              <a:endParaRPr lang="en-US"/>
+            </a:p>
+          </p:txBody>
+        </p:sp>
+      </p:grpSp>
+      <p:sp>
+        <p:nvSpPr>
+          <p:cNvPr id="838694" name="Text Box 38"/>
+          <p:cNvSpPr txBox="1">
+            <a:spLocks noChangeArrowheads="1"/>
+          </p:cNvSpPr>
+          <p:nvPr/>
+        </p:nvSpPr>
+        <p:spPr bwMode="auto">
+          <a:xfrm>
+            <a:off x="304800" y="2209800"/>
+            <a:ext cx="1709122" cy="830997"/>
+          </a:xfrm>
+          <a:prstGeom prst="rect">
+            <a:avLst/>
+          </a:prstGeom>
+          <a:noFill/>
+          <a:ln>
+            <a:noFill/>
+          </a:ln>
+          <a:effectLst/>
+          <a:extLst>
+            <a:ext uri="{909E8E84-426E-40DD-AFC4-6F175D3DCCD1}">
+              <a14:hiddenFill xmlns:a14="http://schemas.microsoft.com/office/drawing/2010/main">
+                <a:solidFill>
+                  <a:schemeClr val="accent1"/>
+                </a:solidFill>
+              </a14:hiddenFill>
+            </a:ext>
+            <a:ext uri="{91240B29-F687-4F45-9708-019B960494DF}">
+              <a14:hiddenLine xmlns:a14="http://schemas.microsoft.com/office/drawing/2010/main" w="9525">
+                <a:solidFill>
+                  <a:schemeClr val="tx1"/>
+                </a:solidFill>
+                <a:miter lim="800000"/>
+                <a:headEnd/>
+                <a:tailEnd/>
+              </a14:hiddenLine>
+            </a:ext>
+            <a:ext uri="{AF507438-7753-43E0-B8FC-AC1667EBCBE1}">
+              <a14:hiddenEffects xmlns:a14="http://schemas.microsoft.com/office/drawing/2010/main">
+                <a:effectLst>
+                  <a:outerShdw dist="35921" dir="2700000" algn="ctr" rotWithShape="0">
+                    <a:schemeClr val="bg2"/>
+                  </a:outerShdw>
+                </a:effectLst>
+              </a14:hiddenEffects>
+            </a:ext>
+          </a:extLst>
+        </p:spPr>
+        <p:txBody>
+          <a:bodyPr wrap="none">
+            <a:spAutoFit/>
+          </a:bodyPr>
+          <a:lstStyle/>
+          <a:p>
+            <a:r>
+              <a:rPr lang="en-US" altLang="en-US" sz="2400" i="0" u="sng" dirty="0" smtClean="0">
+                <a:latin typeface="Gill Sans MT" pitchFamily="34" charset="0"/>
+              </a:rPr>
+              <a:t>Filter</a:t>
+            </a:r>
+            <a:endParaRPr lang="en-US" altLang="en-US" sz="2400" i="0" u="sng" dirty="0">
+              <a:latin typeface="Gill Sans MT" pitchFamily="34" charset="0"/>
+            </a:endParaRPr>
+          </a:p>
+          <a:p>
+            <a:r>
+              <a:rPr lang="en-US" altLang="en-US" sz="2400" b="0" i="0" dirty="0">
+                <a:latin typeface="Gill Sans MT" pitchFamily="34" charset="0"/>
+              </a:rPr>
+              <a:t>information</a:t>
+            </a:r>
+          </a:p>
+        </p:txBody>
+      </p:sp>
+      <p:sp>
+        <p:nvSpPr>
+          <p:cNvPr id="838695" name="Text Box 39"/>
+          <p:cNvSpPr txBox="1">
+            <a:spLocks noChangeArrowheads="1"/>
+          </p:cNvSpPr>
+          <p:nvPr/>
+        </p:nvSpPr>
+        <p:spPr bwMode="auto">
+          <a:xfrm>
+            <a:off x="6303958" y="2286000"/>
+            <a:ext cx="2943434" cy="461665"/>
+          </a:xfrm>
+          <a:prstGeom prst="rect">
+            <a:avLst/>
+          </a:prstGeom>
+          <a:noFill/>
+          <a:ln>
+            <a:noFill/>
+          </a:ln>
+          <a:effectLst/>
+          <a:extLst>
+            <a:ext uri="{909E8E84-426E-40DD-AFC4-6F175D3DCCD1}">
+              <a14:hiddenFill xmlns:a14="http://schemas.microsoft.com/office/drawing/2010/main">
+                <a:solidFill>
+                  <a:schemeClr val="accent1"/>
+                </a:solidFill>
+              </a14:hiddenFill>
+            </a:ext>
+            <a:ext uri="{91240B29-F687-4F45-9708-019B960494DF}">
+              <a14:hiddenLine xmlns:a14="http://schemas.microsoft.com/office/drawing/2010/main" w="9525">
+                <a:solidFill>
+                  <a:schemeClr val="tx1"/>
+                </a:solidFill>
+                <a:miter lim="800000"/>
+                <a:headEnd/>
+                <a:tailEnd/>
+              </a14:hiddenLine>
+            </a:ext>
+            <a:ext uri="{AF507438-7753-43E0-B8FC-AC1667EBCBE1}">
+              <a14:hiddenEffects xmlns:a14="http://schemas.microsoft.com/office/drawing/2010/main">
+                <a:effectLst>
+                  <a:outerShdw dist="35921" dir="2700000" algn="ctr" rotWithShape="0">
+                    <a:schemeClr val="bg2"/>
+                  </a:outerShdw>
+                </a:effectLst>
+              </a14:hiddenEffects>
+            </a:ext>
+          </a:extLst>
+        </p:spPr>
+        <p:txBody>
+          <a:bodyPr wrap="none">
+            <a:spAutoFit/>
+          </a:bodyPr>
+          <a:lstStyle/>
+          <a:p>
+            <a:r>
+              <a:rPr lang="en-US" altLang="en-US" sz="2400" i="0" u="sng" dirty="0" smtClean="0">
+                <a:latin typeface="Gill Sans MT" pitchFamily="34" charset="0"/>
+              </a:rPr>
+              <a:t>Discover</a:t>
+            </a:r>
+            <a:r>
+              <a:rPr lang="en-US" altLang="en-US" sz="2400" i="0" dirty="0" smtClean="0">
+                <a:latin typeface="Gill Sans MT" pitchFamily="34" charset="0"/>
+              </a:rPr>
+              <a:t> </a:t>
+            </a:r>
+            <a:r>
+              <a:rPr lang="en-US" altLang="en-US" sz="2400" b="0" i="0" dirty="0" smtClean="0">
+                <a:latin typeface="Gill Sans MT" pitchFamily="34" charset="0"/>
+              </a:rPr>
+              <a:t>knowledge</a:t>
+            </a:r>
+            <a:endParaRPr lang="en-US" altLang="en-US" sz="2400" b="0" i="0" dirty="0">
+              <a:latin typeface="Gill Sans MT" pitchFamily="34" charset="0"/>
+            </a:endParaRPr>
+          </a:p>
+        </p:txBody>
+      </p:sp>
+      <p:sp>
+        <p:nvSpPr>
+          <p:cNvPr id="838696" name="Text Box 40"/>
+          <p:cNvSpPr txBox="1">
+            <a:spLocks noChangeArrowheads="1"/>
+          </p:cNvSpPr>
+          <p:nvPr/>
+        </p:nvSpPr>
+        <p:spPr bwMode="auto">
+          <a:xfrm>
+            <a:off x="5638800" y="5486400"/>
+            <a:ext cx="3116263" cy="822325"/>
+          </a:xfrm>
+          <a:prstGeom prst="rect">
+            <a:avLst/>
+          </a:prstGeom>
+          <a:noFill/>
+          <a:ln>
+            <a:noFill/>
+          </a:ln>
+          <a:effectLst/>
+          <a:extLst>
+            <a:ext uri="{909E8E84-426E-40DD-AFC4-6F175D3DCCD1}">
+              <a14:hiddenFill xmlns:a14="http://schemas.microsoft.com/office/drawing/2010/main">
+                <a:solidFill>
+                  <a:schemeClr val="accent1"/>
+                </a:solidFill>
+              </a14:hiddenFill>
+            </a:ext>
+            <a:ext uri="{91240B29-F687-4F45-9708-019B960494DF}">
+              <a14:hiddenLine xmlns:a14="http://schemas.microsoft.com/office/drawing/2010/main" w="9525">
+                <a:solidFill>
+                  <a:schemeClr val="tx1"/>
+                </a:solidFill>
+                <a:miter lim="800000"/>
+                <a:headEnd/>
+                <a:tailEnd/>
+              </a14:hiddenLine>
+            </a:ext>
+            <a:ext uri="{AF507438-7753-43E0-B8FC-AC1667EBCBE1}">
+              <a14:hiddenEffects xmlns:a14="http://schemas.microsoft.com/office/drawing/2010/main">
+                <a:effectLst>
+                  <a:outerShdw dist="35921" dir="2700000" algn="ctr" rotWithShape="0">
+                    <a:schemeClr val="bg2"/>
+                  </a:outerShdw>
+                </a:effectLst>
+              </a14:hiddenEffects>
+            </a:ext>
+          </a:extLst>
+        </p:spPr>
+        <p:txBody>
+          <a:bodyPr wrap="none">
+            <a:spAutoFit/>
+          </a:bodyPr>
+          <a:lstStyle/>
+          <a:p>
+            <a:r>
+              <a:rPr lang="en-US" altLang="en-US" sz="2400" i="0" u="sng" dirty="0">
+                <a:latin typeface="Gill Sans MT" pitchFamily="34" charset="0"/>
+              </a:rPr>
+              <a:t>Add</a:t>
+            </a:r>
+            <a:r>
+              <a:rPr lang="en-US" altLang="en-US" sz="2400" b="0" i="0" dirty="0">
+                <a:latin typeface="Gill Sans MT" pitchFamily="34" charset="0"/>
+              </a:rPr>
+              <a:t> </a:t>
+            </a:r>
+          </a:p>
+          <a:p>
+            <a:r>
+              <a:rPr lang="en-US" altLang="en-US" sz="2400" b="0" i="0" dirty="0">
+                <a:latin typeface="Gill Sans MT" pitchFamily="34" charset="0"/>
+              </a:rPr>
+              <a:t>Structure/Annotations</a:t>
+            </a:r>
+          </a:p>
+        </p:txBody>
+      </p:sp>
+      <p:sp>
+        <p:nvSpPr>
+          <p:cNvPr id="2" name="TextBox 1"/>
+          <p:cNvSpPr txBox="1"/>
+          <p:nvPr/>
+        </p:nvSpPr>
+        <p:spPr>
+          <a:xfrm>
+            <a:off x="2617787" y="1600158"/>
+            <a:ext cx="1671637" cy="707886"/>
+          </a:xfrm>
+          <a:prstGeom prst="rect">
+            <a:avLst/>
+          </a:prstGeom>
+          <a:noFill/>
+        </p:spPr>
+        <p:txBody>
+          <a:bodyPr wrap="square" rtlCol="0">
+            <a:spAutoFit/>
+          </a:bodyPr>
+          <a:lstStyle/>
+          <a:p>
+            <a:r>
+              <a:rPr lang="en-US" sz="2000" b="1" dirty="0" smtClean="0"/>
+              <a:t>Serve for IR applications</a:t>
+            </a:r>
+            <a:endParaRPr lang="en-US" sz="2000" b="1" dirty="0"/>
+          </a:p>
+        </p:txBody>
+      </p:sp>
+      <p:sp>
+        <p:nvSpPr>
+          <p:cNvPr id="43" name="TextBox 42"/>
+          <p:cNvSpPr txBox="1"/>
+          <p:nvPr/>
+        </p:nvSpPr>
+        <p:spPr>
+          <a:xfrm>
+            <a:off x="1045554" y="5633995"/>
+            <a:ext cx="2105591" cy="707886"/>
+          </a:xfrm>
+          <a:prstGeom prst="rect">
+            <a:avLst/>
+          </a:prstGeom>
+          <a:noFill/>
+        </p:spPr>
+        <p:txBody>
+          <a:bodyPr wrap="square" rtlCol="0">
+            <a:spAutoFit/>
+          </a:bodyPr>
+          <a:lstStyle/>
+          <a:p>
+            <a:r>
+              <a:rPr lang="en-US" sz="2000" b="1" dirty="0" smtClean="0"/>
+              <a:t>Based on NLP/ML techniques</a:t>
+            </a:r>
+            <a:endParaRPr lang="en-US" sz="2000" b="1" dirty="0"/>
+          </a:p>
+        </p:txBody>
+      </p:sp>
+      <p:sp>
+        <p:nvSpPr>
+          <p:cNvPr id="44" name="TextBox 43"/>
+          <p:cNvSpPr txBox="1"/>
+          <p:nvPr/>
+        </p:nvSpPr>
+        <p:spPr>
+          <a:xfrm>
+            <a:off x="4689732" y="1590702"/>
+            <a:ext cx="1671637" cy="707886"/>
+          </a:xfrm>
+          <a:prstGeom prst="rect">
+            <a:avLst/>
+          </a:prstGeom>
+          <a:noFill/>
+        </p:spPr>
+        <p:txBody>
+          <a:bodyPr wrap="square" rtlCol="0">
+            <a:spAutoFit/>
+          </a:bodyPr>
+          <a:lstStyle/>
+          <a:p>
+            <a:r>
+              <a:rPr lang="en-US" sz="2000" b="1" dirty="0" smtClean="0"/>
+              <a:t>Sub-area of DM research</a:t>
+            </a:r>
+            <a:endParaRPr lang="en-US" sz="2000" b="1" dirty="0"/>
+          </a:p>
+        </p:txBody>
+      </p:sp>
+    </p:spTree>
+    <p:extLst>
+      <p:ext uri="{BB962C8B-B14F-4D97-AF65-F5344CB8AC3E}">
+        <p14:creationId xmlns:p14="http://schemas.microsoft.com/office/powerpoint/2010/main" val="2579900776"/>
+      </p:ext>
+    </p:extLst>
+  </p:cSld>
+  <p:clrMapOvr>
+    <a:masterClrMapping/>
+  </p:clrMapOvr>
+  <p:timing>
+    <p:tnLst>
+      <p:par>
+        <p:cTn id="1" dur="indefinite" restart="never" nodeType="tmRoot"/>
+      </p:par>
+    </p:tnLst>
+  </p:timing>
+</p:sld>
+</file>
+
+<file path=ppt/slides/slide30.xml><?xml version="1.0" encoding="utf-8"?>
 <p:sld xmlns:a="http://schemas.openxmlformats.org/drawingml/2006/main" xmlns:r="http://schemas.openxmlformats.org/officeDocument/2006/relationships" xmlns:p="http://schemas.openxmlformats.org/presentationml/2006/main">
   <p:cSld>
     <p:spTree>
@@ -20175,7 +23176,7 @@
           <a:p>
             <a:fld id="{2A9F8BE9-47C8-4C45-B88F-68A848B0515F}" type="slidenum">
               <a:rPr lang="en-US" smtClean="0"/>
-              <a:t>29</a:t>
+              <a:t>30</a:t>
             </a:fld>
             <a:endParaRPr lang="en-US"/>
           </a:p>
@@ -20439,2332 +23440,7 @@
 </p:sld>
 </file>
 
-<file path=ppt/slides/slide3.xml><?xml version="1.0" encoding="utf-8"?>
-<p:sld xmlns:a="http://schemas.openxmlformats.org/drawingml/2006/main" xmlns:r="http://schemas.openxmlformats.org/officeDocument/2006/relationships" xmlns:p="http://schemas.openxmlformats.org/presentationml/2006/main">
-  <p:cSld>
-    <p:spTree>
-      <p:nvGrpSpPr>
-        <p:cNvPr id="1" name=""/>
-        <p:cNvGrpSpPr/>
-        <p:nvPr/>
-      </p:nvGrpSpPr>
-      <p:grpSpPr>
-        <a:xfrm>
-          <a:off x="0" y="0"/>
-          <a:ext cx="0" cy="0"/>
-          <a:chOff x="0" y="0"/>
-          <a:chExt cx="0" cy="0"/>
-        </a:xfrm>
-      </p:grpSpPr>
-      <p:sp>
-        <p:nvSpPr>
-          <p:cNvPr id="838658" name="Rectangle 2"/>
-          <p:cNvSpPr>
-            <a:spLocks noGrp="1" noChangeArrowheads="1"/>
-          </p:cNvSpPr>
-          <p:nvPr>
-            <p:ph type="title"/>
-          </p:nvPr>
-        </p:nvSpPr>
-        <p:spPr/>
-        <p:txBody>
-          <a:bodyPr/>
-          <a:lstStyle/>
-          <a:p>
-            <a:r>
-              <a:rPr lang="en-US" altLang="en-US" dirty="0" smtClean="0"/>
-              <a:t>Recap: text mining in general</a:t>
-            </a:r>
-            <a:endParaRPr lang="en-US" altLang="en-US" dirty="0"/>
-          </a:p>
-        </p:txBody>
-      </p:sp>
-      <p:sp>
-        <p:nvSpPr>
-          <p:cNvPr id="6" name="Date Placeholder 5"/>
-          <p:cNvSpPr>
-            <a:spLocks noGrp="1"/>
-          </p:cNvSpPr>
-          <p:nvPr>
-            <p:ph type="dt" sz="half" idx="10"/>
-          </p:nvPr>
-        </p:nvSpPr>
-        <p:spPr/>
-        <p:txBody>
-          <a:bodyPr/>
-          <a:lstStyle/>
-          <a:p>
-            <a:r>
-              <a:rPr lang="en-US" smtClean="0"/>
-              <a:t>CS@UVa</a:t>
-            </a:r>
-            <a:endParaRPr lang="en-US"/>
-          </a:p>
-        </p:txBody>
-      </p:sp>
-      <p:sp>
-        <p:nvSpPr>
-          <p:cNvPr id="7" name="Footer Placeholder 6"/>
-          <p:cNvSpPr>
-            <a:spLocks noGrp="1"/>
-          </p:cNvSpPr>
-          <p:nvPr>
-            <p:ph type="ftr" sz="quarter" idx="11"/>
-          </p:nvPr>
-        </p:nvSpPr>
-        <p:spPr/>
-        <p:txBody>
-          <a:bodyPr/>
-          <a:lstStyle/>
-          <a:p>
-            <a:r>
-              <a:rPr lang="en-US" smtClean="0"/>
-              <a:t>CS6501: Text Mining</a:t>
-            </a:r>
-            <a:endParaRPr lang="en-US"/>
-          </a:p>
-        </p:txBody>
-      </p:sp>
-      <p:sp>
-        <p:nvSpPr>
-          <p:cNvPr id="41" name="Slide Number Placeholder 2"/>
-          <p:cNvSpPr>
-            <a:spLocks noGrp="1"/>
-          </p:cNvSpPr>
-          <p:nvPr>
-            <p:ph type="sldNum" sz="quarter" idx="12"/>
-          </p:nvPr>
-        </p:nvSpPr>
-        <p:spPr/>
-        <p:txBody>
-          <a:bodyPr/>
-          <a:lstStyle/>
-          <a:p>
-            <a:fld id="{9AF9FCE4-0043-42FF-8FEB-0F3EB0D0C0FD}" type="slidenum">
-              <a:rPr lang="en-US" altLang="en-US"/>
-              <a:pPr/>
-              <a:t>3</a:t>
-            </a:fld>
-            <a:endParaRPr lang="en-US" altLang="en-US"/>
-          </a:p>
-        </p:txBody>
-      </p:sp>
-      <p:sp>
-        <p:nvSpPr>
-          <p:cNvPr id="838659" name="AutoShape 3"/>
-          <p:cNvSpPr>
-            <a:spLocks noChangeArrowheads="1"/>
-          </p:cNvSpPr>
-          <p:nvPr/>
-        </p:nvSpPr>
-        <p:spPr bwMode="auto">
-          <a:xfrm>
-            <a:off x="1981200" y="2819400"/>
-            <a:ext cx="4876800" cy="2212975"/>
-          </a:xfrm>
-          <a:prstGeom prst="can">
-            <a:avLst>
-              <a:gd name="adj" fmla="val 25000"/>
-            </a:avLst>
-          </a:prstGeom>
-          <a:noFill/>
-          <a:ln w="25400">
-            <a:solidFill>
-              <a:schemeClr val="tx1"/>
-            </a:solidFill>
-            <a:round/>
-            <a:headEnd/>
-            <a:tailEnd/>
-          </a:ln>
-          <a:effectLst/>
-          <a:extLst>
-            <a:ext uri="{909E8E84-426E-40DD-AFC4-6F175D3DCCD1}">
-              <a14:hiddenFill xmlns:a14="http://schemas.microsoft.com/office/drawing/2010/main">
-                <a:solidFill>
-                  <a:schemeClr val="accent1"/>
-                </a:solidFill>
-              </a14:hiddenFill>
-            </a:ext>
-            <a:ext uri="{AF507438-7753-43E0-B8FC-AC1667EBCBE1}">
-              <a14:hiddenEffects xmlns:a14="http://schemas.microsoft.com/office/drawing/2010/main">
-                <a:effectLst>
-                  <a:outerShdw dist="35921" dir="2700000" algn="ctr" rotWithShape="0">
-                    <a:schemeClr val="bg2"/>
-                  </a:outerShdw>
-                </a:effectLst>
-              </a14:hiddenEffects>
-            </a:ext>
-          </a:extLst>
-        </p:spPr>
-        <p:txBody>
-          <a:bodyPr wrap="none" anchor="ctr"/>
-          <a:lstStyle/>
-          <a:p>
-            <a:endParaRPr lang="en-US"/>
-          </a:p>
-        </p:txBody>
-      </p:sp>
-      <p:sp>
-        <p:nvSpPr>
-          <p:cNvPr id="838660" name="AutoShape 4"/>
-          <p:cNvSpPr>
-            <a:spLocks noChangeArrowheads="1"/>
-          </p:cNvSpPr>
-          <p:nvPr/>
-        </p:nvSpPr>
-        <p:spPr bwMode="auto">
-          <a:xfrm>
-            <a:off x="2335213" y="3373438"/>
-            <a:ext cx="282575" cy="369887"/>
-          </a:xfrm>
-          <a:prstGeom prst="foldedCorner">
-            <a:avLst>
-              <a:gd name="adj" fmla="val 12500"/>
-            </a:avLst>
-          </a:prstGeom>
-          <a:solidFill>
-            <a:schemeClr val="accent1"/>
-          </a:solidFill>
-          <a:ln w="9525">
-            <a:solidFill>
-              <a:schemeClr val="tx1"/>
-            </a:solidFill>
-            <a:round/>
-            <a:headEnd/>
-            <a:tailEnd/>
-          </a:ln>
-          <a:effectLst/>
-          <a:extLst>
-            <a:ext uri="{AF507438-7753-43E0-B8FC-AC1667EBCBE1}">
-              <a14:hiddenEffects xmlns:a14="http://schemas.microsoft.com/office/drawing/2010/main">
-                <a:effectLst>
-                  <a:outerShdw dist="35921" dir="2700000" algn="ctr" rotWithShape="0">
-                    <a:schemeClr val="bg2"/>
-                  </a:outerShdw>
-                </a:effectLst>
-              </a14:hiddenEffects>
-            </a:ext>
-          </a:extLst>
-        </p:spPr>
-        <p:txBody>
-          <a:bodyPr wrap="none" anchor="ctr"/>
-          <a:lstStyle/>
-          <a:p>
-            <a:endParaRPr lang="en-US"/>
-          </a:p>
-        </p:txBody>
-      </p:sp>
-      <p:sp>
-        <p:nvSpPr>
-          <p:cNvPr id="838661" name="AutoShape 5"/>
-          <p:cNvSpPr>
-            <a:spLocks noChangeArrowheads="1"/>
-          </p:cNvSpPr>
-          <p:nvPr/>
-        </p:nvSpPr>
-        <p:spPr bwMode="auto">
-          <a:xfrm>
-            <a:off x="2476500" y="3497263"/>
-            <a:ext cx="282575" cy="369887"/>
-          </a:xfrm>
-          <a:prstGeom prst="foldedCorner">
-            <a:avLst>
-              <a:gd name="adj" fmla="val 12500"/>
-            </a:avLst>
-          </a:prstGeom>
-          <a:solidFill>
-            <a:schemeClr val="accent1"/>
-          </a:solidFill>
-          <a:ln w="9525">
-            <a:solidFill>
-              <a:schemeClr val="tx1"/>
-            </a:solidFill>
-            <a:round/>
-            <a:headEnd/>
-            <a:tailEnd/>
-          </a:ln>
-          <a:effectLst/>
-          <a:extLst>
-            <a:ext uri="{AF507438-7753-43E0-B8FC-AC1667EBCBE1}">
-              <a14:hiddenEffects xmlns:a14="http://schemas.microsoft.com/office/drawing/2010/main">
-                <a:effectLst>
-                  <a:outerShdw dist="35921" dir="2700000" algn="ctr" rotWithShape="0">
-                    <a:schemeClr val="bg2"/>
-                  </a:outerShdw>
-                </a:effectLst>
-              </a14:hiddenEffects>
-            </a:ext>
-          </a:extLst>
-        </p:spPr>
-        <p:txBody>
-          <a:bodyPr wrap="none" anchor="ctr"/>
-          <a:lstStyle/>
-          <a:p>
-            <a:endParaRPr lang="en-US"/>
-          </a:p>
-        </p:txBody>
-      </p:sp>
-      <p:sp>
-        <p:nvSpPr>
-          <p:cNvPr id="838662" name="AutoShape 6"/>
-          <p:cNvSpPr>
-            <a:spLocks noChangeArrowheads="1"/>
-          </p:cNvSpPr>
-          <p:nvPr/>
-        </p:nvSpPr>
-        <p:spPr bwMode="auto">
-          <a:xfrm>
-            <a:off x="2900363" y="3805238"/>
-            <a:ext cx="282575" cy="368300"/>
-          </a:xfrm>
-          <a:prstGeom prst="foldedCorner">
-            <a:avLst>
-              <a:gd name="adj" fmla="val 12500"/>
-            </a:avLst>
-          </a:prstGeom>
-          <a:solidFill>
-            <a:schemeClr val="accent1"/>
-          </a:solidFill>
-          <a:ln w="9525">
-            <a:solidFill>
-              <a:schemeClr val="tx1"/>
-            </a:solidFill>
-            <a:round/>
-            <a:headEnd/>
-            <a:tailEnd/>
-          </a:ln>
-          <a:effectLst/>
-          <a:extLst>
-            <a:ext uri="{AF507438-7753-43E0-B8FC-AC1667EBCBE1}">
-              <a14:hiddenEffects xmlns:a14="http://schemas.microsoft.com/office/drawing/2010/main">
-                <a:effectLst>
-                  <a:outerShdw dist="35921" dir="2700000" algn="ctr" rotWithShape="0">
-                    <a:schemeClr val="bg2"/>
-                  </a:outerShdw>
-                </a:effectLst>
-              </a14:hiddenEffects>
-            </a:ext>
-          </a:extLst>
-        </p:spPr>
-        <p:txBody>
-          <a:bodyPr wrap="none" anchor="ctr"/>
-          <a:lstStyle/>
-          <a:p>
-            <a:endParaRPr lang="en-US"/>
-          </a:p>
-        </p:txBody>
-      </p:sp>
-      <p:sp>
-        <p:nvSpPr>
-          <p:cNvPr id="838663" name="AutoShape 7"/>
-          <p:cNvSpPr>
-            <a:spLocks noChangeArrowheads="1"/>
-          </p:cNvSpPr>
-          <p:nvPr/>
-        </p:nvSpPr>
-        <p:spPr bwMode="auto">
-          <a:xfrm>
-            <a:off x="2828925" y="4173538"/>
-            <a:ext cx="282575" cy="369887"/>
-          </a:xfrm>
-          <a:prstGeom prst="foldedCorner">
-            <a:avLst>
-              <a:gd name="adj" fmla="val 12500"/>
-            </a:avLst>
-          </a:prstGeom>
-          <a:solidFill>
-            <a:schemeClr val="accent1"/>
-          </a:solidFill>
-          <a:ln w="9525">
-            <a:solidFill>
-              <a:schemeClr val="tx1"/>
-            </a:solidFill>
-            <a:round/>
-            <a:headEnd/>
-            <a:tailEnd/>
-          </a:ln>
-          <a:effectLst/>
-          <a:extLst>
-            <a:ext uri="{AF507438-7753-43E0-B8FC-AC1667EBCBE1}">
-              <a14:hiddenEffects xmlns:a14="http://schemas.microsoft.com/office/drawing/2010/main">
-                <a:effectLst>
-                  <a:outerShdw dist="35921" dir="2700000" algn="ctr" rotWithShape="0">
-                    <a:schemeClr val="bg2"/>
-                  </a:outerShdw>
-                </a:effectLst>
-              </a14:hiddenEffects>
-            </a:ext>
-          </a:extLst>
-        </p:spPr>
-        <p:txBody>
-          <a:bodyPr wrap="none" anchor="ctr"/>
-          <a:lstStyle/>
-          <a:p>
-            <a:endParaRPr lang="en-US"/>
-          </a:p>
-        </p:txBody>
-      </p:sp>
-      <p:sp>
-        <p:nvSpPr>
-          <p:cNvPr id="838664" name="AutoShape 8"/>
-          <p:cNvSpPr>
-            <a:spLocks noChangeArrowheads="1"/>
-          </p:cNvSpPr>
-          <p:nvPr/>
-        </p:nvSpPr>
-        <p:spPr bwMode="auto">
-          <a:xfrm>
-            <a:off x="3465513" y="3805238"/>
-            <a:ext cx="282575" cy="368300"/>
-          </a:xfrm>
-          <a:prstGeom prst="foldedCorner">
-            <a:avLst>
-              <a:gd name="adj" fmla="val 12500"/>
-            </a:avLst>
-          </a:prstGeom>
-          <a:solidFill>
-            <a:schemeClr val="accent1"/>
-          </a:solidFill>
-          <a:ln w="9525">
-            <a:solidFill>
-              <a:schemeClr val="tx1"/>
-            </a:solidFill>
-            <a:round/>
-            <a:headEnd/>
-            <a:tailEnd/>
-          </a:ln>
-          <a:effectLst/>
-          <a:extLst>
-            <a:ext uri="{AF507438-7753-43E0-B8FC-AC1667EBCBE1}">
-              <a14:hiddenEffects xmlns:a14="http://schemas.microsoft.com/office/drawing/2010/main">
-                <a:effectLst>
-                  <a:outerShdw dist="35921" dir="2700000" algn="ctr" rotWithShape="0">
-                    <a:schemeClr val="bg2"/>
-                  </a:outerShdw>
-                </a:effectLst>
-              </a14:hiddenEffects>
-            </a:ext>
-          </a:extLst>
-        </p:spPr>
-        <p:txBody>
-          <a:bodyPr wrap="none" anchor="ctr"/>
-          <a:lstStyle/>
-          <a:p>
-            <a:endParaRPr lang="en-US"/>
-          </a:p>
-        </p:txBody>
-      </p:sp>
-      <p:sp>
-        <p:nvSpPr>
-          <p:cNvPr id="838665" name="AutoShape 9"/>
-          <p:cNvSpPr>
-            <a:spLocks noChangeArrowheads="1"/>
-          </p:cNvSpPr>
-          <p:nvPr/>
-        </p:nvSpPr>
-        <p:spPr bwMode="auto">
-          <a:xfrm>
-            <a:off x="4525963" y="3681413"/>
-            <a:ext cx="282575" cy="369887"/>
-          </a:xfrm>
-          <a:prstGeom prst="foldedCorner">
-            <a:avLst>
-              <a:gd name="adj" fmla="val 12500"/>
-            </a:avLst>
-          </a:prstGeom>
-          <a:solidFill>
-            <a:schemeClr val="accent1"/>
-          </a:solidFill>
-          <a:ln w="9525">
-            <a:solidFill>
-              <a:schemeClr val="tx1"/>
-            </a:solidFill>
-            <a:round/>
-            <a:headEnd/>
-            <a:tailEnd/>
-          </a:ln>
-          <a:effectLst/>
-          <a:extLst>
-            <a:ext uri="{AF507438-7753-43E0-B8FC-AC1667EBCBE1}">
-              <a14:hiddenEffects xmlns:a14="http://schemas.microsoft.com/office/drawing/2010/main">
-                <a:effectLst>
-                  <a:outerShdw dist="35921" dir="2700000" algn="ctr" rotWithShape="0">
-                    <a:schemeClr val="bg2"/>
-                  </a:outerShdw>
-                </a:effectLst>
-              </a14:hiddenEffects>
-            </a:ext>
-          </a:extLst>
-        </p:spPr>
-        <p:txBody>
-          <a:bodyPr wrap="none" anchor="ctr"/>
-          <a:lstStyle/>
-          <a:p>
-            <a:endParaRPr lang="en-US"/>
-          </a:p>
-        </p:txBody>
-      </p:sp>
-      <p:sp>
-        <p:nvSpPr>
-          <p:cNvPr id="838666" name="AutoShape 10"/>
-          <p:cNvSpPr>
-            <a:spLocks noChangeArrowheads="1"/>
-          </p:cNvSpPr>
-          <p:nvPr/>
-        </p:nvSpPr>
-        <p:spPr bwMode="auto">
-          <a:xfrm>
-            <a:off x="5160963" y="3681413"/>
-            <a:ext cx="495300" cy="492125"/>
-          </a:xfrm>
-          <a:prstGeom prst="foldedCorner">
-            <a:avLst>
-              <a:gd name="adj" fmla="val 12500"/>
-            </a:avLst>
-          </a:prstGeom>
-          <a:solidFill>
-            <a:schemeClr val="accent1"/>
-          </a:solidFill>
-          <a:ln w="9525">
-            <a:solidFill>
-              <a:schemeClr val="tx1"/>
-            </a:solidFill>
-            <a:round/>
-            <a:headEnd/>
-            <a:tailEnd/>
-          </a:ln>
-          <a:effectLst/>
-          <a:extLst>
-            <a:ext uri="{AF507438-7753-43E0-B8FC-AC1667EBCBE1}">
-              <a14:hiddenEffects xmlns:a14="http://schemas.microsoft.com/office/drawing/2010/main">
-                <a:effectLst>
-                  <a:outerShdw dist="35921" dir="2700000" algn="ctr" rotWithShape="0">
-                    <a:schemeClr val="bg2"/>
-                  </a:outerShdw>
-                </a:effectLst>
-              </a14:hiddenEffects>
-            </a:ext>
-          </a:extLst>
-        </p:spPr>
-        <p:txBody>
-          <a:bodyPr wrap="none" anchor="ctr"/>
-          <a:lstStyle/>
-          <a:p>
-            <a:endParaRPr lang="en-US"/>
-          </a:p>
-        </p:txBody>
-      </p:sp>
-      <p:sp>
-        <p:nvSpPr>
-          <p:cNvPr id="838667" name="AutoShape 11"/>
-          <p:cNvSpPr>
-            <a:spLocks noChangeArrowheads="1"/>
-          </p:cNvSpPr>
-          <p:nvPr/>
-        </p:nvSpPr>
-        <p:spPr bwMode="auto">
-          <a:xfrm>
-            <a:off x="3535363" y="4421188"/>
-            <a:ext cx="495300" cy="492125"/>
-          </a:xfrm>
-          <a:prstGeom prst="foldedCorner">
-            <a:avLst>
-              <a:gd name="adj" fmla="val 12500"/>
-            </a:avLst>
-          </a:prstGeom>
-          <a:solidFill>
-            <a:schemeClr val="accent1"/>
-          </a:solidFill>
-          <a:ln w="9525">
-            <a:solidFill>
-              <a:schemeClr val="tx1"/>
-            </a:solidFill>
-            <a:round/>
-            <a:headEnd/>
-            <a:tailEnd/>
-          </a:ln>
-          <a:effectLst/>
-          <a:extLst>
-            <a:ext uri="{AF507438-7753-43E0-B8FC-AC1667EBCBE1}">
-              <a14:hiddenEffects xmlns:a14="http://schemas.microsoft.com/office/drawing/2010/main">
-                <a:effectLst>
-                  <a:outerShdw dist="35921" dir="2700000" algn="ctr" rotWithShape="0">
-                    <a:schemeClr val="bg2"/>
-                  </a:outerShdw>
-                </a:effectLst>
-              </a14:hiddenEffects>
-            </a:ext>
-          </a:extLst>
-        </p:spPr>
-        <p:txBody>
-          <a:bodyPr wrap="none" anchor="ctr"/>
-          <a:lstStyle/>
-          <a:p>
-            <a:endParaRPr lang="en-US"/>
-          </a:p>
-        </p:txBody>
-      </p:sp>
-      <p:sp>
-        <p:nvSpPr>
-          <p:cNvPr id="838668" name="AutoShape 12"/>
-          <p:cNvSpPr>
-            <a:spLocks noChangeArrowheads="1"/>
-          </p:cNvSpPr>
-          <p:nvPr/>
-        </p:nvSpPr>
-        <p:spPr bwMode="auto">
-          <a:xfrm>
-            <a:off x="4243388" y="3805238"/>
-            <a:ext cx="493712" cy="492125"/>
-          </a:xfrm>
-          <a:prstGeom prst="foldedCorner">
-            <a:avLst>
-              <a:gd name="adj" fmla="val 12500"/>
-            </a:avLst>
-          </a:prstGeom>
-          <a:solidFill>
-            <a:schemeClr val="accent1"/>
-          </a:solidFill>
-          <a:ln w="9525">
-            <a:solidFill>
-              <a:schemeClr val="tx1"/>
-            </a:solidFill>
-            <a:round/>
-            <a:headEnd/>
-            <a:tailEnd/>
-          </a:ln>
-          <a:effectLst/>
-          <a:extLst>
-            <a:ext uri="{AF507438-7753-43E0-B8FC-AC1667EBCBE1}">
-              <a14:hiddenEffects xmlns:a14="http://schemas.microsoft.com/office/drawing/2010/main">
-                <a:effectLst>
-                  <a:outerShdw dist="35921" dir="2700000" algn="ctr" rotWithShape="0">
-                    <a:schemeClr val="bg2"/>
-                  </a:outerShdw>
-                </a:effectLst>
-              </a14:hiddenEffects>
-            </a:ext>
-          </a:extLst>
-        </p:spPr>
-        <p:txBody>
-          <a:bodyPr wrap="none" anchor="ctr"/>
-          <a:lstStyle/>
-          <a:p>
-            <a:endParaRPr lang="en-US"/>
-          </a:p>
-        </p:txBody>
-      </p:sp>
-      <p:sp>
-        <p:nvSpPr>
-          <p:cNvPr id="838669" name="AutoShape 13"/>
-          <p:cNvSpPr>
-            <a:spLocks noChangeArrowheads="1"/>
-          </p:cNvSpPr>
-          <p:nvPr/>
-        </p:nvSpPr>
-        <p:spPr bwMode="auto">
-          <a:xfrm>
-            <a:off x="2193925" y="4173538"/>
-            <a:ext cx="493713" cy="493712"/>
-          </a:xfrm>
-          <a:prstGeom prst="foldedCorner">
-            <a:avLst>
-              <a:gd name="adj" fmla="val 12500"/>
-            </a:avLst>
-          </a:prstGeom>
-          <a:solidFill>
-            <a:schemeClr val="accent1"/>
-          </a:solidFill>
-          <a:ln w="9525">
-            <a:solidFill>
-              <a:schemeClr val="tx1"/>
-            </a:solidFill>
-            <a:round/>
-            <a:headEnd/>
-            <a:tailEnd/>
-          </a:ln>
-          <a:effectLst/>
-          <a:extLst>
-            <a:ext uri="{AF507438-7753-43E0-B8FC-AC1667EBCBE1}">
-              <a14:hiddenEffects xmlns:a14="http://schemas.microsoft.com/office/drawing/2010/main">
-                <a:effectLst>
-                  <a:outerShdw dist="35921" dir="2700000" algn="ctr" rotWithShape="0">
-                    <a:schemeClr val="bg2"/>
-                  </a:outerShdw>
-                </a:effectLst>
-              </a14:hiddenEffects>
-            </a:ext>
-          </a:extLst>
-        </p:spPr>
-        <p:txBody>
-          <a:bodyPr wrap="none" anchor="ctr"/>
-          <a:lstStyle/>
-          <a:p>
-            <a:endParaRPr lang="en-US"/>
-          </a:p>
-        </p:txBody>
-      </p:sp>
-      <p:sp>
-        <p:nvSpPr>
-          <p:cNvPr id="838670" name="AutoShape 14"/>
-          <p:cNvSpPr>
-            <a:spLocks noChangeArrowheads="1"/>
-          </p:cNvSpPr>
-          <p:nvPr/>
-        </p:nvSpPr>
-        <p:spPr bwMode="auto">
-          <a:xfrm>
-            <a:off x="4667250" y="4235450"/>
-            <a:ext cx="493713" cy="493713"/>
-          </a:xfrm>
-          <a:prstGeom prst="foldedCorner">
-            <a:avLst>
-              <a:gd name="adj" fmla="val 12500"/>
-            </a:avLst>
-          </a:prstGeom>
-          <a:solidFill>
-            <a:schemeClr val="accent1"/>
-          </a:solidFill>
-          <a:ln w="9525">
-            <a:solidFill>
-              <a:schemeClr val="tx1"/>
-            </a:solidFill>
-            <a:round/>
-            <a:headEnd/>
-            <a:tailEnd/>
-          </a:ln>
-          <a:effectLst/>
-          <a:extLst>
-            <a:ext uri="{AF507438-7753-43E0-B8FC-AC1667EBCBE1}">
-              <a14:hiddenEffects xmlns:a14="http://schemas.microsoft.com/office/drawing/2010/main">
-                <a:effectLst>
-                  <a:outerShdw dist="35921" dir="2700000" algn="ctr" rotWithShape="0">
-                    <a:schemeClr val="bg2"/>
-                  </a:outerShdw>
-                </a:effectLst>
-              </a14:hiddenEffects>
-            </a:ext>
-          </a:extLst>
-        </p:spPr>
-        <p:txBody>
-          <a:bodyPr wrap="none" anchor="ctr"/>
-          <a:lstStyle/>
-          <a:p>
-            <a:endParaRPr lang="en-US"/>
-          </a:p>
-        </p:txBody>
-      </p:sp>
-      <p:sp>
-        <p:nvSpPr>
-          <p:cNvPr id="838671" name="AutoShape 15"/>
-          <p:cNvSpPr>
-            <a:spLocks noChangeArrowheads="1"/>
-          </p:cNvSpPr>
-          <p:nvPr/>
-        </p:nvSpPr>
-        <p:spPr bwMode="auto">
-          <a:xfrm>
-            <a:off x="4030663" y="3559175"/>
-            <a:ext cx="212725" cy="368300"/>
-          </a:xfrm>
-          <a:prstGeom prst="foldedCorner">
-            <a:avLst>
-              <a:gd name="adj" fmla="val 12500"/>
-            </a:avLst>
-          </a:prstGeom>
-          <a:solidFill>
-            <a:schemeClr val="accent1"/>
-          </a:solidFill>
-          <a:ln w="9525">
-            <a:solidFill>
-              <a:schemeClr val="tx1"/>
-            </a:solidFill>
-            <a:round/>
-            <a:headEnd/>
-            <a:tailEnd/>
-          </a:ln>
-          <a:effectLst/>
-          <a:extLst>
-            <a:ext uri="{AF507438-7753-43E0-B8FC-AC1667EBCBE1}">
-              <a14:hiddenEffects xmlns:a14="http://schemas.microsoft.com/office/drawing/2010/main">
-                <a:effectLst>
-                  <a:outerShdw dist="35921" dir="2700000" algn="ctr" rotWithShape="0">
-                    <a:schemeClr val="bg2"/>
-                  </a:outerShdw>
-                </a:effectLst>
-              </a14:hiddenEffects>
-            </a:ext>
-          </a:extLst>
-        </p:spPr>
-        <p:txBody>
-          <a:bodyPr wrap="none" anchor="ctr"/>
-          <a:lstStyle/>
-          <a:p>
-            <a:endParaRPr lang="en-US"/>
-          </a:p>
-        </p:txBody>
-      </p:sp>
-      <p:sp>
-        <p:nvSpPr>
-          <p:cNvPr id="838672" name="AutoShape 16"/>
-          <p:cNvSpPr>
-            <a:spLocks noChangeArrowheads="1"/>
-          </p:cNvSpPr>
-          <p:nvPr/>
-        </p:nvSpPr>
-        <p:spPr bwMode="auto">
-          <a:xfrm>
-            <a:off x="4808538" y="3619500"/>
-            <a:ext cx="211137" cy="369888"/>
-          </a:xfrm>
-          <a:prstGeom prst="foldedCorner">
-            <a:avLst>
-              <a:gd name="adj" fmla="val 12500"/>
-            </a:avLst>
-          </a:prstGeom>
-          <a:solidFill>
-            <a:schemeClr val="accent1"/>
-          </a:solidFill>
-          <a:ln w="9525">
-            <a:solidFill>
-              <a:schemeClr val="tx1"/>
-            </a:solidFill>
-            <a:round/>
-            <a:headEnd/>
-            <a:tailEnd/>
-          </a:ln>
-          <a:effectLst/>
-          <a:extLst>
-            <a:ext uri="{AF507438-7753-43E0-B8FC-AC1667EBCBE1}">
-              <a14:hiddenEffects xmlns:a14="http://schemas.microsoft.com/office/drawing/2010/main">
-                <a:effectLst>
-                  <a:outerShdw dist="35921" dir="2700000" algn="ctr" rotWithShape="0">
-                    <a:schemeClr val="bg2"/>
-                  </a:outerShdw>
-                </a:effectLst>
-              </a14:hiddenEffects>
-            </a:ext>
-          </a:extLst>
-        </p:spPr>
-        <p:txBody>
-          <a:bodyPr wrap="none" anchor="ctr"/>
-          <a:lstStyle/>
-          <a:p>
-            <a:endParaRPr lang="en-US"/>
-          </a:p>
-        </p:txBody>
-      </p:sp>
-      <p:sp>
-        <p:nvSpPr>
-          <p:cNvPr id="838673" name="AutoShape 17"/>
-          <p:cNvSpPr>
-            <a:spLocks noChangeArrowheads="1"/>
-          </p:cNvSpPr>
-          <p:nvPr/>
-        </p:nvSpPr>
-        <p:spPr bwMode="auto">
-          <a:xfrm>
-            <a:off x="3465513" y="3435350"/>
-            <a:ext cx="212725" cy="369888"/>
-          </a:xfrm>
-          <a:prstGeom prst="foldedCorner">
-            <a:avLst>
-              <a:gd name="adj" fmla="val 12500"/>
-            </a:avLst>
-          </a:prstGeom>
-          <a:solidFill>
-            <a:schemeClr val="accent1"/>
-          </a:solidFill>
-          <a:ln w="9525">
-            <a:solidFill>
-              <a:schemeClr val="tx1"/>
-            </a:solidFill>
-            <a:round/>
-            <a:headEnd/>
-            <a:tailEnd/>
-          </a:ln>
-          <a:effectLst/>
-          <a:extLst>
-            <a:ext uri="{AF507438-7753-43E0-B8FC-AC1667EBCBE1}">
-              <a14:hiddenEffects xmlns:a14="http://schemas.microsoft.com/office/drawing/2010/main">
-                <a:effectLst>
-                  <a:outerShdw dist="35921" dir="2700000" algn="ctr" rotWithShape="0">
-                    <a:schemeClr val="bg2"/>
-                  </a:outerShdw>
-                </a:effectLst>
-              </a14:hiddenEffects>
-            </a:ext>
-          </a:extLst>
-        </p:spPr>
-        <p:txBody>
-          <a:bodyPr wrap="none" anchor="ctr"/>
-          <a:lstStyle/>
-          <a:p>
-            <a:endParaRPr lang="en-US"/>
-          </a:p>
-        </p:txBody>
-      </p:sp>
-      <p:sp>
-        <p:nvSpPr>
-          <p:cNvPr id="838674" name="AutoShape 18"/>
-          <p:cNvSpPr>
-            <a:spLocks noChangeArrowheads="1"/>
-          </p:cNvSpPr>
-          <p:nvPr/>
-        </p:nvSpPr>
-        <p:spPr bwMode="auto">
-          <a:xfrm>
-            <a:off x="2828925" y="3373438"/>
-            <a:ext cx="212725" cy="369887"/>
-          </a:xfrm>
-          <a:prstGeom prst="foldedCorner">
-            <a:avLst>
-              <a:gd name="adj" fmla="val 12500"/>
-            </a:avLst>
-          </a:prstGeom>
-          <a:solidFill>
-            <a:schemeClr val="accent1"/>
-          </a:solidFill>
-          <a:ln w="9525">
-            <a:solidFill>
-              <a:schemeClr val="tx1"/>
-            </a:solidFill>
-            <a:round/>
-            <a:headEnd/>
-            <a:tailEnd/>
-          </a:ln>
-          <a:effectLst/>
-          <a:extLst>
-            <a:ext uri="{AF507438-7753-43E0-B8FC-AC1667EBCBE1}">
-              <a14:hiddenEffects xmlns:a14="http://schemas.microsoft.com/office/drawing/2010/main">
-                <a:effectLst>
-                  <a:outerShdw dist="35921" dir="2700000" algn="ctr" rotWithShape="0">
-                    <a:schemeClr val="bg2"/>
-                  </a:outerShdw>
-                </a:effectLst>
-              </a14:hiddenEffects>
-            </a:ext>
-          </a:extLst>
-        </p:spPr>
-        <p:txBody>
-          <a:bodyPr wrap="none" anchor="ctr"/>
-          <a:lstStyle/>
-          <a:p>
-            <a:endParaRPr lang="en-US"/>
-          </a:p>
-        </p:txBody>
-      </p:sp>
-      <p:sp>
-        <p:nvSpPr>
-          <p:cNvPr id="838675" name="AutoShape 19"/>
-          <p:cNvSpPr>
-            <a:spLocks noChangeArrowheads="1"/>
-          </p:cNvSpPr>
-          <p:nvPr/>
-        </p:nvSpPr>
-        <p:spPr bwMode="auto">
-          <a:xfrm>
-            <a:off x="5303838" y="4481513"/>
-            <a:ext cx="211137" cy="369887"/>
-          </a:xfrm>
-          <a:prstGeom prst="foldedCorner">
-            <a:avLst>
-              <a:gd name="adj" fmla="val 12500"/>
-            </a:avLst>
-          </a:prstGeom>
-          <a:solidFill>
-            <a:schemeClr val="accent1"/>
-          </a:solidFill>
-          <a:ln w="9525">
-            <a:solidFill>
-              <a:schemeClr val="tx1"/>
-            </a:solidFill>
-            <a:round/>
-            <a:headEnd/>
-            <a:tailEnd/>
-          </a:ln>
-          <a:effectLst/>
-          <a:extLst>
-            <a:ext uri="{AF507438-7753-43E0-B8FC-AC1667EBCBE1}">
-              <a14:hiddenEffects xmlns:a14="http://schemas.microsoft.com/office/drawing/2010/main">
-                <a:effectLst>
-                  <a:outerShdw dist="35921" dir="2700000" algn="ctr" rotWithShape="0">
-                    <a:schemeClr val="bg2"/>
-                  </a:outerShdw>
-                </a:effectLst>
-              </a14:hiddenEffects>
-            </a:ext>
-          </a:extLst>
-        </p:spPr>
-        <p:txBody>
-          <a:bodyPr wrap="none" anchor="ctr"/>
-          <a:lstStyle/>
-          <a:p>
-            <a:endParaRPr lang="en-US"/>
-          </a:p>
-        </p:txBody>
-      </p:sp>
-      <p:sp>
-        <p:nvSpPr>
-          <p:cNvPr id="838676" name="AutoShape 20"/>
-          <p:cNvSpPr>
-            <a:spLocks noChangeArrowheads="1"/>
-          </p:cNvSpPr>
-          <p:nvPr/>
-        </p:nvSpPr>
-        <p:spPr bwMode="auto">
-          <a:xfrm>
-            <a:off x="4171950" y="4359275"/>
-            <a:ext cx="212725" cy="369888"/>
-          </a:xfrm>
-          <a:prstGeom prst="foldedCorner">
-            <a:avLst>
-              <a:gd name="adj" fmla="val 12500"/>
-            </a:avLst>
-          </a:prstGeom>
-          <a:solidFill>
-            <a:schemeClr val="accent1"/>
-          </a:solidFill>
-          <a:ln w="9525">
-            <a:solidFill>
-              <a:schemeClr val="tx1"/>
-            </a:solidFill>
-            <a:round/>
-            <a:headEnd/>
-            <a:tailEnd/>
-          </a:ln>
-          <a:effectLst/>
-          <a:extLst>
-            <a:ext uri="{AF507438-7753-43E0-B8FC-AC1667EBCBE1}">
-              <a14:hiddenEffects xmlns:a14="http://schemas.microsoft.com/office/drawing/2010/main">
-                <a:effectLst>
-                  <a:outerShdw dist="35921" dir="2700000" algn="ctr" rotWithShape="0">
-                    <a:schemeClr val="bg2"/>
-                  </a:outerShdw>
-                </a:effectLst>
-              </a14:hiddenEffects>
-            </a:ext>
-          </a:extLst>
-        </p:spPr>
-        <p:txBody>
-          <a:bodyPr wrap="none" anchor="ctr"/>
-          <a:lstStyle/>
-          <a:p>
-            <a:endParaRPr lang="en-US"/>
-          </a:p>
-        </p:txBody>
-      </p:sp>
-      <p:sp>
-        <p:nvSpPr>
-          <p:cNvPr id="838677" name="AutoShape 21"/>
-          <p:cNvSpPr>
-            <a:spLocks noChangeArrowheads="1"/>
-          </p:cNvSpPr>
-          <p:nvPr/>
-        </p:nvSpPr>
-        <p:spPr bwMode="auto">
-          <a:xfrm>
-            <a:off x="5514975" y="3867150"/>
-            <a:ext cx="212725" cy="368300"/>
-          </a:xfrm>
-          <a:prstGeom prst="foldedCorner">
-            <a:avLst>
-              <a:gd name="adj" fmla="val 12500"/>
-            </a:avLst>
-          </a:prstGeom>
-          <a:solidFill>
-            <a:schemeClr val="accent1"/>
-          </a:solidFill>
-          <a:ln w="9525">
-            <a:solidFill>
-              <a:schemeClr val="tx1"/>
-            </a:solidFill>
-            <a:round/>
-            <a:headEnd/>
-            <a:tailEnd/>
-          </a:ln>
-          <a:effectLst/>
-          <a:extLst>
-            <a:ext uri="{AF507438-7753-43E0-B8FC-AC1667EBCBE1}">
-              <a14:hiddenEffects xmlns:a14="http://schemas.microsoft.com/office/drawing/2010/main">
-                <a:effectLst>
-                  <a:outerShdw dist="35921" dir="2700000" algn="ctr" rotWithShape="0">
-                    <a:schemeClr val="bg2"/>
-                  </a:outerShdw>
-                </a:effectLst>
-              </a14:hiddenEffects>
-            </a:ext>
-          </a:extLst>
-        </p:spPr>
-        <p:txBody>
-          <a:bodyPr wrap="none" anchor="ctr"/>
-          <a:lstStyle/>
-          <a:p>
-            <a:endParaRPr lang="en-US"/>
-          </a:p>
-        </p:txBody>
-      </p:sp>
-      <p:sp>
-        <p:nvSpPr>
-          <p:cNvPr id="838678" name="AutoShape 22"/>
-          <p:cNvSpPr>
-            <a:spLocks noChangeArrowheads="1"/>
-          </p:cNvSpPr>
-          <p:nvPr/>
-        </p:nvSpPr>
-        <p:spPr bwMode="auto">
-          <a:xfrm>
-            <a:off x="5656263" y="3989388"/>
-            <a:ext cx="212725" cy="369887"/>
-          </a:xfrm>
-          <a:prstGeom prst="foldedCorner">
-            <a:avLst>
-              <a:gd name="adj" fmla="val 12500"/>
-            </a:avLst>
-          </a:prstGeom>
-          <a:solidFill>
-            <a:schemeClr val="accent1"/>
-          </a:solidFill>
-          <a:ln w="9525">
-            <a:solidFill>
-              <a:schemeClr val="tx1"/>
-            </a:solidFill>
-            <a:round/>
-            <a:headEnd/>
-            <a:tailEnd/>
-          </a:ln>
-          <a:effectLst/>
-          <a:extLst>
-            <a:ext uri="{AF507438-7753-43E0-B8FC-AC1667EBCBE1}">
-              <a14:hiddenEffects xmlns:a14="http://schemas.microsoft.com/office/drawing/2010/main">
-                <a:effectLst>
-                  <a:outerShdw dist="35921" dir="2700000" algn="ctr" rotWithShape="0">
-                    <a:schemeClr val="bg2"/>
-                  </a:outerShdw>
-                </a:effectLst>
-              </a14:hiddenEffects>
-            </a:ext>
-          </a:extLst>
-        </p:spPr>
-        <p:txBody>
-          <a:bodyPr wrap="none" anchor="ctr"/>
-          <a:lstStyle/>
-          <a:p>
-            <a:endParaRPr lang="en-US"/>
-          </a:p>
-        </p:txBody>
-      </p:sp>
-      <p:sp>
-        <p:nvSpPr>
-          <p:cNvPr id="838679" name="AutoShape 23"/>
-          <p:cNvSpPr>
-            <a:spLocks noChangeArrowheads="1"/>
-          </p:cNvSpPr>
-          <p:nvPr/>
-        </p:nvSpPr>
-        <p:spPr bwMode="auto">
-          <a:xfrm>
-            <a:off x="5797550" y="4113213"/>
-            <a:ext cx="212725" cy="368300"/>
-          </a:xfrm>
-          <a:prstGeom prst="foldedCorner">
-            <a:avLst>
-              <a:gd name="adj" fmla="val 12500"/>
-            </a:avLst>
-          </a:prstGeom>
-          <a:solidFill>
-            <a:schemeClr val="accent1"/>
-          </a:solidFill>
-          <a:ln w="9525">
-            <a:solidFill>
-              <a:schemeClr val="tx1"/>
-            </a:solidFill>
-            <a:round/>
-            <a:headEnd/>
-            <a:tailEnd/>
-          </a:ln>
-          <a:effectLst/>
-          <a:extLst>
-            <a:ext uri="{AF507438-7753-43E0-B8FC-AC1667EBCBE1}">
-              <a14:hiddenEffects xmlns:a14="http://schemas.microsoft.com/office/drawing/2010/main">
-                <a:effectLst>
-                  <a:outerShdw dist="35921" dir="2700000" algn="ctr" rotWithShape="0">
-                    <a:schemeClr val="bg2"/>
-                  </a:outerShdw>
-                </a:effectLst>
-              </a14:hiddenEffects>
-            </a:ext>
-          </a:extLst>
-        </p:spPr>
-        <p:txBody>
-          <a:bodyPr wrap="none" anchor="ctr"/>
-          <a:lstStyle/>
-          <a:p>
-            <a:endParaRPr lang="en-US"/>
-          </a:p>
-        </p:txBody>
-      </p:sp>
-      <p:sp>
-        <p:nvSpPr>
-          <p:cNvPr id="838680" name="AutoShape 24"/>
-          <p:cNvSpPr>
-            <a:spLocks noChangeArrowheads="1"/>
-          </p:cNvSpPr>
-          <p:nvPr/>
-        </p:nvSpPr>
-        <p:spPr bwMode="auto">
-          <a:xfrm>
-            <a:off x="3252788" y="4359275"/>
-            <a:ext cx="212725" cy="369888"/>
-          </a:xfrm>
-          <a:prstGeom prst="foldedCorner">
-            <a:avLst>
-              <a:gd name="adj" fmla="val 12500"/>
-            </a:avLst>
-          </a:prstGeom>
-          <a:solidFill>
-            <a:schemeClr val="accent1"/>
-          </a:solidFill>
-          <a:ln w="9525">
-            <a:solidFill>
-              <a:schemeClr val="tx1"/>
-            </a:solidFill>
-            <a:round/>
-            <a:headEnd/>
-            <a:tailEnd/>
-          </a:ln>
-          <a:effectLst/>
-          <a:extLst>
-            <a:ext uri="{AF507438-7753-43E0-B8FC-AC1667EBCBE1}">
-              <a14:hiddenEffects xmlns:a14="http://schemas.microsoft.com/office/drawing/2010/main">
-                <a:effectLst>
-                  <a:outerShdw dist="35921" dir="2700000" algn="ctr" rotWithShape="0">
-                    <a:schemeClr val="bg2"/>
-                  </a:outerShdw>
-                </a:effectLst>
-              </a14:hiddenEffects>
-            </a:ext>
-          </a:extLst>
-        </p:spPr>
-        <p:txBody>
-          <a:bodyPr wrap="none" anchor="ctr"/>
-          <a:lstStyle/>
-          <a:p>
-            <a:endParaRPr lang="en-US"/>
-          </a:p>
-        </p:txBody>
-      </p:sp>
-      <p:sp>
-        <p:nvSpPr>
-          <p:cNvPr id="838681" name="AutoShape 25"/>
-          <p:cNvSpPr>
-            <a:spLocks noChangeArrowheads="1"/>
-          </p:cNvSpPr>
-          <p:nvPr/>
-        </p:nvSpPr>
-        <p:spPr bwMode="auto">
-          <a:xfrm>
-            <a:off x="5868988" y="3559175"/>
-            <a:ext cx="282575" cy="368300"/>
-          </a:xfrm>
-          <a:prstGeom prst="foldedCorner">
-            <a:avLst>
-              <a:gd name="adj" fmla="val 12500"/>
-            </a:avLst>
-          </a:prstGeom>
-          <a:solidFill>
-            <a:schemeClr val="accent1"/>
-          </a:solidFill>
-          <a:ln w="9525">
-            <a:solidFill>
-              <a:schemeClr val="tx1"/>
-            </a:solidFill>
-            <a:round/>
-            <a:headEnd/>
-            <a:tailEnd/>
-          </a:ln>
-          <a:effectLst/>
-          <a:extLst>
-            <a:ext uri="{AF507438-7753-43E0-B8FC-AC1667EBCBE1}">
-              <a14:hiddenEffects xmlns:a14="http://schemas.microsoft.com/office/drawing/2010/main">
-                <a:effectLst>
-                  <a:outerShdw dist="35921" dir="2700000" algn="ctr" rotWithShape="0">
-                    <a:schemeClr val="bg2"/>
-                  </a:outerShdw>
-                </a:effectLst>
-              </a14:hiddenEffects>
-            </a:ext>
-          </a:extLst>
-        </p:spPr>
-        <p:txBody>
-          <a:bodyPr wrap="none" anchor="ctr"/>
-          <a:lstStyle/>
-          <a:p>
-            <a:endParaRPr lang="en-US"/>
-          </a:p>
-        </p:txBody>
-      </p:sp>
-      <p:sp>
-        <p:nvSpPr>
-          <p:cNvPr id="838682" name="AutoShape 26"/>
-          <p:cNvSpPr>
-            <a:spLocks noChangeArrowheads="1"/>
-          </p:cNvSpPr>
-          <p:nvPr/>
-        </p:nvSpPr>
-        <p:spPr bwMode="auto">
-          <a:xfrm>
-            <a:off x="5160963" y="3559175"/>
-            <a:ext cx="284162" cy="368300"/>
-          </a:xfrm>
-          <a:prstGeom prst="foldedCorner">
-            <a:avLst>
-              <a:gd name="adj" fmla="val 12500"/>
-            </a:avLst>
-          </a:prstGeom>
-          <a:solidFill>
-            <a:schemeClr val="accent1"/>
-          </a:solidFill>
-          <a:ln w="9525">
-            <a:solidFill>
-              <a:schemeClr val="tx1"/>
-            </a:solidFill>
-            <a:round/>
-            <a:headEnd/>
-            <a:tailEnd/>
-          </a:ln>
-          <a:effectLst/>
-          <a:extLst>
-            <a:ext uri="{AF507438-7753-43E0-B8FC-AC1667EBCBE1}">
-              <a14:hiddenEffects xmlns:a14="http://schemas.microsoft.com/office/drawing/2010/main">
-                <a:effectLst>
-                  <a:outerShdw dist="35921" dir="2700000" algn="ctr" rotWithShape="0">
-                    <a:schemeClr val="bg2"/>
-                  </a:outerShdw>
-                </a:effectLst>
-              </a14:hiddenEffects>
-            </a:ext>
-          </a:extLst>
-        </p:spPr>
-        <p:txBody>
-          <a:bodyPr wrap="none" anchor="ctr"/>
-          <a:lstStyle/>
-          <a:p>
-            <a:endParaRPr lang="en-US"/>
-          </a:p>
-        </p:txBody>
-      </p:sp>
-      <p:sp>
-        <p:nvSpPr>
-          <p:cNvPr id="838683" name="AutoShape 27"/>
-          <p:cNvSpPr>
-            <a:spLocks noChangeArrowheads="1"/>
-          </p:cNvSpPr>
-          <p:nvPr/>
-        </p:nvSpPr>
-        <p:spPr bwMode="auto">
-          <a:xfrm>
-            <a:off x="6221413" y="3497263"/>
-            <a:ext cx="282575" cy="369887"/>
-          </a:xfrm>
-          <a:prstGeom prst="foldedCorner">
-            <a:avLst>
-              <a:gd name="adj" fmla="val 12500"/>
-            </a:avLst>
-          </a:prstGeom>
-          <a:solidFill>
-            <a:schemeClr val="accent1"/>
-          </a:solidFill>
-          <a:ln w="9525">
-            <a:solidFill>
-              <a:schemeClr val="tx1"/>
-            </a:solidFill>
-            <a:round/>
-            <a:headEnd/>
-            <a:tailEnd/>
-          </a:ln>
-          <a:effectLst/>
-          <a:extLst>
-            <a:ext uri="{AF507438-7753-43E0-B8FC-AC1667EBCBE1}">
-              <a14:hiddenEffects xmlns:a14="http://schemas.microsoft.com/office/drawing/2010/main">
-                <a:effectLst>
-                  <a:outerShdw dist="35921" dir="2700000" algn="ctr" rotWithShape="0">
-                    <a:schemeClr val="bg2"/>
-                  </a:outerShdw>
-                </a:effectLst>
-              </a14:hiddenEffects>
-            </a:ext>
-          </a:extLst>
-        </p:spPr>
-        <p:txBody>
-          <a:bodyPr wrap="none" anchor="ctr"/>
-          <a:lstStyle/>
-          <a:p>
-            <a:endParaRPr lang="en-US"/>
-          </a:p>
-        </p:txBody>
-      </p:sp>
-      <p:sp>
-        <p:nvSpPr>
-          <p:cNvPr id="838684" name="AutoShape 28"/>
-          <p:cNvSpPr>
-            <a:spLocks noChangeArrowheads="1"/>
-          </p:cNvSpPr>
-          <p:nvPr/>
-        </p:nvSpPr>
-        <p:spPr bwMode="auto">
-          <a:xfrm>
-            <a:off x="6362700" y="3619500"/>
-            <a:ext cx="282575" cy="369888"/>
-          </a:xfrm>
-          <a:prstGeom prst="foldedCorner">
-            <a:avLst>
-              <a:gd name="adj" fmla="val 12500"/>
-            </a:avLst>
-          </a:prstGeom>
-          <a:solidFill>
-            <a:schemeClr val="accent1"/>
-          </a:solidFill>
-          <a:ln w="9525">
-            <a:solidFill>
-              <a:schemeClr val="tx1"/>
-            </a:solidFill>
-            <a:round/>
-            <a:headEnd/>
-            <a:tailEnd/>
-          </a:ln>
-          <a:effectLst/>
-          <a:extLst>
-            <a:ext uri="{AF507438-7753-43E0-B8FC-AC1667EBCBE1}">
-              <a14:hiddenEffects xmlns:a14="http://schemas.microsoft.com/office/drawing/2010/main">
-                <a:effectLst>
-                  <a:outerShdw dist="35921" dir="2700000" algn="ctr" rotWithShape="0">
-                    <a:schemeClr val="bg2"/>
-                  </a:outerShdw>
-                </a:effectLst>
-              </a14:hiddenEffects>
-            </a:ext>
-          </a:extLst>
-        </p:spPr>
-        <p:txBody>
-          <a:bodyPr wrap="none" anchor="ctr"/>
-          <a:lstStyle/>
-          <a:p>
-            <a:endParaRPr lang="en-US"/>
-          </a:p>
-        </p:txBody>
-      </p:sp>
-      <p:sp>
-        <p:nvSpPr>
-          <p:cNvPr id="838685" name="AutoShape 29"/>
-          <p:cNvSpPr>
-            <a:spLocks noChangeArrowheads="1"/>
-          </p:cNvSpPr>
-          <p:nvPr/>
-        </p:nvSpPr>
-        <p:spPr bwMode="auto">
-          <a:xfrm>
-            <a:off x="5797550" y="3743325"/>
-            <a:ext cx="282575" cy="369888"/>
-          </a:xfrm>
-          <a:prstGeom prst="foldedCorner">
-            <a:avLst>
-              <a:gd name="adj" fmla="val 12500"/>
-            </a:avLst>
-          </a:prstGeom>
-          <a:solidFill>
-            <a:schemeClr val="accent1"/>
-          </a:solidFill>
-          <a:ln w="9525">
-            <a:solidFill>
-              <a:schemeClr val="tx1"/>
-            </a:solidFill>
-            <a:round/>
-            <a:headEnd/>
-            <a:tailEnd/>
-          </a:ln>
-          <a:effectLst/>
-          <a:extLst>
-            <a:ext uri="{AF507438-7753-43E0-B8FC-AC1667EBCBE1}">
-              <a14:hiddenEffects xmlns:a14="http://schemas.microsoft.com/office/drawing/2010/main">
-                <a:effectLst>
-                  <a:outerShdw dist="35921" dir="2700000" algn="ctr" rotWithShape="0">
-                    <a:schemeClr val="bg2"/>
-                  </a:outerShdw>
-                </a:effectLst>
-              </a14:hiddenEffects>
-            </a:ext>
-          </a:extLst>
-        </p:spPr>
-        <p:txBody>
-          <a:bodyPr wrap="none" anchor="ctr"/>
-          <a:lstStyle/>
-          <a:p>
-            <a:endParaRPr lang="en-US"/>
-          </a:p>
-        </p:txBody>
-      </p:sp>
-      <p:sp>
-        <p:nvSpPr>
-          <p:cNvPr id="838686" name="Freeform 30"/>
-          <p:cNvSpPr>
-            <a:spLocks/>
-          </p:cNvSpPr>
-          <p:nvPr/>
-        </p:nvSpPr>
-        <p:spPr bwMode="auto">
-          <a:xfrm>
-            <a:off x="6159500" y="4394200"/>
-            <a:ext cx="266700" cy="355600"/>
-          </a:xfrm>
-          <a:custGeom>
-            <a:avLst/>
-            <a:gdLst>
-              <a:gd name="T0" fmla="*/ 8 w 168"/>
-              <a:gd name="T1" fmla="*/ 112 h 224"/>
-              <a:gd name="T2" fmla="*/ 104 w 168"/>
-              <a:gd name="T3" fmla="*/ 16 h 224"/>
-              <a:gd name="T4" fmla="*/ 152 w 168"/>
-              <a:gd name="T5" fmla="*/ 208 h 224"/>
-              <a:gd name="T6" fmla="*/ 8 w 168"/>
-              <a:gd name="T7" fmla="*/ 112 h 224"/>
-            </a:gdLst>
-            <a:ahLst/>
-            <a:cxnLst>
-              <a:cxn ang="0">
-                <a:pos x="T0" y="T1"/>
-              </a:cxn>
-              <a:cxn ang="0">
-                <a:pos x="T2" y="T3"/>
-              </a:cxn>
-              <a:cxn ang="0">
-                <a:pos x="T4" y="T5"/>
-              </a:cxn>
-              <a:cxn ang="0">
-                <a:pos x="T6" y="T7"/>
-              </a:cxn>
-            </a:cxnLst>
-            <a:rect l="0" t="0" r="r" b="b"/>
-            <a:pathLst>
-              <a:path w="168" h="224">
-                <a:moveTo>
-                  <a:pt x="8" y="112"/>
-                </a:moveTo>
-                <a:cubicBezTo>
-                  <a:pt x="0" y="80"/>
-                  <a:pt x="80" y="0"/>
-                  <a:pt x="104" y="16"/>
-                </a:cubicBezTo>
-                <a:cubicBezTo>
-                  <a:pt x="128" y="32"/>
-                  <a:pt x="168" y="192"/>
-                  <a:pt x="152" y="208"/>
-                </a:cubicBezTo>
-                <a:cubicBezTo>
-                  <a:pt x="136" y="224"/>
-                  <a:pt x="16" y="144"/>
-                  <a:pt x="8" y="112"/>
-                </a:cubicBezTo>
-                <a:close/>
-              </a:path>
-            </a:pathLst>
-          </a:custGeom>
-          <a:noFill/>
-          <a:ln w="25400">
-            <a:solidFill>
-              <a:srgbClr val="3333FF"/>
-            </a:solidFill>
-            <a:round/>
-            <a:headEnd/>
-            <a:tailEnd/>
-          </a:ln>
-          <a:effectLst/>
-          <a:extLst>
-            <a:ext uri="{909E8E84-426E-40DD-AFC4-6F175D3DCCD1}">
-              <a14:hiddenFill xmlns:a14="http://schemas.microsoft.com/office/drawing/2010/main">
-                <a:solidFill>
-                  <a:schemeClr val="accent1"/>
-                </a:solidFill>
-              </a14:hiddenFill>
-            </a:ext>
-            <a:ext uri="{AF507438-7753-43E0-B8FC-AC1667EBCBE1}">
-              <a14:hiddenEffects xmlns:a14="http://schemas.microsoft.com/office/drawing/2010/main">
-                <a:effectLst>
-                  <a:outerShdw dist="35921" dir="2700000" algn="ctr" rotWithShape="0">
-                    <a:schemeClr val="bg2"/>
-                  </a:outerShdw>
-                </a:effectLst>
-              </a14:hiddenEffects>
-            </a:ext>
-          </a:extLst>
-        </p:spPr>
-        <p:txBody>
-          <a:bodyPr wrap="none" anchor="ctr"/>
-          <a:lstStyle/>
-          <a:p>
-            <a:endParaRPr lang="en-US"/>
-          </a:p>
-        </p:txBody>
-      </p:sp>
-      <p:sp>
-        <p:nvSpPr>
-          <p:cNvPr id="838687" name="AutoShape 31"/>
-          <p:cNvSpPr>
-            <a:spLocks noChangeArrowheads="1"/>
-          </p:cNvSpPr>
-          <p:nvPr/>
-        </p:nvSpPr>
-        <p:spPr bwMode="auto">
-          <a:xfrm>
-            <a:off x="6010275" y="4297363"/>
-            <a:ext cx="493713" cy="492125"/>
-          </a:xfrm>
-          <a:prstGeom prst="foldedCorner">
-            <a:avLst>
-              <a:gd name="adj" fmla="val 12500"/>
-            </a:avLst>
-          </a:prstGeom>
-          <a:solidFill>
-            <a:schemeClr val="accent1"/>
-          </a:solidFill>
-          <a:ln w="9525">
-            <a:solidFill>
-              <a:schemeClr val="tx1"/>
-            </a:solidFill>
-            <a:round/>
-            <a:headEnd/>
-            <a:tailEnd/>
-          </a:ln>
-          <a:effectLst/>
-          <a:extLst>
-            <a:ext uri="{AF507438-7753-43E0-B8FC-AC1667EBCBE1}">
-              <a14:hiddenEffects xmlns:a14="http://schemas.microsoft.com/office/drawing/2010/main">
-                <a:effectLst>
-                  <a:outerShdw dist="35921" dir="2700000" algn="ctr" rotWithShape="0">
-                    <a:schemeClr val="bg2"/>
-                  </a:outerShdw>
-                </a:effectLst>
-              </a14:hiddenEffects>
-            </a:ext>
-          </a:extLst>
-        </p:spPr>
-        <p:txBody>
-          <a:bodyPr wrap="none" anchor="ctr"/>
-          <a:lstStyle/>
-          <a:p>
-            <a:endParaRPr lang="en-US"/>
-          </a:p>
-        </p:txBody>
-      </p:sp>
-      <p:grpSp>
-        <p:nvGrpSpPr>
-          <p:cNvPr id="4" name="Group 3"/>
-          <p:cNvGrpSpPr/>
-          <p:nvPr/>
-        </p:nvGrpSpPr>
-        <p:grpSpPr>
-          <a:xfrm>
-            <a:off x="990600" y="1676400"/>
-            <a:ext cx="2119313" cy="1247775"/>
-            <a:chOff x="990600" y="1676400"/>
-            <a:chExt cx="2119313" cy="1247775"/>
-          </a:xfrm>
-        </p:grpSpPr>
-        <p:sp>
-          <p:nvSpPr>
-            <p:cNvPr id="838688" name="Text Box 32"/>
-            <p:cNvSpPr txBox="1">
-              <a:spLocks noChangeArrowheads="1"/>
-            </p:cNvSpPr>
-            <p:nvPr/>
-          </p:nvSpPr>
-          <p:spPr bwMode="auto">
-            <a:xfrm>
-              <a:off x="990600" y="1676400"/>
-              <a:ext cx="1443038" cy="528638"/>
-            </a:xfrm>
-            <a:prstGeom prst="rect">
-              <a:avLst/>
-            </a:prstGeom>
-            <a:solidFill>
-              <a:srgbClr val="FFFF00"/>
-            </a:solidFill>
-            <a:ln w="9525">
-              <a:solidFill>
-                <a:schemeClr val="tx1"/>
-              </a:solidFill>
-              <a:miter lim="800000"/>
-              <a:headEnd/>
-              <a:tailEnd/>
-            </a:ln>
-            <a:effectLst/>
-            <a:extLst>
-              <a:ext uri="{AF507438-7753-43E0-B8FC-AC1667EBCBE1}">
-                <a14:hiddenEffects xmlns:a14="http://schemas.microsoft.com/office/drawing/2010/main">
-                  <a:effectLst>
-                    <a:outerShdw dist="35921" dir="2700000" algn="ctr" rotWithShape="0">
-                      <a:schemeClr val="bg2"/>
-                    </a:outerShdw>
-                  </a:effectLst>
-                </a14:hiddenEffects>
-              </a:ext>
-            </a:extLst>
-          </p:spPr>
-          <p:txBody>
-            <a:bodyPr wrap="none">
-              <a:spAutoFit/>
-            </a:bodyPr>
-            <a:lstStyle/>
-            <a:p>
-              <a:r>
-                <a:rPr lang="en-US" altLang="en-US" sz="2800" i="0" dirty="0">
-                  <a:latin typeface="Gill Sans MT" pitchFamily="34" charset="0"/>
-                </a:rPr>
-                <a:t>Access</a:t>
-              </a:r>
-            </a:p>
-          </p:txBody>
-        </p:sp>
-        <p:sp>
-          <p:nvSpPr>
-            <p:cNvPr id="838689" name="AutoShape 33"/>
-            <p:cNvSpPr>
-              <a:spLocks noChangeArrowheads="1"/>
-            </p:cNvSpPr>
-            <p:nvPr/>
-          </p:nvSpPr>
-          <p:spPr bwMode="auto">
-            <a:xfrm rot="2563427">
-              <a:off x="2133600" y="2438400"/>
-              <a:ext cx="976313" cy="485775"/>
-            </a:xfrm>
-            <a:prstGeom prst="leftArrow">
-              <a:avLst>
-                <a:gd name="adj1" fmla="val 50000"/>
-                <a:gd name="adj2" fmla="val 50245"/>
-              </a:avLst>
-            </a:prstGeom>
-            <a:solidFill>
-              <a:srgbClr val="0000CC"/>
-            </a:solidFill>
-            <a:ln w="9525">
-              <a:solidFill>
-                <a:schemeClr val="tx1"/>
-              </a:solidFill>
-              <a:miter lim="800000"/>
-              <a:headEnd/>
-              <a:tailEnd/>
-            </a:ln>
-            <a:effectLst/>
-            <a:extLst>
-              <a:ext uri="{AF507438-7753-43E0-B8FC-AC1667EBCBE1}">
-                <a14:hiddenEffects xmlns:a14="http://schemas.microsoft.com/office/drawing/2010/main">
-                  <a:effectLst>
-                    <a:outerShdw dist="35921" dir="2700000" algn="ctr" rotWithShape="0">
-                      <a:schemeClr val="bg2"/>
-                    </a:outerShdw>
-                  </a:effectLst>
-                </a14:hiddenEffects>
-              </a:ext>
-            </a:extLst>
-          </p:spPr>
-          <p:txBody>
-            <a:bodyPr wrap="none" anchor="ctr"/>
-            <a:lstStyle/>
-            <a:p>
-              <a:endParaRPr lang="en-US"/>
-            </a:p>
-          </p:txBody>
-        </p:sp>
-      </p:grpSp>
-      <p:grpSp>
-        <p:nvGrpSpPr>
-          <p:cNvPr id="5" name="Group 4"/>
-          <p:cNvGrpSpPr/>
-          <p:nvPr/>
-        </p:nvGrpSpPr>
-        <p:grpSpPr>
-          <a:xfrm>
-            <a:off x="5410200" y="1600200"/>
-            <a:ext cx="2178050" cy="1323975"/>
-            <a:chOff x="5410200" y="1600200"/>
-            <a:chExt cx="2178050" cy="1323975"/>
-          </a:xfrm>
-        </p:grpSpPr>
-        <p:sp>
-          <p:nvSpPr>
-            <p:cNvPr id="838690" name="Text Box 34"/>
-            <p:cNvSpPr txBox="1">
-              <a:spLocks noChangeArrowheads="1"/>
-            </p:cNvSpPr>
-            <p:nvPr/>
-          </p:nvSpPr>
-          <p:spPr bwMode="auto">
-            <a:xfrm>
-              <a:off x="6248400" y="1600200"/>
-              <a:ext cx="1339850" cy="528638"/>
-            </a:xfrm>
-            <a:prstGeom prst="rect">
-              <a:avLst/>
-            </a:prstGeom>
-            <a:solidFill>
-              <a:srgbClr val="FFFF00"/>
-            </a:solidFill>
-            <a:ln w="9525">
-              <a:solidFill>
-                <a:schemeClr val="tx1"/>
-              </a:solidFill>
-              <a:miter lim="800000"/>
-              <a:headEnd/>
-              <a:tailEnd/>
-            </a:ln>
-            <a:effectLst/>
-            <a:extLst>
-              <a:ext uri="{AF507438-7753-43E0-B8FC-AC1667EBCBE1}">
-                <a14:hiddenEffects xmlns:a14="http://schemas.microsoft.com/office/drawing/2010/main">
-                  <a:effectLst>
-                    <a:outerShdw dist="35921" dir="2700000" algn="ctr" rotWithShape="0">
-                      <a:schemeClr val="bg2"/>
-                    </a:outerShdw>
-                  </a:effectLst>
-                </a14:hiddenEffects>
-              </a:ext>
-            </a:extLst>
-          </p:spPr>
-          <p:txBody>
-            <a:bodyPr wrap="none">
-              <a:spAutoFit/>
-            </a:bodyPr>
-            <a:lstStyle/>
-            <a:p>
-              <a:r>
-                <a:rPr lang="en-US" altLang="en-US" sz="2800" i="0">
-                  <a:latin typeface="Gill Sans MT" pitchFamily="34" charset="0"/>
-                </a:rPr>
-                <a:t>Mining</a:t>
-              </a:r>
-            </a:p>
-          </p:txBody>
-        </p:sp>
-        <p:sp>
-          <p:nvSpPr>
-            <p:cNvPr id="838691" name="AutoShape 35"/>
-            <p:cNvSpPr>
-              <a:spLocks noChangeArrowheads="1"/>
-            </p:cNvSpPr>
-            <p:nvPr/>
-          </p:nvSpPr>
-          <p:spPr bwMode="auto">
-            <a:xfrm rot="19036573" flipH="1">
-              <a:off x="5410200" y="2438400"/>
-              <a:ext cx="976313" cy="485775"/>
-            </a:xfrm>
-            <a:prstGeom prst="leftArrow">
-              <a:avLst>
-                <a:gd name="adj1" fmla="val 50000"/>
-                <a:gd name="adj2" fmla="val 50245"/>
-              </a:avLst>
-            </a:prstGeom>
-            <a:solidFill>
-              <a:srgbClr val="0000CC"/>
-            </a:solidFill>
-            <a:ln w="9525">
-              <a:solidFill>
-                <a:schemeClr val="tx1"/>
-              </a:solidFill>
-              <a:miter lim="800000"/>
-              <a:headEnd/>
-              <a:tailEnd/>
-            </a:ln>
-            <a:effectLst/>
-            <a:extLst>
-              <a:ext uri="{AF507438-7753-43E0-B8FC-AC1667EBCBE1}">
-                <a14:hiddenEffects xmlns:a14="http://schemas.microsoft.com/office/drawing/2010/main">
-                  <a:effectLst>
-                    <a:outerShdw dist="35921" dir="2700000" algn="ctr" rotWithShape="0">
-                      <a:schemeClr val="bg2"/>
-                    </a:outerShdw>
-                  </a:effectLst>
-                </a14:hiddenEffects>
-              </a:ext>
-            </a:extLst>
-          </p:spPr>
-          <p:txBody>
-            <a:bodyPr wrap="none" anchor="ctr"/>
-            <a:lstStyle/>
-            <a:p>
-              <a:endParaRPr lang="en-US"/>
-            </a:p>
-          </p:txBody>
-        </p:sp>
-      </p:grpSp>
-      <p:grpSp>
-        <p:nvGrpSpPr>
-          <p:cNvPr id="3" name="Group 2"/>
-          <p:cNvGrpSpPr/>
-          <p:nvPr/>
-        </p:nvGrpSpPr>
-        <p:grpSpPr>
-          <a:xfrm>
-            <a:off x="3146425" y="4876800"/>
-            <a:ext cx="2368550" cy="1366838"/>
-            <a:chOff x="3146425" y="4876800"/>
-            <a:chExt cx="2368550" cy="1366838"/>
-          </a:xfrm>
-        </p:grpSpPr>
-        <p:sp>
-          <p:nvSpPr>
-            <p:cNvPr id="838692" name="Text Box 36"/>
-            <p:cNvSpPr txBox="1">
-              <a:spLocks noChangeArrowheads="1"/>
-            </p:cNvSpPr>
-            <p:nvPr/>
-          </p:nvSpPr>
-          <p:spPr bwMode="auto">
-            <a:xfrm>
-              <a:off x="3146425" y="5715000"/>
-              <a:ext cx="2368550" cy="528638"/>
-            </a:xfrm>
-            <a:prstGeom prst="rect">
-              <a:avLst/>
-            </a:prstGeom>
-            <a:solidFill>
-              <a:srgbClr val="FFFF00"/>
-            </a:solidFill>
-            <a:ln w="9525">
-              <a:solidFill>
-                <a:schemeClr val="tx1"/>
-              </a:solidFill>
-              <a:miter lim="800000"/>
-              <a:headEnd/>
-              <a:tailEnd/>
-            </a:ln>
-            <a:effectLst/>
-            <a:extLst>
-              <a:ext uri="{AF507438-7753-43E0-B8FC-AC1667EBCBE1}">
-                <a14:hiddenEffects xmlns:a14="http://schemas.microsoft.com/office/drawing/2010/main">
-                  <a:effectLst>
-                    <a:outerShdw dist="35921" dir="2700000" algn="ctr" rotWithShape="0">
-                      <a:schemeClr val="bg2"/>
-                    </a:outerShdw>
-                  </a:effectLst>
-                </a14:hiddenEffects>
-              </a:ext>
-            </a:extLst>
-          </p:spPr>
-          <p:txBody>
-            <a:bodyPr wrap="none">
-              <a:spAutoFit/>
-            </a:bodyPr>
-            <a:lstStyle/>
-            <a:p>
-              <a:r>
-                <a:rPr lang="en-US" altLang="en-US" sz="2800" i="0">
-                  <a:latin typeface="Gill Sans MT" pitchFamily="34" charset="0"/>
-                </a:rPr>
-                <a:t>Organization</a:t>
-              </a:r>
-            </a:p>
-          </p:txBody>
-        </p:sp>
-        <p:sp>
-          <p:nvSpPr>
-            <p:cNvPr id="838693" name="AutoShape 37"/>
-            <p:cNvSpPr>
-              <a:spLocks noChangeArrowheads="1"/>
-            </p:cNvSpPr>
-            <p:nvPr/>
-          </p:nvSpPr>
-          <p:spPr bwMode="auto">
-            <a:xfrm rot="16200000" flipH="1">
-              <a:off x="3969543" y="4945857"/>
-              <a:ext cx="747713" cy="609600"/>
-            </a:xfrm>
-            <a:prstGeom prst="leftArrow">
-              <a:avLst>
-                <a:gd name="adj1" fmla="val 50000"/>
-                <a:gd name="adj2" fmla="val 30664"/>
-              </a:avLst>
-            </a:prstGeom>
-            <a:solidFill>
-              <a:srgbClr val="0000CC"/>
-            </a:solidFill>
-            <a:ln w="9525">
-              <a:solidFill>
-                <a:schemeClr val="tx1"/>
-              </a:solidFill>
-              <a:miter lim="800000"/>
-              <a:headEnd/>
-              <a:tailEnd/>
-            </a:ln>
-            <a:effectLst/>
-            <a:extLst>
-              <a:ext uri="{AF507438-7753-43E0-B8FC-AC1667EBCBE1}">
-                <a14:hiddenEffects xmlns:a14="http://schemas.microsoft.com/office/drawing/2010/main">
-                  <a:effectLst>
-                    <a:outerShdw dist="35921" dir="2700000" algn="ctr" rotWithShape="0">
-                      <a:schemeClr val="bg2"/>
-                    </a:outerShdw>
-                  </a:effectLst>
-                </a14:hiddenEffects>
-              </a:ext>
-            </a:extLst>
-          </p:spPr>
-          <p:txBody>
-            <a:bodyPr wrap="none" anchor="ctr"/>
-            <a:lstStyle/>
-            <a:p>
-              <a:endParaRPr lang="en-US"/>
-            </a:p>
-          </p:txBody>
-        </p:sp>
-      </p:grpSp>
-      <p:sp>
-        <p:nvSpPr>
-          <p:cNvPr id="838694" name="Text Box 38"/>
-          <p:cNvSpPr txBox="1">
-            <a:spLocks noChangeArrowheads="1"/>
-          </p:cNvSpPr>
-          <p:nvPr/>
-        </p:nvSpPr>
-        <p:spPr bwMode="auto">
-          <a:xfrm>
-            <a:off x="304800" y="2209800"/>
-            <a:ext cx="1709122" cy="830997"/>
-          </a:xfrm>
-          <a:prstGeom prst="rect">
-            <a:avLst/>
-          </a:prstGeom>
-          <a:noFill/>
-          <a:ln>
-            <a:noFill/>
-          </a:ln>
-          <a:effectLst/>
-          <a:extLst>
-            <a:ext uri="{909E8E84-426E-40DD-AFC4-6F175D3DCCD1}">
-              <a14:hiddenFill xmlns:a14="http://schemas.microsoft.com/office/drawing/2010/main">
-                <a:solidFill>
-                  <a:schemeClr val="accent1"/>
-                </a:solidFill>
-              </a14:hiddenFill>
-            </a:ext>
-            <a:ext uri="{91240B29-F687-4F45-9708-019B960494DF}">
-              <a14:hiddenLine xmlns:a14="http://schemas.microsoft.com/office/drawing/2010/main" w="9525">
-                <a:solidFill>
-                  <a:schemeClr val="tx1"/>
-                </a:solidFill>
-                <a:miter lim="800000"/>
-                <a:headEnd/>
-                <a:tailEnd/>
-              </a14:hiddenLine>
-            </a:ext>
-            <a:ext uri="{AF507438-7753-43E0-B8FC-AC1667EBCBE1}">
-              <a14:hiddenEffects xmlns:a14="http://schemas.microsoft.com/office/drawing/2010/main">
-                <a:effectLst>
-                  <a:outerShdw dist="35921" dir="2700000" algn="ctr" rotWithShape="0">
-                    <a:schemeClr val="bg2"/>
-                  </a:outerShdw>
-                </a:effectLst>
-              </a14:hiddenEffects>
-            </a:ext>
-          </a:extLst>
-        </p:spPr>
-        <p:txBody>
-          <a:bodyPr wrap="none">
-            <a:spAutoFit/>
-          </a:bodyPr>
-          <a:lstStyle/>
-          <a:p>
-            <a:r>
-              <a:rPr lang="en-US" altLang="en-US" sz="2400" i="0" u="sng" dirty="0" smtClean="0">
-                <a:latin typeface="Gill Sans MT" pitchFamily="34" charset="0"/>
-              </a:rPr>
-              <a:t>Filter</a:t>
-            </a:r>
-            <a:endParaRPr lang="en-US" altLang="en-US" sz="2400" i="0" u="sng" dirty="0">
-              <a:latin typeface="Gill Sans MT" pitchFamily="34" charset="0"/>
-            </a:endParaRPr>
-          </a:p>
-          <a:p>
-            <a:r>
-              <a:rPr lang="en-US" altLang="en-US" sz="2400" b="0" i="0" dirty="0">
-                <a:latin typeface="Gill Sans MT" pitchFamily="34" charset="0"/>
-              </a:rPr>
-              <a:t>information</a:t>
-            </a:r>
-          </a:p>
-        </p:txBody>
-      </p:sp>
-      <p:sp>
-        <p:nvSpPr>
-          <p:cNvPr id="838695" name="Text Box 39"/>
-          <p:cNvSpPr txBox="1">
-            <a:spLocks noChangeArrowheads="1"/>
-          </p:cNvSpPr>
-          <p:nvPr/>
-        </p:nvSpPr>
-        <p:spPr bwMode="auto">
-          <a:xfrm>
-            <a:off x="6303958" y="2286000"/>
-            <a:ext cx="2943434" cy="461665"/>
-          </a:xfrm>
-          <a:prstGeom prst="rect">
-            <a:avLst/>
-          </a:prstGeom>
-          <a:noFill/>
-          <a:ln>
-            <a:noFill/>
-          </a:ln>
-          <a:effectLst/>
-          <a:extLst>
-            <a:ext uri="{909E8E84-426E-40DD-AFC4-6F175D3DCCD1}">
-              <a14:hiddenFill xmlns:a14="http://schemas.microsoft.com/office/drawing/2010/main">
-                <a:solidFill>
-                  <a:schemeClr val="accent1"/>
-                </a:solidFill>
-              </a14:hiddenFill>
-            </a:ext>
-            <a:ext uri="{91240B29-F687-4F45-9708-019B960494DF}">
-              <a14:hiddenLine xmlns:a14="http://schemas.microsoft.com/office/drawing/2010/main" w="9525">
-                <a:solidFill>
-                  <a:schemeClr val="tx1"/>
-                </a:solidFill>
-                <a:miter lim="800000"/>
-                <a:headEnd/>
-                <a:tailEnd/>
-              </a14:hiddenLine>
-            </a:ext>
-            <a:ext uri="{AF507438-7753-43E0-B8FC-AC1667EBCBE1}">
-              <a14:hiddenEffects xmlns:a14="http://schemas.microsoft.com/office/drawing/2010/main">
-                <a:effectLst>
-                  <a:outerShdw dist="35921" dir="2700000" algn="ctr" rotWithShape="0">
-                    <a:schemeClr val="bg2"/>
-                  </a:outerShdw>
-                </a:effectLst>
-              </a14:hiddenEffects>
-            </a:ext>
-          </a:extLst>
-        </p:spPr>
-        <p:txBody>
-          <a:bodyPr wrap="none">
-            <a:spAutoFit/>
-          </a:bodyPr>
-          <a:lstStyle/>
-          <a:p>
-            <a:r>
-              <a:rPr lang="en-US" altLang="en-US" sz="2400" i="0" u="sng" dirty="0" smtClean="0">
-                <a:latin typeface="Gill Sans MT" pitchFamily="34" charset="0"/>
-              </a:rPr>
-              <a:t>Discover</a:t>
-            </a:r>
-            <a:r>
-              <a:rPr lang="en-US" altLang="en-US" sz="2400" i="0" dirty="0" smtClean="0">
-                <a:latin typeface="Gill Sans MT" pitchFamily="34" charset="0"/>
-              </a:rPr>
-              <a:t> </a:t>
-            </a:r>
-            <a:r>
-              <a:rPr lang="en-US" altLang="en-US" sz="2400" b="0" i="0" dirty="0" smtClean="0">
-                <a:latin typeface="Gill Sans MT" pitchFamily="34" charset="0"/>
-              </a:rPr>
-              <a:t>knowledge</a:t>
-            </a:r>
-            <a:endParaRPr lang="en-US" altLang="en-US" sz="2400" b="0" i="0" dirty="0">
-              <a:latin typeface="Gill Sans MT" pitchFamily="34" charset="0"/>
-            </a:endParaRPr>
-          </a:p>
-        </p:txBody>
-      </p:sp>
-      <p:sp>
-        <p:nvSpPr>
-          <p:cNvPr id="838696" name="Text Box 40"/>
-          <p:cNvSpPr txBox="1">
-            <a:spLocks noChangeArrowheads="1"/>
-          </p:cNvSpPr>
-          <p:nvPr/>
-        </p:nvSpPr>
-        <p:spPr bwMode="auto">
-          <a:xfrm>
-            <a:off x="5638800" y="5486400"/>
-            <a:ext cx="3116263" cy="822325"/>
-          </a:xfrm>
-          <a:prstGeom prst="rect">
-            <a:avLst/>
-          </a:prstGeom>
-          <a:noFill/>
-          <a:ln>
-            <a:noFill/>
-          </a:ln>
-          <a:effectLst/>
-          <a:extLst>
-            <a:ext uri="{909E8E84-426E-40DD-AFC4-6F175D3DCCD1}">
-              <a14:hiddenFill xmlns:a14="http://schemas.microsoft.com/office/drawing/2010/main">
-                <a:solidFill>
-                  <a:schemeClr val="accent1"/>
-                </a:solidFill>
-              </a14:hiddenFill>
-            </a:ext>
-            <a:ext uri="{91240B29-F687-4F45-9708-019B960494DF}">
-              <a14:hiddenLine xmlns:a14="http://schemas.microsoft.com/office/drawing/2010/main" w="9525">
-                <a:solidFill>
-                  <a:schemeClr val="tx1"/>
-                </a:solidFill>
-                <a:miter lim="800000"/>
-                <a:headEnd/>
-                <a:tailEnd/>
-              </a14:hiddenLine>
-            </a:ext>
-            <a:ext uri="{AF507438-7753-43E0-B8FC-AC1667EBCBE1}">
-              <a14:hiddenEffects xmlns:a14="http://schemas.microsoft.com/office/drawing/2010/main">
-                <a:effectLst>
-                  <a:outerShdw dist="35921" dir="2700000" algn="ctr" rotWithShape="0">
-                    <a:schemeClr val="bg2"/>
-                  </a:outerShdw>
-                </a:effectLst>
-              </a14:hiddenEffects>
-            </a:ext>
-          </a:extLst>
-        </p:spPr>
-        <p:txBody>
-          <a:bodyPr wrap="none">
-            <a:spAutoFit/>
-          </a:bodyPr>
-          <a:lstStyle/>
-          <a:p>
-            <a:r>
-              <a:rPr lang="en-US" altLang="en-US" sz="2400" i="0" u="sng" dirty="0">
-                <a:latin typeface="Gill Sans MT" pitchFamily="34" charset="0"/>
-              </a:rPr>
-              <a:t>Add</a:t>
-            </a:r>
-            <a:r>
-              <a:rPr lang="en-US" altLang="en-US" sz="2400" b="0" i="0" dirty="0">
-                <a:latin typeface="Gill Sans MT" pitchFamily="34" charset="0"/>
-              </a:rPr>
-              <a:t> </a:t>
-            </a:r>
-          </a:p>
-          <a:p>
-            <a:r>
-              <a:rPr lang="en-US" altLang="en-US" sz="2400" b="0" i="0" dirty="0">
-                <a:latin typeface="Gill Sans MT" pitchFamily="34" charset="0"/>
-              </a:rPr>
-              <a:t>Structure/Annotations</a:t>
-            </a:r>
-          </a:p>
-        </p:txBody>
-      </p:sp>
-      <p:sp>
-        <p:nvSpPr>
-          <p:cNvPr id="2" name="TextBox 1"/>
-          <p:cNvSpPr txBox="1"/>
-          <p:nvPr/>
-        </p:nvSpPr>
-        <p:spPr>
-          <a:xfrm>
-            <a:off x="2617787" y="1600158"/>
-            <a:ext cx="1671637" cy="707886"/>
-          </a:xfrm>
-          <a:prstGeom prst="rect">
-            <a:avLst/>
-          </a:prstGeom>
-          <a:noFill/>
-        </p:spPr>
-        <p:txBody>
-          <a:bodyPr wrap="square" rtlCol="0">
-            <a:spAutoFit/>
-          </a:bodyPr>
-          <a:lstStyle/>
-          <a:p>
-            <a:r>
-              <a:rPr lang="en-US" sz="2000" b="1" dirty="0" smtClean="0"/>
-              <a:t>Serve for IR applications</a:t>
-            </a:r>
-            <a:endParaRPr lang="en-US" sz="2000" b="1" dirty="0"/>
-          </a:p>
-        </p:txBody>
-      </p:sp>
-      <p:sp>
-        <p:nvSpPr>
-          <p:cNvPr id="43" name="TextBox 42"/>
-          <p:cNvSpPr txBox="1"/>
-          <p:nvPr/>
-        </p:nvSpPr>
-        <p:spPr>
-          <a:xfrm>
-            <a:off x="1045554" y="5633995"/>
-            <a:ext cx="2105591" cy="707886"/>
-          </a:xfrm>
-          <a:prstGeom prst="rect">
-            <a:avLst/>
-          </a:prstGeom>
-          <a:noFill/>
-        </p:spPr>
-        <p:txBody>
-          <a:bodyPr wrap="square" rtlCol="0">
-            <a:spAutoFit/>
-          </a:bodyPr>
-          <a:lstStyle/>
-          <a:p>
-            <a:r>
-              <a:rPr lang="en-US" sz="2000" b="1" dirty="0" smtClean="0"/>
-              <a:t>Based on NLP/ML techniques</a:t>
-            </a:r>
-            <a:endParaRPr lang="en-US" sz="2000" b="1" dirty="0"/>
-          </a:p>
-        </p:txBody>
-      </p:sp>
-      <p:sp>
-        <p:nvSpPr>
-          <p:cNvPr id="44" name="TextBox 43"/>
-          <p:cNvSpPr txBox="1"/>
-          <p:nvPr/>
-        </p:nvSpPr>
-        <p:spPr>
-          <a:xfrm>
-            <a:off x="4689732" y="1590702"/>
-            <a:ext cx="1671637" cy="707886"/>
-          </a:xfrm>
-          <a:prstGeom prst="rect">
-            <a:avLst/>
-          </a:prstGeom>
-          <a:noFill/>
-        </p:spPr>
-        <p:txBody>
-          <a:bodyPr wrap="square" rtlCol="0">
-            <a:spAutoFit/>
-          </a:bodyPr>
-          <a:lstStyle/>
-          <a:p>
-            <a:r>
-              <a:rPr lang="en-US" sz="2000" b="1" dirty="0" smtClean="0"/>
-              <a:t>Sub-area of DM research</a:t>
-            </a:r>
-            <a:endParaRPr lang="en-US" sz="2000" b="1" dirty="0"/>
-          </a:p>
-        </p:txBody>
-      </p:sp>
-    </p:spTree>
-    <p:extLst>
-      <p:ext uri="{BB962C8B-B14F-4D97-AF65-F5344CB8AC3E}">
-        <p14:creationId xmlns:p14="http://schemas.microsoft.com/office/powerpoint/2010/main" val="2579900776"/>
-      </p:ext>
-    </p:extLst>
-  </p:cSld>
-  <p:clrMapOvr>
-    <a:masterClrMapping/>
-  </p:clrMapOvr>
-  <p:timing>
-    <p:tnLst>
-      <p:par>
-        <p:cTn id="1" dur="indefinite" restart="never" nodeType="tmRoot"/>
-      </p:par>
-    </p:tnLst>
-  </p:timing>
-</p:sld>
-</file>
-
-<file path=ppt/slides/slide30.xml><?xml version="1.0" encoding="utf-8"?>
+<file path=ppt/slides/slide31.xml><?xml version="1.0" encoding="utf-8"?>
 <p:sld xmlns:a="http://schemas.openxmlformats.org/drawingml/2006/main" xmlns:r="http://schemas.openxmlformats.org/officeDocument/2006/relationships" xmlns:p="http://schemas.openxmlformats.org/presentationml/2006/main">
   <p:cSld>
     <p:spTree>
@@ -23264,7 +23940,7 @@
           <a:p>
             <a:fld id="{2A9F8BE9-47C8-4C45-B88F-68A848B0515F}" type="slidenum">
               <a:rPr lang="en-US" smtClean="0"/>
-              <a:t>30</a:t>
+              <a:t>31</a:t>
             </a:fld>
             <a:endParaRPr lang="en-US"/>
           </a:p>
@@ -23419,7 +24095,7 @@
 </p:sld>
 </file>
 
-<file path=ppt/slides/slide31.xml><?xml version="1.0" encoding="utf-8"?>
+<file path=ppt/slides/slide32.xml><?xml version="1.0" encoding="utf-8"?>
 <p:sld xmlns:a="http://schemas.openxmlformats.org/drawingml/2006/main" xmlns:r="http://schemas.openxmlformats.org/officeDocument/2006/relationships" xmlns:p="http://schemas.openxmlformats.org/presentationml/2006/main">
   <p:cSld>
     <p:spTree>
@@ -23957,7 +24633,7 @@
           <a:p>
             <a:fld id="{2A9F8BE9-47C8-4C45-B88F-68A848B0515F}" type="slidenum">
               <a:rPr lang="en-US" smtClean="0"/>
-              <a:t>31</a:t>
+              <a:t>32</a:t>
             </a:fld>
             <a:endParaRPr lang="en-US"/>
           </a:p>
@@ -24148,7 +24824,7 @@
 </p:sld>
 </file>
 
-<file path=ppt/slides/slide32.xml><?xml version="1.0" encoding="utf-8"?>
+<file path=ppt/slides/slide33.xml><?xml version="1.0" encoding="utf-8"?>
 <p:sld xmlns:a="http://schemas.openxmlformats.org/drawingml/2006/main" xmlns:r="http://schemas.openxmlformats.org/officeDocument/2006/relationships" xmlns:p="http://schemas.openxmlformats.org/presentationml/2006/main">
   <p:cSld>
     <p:spTree>
@@ -25692,7 +26368,7 @@
           <a:p>
             <a:fld id="{2A9F8BE9-47C8-4C45-B88F-68A848B0515F}" type="slidenum">
               <a:rPr lang="en-US" smtClean="0"/>
-              <a:t>32</a:t>
+              <a:t>33</a:t>
             </a:fld>
             <a:endParaRPr lang="en-US"/>
           </a:p>
@@ -25882,7 +26558,7 @@
 </p:sld>
 </file>
 
-<file path=ppt/slides/slide33.xml><?xml version="1.0" encoding="utf-8"?>
+<file path=ppt/slides/slide34.xml><?xml version="1.0" encoding="utf-8"?>
 <p:sld xmlns:a="http://schemas.openxmlformats.org/drawingml/2006/main" xmlns:r="http://schemas.openxmlformats.org/officeDocument/2006/relationships" xmlns:p="http://schemas.openxmlformats.org/presentationml/2006/main">
   <p:cSld>
     <p:spTree>
@@ -26386,7 +27062,7 @@
           <a:p>
             <a:fld id="{2A9F8BE9-47C8-4C45-B88F-68A848B0515F}" type="slidenum">
               <a:rPr lang="en-US" smtClean="0"/>
-              <a:t>33</a:t>
+              <a:t>34</a:t>
             </a:fld>
             <a:endParaRPr lang="en-US"/>
           </a:p>
@@ -26533,7 +27209,7 @@
 </p:sld>
 </file>
 
-<file path=ppt/slides/slide34.xml><?xml version="1.0" encoding="utf-8"?>
+<file path=ppt/slides/slide35.xml><?xml version="1.0" encoding="utf-8"?>
 <p:sld xmlns:a="http://schemas.openxmlformats.org/drawingml/2006/main" xmlns:r="http://schemas.openxmlformats.org/officeDocument/2006/relationships" xmlns:p="http://schemas.openxmlformats.org/presentationml/2006/main">
   <p:cSld>
     <p:spTree>
@@ -27475,7 +28151,7 @@
           <a:p>
             <a:fld id="{2A9F8BE9-47C8-4C45-B88F-68A848B0515F}" type="slidenum">
               <a:rPr lang="en-US" smtClean="0"/>
-              <a:t>34</a:t>
+              <a:t>35</a:t>
             </a:fld>
             <a:endParaRPr lang="en-US"/>
           </a:p>
@@ -27773,7 +28449,7 @@
 </p:sld>
 </file>
 
-<file path=ppt/slides/slide35.xml><?xml version="1.0" encoding="utf-8"?>
+<file path=ppt/slides/slide36.xml><?xml version="1.0" encoding="utf-8"?>
 <p:sld xmlns:a="http://schemas.openxmlformats.org/drawingml/2006/main" xmlns:r="http://schemas.openxmlformats.org/officeDocument/2006/relationships" xmlns:p="http://schemas.openxmlformats.org/presentationml/2006/main">
   <p:cSld>
     <p:spTree>
@@ -29459,7 +30135,7 @@
           <a:p>
             <a:fld id="{2A9F8BE9-47C8-4C45-B88F-68A848B0515F}" type="slidenum">
               <a:rPr lang="en-US" smtClean="0"/>
-              <a:t>35</a:t>
+              <a:t>36</a:t>
             </a:fld>
             <a:endParaRPr lang="en-US"/>
           </a:p>
@@ -29858,7 +30534,7 @@
 </p:sld>
 </file>
 
-<file path=ppt/slides/slide36.xml><?xml version="1.0" encoding="utf-8"?>
+<file path=ppt/slides/slide37.xml><?xml version="1.0" encoding="utf-8"?>
 <p:sld xmlns:a="http://schemas.openxmlformats.org/drawingml/2006/main" xmlns:r="http://schemas.openxmlformats.org/officeDocument/2006/relationships" xmlns:p="http://schemas.openxmlformats.org/presentationml/2006/main">
   <p:cSld>
     <p:spTree>
@@ -30049,7 +30725,7 @@
           <a:p>
             <a:fld id="{2A9F8BE9-47C8-4C45-B88F-68A848B0515F}" type="slidenum">
               <a:rPr lang="en-US" smtClean="0"/>
-              <a:t>36</a:t>
+              <a:t>37</a:t>
             </a:fld>
             <a:endParaRPr lang="en-US"/>
           </a:p>
@@ -30147,7 +30823,7 @@
 </p:sld>
 </file>
 
-<file path=ppt/slides/slide37.xml><?xml version="1.0" encoding="utf-8"?>
+<file path=ppt/slides/slide38.xml><?xml version="1.0" encoding="utf-8"?>
 <p:sld xmlns:a="http://schemas.openxmlformats.org/drawingml/2006/main" xmlns:r="http://schemas.openxmlformats.org/officeDocument/2006/relationships" xmlns:p="http://schemas.openxmlformats.org/presentationml/2006/main">
   <p:cSld>
     <p:spTree>
@@ -30309,7 +30985,7 @@
           <a:p>
             <a:fld id="{2A9F8BE9-47C8-4C45-B88F-68A848B0515F}" type="slidenum">
               <a:rPr lang="en-US" smtClean="0"/>
-              <a:t>37</a:t>
+              <a:t>38</a:t>
             </a:fld>
             <a:endParaRPr lang="en-US"/>
           </a:p>
@@ -30319,200 +30995,6 @@
     <p:extLst>
       <p:ext uri="{BB962C8B-B14F-4D97-AF65-F5344CB8AC3E}">
         <p14:creationId xmlns:p14="http://schemas.microsoft.com/office/powerpoint/2010/main" val="3013201426"/>
-      </p:ext>
-    </p:extLst>
-  </p:cSld>
-  <p:clrMapOvr>
-    <a:masterClrMapping/>
-  </p:clrMapOvr>
-  <p:timing>
-    <p:tnLst>
-      <p:par>
-        <p:cTn id="1" dur="indefinite" restart="never" nodeType="tmRoot"/>
-      </p:par>
-    </p:tnLst>
-  </p:timing>
-</p:sld>
-</file>
-
-<file path=ppt/slides/slide38.xml><?xml version="1.0" encoding="utf-8"?>
-<p:sld xmlns:a="http://schemas.openxmlformats.org/drawingml/2006/main" xmlns:r="http://schemas.openxmlformats.org/officeDocument/2006/relationships" xmlns:p="http://schemas.openxmlformats.org/presentationml/2006/main">
-  <p:cSld>
-    <p:spTree>
-      <p:nvGrpSpPr>
-        <p:cNvPr id="1" name=""/>
-        <p:cNvGrpSpPr/>
-        <p:nvPr/>
-      </p:nvGrpSpPr>
-      <p:grpSpPr>
-        <a:xfrm>
-          <a:off x="0" y="0"/>
-          <a:ext cx="0" cy="0"/>
-          <a:chOff x="0" y="0"/>
-          <a:chExt cx="0" cy="0"/>
-        </a:xfrm>
-      </p:grpSpPr>
-      <p:sp>
-        <p:nvSpPr>
-          <p:cNvPr id="2" name="Title 1"/>
-          <p:cNvSpPr>
-            <a:spLocks noGrp="1"/>
-          </p:cNvSpPr>
-          <p:nvPr>
-            <p:ph type="title"/>
-          </p:nvPr>
-        </p:nvSpPr>
-        <p:spPr/>
-        <p:txBody>
-          <a:bodyPr/>
-          <a:lstStyle/>
-          <a:p>
-            <a:r>
-              <a:rPr lang="en-US" dirty="0" smtClean="0"/>
-              <a:t>What you should know</a:t>
-            </a:r>
-            <a:endParaRPr lang="en-US" dirty="0"/>
-          </a:p>
-        </p:txBody>
-      </p:sp>
-      <p:sp>
-        <p:nvSpPr>
-          <p:cNvPr id="3" name="Content Placeholder 2"/>
-          <p:cNvSpPr>
-            <a:spLocks noGrp="1"/>
-          </p:cNvSpPr>
-          <p:nvPr>
-            <p:ph idx="1"/>
-          </p:nvPr>
-        </p:nvSpPr>
-        <p:spPr/>
-        <p:txBody>
-          <a:bodyPr/>
-          <a:lstStyle/>
-          <a:p>
-            <a:r>
-              <a:rPr lang="en-US" dirty="0" smtClean="0"/>
-              <a:t>Basic ideas of </a:t>
-            </a:r>
-            <a:r>
-              <a:rPr lang="en-US" dirty="0"/>
-              <a:t>vector space </a:t>
-            </a:r>
-            <a:r>
-              <a:rPr lang="en-US" dirty="0" smtClean="0"/>
-              <a:t>model</a:t>
-            </a:r>
-          </a:p>
-          <a:p>
-            <a:r>
-              <a:rPr lang="en-US" dirty="0" smtClean="0"/>
-              <a:t>Procedures of constructing VS representation for a document</a:t>
-            </a:r>
-          </a:p>
-          <a:p>
-            <a:r>
-              <a:rPr lang="en-US" dirty="0" smtClean="0"/>
-              <a:t>Two important heuristics in bag-of-words representation</a:t>
-            </a:r>
-          </a:p>
-          <a:p>
-            <a:pPr lvl="1"/>
-            <a:r>
-              <a:rPr lang="en-US" dirty="0" smtClean="0"/>
-              <a:t>TF </a:t>
-            </a:r>
-          </a:p>
-          <a:p>
-            <a:pPr lvl="1"/>
-            <a:r>
-              <a:rPr lang="en-US" dirty="0" smtClean="0"/>
-              <a:t>IDF</a:t>
-            </a:r>
-          </a:p>
-          <a:p>
-            <a:r>
-              <a:rPr lang="en-US" dirty="0" smtClean="0"/>
-              <a:t>Similarity metric for VS model</a:t>
-            </a:r>
-          </a:p>
-          <a:p>
-            <a:endParaRPr lang="en-US" dirty="0"/>
-          </a:p>
-        </p:txBody>
-      </p:sp>
-      <p:sp>
-        <p:nvSpPr>
-          <p:cNvPr id="4" name="Date Placeholder 3"/>
-          <p:cNvSpPr>
-            <a:spLocks noGrp="1"/>
-          </p:cNvSpPr>
-          <p:nvPr>
-            <p:ph type="dt" sz="half" idx="10"/>
-          </p:nvPr>
-        </p:nvSpPr>
-        <p:spPr/>
-        <p:txBody>
-          <a:bodyPr/>
-          <a:lstStyle/>
-          <a:p>
-            <a:r>
-              <a:rPr lang="en-US" smtClean="0"/>
-              <a:t>CS@UVa</a:t>
-            </a:r>
-            <a:endParaRPr lang="en-US"/>
-          </a:p>
-        </p:txBody>
-      </p:sp>
-      <p:sp>
-        <p:nvSpPr>
-          <p:cNvPr id="5" name="Footer Placeholder 4"/>
-          <p:cNvSpPr>
-            <a:spLocks noGrp="1"/>
-          </p:cNvSpPr>
-          <p:nvPr>
-            <p:ph type="ftr" sz="quarter" idx="11"/>
-          </p:nvPr>
-        </p:nvSpPr>
-        <p:spPr/>
-        <p:txBody>
-          <a:bodyPr/>
-          <a:lstStyle/>
-          <a:p>
-            <a:r>
-              <a:rPr lang="en-US" smtClean="0"/>
-              <a:t>CS 6501: Text Mining</a:t>
-            </a:r>
-            <a:endParaRPr lang="en-US"/>
-          </a:p>
-        </p:txBody>
-      </p:sp>
-      <p:sp>
-        <p:nvSpPr>
-          <p:cNvPr id="6" name="Slide Number Placeholder 5"/>
-          <p:cNvSpPr>
-            <a:spLocks noGrp="1"/>
-          </p:cNvSpPr>
-          <p:nvPr>
-            <p:ph type="sldNum" sz="quarter" idx="12"/>
-          </p:nvPr>
-        </p:nvSpPr>
-        <p:spPr/>
-        <p:txBody>
-          <a:bodyPr/>
-          <a:lstStyle/>
-          <a:p>
-            <a:fld id="{2A9F8BE9-47C8-4C45-B88F-68A848B0515F}" type="slidenum">
-              <a:rPr lang="en-US" smtClean="0"/>
-              <a:t>38</a:t>
-            </a:fld>
-            <a:endParaRPr lang="en-US"/>
-          </a:p>
-        </p:txBody>
-      </p:sp>
-    </p:spTree>
-    <p:extLst>
-      <p:ext uri="{BB962C8B-B14F-4D97-AF65-F5344CB8AC3E}">
-        <p14:creationId xmlns:p14="http://schemas.microsoft.com/office/powerpoint/2010/main" val="1766656247"/>
       </p:ext>
     </p:extLst>
   </p:cSld>
@@ -30562,9 +31044,10 @@
           <a:lstStyle/>
           <a:p>
             <a:r>
-              <a:rPr lang="en-US" dirty="0"/>
-              <a:t>Today’s reading</a:t>
-            </a:r>
+              <a:rPr lang="en-US" dirty="0" smtClean="0"/>
+              <a:t>What you should know</a:t>
+            </a:r>
+            <a:endParaRPr lang="en-US" dirty="0"/>
           </a:p>
         </p:txBody>
       </p:sp>
@@ -30585,87 +31068,50 @@
           <a:p>
             <a:r>
               <a:rPr lang="en-US" dirty="0" smtClean="0"/>
-              <a:t>Introduction </a:t>
+              <a:t>Basic ideas of </a:t>
             </a:r>
             <a:r>
               <a:rPr lang="en-US" dirty="0"/>
-              <a:t>to information </a:t>
+              <a:t>vector space </a:t>
             </a:r>
             <a:r>
               <a:rPr lang="en-US" dirty="0" smtClean="0"/>
-              <a:t>retrieval</a:t>
+              <a:t>model</a:t>
+            </a:r>
+          </a:p>
+          <a:p>
+            <a:r>
+              <a:rPr lang="en-US" dirty="0" smtClean="0"/>
+              <a:t>Procedures of constructing VS representation for a document</a:t>
+            </a:r>
+          </a:p>
+          <a:p>
+            <a:r>
+              <a:rPr lang="en-US" dirty="0" smtClean="0"/>
+              <a:t>Two important heuristics in bag-of-words representation</a:t>
             </a:r>
           </a:p>
           <a:p>
             <a:pPr lvl="1"/>
             <a:r>
-              <a:rPr lang="en-US" dirty="0"/>
-              <a:t>Chapter </a:t>
-            </a:r>
-            <a:r>
               <a:rPr lang="en-US" dirty="0" smtClean="0"/>
-              <a:t>2.2: </a:t>
-            </a:r>
-            <a:r>
-              <a:rPr lang="en-US" dirty="0"/>
-              <a:t>Determining the vocabulary of terms</a:t>
+              <a:t>TF </a:t>
             </a:r>
           </a:p>
           <a:p>
             <a:pPr lvl="1"/>
             <a:r>
               <a:rPr lang="en-US" dirty="0" smtClean="0"/>
-              <a:t>Chapter 6.2</a:t>
-            </a:r>
-            <a:r>
-              <a:rPr lang="en-US" dirty="0"/>
-              <a:t>: Term frequency and </a:t>
-            </a:r>
+              <a:t>IDF</a:t>
+            </a:r>
+          </a:p>
+          <a:p>
             <a:r>
               <a:rPr lang="en-US" dirty="0" smtClean="0"/>
-              <a:t>weighting</a:t>
-            </a:r>
-          </a:p>
-          <a:p>
-            <a:pPr lvl="1"/>
-            <a:r>
-              <a:rPr lang="en-US" dirty="0" smtClean="0"/>
-              <a:t>Chapter 6.3</a:t>
-            </a:r>
-            <a:r>
-              <a:rPr lang="en-US" dirty="0"/>
-              <a:t>: The vector space model for </a:t>
-            </a:r>
-            <a:r>
-              <a:rPr lang="en-US" dirty="0" smtClean="0"/>
-              <a:t>scoring</a:t>
-            </a:r>
-          </a:p>
-          <a:p>
-            <a:pPr lvl="1"/>
-            <a:r>
-              <a:rPr lang="en-US" dirty="0"/>
-              <a:t>Chapter </a:t>
-            </a:r>
-            <a:r>
-              <a:rPr lang="en-US" dirty="0" smtClean="0"/>
-              <a:t>6.4: </a:t>
-            </a:r>
-            <a:r>
-              <a:rPr lang="en-US" dirty="0"/>
-              <a:t>Variant </a:t>
-            </a:r>
-            <a:r>
-              <a:rPr lang="en-US" dirty="0" err="1"/>
-              <a:t>tf-idf</a:t>
-            </a:r>
-            <a:r>
-              <a:rPr lang="en-US" dirty="0"/>
-              <a:t> functions</a:t>
-            </a:r>
-          </a:p>
-          <a:p>
-            <a:pPr lvl="1"/>
+              <a:t>Similarity metric for VS model</a:t>
+            </a:r>
+          </a:p>
+          <a:p>
             <a:endParaRPr lang="en-US" dirty="0"/>
           </a:p>
         </p:txBody>
@@ -30742,7 +31188,7 @@
     </p:spTree>
     <p:extLst>
       <p:ext uri="{BB962C8B-B14F-4D97-AF65-F5344CB8AC3E}">
-        <p14:creationId xmlns:p14="http://schemas.microsoft.com/office/powerpoint/2010/main" val="2067969635"/>
+        <p14:creationId xmlns:p14="http://schemas.microsoft.com/office/powerpoint/2010/main" val="1766656247"/>
       </p:ext>
     </p:extLst>
   </p:cSld>
@@ -30778,7 +31224,290 @@
       </p:grpSpPr>
       <p:sp>
         <p:nvSpPr>
-          <p:cNvPr id="6" name="Title 5"/>
+          <p:cNvPr id="842754" name="Rectangle 2"/>
+          <p:cNvSpPr>
+            <a:spLocks noGrp="1" noChangeArrowheads="1"/>
+          </p:cNvSpPr>
+          <p:nvPr>
+            <p:ph type="title"/>
+          </p:nvPr>
+        </p:nvSpPr>
+        <p:spPr/>
+        <p:txBody>
+          <a:bodyPr/>
+          <a:lstStyle/>
+          <a:p>
+            <a:r>
+              <a:rPr lang="en-US" altLang="en-US" dirty="0" smtClean="0"/>
+              <a:t>Recap: challenges </a:t>
+            </a:r>
+            <a:r>
+              <a:rPr lang="en-US" altLang="en-US" dirty="0"/>
+              <a:t>in </a:t>
+            </a:r>
+            <a:r>
+              <a:rPr lang="en-US" altLang="en-US" dirty="0" smtClean="0"/>
+              <a:t>text mining</a:t>
+            </a:r>
+            <a:endParaRPr lang="en-US" altLang="en-US" dirty="0"/>
+          </a:p>
+        </p:txBody>
+      </p:sp>
+      <p:sp>
+        <p:nvSpPr>
+          <p:cNvPr id="842755" name="Rectangle 3"/>
+          <p:cNvSpPr>
+            <a:spLocks noGrp="1" noChangeArrowheads="1"/>
+          </p:cNvSpPr>
+          <p:nvPr>
+            <p:ph idx="1"/>
+          </p:nvPr>
+        </p:nvSpPr>
+        <p:spPr/>
+        <p:txBody>
+          <a:bodyPr>
+            <a:normAutofit/>
+          </a:bodyPr>
+          <a:lstStyle/>
+          <a:p>
+            <a:r>
+              <a:rPr lang="en-US" altLang="en-US" sz="2800" dirty="0"/>
+              <a:t>Data collection is “free text”</a:t>
+            </a:r>
+          </a:p>
+          <a:p>
+            <a:pPr lvl="1"/>
+            <a:r>
+              <a:rPr lang="en-US" altLang="en-US" sz="2400" dirty="0"/>
+              <a:t>Data is not well-organized</a:t>
+            </a:r>
+          </a:p>
+          <a:p>
+            <a:pPr lvl="2"/>
+            <a:r>
+              <a:rPr lang="en-US" altLang="en-US" sz="2000" dirty="0"/>
+              <a:t>Semi-structured or unstructured</a:t>
+            </a:r>
+          </a:p>
+          <a:p>
+            <a:pPr lvl="1"/>
+            <a:r>
+              <a:rPr lang="en-US" altLang="en-US" sz="2400" dirty="0"/>
+              <a:t>Natural language text contains ambiguities on many levels </a:t>
+            </a:r>
+          </a:p>
+          <a:p>
+            <a:pPr lvl="2"/>
+            <a:r>
+              <a:rPr lang="en-US" altLang="en-US" sz="2000" dirty="0"/>
+              <a:t>Lexical, syntactic, semantic, and pragmatic</a:t>
+            </a:r>
+          </a:p>
+          <a:p>
+            <a:pPr lvl="1"/>
+            <a:r>
+              <a:rPr lang="en-US" altLang="en-US" sz="2400" dirty="0"/>
+              <a:t>Learning techniques for processing text typically need annotated training examples</a:t>
+            </a:r>
+          </a:p>
+          <a:p>
+            <a:pPr lvl="2"/>
+            <a:r>
+              <a:rPr lang="en-US" altLang="en-US" sz="2000" dirty="0" smtClean="0"/>
+              <a:t>Expensive to acquire at scale</a:t>
+            </a:r>
+            <a:endParaRPr lang="en-US" altLang="en-US" sz="2000" dirty="0"/>
+          </a:p>
+          <a:p>
+            <a:r>
+              <a:rPr lang="en-US" altLang="en-US" sz="2800" dirty="0"/>
+              <a:t>What to mine? </a:t>
+            </a:r>
+          </a:p>
+        </p:txBody>
+      </p:sp>
+      <p:sp>
+        <p:nvSpPr>
+          <p:cNvPr id="5" name="Slide Number Placeholder 3"/>
+          <p:cNvSpPr>
+            <a:spLocks noGrp="1"/>
+          </p:cNvSpPr>
+          <p:nvPr>
+            <p:ph type="sldNum" sz="quarter" idx="12"/>
+          </p:nvPr>
+        </p:nvSpPr>
+        <p:spPr/>
+        <p:txBody>
+          <a:bodyPr/>
+          <a:lstStyle/>
+          <a:p>
+            <a:fld id="{DB7A5CF8-1646-4C20-967E-A384ABBA5551}" type="slidenum">
+              <a:rPr lang="en-US" altLang="en-US"/>
+              <a:pPr/>
+              <a:t>4</a:t>
+            </a:fld>
+            <a:endParaRPr lang="en-US" altLang="en-US"/>
+          </a:p>
+        </p:txBody>
+      </p:sp>
+      <p:sp>
+        <p:nvSpPr>
+          <p:cNvPr id="2" name="Date Placeholder 1"/>
+          <p:cNvSpPr>
+            <a:spLocks noGrp="1"/>
+          </p:cNvSpPr>
+          <p:nvPr>
+            <p:ph type="dt" sz="half" idx="10"/>
+          </p:nvPr>
+        </p:nvSpPr>
+        <p:spPr/>
+        <p:txBody>
+          <a:bodyPr/>
+          <a:lstStyle/>
+          <a:p>
+            <a:r>
+              <a:rPr lang="en-US" smtClean="0"/>
+              <a:t>CS@UVa</a:t>
+            </a:r>
+            <a:endParaRPr lang="en-US"/>
+          </a:p>
+        </p:txBody>
+      </p:sp>
+      <p:sp>
+        <p:nvSpPr>
+          <p:cNvPr id="3" name="Footer Placeholder 2"/>
+          <p:cNvSpPr>
+            <a:spLocks noGrp="1"/>
+          </p:cNvSpPr>
+          <p:nvPr>
+            <p:ph type="ftr" sz="quarter" idx="11"/>
+          </p:nvPr>
+        </p:nvSpPr>
+        <p:spPr/>
+        <p:txBody>
+          <a:bodyPr/>
+          <a:lstStyle/>
+          <a:p>
+            <a:r>
+              <a:rPr lang="en-US" smtClean="0"/>
+              <a:t>CS6501: Text Mining</a:t>
+            </a:r>
+            <a:endParaRPr lang="en-US"/>
+          </a:p>
+        </p:txBody>
+      </p:sp>
+    </p:spTree>
+    <p:extLst>
+      <p:ext uri="{BB962C8B-B14F-4D97-AF65-F5344CB8AC3E}">
+        <p14:creationId xmlns:p14="http://schemas.microsoft.com/office/powerpoint/2010/main" val="2416280215"/>
+      </p:ext>
+    </p:extLst>
+  </p:cSld>
+  <p:clrMapOvr>
+    <a:masterClrMapping/>
+  </p:clrMapOvr>
+  <p:timing>
+    <p:tnLst>
+      <p:par>
+        <p:cTn id="1" dur="indefinite" restart="never" nodeType="tmRoot">
+          <p:childTnLst>
+            <p:seq concurrent="1" nextAc="seek">
+              <p:cTn id="2" dur="indefinite" nodeType="mainSeq">
+                <p:childTnLst>
+                  <p:par>
+                    <p:cTn id="3" fill="hold">
+                      <p:stCondLst>
+                        <p:cond delay="indefinite"/>
+                      </p:stCondLst>
+                      <p:childTnLst>
+                        <p:par>
+                          <p:cTn id="4" fill="hold">
+                            <p:stCondLst>
+                              <p:cond delay="0"/>
+                            </p:stCondLst>
+                            <p:childTnLst>
+                              <p:par>
+                                <p:cTn id="5" presetID="1" presetClass="entr" presetSubtype="0" fill="hold" nodeType="clickEffect">
+                                  <p:stCondLst>
+                                    <p:cond delay="0"/>
+                                  </p:stCondLst>
+                                  <p:childTnLst>
+                                    <p:set>
+                                      <p:cBhvr>
+                                        <p:cTn id="6" dur="1" fill="hold">
+                                          <p:stCondLst>
+                                            <p:cond delay="0"/>
+                                          </p:stCondLst>
+                                        </p:cTn>
+                                        <p:tgtEl>
+                                          <p:spTgt spid="842755">
+                                            <p:txEl>
+                                              <p:pRg st="7" end="7"/>
+                                            </p:txEl>
+                                          </p:spTgt>
+                                        </p:tgtEl>
+                                        <p:attrNameLst>
+                                          <p:attrName>style.visibility</p:attrName>
+                                        </p:attrNameLst>
+                                      </p:cBhvr>
+                                      <p:to>
+                                        <p:strVal val="visible"/>
+                                      </p:to>
+                                    </p:set>
+                                  </p:childTnLst>
+                                </p:cTn>
+                              </p:par>
+                            </p:childTnLst>
+                          </p:cTn>
+                        </p:par>
+                      </p:childTnLst>
+                    </p:cTn>
+                  </p:par>
+                </p:childTnLst>
+              </p:cTn>
+              <p:prevCondLst>
+                <p:cond evt="onPrev" delay="0">
+                  <p:tgtEl>
+                    <p:sldTgt/>
+                  </p:tgtEl>
+                </p:cond>
+              </p:prevCondLst>
+              <p:nextCondLst>
+                <p:cond evt="onNext" delay="0">
+                  <p:tgtEl>
+                    <p:sldTgt/>
+                  </p:tgtEl>
+                </p:cond>
+              </p:nextCondLst>
+            </p:seq>
+          </p:childTnLst>
+        </p:cTn>
+      </p:par>
+    </p:tnLst>
+  </p:timing>
+</p:sld>
+</file>
+
+<file path=ppt/slides/slide40.xml><?xml version="1.0" encoding="utf-8"?>
+<p:sld xmlns:a="http://schemas.openxmlformats.org/drawingml/2006/main" xmlns:r="http://schemas.openxmlformats.org/officeDocument/2006/relationships" xmlns:p="http://schemas.openxmlformats.org/presentationml/2006/main">
+  <p:cSld>
+    <p:spTree>
+      <p:nvGrpSpPr>
+        <p:cNvPr id="1" name=""/>
+        <p:cNvGrpSpPr/>
+        <p:nvPr/>
+      </p:nvGrpSpPr>
+      <p:grpSpPr>
+        <a:xfrm>
+          <a:off x="0" y="0"/>
+          <a:ext cx="0" cy="0"/>
+          <a:chOff x="0" y="0"/>
+          <a:chExt cx="0" cy="0"/>
+        </a:xfrm>
+      </p:grpSpPr>
+      <p:sp>
+        <p:nvSpPr>
+          <p:cNvPr id="2" name="Title 1"/>
           <p:cNvSpPr>
             <a:spLocks noGrp="1"/>
           </p:cNvSpPr>
@@ -30792,16 +31521,15 @@
           <a:lstStyle/>
           <a:p>
             <a:r>
-              <a:rPr lang="en-US" dirty="0" smtClean="0"/>
-              <a:t>Today’s lecture</a:t>
-            </a:r>
-            <a:endParaRPr lang="en-US" dirty="0"/>
+              <a:rPr lang="en-US" dirty="0"/>
+              <a:t>Today’s reading</a:t>
+            </a:r>
           </a:p>
         </p:txBody>
       </p:sp>
       <p:sp>
         <p:nvSpPr>
-          <p:cNvPr id="7" name="Content Placeholder 6"/>
+          <p:cNvPr id="3" name="Content Placeholder 2"/>
           <p:cNvSpPr>
             <a:spLocks noGrp="1"/>
           </p:cNvSpPr>
@@ -30814,45 +31542,96 @@
           <a:bodyPr/>
           <a:lstStyle/>
           <a:p>
-            <a:pPr marL="514350" indent="-514350">
-              <a:buFont typeface="+mj-lt"/>
-              <a:buAutoNum type="arabicPeriod"/>
-            </a:pPr>
             <a:r>
               <a:rPr lang="en-US" dirty="0" smtClean="0"/>
-              <a:t>How to represent a document?</a:t>
+              <a:t>Introduction </a:t>
+            </a:r>
+            <a:r>
+              <a:rPr lang="en-US" dirty="0"/>
+              <a:t>to information </a:t>
+            </a:r>
+            <a:r>
+              <a:rPr lang="en-US" dirty="0" smtClean="0"/>
+              <a:t>retrieval</a:t>
             </a:r>
           </a:p>
           <a:p>
             <a:pPr lvl="1"/>
             <a:r>
+              <a:rPr lang="en-US" dirty="0"/>
+              <a:t>Chapter </a:t>
+            </a:r>
+            <a:r>
               <a:rPr lang="en-US" dirty="0" smtClean="0"/>
-              <a:t>Make it computable</a:t>
-            </a:r>
-          </a:p>
-          <a:p>
-            <a:pPr marL="514350" indent="-514350">
-              <a:buFont typeface="+mj-lt"/>
-              <a:buAutoNum type="arabicPeriod"/>
-            </a:pPr>
+              <a:t>2.2: </a:t>
+            </a:r>
+            <a:r>
+              <a:rPr lang="en-US" dirty="0"/>
+              <a:t>Determining the vocabulary of terms</a:t>
+            </a:r>
+          </a:p>
+          <a:p>
+            <a:pPr lvl="1"/>
             <a:r>
               <a:rPr lang="en-US" dirty="0" smtClean="0"/>
-              <a:t>How to infer the relationship among documents or identify the structure within a document?</a:t>
-            </a:r>
-          </a:p>
-          <a:p>
-            <a:pPr marL="744538" lvl="1" indent="-344488"/>
+              <a:t>Chapter 6.2</a:t>
+            </a:r>
+            <a:r>
+              <a:rPr lang="en-US" dirty="0"/>
+              <a:t>: Term frequency and </a:t>
+            </a:r>
             <a:r>
               <a:rPr lang="en-US" dirty="0" smtClean="0"/>
-              <a:t>Knowledge discovery</a:t>
-            </a:r>
+              <a:t>weighting</a:t>
+            </a:r>
+          </a:p>
+          <a:p>
+            <a:pPr lvl="1"/>
+            <a:r>
+              <a:rPr lang="en-US" dirty="0" smtClean="0"/>
+              <a:t>Chapter 6.3</a:t>
+            </a:r>
+            <a:r>
+              <a:rPr lang="en-US" dirty="0"/>
+              <a:t>: The vector space model for </a:t>
+            </a:r>
+            <a:r>
+              <a:rPr lang="en-US" dirty="0" smtClean="0"/>
+              <a:t>scoring</a:t>
+            </a:r>
+          </a:p>
+          <a:p>
+            <a:pPr lvl="1"/>
+            <a:r>
+              <a:rPr lang="en-US" dirty="0"/>
+              <a:t>Chapter </a:t>
+            </a:r>
+            <a:r>
+              <a:rPr lang="en-US" dirty="0" smtClean="0"/>
+              <a:t>6.4: </a:t>
+            </a:r>
+            <a:r>
+              <a:rPr lang="en-US" dirty="0"/>
+              <a:t>Variant </a:t>
+            </a:r>
+            <a:r>
+              <a:rPr lang="en-US" dirty="0" err="1"/>
+              <a:t>tf-idf</a:t>
+            </a:r>
+            <a:r>
+              <a:rPr lang="en-US" dirty="0"/>
+              <a:t> functions</a:t>
+            </a:r>
+          </a:p>
+          <a:p>
+            <a:pPr lvl="1"/>
             <a:endParaRPr lang="en-US" dirty="0"/>
           </a:p>
         </p:txBody>
       </p:sp>
       <p:sp>
         <p:nvSpPr>
-          <p:cNvPr id="3" name="Date Placeholder 2"/>
+          <p:cNvPr id="4" name="Date Placeholder 3"/>
           <p:cNvSpPr>
             <a:spLocks noGrp="1"/>
           </p:cNvSpPr>
@@ -30875,7 +31654,7 @@
       </p:sp>
       <p:sp>
         <p:nvSpPr>
-          <p:cNvPr id="4" name="Footer Placeholder 3"/>
+          <p:cNvPr id="5" name="Footer Placeholder 4"/>
           <p:cNvSpPr>
             <a:spLocks noGrp="1"/>
           </p:cNvSpPr>
@@ -30898,7 +31677,7 @@
       </p:sp>
       <p:sp>
         <p:nvSpPr>
-          <p:cNvPr id="5" name="Slide Number Placeholder 4"/>
+          <p:cNvPr id="6" name="Slide Number Placeholder 5"/>
           <p:cNvSpPr>
             <a:spLocks noGrp="1"/>
           </p:cNvSpPr>
@@ -30913,7 +31692,7 @@
           <a:p>
             <a:fld id="{2A9F8BE9-47C8-4C45-B88F-68A848B0515F}" type="slidenum">
               <a:rPr lang="en-US" smtClean="0"/>
-              <a:t>4</a:t>
+              <a:t>40</a:t>
             </a:fld>
             <a:endParaRPr lang="en-US"/>
           </a:p>
@@ -30922,7 +31701,7 @@
     </p:spTree>
     <p:extLst>
       <p:ext uri="{BB962C8B-B14F-4D97-AF65-F5344CB8AC3E}">
-        <p14:creationId xmlns:p14="http://schemas.microsoft.com/office/powerpoint/2010/main" val="1258650177"/>
+        <p14:creationId xmlns:p14="http://schemas.microsoft.com/office/powerpoint/2010/main" val="2067969635"/>
       </p:ext>
     </p:extLst>
   </p:cSld>
@@ -30958,6 +31737,186 @@
       </p:grpSpPr>
       <p:sp>
         <p:nvSpPr>
+          <p:cNvPr id="6" name="Title 5"/>
+          <p:cNvSpPr>
+            <a:spLocks noGrp="1"/>
+          </p:cNvSpPr>
+          <p:nvPr>
+            <p:ph type="title"/>
+          </p:nvPr>
+        </p:nvSpPr>
+        <p:spPr/>
+        <p:txBody>
+          <a:bodyPr/>
+          <a:lstStyle/>
+          <a:p>
+            <a:r>
+              <a:rPr lang="en-US" dirty="0" smtClean="0"/>
+              <a:t>Today’s lecture</a:t>
+            </a:r>
+            <a:endParaRPr lang="en-US" dirty="0"/>
+          </a:p>
+        </p:txBody>
+      </p:sp>
+      <p:sp>
+        <p:nvSpPr>
+          <p:cNvPr id="7" name="Content Placeholder 6"/>
+          <p:cNvSpPr>
+            <a:spLocks noGrp="1"/>
+          </p:cNvSpPr>
+          <p:nvPr>
+            <p:ph idx="1"/>
+          </p:nvPr>
+        </p:nvSpPr>
+        <p:spPr/>
+        <p:txBody>
+          <a:bodyPr/>
+          <a:lstStyle/>
+          <a:p>
+            <a:pPr marL="514350" indent="-514350">
+              <a:buFont typeface="+mj-lt"/>
+              <a:buAutoNum type="arabicPeriod"/>
+            </a:pPr>
+            <a:r>
+              <a:rPr lang="en-US" dirty="0" smtClean="0"/>
+              <a:t>How to represent a document?</a:t>
+            </a:r>
+          </a:p>
+          <a:p>
+            <a:pPr lvl="1"/>
+            <a:r>
+              <a:rPr lang="en-US" dirty="0" smtClean="0"/>
+              <a:t>Make it computable</a:t>
+            </a:r>
+          </a:p>
+          <a:p>
+            <a:pPr marL="514350" indent="-514350">
+              <a:buFont typeface="+mj-lt"/>
+              <a:buAutoNum type="arabicPeriod"/>
+            </a:pPr>
+            <a:r>
+              <a:rPr lang="en-US" dirty="0" smtClean="0"/>
+              <a:t>How to infer the relationship among documents or identify the structure within a document?</a:t>
+            </a:r>
+          </a:p>
+          <a:p>
+            <a:pPr marL="744538" lvl="1" indent="-344488"/>
+            <a:r>
+              <a:rPr lang="en-US" dirty="0" smtClean="0"/>
+              <a:t>Knowledge discovery</a:t>
+            </a:r>
+            <a:endParaRPr lang="en-US" dirty="0"/>
+          </a:p>
+        </p:txBody>
+      </p:sp>
+      <p:sp>
+        <p:nvSpPr>
+          <p:cNvPr id="3" name="Date Placeholder 2"/>
+          <p:cNvSpPr>
+            <a:spLocks noGrp="1"/>
+          </p:cNvSpPr>
+          <p:nvPr>
+            <p:ph type="dt" sz="half" idx="10"/>
+          </p:nvPr>
+        </p:nvSpPr>
+        <p:spPr/>
+        <p:txBody>
+          <a:bodyPr/>
+          <a:lstStyle/>
+          <a:p>
+            <a:r>
+              <a:rPr lang="en-US" smtClean="0"/>
+              <a:t>CS@UVa</a:t>
+            </a:r>
+            <a:endParaRPr lang="en-US"/>
+          </a:p>
+        </p:txBody>
+      </p:sp>
+      <p:sp>
+        <p:nvSpPr>
+          <p:cNvPr id="4" name="Footer Placeholder 3"/>
+          <p:cNvSpPr>
+            <a:spLocks noGrp="1"/>
+          </p:cNvSpPr>
+          <p:nvPr>
+            <p:ph type="ftr" sz="quarter" idx="11"/>
+          </p:nvPr>
+        </p:nvSpPr>
+        <p:spPr/>
+        <p:txBody>
+          <a:bodyPr/>
+          <a:lstStyle/>
+          <a:p>
+            <a:r>
+              <a:rPr lang="en-US" smtClean="0"/>
+              <a:t>CS 6501: Text Mining</a:t>
+            </a:r>
+            <a:endParaRPr lang="en-US"/>
+          </a:p>
+        </p:txBody>
+      </p:sp>
+      <p:sp>
+        <p:nvSpPr>
+          <p:cNvPr id="5" name="Slide Number Placeholder 4"/>
+          <p:cNvSpPr>
+            <a:spLocks noGrp="1"/>
+          </p:cNvSpPr>
+          <p:nvPr>
+            <p:ph type="sldNum" sz="quarter" idx="12"/>
+          </p:nvPr>
+        </p:nvSpPr>
+        <p:spPr/>
+        <p:txBody>
+          <a:bodyPr/>
+          <a:lstStyle/>
+          <a:p>
+            <a:fld id="{2A9F8BE9-47C8-4C45-B88F-68A848B0515F}" type="slidenum">
+              <a:rPr lang="en-US" smtClean="0"/>
+              <a:t>5</a:t>
+            </a:fld>
+            <a:endParaRPr lang="en-US"/>
+          </a:p>
+        </p:txBody>
+      </p:sp>
+    </p:spTree>
+    <p:extLst>
+      <p:ext uri="{BB962C8B-B14F-4D97-AF65-F5344CB8AC3E}">
+        <p14:creationId xmlns:p14="http://schemas.microsoft.com/office/powerpoint/2010/main" val="1258650177"/>
+      </p:ext>
+    </p:extLst>
+  </p:cSld>
+  <p:clrMapOvr>
+    <a:masterClrMapping/>
+  </p:clrMapOvr>
+  <p:timing>
+    <p:tnLst>
+      <p:par>
+        <p:cTn id="1" dur="indefinite" restart="never" nodeType="tmRoot"/>
+      </p:par>
+    </p:tnLst>
+  </p:timing>
+</p:sld>
+</file>
+
+<file path=ppt/slides/slide6.xml><?xml version="1.0" encoding="utf-8"?>
+<p:sld xmlns:a="http://schemas.openxmlformats.org/drawingml/2006/main" xmlns:r="http://schemas.openxmlformats.org/officeDocument/2006/relationships" xmlns:p="http://schemas.openxmlformats.org/presentationml/2006/main">
+  <p:cSld>
+    <p:spTree>
+      <p:nvGrpSpPr>
+        <p:cNvPr id="1" name=""/>
+        <p:cNvGrpSpPr/>
+        <p:nvPr/>
+      </p:nvGrpSpPr>
+      <p:grpSpPr>
+        <a:xfrm>
+          <a:off x="0" y="0"/>
+          <a:ext cx="0" cy="0"/>
+          <a:chOff x="0" y="0"/>
+          <a:chExt cx="0" cy="0"/>
+        </a:xfrm>
+      </p:grpSpPr>
+      <p:sp>
+        <p:nvSpPr>
           <p:cNvPr id="2" name="Title 1"/>
           <p:cNvSpPr>
             <a:spLocks noGrp="1"/>
@@ -31088,7 +32047,7 @@
           <a:p>
             <a:fld id="{93582EC2-63CB-4149-BC8B-E4DB3A07B74B}" type="slidenum">
               <a:rPr lang="en-US" smtClean="0"/>
-              <a:t>5</a:t>
+              <a:t>6</a:t>
             </a:fld>
             <a:endParaRPr lang="en-US"/>
           </a:p>
@@ -31348,7 +32307,7 @@
 </p:sld>
 </file>
 
-<file path=ppt/slides/slide6.xml><?xml version="1.0" encoding="utf-8"?>
+<file path=ppt/slides/slide7.xml><?xml version="1.0" encoding="utf-8"?>
 <p:sld xmlns:a="http://schemas.openxmlformats.org/drawingml/2006/main" xmlns:r="http://schemas.openxmlformats.org/officeDocument/2006/relationships" xmlns:p="http://schemas.openxmlformats.org/presentationml/2006/main">
   <p:cSld>
     <p:spTree>
@@ -31594,7 +32553,7 @@
           <a:p>
             <a:fld id="{2A9F8BE9-47C8-4C45-B88F-68A848B0515F}" type="slidenum">
               <a:rPr lang="en-US" smtClean="0"/>
-              <a:t>6</a:t>
+              <a:t>7</a:t>
             </a:fld>
             <a:endParaRPr lang="en-US"/>
           </a:p>
@@ -31723,7 +32682,7 @@
 </p:sld>
 </file>
 
-<file path=ppt/slides/slide7.xml><?xml version="1.0" encoding="utf-8"?>
+<file path=ppt/slides/slide8.xml><?xml version="1.0" encoding="utf-8"?>
 <p:sld xmlns:a="http://schemas.openxmlformats.org/drawingml/2006/main" xmlns:r="http://schemas.openxmlformats.org/officeDocument/2006/relationships" xmlns:p="http://schemas.openxmlformats.org/presentationml/2006/main">
   <p:cSld>
     <p:spTree>
@@ -32953,7 +33912,7 @@
           <a:p>
             <a:fld id="{2A9F8BE9-47C8-4C45-B88F-68A848B0515F}" type="slidenum">
               <a:rPr lang="en-US" smtClean="0"/>
-              <a:t>7</a:t>
+              <a:t>8</a:t>
             </a:fld>
             <a:endParaRPr lang="en-US"/>
           </a:p>
@@ -33224,7 +34183,7 @@
 </p:sld>
 </file>
 
-<file path=ppt/slides/slide8.xml><?xml version="1.0" encoding="utf-8"?>
+<file path=ppt/slides/slide9.xml><?xml version="1.0" encoding="utf-8"?>
 <p:sld xmlns:a="http://schemas.openxmlformats.org/drawingml/2006/main" xmlns:r="http://schemas.openxmlformats.org/officeDocument/2006/relationships" xmlns:p="http://schemas.openxmlformats.org/presentationml/2006/main">
   <p:cSld>
     <p:spTree>
@@ -33405,7 +34364,7 @@
           <a:p>
             <a:fld id="{2A9F8BE9-47C8-4C45-B88F-68A848B0515F}" type="slidenum">
               <a:rPr lang="en-US" smtClean="0"/>
-              <a:t>8</a:t>
+              <a:t>9</a:t>
             </a:fld>
             <a:endParaRPr lang="en-US"/>
           </a:p>
@@ -33540,537 +34499,6 @@
                                               <p:pRg st="4" end="4"/>
                                             </p:txEl>
                                           </p:spTgt>
-                                        </p:tgtEl>
-                                        <p:attrNameLst>
-                                          <p:attrName>style.visibility</p:attrName>
-                                        </p:attrNameLst>
-                                      </p:cBhvr>
-                                      <p:to>
-                                        <p:strVal val="visible"/>
-                                      </p:to>
-                                    </p:set>
-                                  </p:childTnLst>
-                                </p:cTn>
-                              </p:par>
-                            </p:childTnLst>
-                          </p:cTn>
-                        </p:par>
-                      </p:childTnLst>
-                    </p:cTn>
-                  </p:par>
-                </p:childTnLst>
-              </p:cTn>
-              <p:prevCondLst>
-                <p:cond evt="onPrev" delay="0">
-                  <p:tgtEl>
-                    <p:sldTgt/>
-                  </p:tgtEl>
-                </p:cond>
-              </p:prevCondLst>
-              <p:nextCondLst>
-                <p:cond evt="onNext" delay="0">
-                  <p:tgtEl>
-                    <p:sldTgt/>
-                  </p:tgtEl>
-                </p:cond>
-              </p:nextCondLst>
-            </p:seq>
-          </p:childTnLst>
-        </p:cTn>
-      </p:par>
-    </p:tnLst>
-  </p:timing>
-</p:sld>
-</file>
-
-<file path=ppt/slides/slide9.xml><?xml version="1.0" encoding="utf-8"?>
-<p:sld xmlns:a="http://schemas.openxmlformats.org/drawingml/2006/main" xmlns:r="http://schemas.openxmlformats.org/officeDocument/2006/relationships" xmlns:p="http://schemas.openxmlformats.org/presentationml/2006/main">
-  <p:cSld>
-    <p:spTree>
-      <p:nvGrpSpPr>
-        <p:cNvPr id="1" name=""/>
-        <p:cNvGrpSpPr/>
-        <p:nvPr/>
-      </p:nvGrpSpPr>
-      <p:grpSpPr>
-        <a:xfrm>
-          <a:off x="0" y="0"/>
-          <a:ext cx="0" cy="0"/>
-          <a:chOff x="0" y="0"/>
-          <a:chExt cx="0" cy="0"/>
-        </a:xfrm>
-      </p:grpSpPr>
-      <p:sp>
-        <p:nvSpPr>
-          <p:cNvPr id="320514" name="Rectangle 1026"/>
-          <p:cNvSpPr>
-            <a:spLocks noGrp="1" noChangeArrowheads="1"/>
-          </p:cNvSpPr>
-          <p:nvPr>
-            <p:ph type="title"/>
-          </p:nvPr>
-        </p:nvSpPr>
-        <p:spPr/>
-        <p:txBody>
-          <a:bodyPr/>
-          <a:lstStyle/>
-          <a:p>
-            <a:r>
-              <a:rPr lang="en-US" altLang="en-US" dirty="0" smtClean="0"/>
-              <a:t>What is a good “Basic Concept</a:t>
-            </a:r>
-            <a:r>
-              <a:rPr lang="en-US" altLang="en-US" dirty="0"/>
-              <a:t>”?</a:t>
-            </a:r>
-          </a:p>
-        </p:txBody>
-      </p:sp>
-      <p:sp>
-        <p:nvSpPr>
-          <p:cNvPr id="320515" name="Rectangle 1027"/>
-          <p:cNvSpPr>
-            <a:spLocks noGrp="1" noChangeArrowheads="1"/>
-          </p:cNvSpPr>
-          <p:nvPr>
-            <p:ph idx="1"/>
-          </p:nvPr>
-        </p:nvSpPr>
-        <p:spPr>
-          <a:xfrm>
-            <a:off x="457200" y="1600200"/>
-            <a:ext cx="8229600" cy="4724400"/>
-          </a:xfrm>
-        </p:spPr>
-        <p:txBody>
-          <a:bodyPr>
-            <a:normAutofit/>
-          </a:bodyPr>
-          <a:lstStyle/>
-          <a:p>
-            <a:r>
-              <a:rPr lang="en-US" altLang="en-US" dirty="0"/>
-              <a:t>Orthogonal</a:t>
-            </a:r>
-          </a:p>
-          <a:p>
-            <a:pPr lvl="1"/>
-            <a:r>
-              <a:rPr lang="en-US" altLang="en-US" dirty="0"/>
-              <a:t>Linearly independent basis vectors</a:t>
-            </a:r>
-          </a:p>
-          <a:p>
-            <a:pPr lvl="2"/>
-            <a:r>
-              <a:rPr lang="en-US" altLang="en-US" dirty="0"/>
-              <a:t>“Non-overlapping” in meaning</a:t>
-            </a:r>
-          </a:p>
-          <a:p>
-            <a:pPr lvl="1"/>
-            <a:r>
-              <a:rPr lang="en-US" altLang="en-US" dirty="0"/>
-              <a:t>No ambiguity</a:t>
-            </a:r>
-          </a:p>
-          <a:p>
-            <a:r>
-              <a:rPr lang="en-US" altLang="en-US" dirty="0"/>
-              <a:t>Weights can be assigned automatically and </a:t>
-            </a:r>
-            <a:r>
-              <a:rPr lang="en-US" altLang="en-US" dirty="0" smtClean="0"/>
-              <a:t>accurately</a:t>
-            </a:r>
-            <a:endParaRPr lang="en-US" altLang="en-US" dirty="0"/>
-          </a:p>
-          <a:p>
-            <a:r>
-              <a:rPr lang="en-US" altLang="en-US" dirty="0" smtClean="0"/>
-              <a:t>Existing solutions</a:t>
-            </a:r>
-          </a:p>
-          <a:p>
-            <a:pPr lvl="1"/>
-            <a:r>
-              <a:rPr lang="en-US" altLang="en-US" dirty="0" smtClean="0"/>
-              <a:t>Terms or N-grams, a.k.a., Bag-of-Words</a:t>
-            </a:r>
-          </a:p>
-          <a:p>
-            <a:pPr lvl="1"/>
-            <a:r>
-              <a:rPr lang="en-US" altLang="en-US" dirty="0" smtClean="0"/>
-              <a:t>Topics</a:t>
-            </a:r>
-            <a:endParaRPr lang="en-US" altLang="en-US" dirty="0"/>
-          </a:p>
-        </p:txBody>
-      </p:sp>
-      <p:grpSp>
-        <p:nvGrpSpPr>
-          <p:cNvPr id="7" name="Group 6"/>
-          <p:cNvGrpSpPr/>
-          <p:nvPr/>
-        </p:nvGrpSpPr>
-        <p:grpSpPr>
-          <a:xfrm>
-            <a:off x="2362200" y="5867400"/>
-            <a:ext cx="3962400" cy="369332"/>
-            <a:chOff x="4800600" y="5786477"/>
-            <a:chExt cx="3962400" cy="369332"/>
-          </a:xfrm>
-        </p:grpSpPr>
-        <p:sp>
-          <p:nvSpPr>
-            <p:cNvPr id="2" name="TextBox 1"/>
-            <p:cNvSpPr txBox="1"/>
-            <p:nvPr/>
-          </p:nvSpPr>
-          <p:spPr>
-            <a:xfrm>
-              <a:off x="5486400" y="5786477"/>
-              <a:ext cx="3276600" cy="369332"/>
-            </a:xfrm>
-            <a:prstGeom prst="rect">
-              <a:avLst/>
-            </a:prstGeom>
-            <a:noFill/>
-          </p:spPr>
-          <p:txBody>
-            <a:bodyPr wrap="square" rtlCol="0">
-              <a:spAutoFit/>
-            </a:bodyPr>
-            <a:lstStyle/>
-            <a:p>
-              <a:r>
-                <a:rPr lang="en-US" dirty="0" smtClean="0">
-                  <a:solidFill>
-                    <a:srgbClr val="FF0000"/>
-                  </a:solidFill>
-                </a:rPr>
-                <a:t>We will come back to this later</a:t>
-              </a:r>
-              <a:endParaRPr lang="en-US" dirty="0">
-                <a:solidFill>
-                  <a:srgbClr val="FF0000"/>
-                </a:solidFill>
-              </a:endParaRPr>
-            </a:p>
-          </p:txBody>
-        </p:sp>
-        <p:cxnSp>
-          <p:nvCxnSpPr>
-            <p:cNvPr id="4" name="Straight Arrow Connector 3"/>
-            <p:cNvCxnSpPr/>
-            <p:nvPr/>
-          </p:nvCxnSpPr>
-          <p:spPr>
-            <a:xfrm flipH="1">
-              <a:off x="4800600" y="5971143"/>
-              <a:ext cx="609600" cy="0"/>
-            </a:xfrm>
-            <a:prstGeom prst="straightConnector1">
-              <a:avLst/>
-            </a:prstGeom>
-            <a:ln w="28575">
-              <a:solidFill>
-                <a:srgbClr val="FF0000"/>
-              </a:solidFill>
-              <a:tailEnd type="triangle"/>
-            </a:ln>
-          </p:spPr>
-          <p:style>
-            <a:lnRef idx="1">
-              <a:schemeClr val="accent1"/>
-            </a:lnRef>
-            <a:fillRef idx="0">
-              <a:schemeClr val="accent1"/>
-            </a:fillRef>
-            <a:effectRef idx="0">
-              <a:schemeClr val="accent1"/>
-            </a:effectRef>
-            <a:fontRef idx="minor">
-              <a:schemeClr val="tx1"/>
-            </a:fontRef>
-          </p:style>
-        </p:cxnSp>
-      </p:grpSp>
-      <p:sp>
-        <p:nvSpPr>
-          <p:cNvPr id="3" name="Date Placeholder 2"/>
-          <p:cNvSpPr>
-            <a:spLocks noGrp="1"/>
-          </p:cNvSpPr>
-          <p:nvPr>
-            <p:ph type="dt" sz="half" idx="10"/>
-          </p:nvPr>
-        </p:nvSpPr>
-        <p:spPr/>
-        <p:txBody>
-          <a:bodyPr/>
-          <a:lstStyle/>
-          <a:p>
-            <a:r>
-              <a:rPr lang="en-US" smtClean="0"/>
-              <a:t>CS@UVa</a:t>
-            </a:r>
-            <a:endParaRPr lang="en-US"/>
-          </a:p>
-        </p:txBody>
-      </p:sp>
-      <p:sp>
-        <p:nvSpPr>
-          <p:cNvPr id="5" name="Footer Placeholder 4"/>
-          <p:cNvSpPr>
-            <a:spLocks noGrp="1"/>
-          </p:cNvSpPr>
-          <p:nvPr>
-            <p:ph type="ftr" sz="quarter" idx="11"/>
-          </p:nvPr>
-        </p:nvSpPr>
-        <p:spPr/>
-        <p:txBody>
-          <a:bodyPr/>
-          <a:lstStyle/>
-          <a:p>
-            <a:r>
-              <a:rPr lang="en-US" smtClean="0"/>
-              <a:t>CS 6501: Text Mining</a:t>
-            </a:r>
-            <a:endParaRPr lang="en-US"/>
-          </a:p>
-        </p:txBody>
-      </p:sp>
-      <p:sp>
-        <p:nvSpPr>
-          <p:cNvPr id="6" name="Slide Number Placeholder 5"/>
-          <p:cNvSpPr>
-            <a:spLocks noGrp="1"/>
-          </p:cNvSpPr>
-          <p:nvPr>
-            <p:ph type="sldNum" sz="quarter" idx="12"/>
-          </p:nvPr>
-        </p:nvSpPr>
-        <p:spPr/>
-        <p:txBody>
-          <a:bodyPr/>
-          <a:lstStyle/>
-          <a:p>
-            <a:fld id="{2A9F8BE9-47C8-4C45-B88F-68A848B0515F}" type="slidenum">
-              <a:rPr lang="en-US" smtClean="0"/>
-              <a:t>9</a:t>
-            </a:fld>
-            <a:endParaRPr lang="en-US"/>
-          </a:p>
-        </p:txBody>
-      </p:sp>
-    </p:spTree>
-    <p:extLst>
-      <p:ext uri="{BB962C8B-B14F-4D97-AF65-F5344CB8AC3E}">
-        <p14:creationId xmlns:p14="http://schemas.microsoft.com/office/powerpoint/2010/main" val="689864782"/>
-      </p:ext>
-    </p:extLst>
-  </p:cSld>
-  <p:clrMapOvr>
-    <a:masterClrMapping/>
-  </p:clrMapOvr>
-  <p:timing>
-    <p:tnLst>
-      <p:par>
-        <p:cTn id="1" dur="indefinite" restart="never" nodeType="tmRoot">
-          <p:childTnLst>
-            <p:seq concurrent="1" nextAc="seek">
-              <p:cTn id="2" dur="indefinite" nodeType="mainSeq">
-                <p:childTnLst>
-                  <p:par>
-                    <p:cTn id="3" fill="hold">
-                      <p:stCondLst>
-                        <p:cond delay="indefinite"/>
-                      </p:stCondLst>
-                      <p:childTnLst>
-                        <p:par>
-                          <p:cTn id="4" fill="hold">
-                            <p:stCondLst>
-                              <p:cond delay="0"/>
-                            </p:stCondLst>
-                            <p:childTnLst>
-                              <p:par>
-                                <p:cTn id="5" presetID="1" presetClass="entr" presetSubtype="0" fill="hold" nodeType="clickEffect">
-                                  <p:stCondLst>
-                                    <p:cond delay="0"/>
-                                  </p:stCondLst>
-                                  <p:childTnLst>
-                                    <p:set>
-                                      <p:cBhvr>
-                                        <p:cTn id="6" dur="1" fill="hold">
-                                          <p:stCondLst>
-                                            <p:cond delay="0"/>
-                                          </p:stCondLst>
-                                        </p:cTn>
-                                        <p:tgtEl>
-                                          <p:spTgt spid="320515">
-                                            <p:txEl>
-                                              <p:pRg st="4" end="4"/>
-                                            </p:txEl>
-                                          </p:spTgt>
-                                        </p:tgtEl>
-                                        <p:attrNameLst>
-                                          <p:attrName>style.visibility</p:attrName>
-                                        </p:attrNameLst>
-                                      </p:cBhvr>
-                                      <p:to>
-                                        <p:strVal val="visible"/>
-                                      </p:to>
-                                    </p:set>
-                                  </p:childTnLst>
-                                </p:cTn>
-                              </p:par>
-                            </p:childTnLst>
-                          </p:cTn>
-                        </p:par>
-                      </p:childTnLst>
-                    </p:cTn>
-                  </p:par>
-                  <p:par>
-                    <p:cTn id="7" fill="hold">
-                      <p:stCondLst>
-                        <p:cond delay="indefinite"/>
-                      </p:stCondLst>
-                      <p:childTnLst>
-                        <p:par>
-                          <p:cTn id="8" fill="hold">
-                            <p:stCondLst>
-                              <p:cond delay="0"/>
-                            </p:stCondLst>
-                            <p:childTnLst>
-                              <p:par>
-                                <p:cTn id="9" presetID="1" presetClass="entr" presetSubtype="0" fill="hold" nodeType="clickEffect">
-                                  <p:stCondLst>
-                                    <p:cond delay="0"/>
-                                  </p:stCondLst>
-                                  <p:childTnLst>
-                                    <p:set>
-                                      <p:cBhvr>
-                                        <p:cTn id="10" dur="1" fill="hold">
-                                          <p:stCondLst>
-                                            <p:cond delay="0"/>
-                                          </p:stCondLst>
-                                        </p:cTn>
-                                        <p:tgtEl>
-                                          <p:spTgt spid="320515">
-                                            <p:txEl>
-                                              <p:pRg st="5" end="5"/>
-                                            </p:txEl>
-                                          </p:spTgt>
-                                        </p:tgtEl>
-                                        <p:attrNameLst>
-                                          <p:attrName>style.visibility</p:attrName>
-                                        </p:attrNameLst>
-                                      </p:cBhvr>
-                                      <p:to>
-                                        <p:strVal val="visible"/>
-                                      </p:to>
-                                    </p:set>
-                                  </p:childTnLst>
-                                </p:cTn>
-                              </p:par>
-                              <p:par>
-                                <p:cTn id="11" presetID="1" presetClass="entr" presetSubtype="0" fill="hold" nodeType="withEffect">
-                                  <p:stCondLst>
-                                    <p:cond delay="0"/>
-                                  </p:stCondLst>
-                                  <p:childTnLst>
-                                    <p:set>
-                                      <p:cBhvr>
-                                        <p:cTn id="12" dur="1" fill="hold">
-                                          <p:stCondLst>
-                                            <p:cond delay="0"/>
-                                          </p:stCondLst>
-                                        </p:cTn>
-                                        <p:tgtEl>
-                                          <p:spTgt spid="320515">
-                                            <p:txEl>
-                                              <p:pRg st="6" end="6"/>
-                                            </p:txEl>
-                                          </p:spTgt>
-                                        </p:tgtEl>
-                                        <p:attrNameLst>
-                                          <p:attrName>style.visibility</p:attrName>
-                                        </p:attrNameLst>
-                                      </p:cBhvr>
-                                      <p:to>
-                                        <p:strVal val="visible"/>
-                                      </p:to>
-                                    </p:set>
-                                  </p:childTnLst>
-                                </p:cTn>
-                              </p:par>
-                              <p:par>
-                                <p:cTn id="13" presetID="1" presetClass="entr" presetSubtype="0" fill="hold" nodeType="withEffect">
-                                  <p:stCondLst>
-                                    <p:cond delay="0"/>
-                                  </p:stCondLst>
-                                  <p:childTnLst>
-                                    <p:set>
-                                      <p:cBhvr>
-                                        <p:cTn id="14" dur="1" fill="hold">
-                                          <p:stCondLst>
-                                            <p:cond delay="0"/>
-                                          </p:stCondLst>
-                                        </p:cTn>
-                                        <p:tgtEl>
-                                          <p:spTgt spid="320515">
-                                            <p:txEl>
-                                              <p:pRg st="7" end="7"/>
-                                            </p:txEl>
-                                          </p:spTgt>
-                                        </p:tgtEl>
-                                        <p:attrNameLst>
-                                          <p:attrName>style.visibility</p:attrName>
-                                        </p:attrNameLst>
-                                      </p:cBhvr>
-                                      <p:to>
-                                        <p:strVal val="visible"/>
-                                      </p:to>
-                                    </p:set>
-                                  </p:childTnLst>
-                                </p:cTn>
-                              </p:par>
-                            </p:childTnLst>
-                          </p:cTn>
-                        </p:par>
-                      </p:childTnLst>
-                    </p:cTn>
-                  </p:par>
-                  <p:par>
-                    <p:cTn id="15" fill="hold">
-                      <p:stCondLst>
-                        <p:cond delay="indefinite"/>
-                      </p:stCondLst>
-                      <p:childTnLst>
-                        <p:par>
-                          <p:cTn id="16" fill="hold">
-                            <p:stCondLst>
-                              <p:cond delay="0"/>
-                            </p:stCondLst>
-                            <p:childTnLst>
-                              <p:par>
-                                <p:cTn id="17" presetID="1" presetClass="entr" presetSubtype="0" fill="hold" nodeType="clickEffect">
-                                  <p:stCondLst>
-                                    <p:cond delay="0"/>
-                                  </p:stCondLst>
-                                  <p:childTnLst>
-                                    <p:set>
-                                      <p:cBhvr>
-                                        <p:cTn id="18" dur="1" fill="hold">
-                                          <p:stCondLst>
-                                            <p:cond delay="0"/>
-                                          </p:stCondLst>
-                                        </p:cTn>
-                                        <p:tgtEl>
-                                          <p:spTgt spid="7"/>
                                         </p:tgtEl>
                                         <p:attrNameLst>
                                           <p:attrName>style.visibility</p:attrName>
